--- a/nodejs.pptx
+++ b/nodejs.pptx
@@ -13,36 +13,43 @@
     <p:sldId id="262" r:id="rId7"/>
     <p:sldId id="260" r:id="rId8"/>
     <p:sldId id="283" r:id="rId9"/>
-    <p:sldId id="259" r:id="rId10"/>
-    <p:sldId id="293" r:id="rId11"/>
-    <p:sldId id="286" r:id="rId12"/>
-    <p:sldId id="285" r:id="rId13"/>
-    <p:sldId id="269" r:id="rId14"/>
-    <p:sldId id="288" r:id="rId15"/>
-    <p:sldId id="287" r:id="rId16"/>
-    <p:sldId id="276" r:id="rId17"/>
-    <p:sldId id="291" r:id="rId18"/>
-    <p:sldId id="277" r:id="rId19"/>
-    <p:sldId id="278" r:id="rId20"/>
-    <p:sldId id="279" r:id="rId21"/>
-    <p:sldId id="289" r:id="rId22"/>
-    <p:sldId id="280" r:id="rId23"/>
-    <p:sldId id="290" r:id="rId24"/>
-    <p:sldId id="281" r:id="rId25"/>
-    <p:sldId id="282" r:id="rId26"/>
-    <p:sldId id="292" r:id="rId27"/>
-    <p:sldId id="295" r:id="rId28"/>
-    <p:sldId id="296" r:id="rId29"/>
-    <p:sldId id="264" r:id="rId30"/>
-    <p:sldId id="294" r:id="rId31"/>
-    <p:sldId id="263" r:id="rId32"/>
-    <p:sldId id="271" r:id="rId33"/>
-    <p:sldId id="284" r:id="rId34"/>
-    <p:sldId id="265" r:id="rId35"/>
-    <p:sldId id="272" r:id="rId36"/>
-    <p:sldId id="273" r:id="rId37"/>
-    <p:sldId id="275" r:id="rId38"/>
-    <p:sldId id="274" r:id="rId39"/>
+    <p:sldId id="303" r:id="rId10"/>
+    <p:sldId id="297" r:id="rId11"/>
+    <p:sldId id="259" r:id="rId12"/>
+    <p:sldId id="299" r:id="rId13"/>
+    <p:sldId id="293" r:id="rId14"/>
+    <p:sldId id="285" r:id="rId15"/>
+    <p:sldId id="269" r:id="rId16"/>
+    <p:sldId id="286" r:id="rId17"/>
+    <p:sldId id="288" r:id="rId18"/>
+    <p:sldId id="287" r:id="rId19"/>
+    <p:sldId id="276" r:id="rId20"/>
+    <p:sldId id="291" r:id="rId21"/>
+    <p:sldId id="277" r:id="rId22"/>
+    <p:sldId id="278" r:id="rId23"/>
+    <p:sldId id="279" r:id="rId24"/>
+    <p:sldId id="304" r:id="rId25"/>
+    <p:sldId id="289" r:id="rId26"/>
+    <p:sldId id="280" r:id="rId27"/>
+    <p:sldId id="290" r:id="rId28"/>
+    <p:sldId id="281" r:id="rId29"/>
+    <p:sldId id="300" r:id="rId30"/>
+    <p:sldId id="282" r:id="rId31"/>
+    <p:sldId id="302" r:id="rId32"/>
+    <p:sldId id="292" r:id="rId33"/>
+    <p:sldId id="295" r:id="rId34"/>
+    <p:sldId id="296" r:id="rId35"/>
+    <p:sldId id="264" r:id="rId36"/>
+    <p:sldId id="294" r:id="rId37"/>
+    <p:sldId id="263" r:id="rId38"/>
+    <p:sldId id="271" r:id="rId39"/>
+    <p:sldId id="284" r:id="rId40"/>
+    <p:sldId id="305" r:id="rId41"/>
+    <p:sldId id="265" r:id="rId42"/>
+    <p:sldId id="272" r:id="rId43"/>
+    <p:sldId id="273" r:id="rId44"/>
+    <p:sldId id="275" r:id="rId45"/>
+    <p:sldId id="274" r:id="rId46"/>
   </p:sldIdLst>
   <p:sldSz cx="9144000" cy="6858000" type="screen4x3"/>
   <p:notesSz cx="6858000" cy="9144000"/>
@@ -162,15 +169,18 @@
           <p14:sldIdLst>
             <p14:sldId id="260"/>
             <p14:sldId id="283"/>
+            <p14:sldId id="303"/>
+            <p14:sldId id="297"/>
           </p14:sldIdLst>
         </p14:section>
         <p14:section name="nodejs modules" id="{ECD057B5-6093-4CEF-A26F-B340FD228A90}">
           <p14:sldIdLst>
             <p14:sldId id="259"/>
+            <p14:sldId id="299"/>
             <p14:sldId id="293"/>
-            <p14:sldId id="286"/>
             <p14:sldId id="285"/>
             <p14:sldId id="269"/>
+            <p14:sldId id="286"/>
             <p14:sldId id="288"/>
             <p14:sldId id="287"/>
             <p14:sldId id="276"/>
@@ -178,19 +188,31 @@
             <p14:sldId id="277"/>
             <p14:sldId id="278"/>
             <p14:sldId id="279"/>
+            <p14:sldId id="304"/>
             <p14:sldId id="289"/>
             <p14:sldId id="280"/>
             <p14:sldId id="290"/>
             <p14:sldId id="281"/>
+            <p14:sldId id="300"/>
             <p14:sldId id="282"/>
+            <p14:sldId id="302"/>
             <p14:sldId id="292"/>
             <p14:sldId id="295"/>
             <p14:sldId id="296"/>
+          </p14:sldIdLst>
+        </p14:section>
+        <p14:section name="debug nodejs" id="{46B7B480-8834-49A3-B901-A6D41950F6AB}">
+          <p14:sldIdLst>
             <p14:sldId id="264"/>
             <p14:sldId id="294"/>
+          </p14:sldIdLst>
+        </p14:section>
+        <p14:section name="nodejs project examples" id="{271E48CD-023C-48FB-A08C-6975B9932E4F}">
+          <p14:sldIdLst>
             <p14:sldId id="263"/>
             <p14:sldId id="271"/>
             <p14:sldId id="284"/>
+            <p14:sldId id="305"/>
           </p14:sldIdLst>
         </p14:section>
         <p14:section name="js tests" id="{3CB1DE23-F716-4514-9EA9-5AB8DABD0CD4}">
@@ -3195,7 +3217,7 @@
           <a:p>
             <a:fld id="{2FBFFDC2-0C34-41BE-ACA9-7D249334FCCF}" type="datetimeFigureOut">
               <a:rPr lang="en-US" smtClean="0"/>
-              <a:t>11/14/2013</a:t>
+              <a:t>11/27/2013</a:t>
             </a:fld>
             <a:endParaRPr lang="en-US"/>
           </a:p>
@@ -5689,6 +5711,1253 @@
           <a:chExt cx="0" cy="0"/>
         </a:xfrm>
       </p:grpSpPr>
+      <p:sp>
+        <p:nvSpPr>
+          <p:cNvPr id="2" name="Content Placeholder 1"/>
+          <p:cNvSpPr>
+            <a:spLocks noGrp="1"/>
+          </p:cNvSpPr>
+          <p:nvPr>
+            <p:ph sz="quarter" idx="10"/>
+          </p:nvPr>
+        </p:nvSpPr>
+        <p:spPr/>
+        <p:txBody>
+          <a:bodyPr/>
+          <a:lstStyle/>
+          <a:p>
+            <a:pPr marL="285750" indent="-285750">
+              <a:buFont typeface="Arial" panose="020B0604020202020204" pitchFamily="34" charset="0"/>
+              <a:buChar char="•"/>
+            </a:pPr>
+            <a:r>
+              <a:rPr lang="en-US" dirty="0" smtClean="0"/>
+              <a:t>In tradition web-server, requests are handled one by one, result in much IO-waiting</a:t>
+            </a:r>
+          </a:p>
+          <a:p>
+            <a:pPr marL="285750" indent="-285750">
+              <a:buFont typeface="Arial" panose="020B0604020202020204" pitchFamily="34" charset="0"/>
+              <a:buChar char="•"/>
+            </a:pPr>
+            <a:r>
+              <a:rPr lang="en-US" dirty="0" smtClean="0"/>
+              <a:t>In </a:t>
+            </a:r>
+            <a:r>
+              <a:rPr lang="en-US" dirty="0" err="1" smtClean="0"/>
+              <a:t>NodeJS</a:t>
+            </a:r>
+            <a:r>
+              <a:rPr lang="en-US" dirty="0" smtClean="0"/>
+              <a:t>, Long operation can be handled as </a:t>
+            </a:r>
+            <a:r>
+              <a:rPr lang="en-US" dirty="0" smtClean="0">
+                <a:solidFill>
+                  <a:srgbClr val="FF0000"/>
+                </a:solidFill>
+              </a:rPr>
+              <a:t>asynchronous </a:t>
+            </a:r>
+            <a:r>
+              <a:rPr lang="en-US" dirty="0" smtClean="0"/>
+              <a:t>event’s callbacks </a:t>
+            </a:r>
+          </a:p>
+          <a:p>
+            <a:pPr marL="285750" indent="-285750">
+              <a:buFont typeface="Arial" panose="020B0604020202020204" pitchFamily="34" charset="0"/>
+              <a:buChar char="•"/>
+            </a:pPr>
+            <a:r>
+              <a:rPr lang="en-US" dirty="0" smtClean="0"/>
+              <a:t>while one request is in its event-callback, the other can be handled : </a:t>
+            </a:r>
+          </a:p>
+          <a:p>
+            <a:pPr marL="285750" indent="-285750">
+              <a:buFont typeface="Arial" panose="020B0604020202020204" pitchFamily="34" charset="0"/>
+              <a:buChar char="•"/>
+            </a:pPr>
+            <a:r>
+              <a:rPr lang="en-US" dirty="0" smtClean="0"/>
+              <a:t>in this way     </a:t>
+            </a:r>
+            <a:endParaRPr lang="en-US" dirty="0"/>
+          </a:p>
+          <a:p>
+            <a:pPr marL="465750" lvl="2" indent="-285750">
+              <a:buFont typeface="Arial" panose="020B0604020202020204" pitchFamily="34" charset="0"/>
+              <a:buChar char="•"/>
+            </a:pPr>
+            <a:r>
+              <a:rPr lang="en-US" dirty="0" smtClean="0"/>
+              <a:t>Little time </a:t>
+            </a:r>
+            <a:r>
+              <a:rPr lang="en-US" dirty="0"/>
+              <a:t>waiting</a:t>
+            </a:r>
+          </a:p>
+          <a:p>
+            <a:pPr marL="465750" lvl="2" indent="-285750">
+              <a:buFont typeface="Arial" panose="020B0604020202020204" pitchFamily="34" charset="0"/>
+              <a:buChar char="•"/>
+            </a:pPr>
+            <a:r>
+              <a:rPr lang="en-US" dirty="0"/>
+              <a:t>high concurrency</a:t>
+            </a:r>
+          </a:p>
+          <a:p>
+            <a:pPr marL="465750" lvl="2" indent="-285750">
+              <a:buFont typeface="Arial" panose="020B0604020202020204" pitchFamily="34" charset="0"/>
+              <a:buChar char="•"/>
+            </a:pPr>
+            <a:r>
+              <a:rPr lang="en-US" dirty="0"/>
+              <a:t>Low Latency</a:t>
+            </a:r>
+          </a:p>
+          <a:p>
+            <a:endParaRPr lang="en-US" dirty="0" smtClean="0"/>
+          </a:p>
+        </p:txBody>
+      </p:sp>
+      <p:sp>
+        <p:nvSpPr>
+          <p:cNvPr id="3" name="Title 2"/>
+          <p:cNvSpPr>
+            <a:spLocks noGrp="1"/>
+          </p:cNvSpPr>
+          <p:nvPr>
+            <p:ph type="title"/>
+          </p:nvPr>
+        </p:nvSpPr>
+        <p:spPr/>
+        <p:txBody>
+          <a:bodyPr/>
+          <a:lstStyle/>
+          <a:p>
+            <a:r>
+              <a:rPr lang="en-US" dirty="0" err="1" smtClean="0">
+                <a:hlinkClick r:id="rId2"/>
+              </a:rPr>
+              <a:t>NodeJS</a:t>
+            </a:r>
+            <a:r>
+              <a:rPr lang="en-US" dirty="0" smtClean="0">
+                <a:hlinkClick r:id="rId2"/>
+              </a:rPr>
+              <a:t> Event-driven summary</a:t>
+            </a:r>
+            <a:endParaRPr lang="en-US" dirty="0"/>
+          </a:p>
+        </p:txBody>
+      </p:sp>
+      <p:pic>
+        <p:nvPicPr>
+          <p:cNvPr id="1026" name="Picture 2" descr="C:\Users\I303035\Desktop\loo1p.png"/>
+          <p:cNvPicPr>
+            <a:picLocks noChangeAspect="1" noChangeArrowheads="1"/>
+          </p:cNvPicPr>
+          <p:nvPr/>
+        </p:nvPicPr>
+        <p:blipFill>
+          <a:blip r:embed="rId3">
+            <a:extLst>
+              <a:ext uri="{28A0092B-C50C-407E-A947-70E740481C1C}">
+                <a14:useLocalDpi xmlns:a14="http://schemas.microsoft.com/office/drawing/2010/main" val="0"/>
+              </a:ext>
+            </a:extLst>
+          </a:blip>
+          <a:srcRect/>
+          <a:stretch>
+            <a:fillRect/>
+          </a:stretch>
+        </p:blipFill>
+        <p:spPr bwMode="auto">
+          <a:xfrm>
+            <a:off x="5436096" y="3404809"/>
+            <a:ext cx="2915816" cy="3274686"/>
+          </a:xfrm>
+          <a:prstGeom prst="rect">
+            <a:avLst/>
+          </a:prstGeom>
+          <a:noFill/>
+          <a:extLst>
+            <a:ext uri="{909E8E84-426E-40DD-AFC4-6F175D3DCCD1}">
+              <a14:hiddenFill xmlns:a14="http://schemas.microsoft.com/office/drawing/2010/main">
+                <a:solidFill>
+                  <a:srgbClr val="FFFFFF"/>
+                </a:solidFill>
+              </a14:hiddenFill>
+            </a:ext>
+          </a:extLst>
+        </p:spPr>
+      </p:pic>
+      <p:sp>
+        <p:nvSpPr>
+          <p:cNvPr id="4" name="Right Arrow 3"/>
+          <p:cNvSpPr/>
+          <p:nvPr/>
+        </p:nvSpPr>
+        <p:spPr bwMode="gray">
+          <a:xfrm>
+            <a:off x="1871700" y="3763888"/>
+            <a:ext cx="216024" cy="144016"/>
+          </a:xfrm>
+          <a:prstGeom prst="rightArrow">
+            <a:avLst/>
+          </a:prstGeom>
+          <a:solidFill>
+            <a:schemeClr val="accent1"/>
+          </a:solidFill>
+          <a:ln w="6350" algn="ctr">
+            <a:noFill/>
+            <a:miter lim="800000"/>
+            <a:headEnd/>
+            <a:tailEnd/>
+          </a:ln>
+        </p:spPr>
+        <p:txBody>
+          <a:bodyPr lIns="90000" tIns="72000" rIns="90000" bIns="72000" rtlCol="0" anchor="ctr"/>
+          <a:lstStyle/>
+          <a:p>
+            <a:pPr marR="0" algn="ctr" defTabSz="914400" eaLnBrk="1" fontAlgn="base" latinLnBrk="0" hangingPunct="1">
+              <a:lnSpc>
+                <a:spcPct val="100000"/>
+              </a:lnSpc>
+              <a:spcBef>
+                <a:spcPct val="50000"/>
+              </a:spcBef>
+              <a:spcAft>
+                <a:spcPct val="0"/>
+              </a:spcAft>
+              <a:buClr>
+                <a:srgbClr val="F0AB00"/>
+              </a:buClr>
+              <a:buSzPct val="80000"/>
+              <a:tabLst/>
+            </a:pPr>
+            <a:endParaRPr kumimoji="0" lang="en-US" b="0" i="0" u="none" strike="noStrike" kern="0" cap="none" spc="0" normalizeH="0" baseline="0" noProof="0" dirty="0" smtClean="0">
+              <a:ln>
+                <a:noFill/>
+              </a:ln>
+              <a:effectLst/>
+              <a:uLnTx/>
+              <a:uFillTx/>
+              <a:ea typeface="Arial Unicode MS" pitchFamily="34" charset="-128"/>
+              <a:cs typeface="Arial Unicode MS" pitchFamily="34" charset="-128"/>
+            </a:endParaRPr>
+          </a:p>
+        </p:txBody>
+      </p:sp>
+    </p:spTree>
+    <p:extLst>
+      <p:ext uri="{BB962C8B-B14F-4D97-AF65-F5344CB8AC3E}">
+        <p14:creationId xmlns:p14="http://schemas.microsoft.com/office/powerpoint/2010/main" val="1278156041"/>
+      </p:ext>
+    </p:extLst>
+  </p:cSld>
+  <p:clrMapOvr>
+    <a:masterClrMapping/>
+  </p:clrMapOvr>
+</p:sld>
+</file>
+
+<file path=ppt/slides/slide11.xml><?xml version="1.0" encoding="utf-8"?>
+<p:sld xmlns:a="http://schemas.openxmlformats.org/drawingml/2006/main" xmlns:r="http://schemas.openxmlformats.org/officeDocument/2006/relationships" xmlns:p="http://schemas.openxmlformats.org/presentationml/2006/main">
+  <p:cSld>
+    <p:spTree>
+      <p:nvGrpSpPr>
+        <p:cNvPr id="1" name=""/>
+        <p:cNvGrpSpPr/>
+        <p:nvPr/>
+      </p:nvGrpSpPr>
+      <p:grpSpPr>
+        <a:xfrm>
+          <a:off x="0" y="0"/>
+          <a:ext cx="0" cy="0"/>
+          <a:chOff x="0" y="0"/>
+          <a:chExt cx="0" cy="0"/>
+        </a:xfrm>
+      </p:grpSpPr>
+      <p:sp>
+        <p:nvSpPr>
+          <p:cNvPr id="3" name="Title 2"/>
+          <p:cNvSpPr>
+            <a:spLocks noGrp="1"/>
+          </p:cNvSpPr>
+          <p:nvPr>
+            <p:ph type="title"/>
+          </p:nvPr>
+        </p:nvSpPr>
+        <p:spPr/>
+        <p:txBody>
+          <a:bodyPr/>
+          <a:lstStyle/>
+          <a:p>
+            <a:r>
+              <a:rPr lang="en-US" altLang="zh-CN" dirty="0" smtClean="0"/>
+              <a:t>3 Use modules</a:t>
+            </a:r>
+            <a:endParaRPr lang="en-US" dirty="0"/>
+          </a:p>
+        </p:txBody>
+      </p:sp>
+      <p:pic>
+        <p:nvPicPr>
+          <p:cNvPr id="2" name="Picture 1"/>
+          <p:cNvPicPr>
+            <a:picLocks noChangeAspect="1"/>
+          </p:cNvPicPr>
+          <p:nvPr/>
+        </p:nvPicPr>
+        <p:blipFill>
+          <a:blip r:embed="rId2">
+            <a:extLst>
+              <a:ext uri="{28A0092B-C50C-407E-A947-70E740481C1C}">
+                <a14:useLocalDpi xmlns:a14="http://schemas.microsoft.com/office/drawing/2010/main" val="0"/>
+              </a:ext>
+            </a:extLst>
+          </a:blip>
+          <a:stretch>
+            <a:fillRect/>
+          </a:stretch>
+        </p:blipFill>
+        <p:spPr>
+          <a:xfrm>
+            <a:off x="2339752" y="3284984"/>
+            <a:ext cx="3301588" cy="1536508"/>
+          </a:xfrm>
+          <a:prstGeom prst="rect">
+            <a:avLst/>
+          </a:prstGeom>
+        </p:spPr>
+      </p:pic>
+      <p:sp>
+        <p:nvSpPr>
+          <p:cNvPr id="4" name="TextBox 3"/>
+          <p:cNvSpPr txBox="1"/>
+          <p:nvPr/>
+        </p:nvSpPr>
+        <p:spPr>
+          <a:xfrm>
+            <a:off x="467544" y="1607096"/>
+            <a:ext cx="7596631" cy="1107996"/>
+          </a:xfrm>
+          <a:prstGeom prst="rect">
+            <a:avLst/>
+          </a:prstGeom>
+          <a:noFill/>
+        </p:spPr>
+        <p:txBody>
+          <a:bodyPr wrap="none" lIns="0" tIns="0" rIns="0" bIns="0" rtlCol="0">
+            <a:spAutoFit/>
+          </a:bodyPr>
+          <a:lstStyle/>
+          <a:p>
+            <a:pPr marL="285750" indent="-285750" fontAlgn="base">
+              <a:spcBef>
+                <a:spcPct val="50000"/>
+              </a:spcBef>
+              <a:spcAft>
+                <a:spcPct val="0"/>
+              </a:spcAft>
+              <a:buClr>
+                <a:srgbClr val="F0AB00"/>
+              </a:buClr>
+              <a:buSzPct val="80000"/>
+              <a:buFont typeface="Arial" panose="020B0604020202020204" pitchFamily="34" charset="0"/>
+              <a:buChar char="•"/>
+            </a:pPr>
+            <a:r>
+              <a:rPr lang="en-US" sz="1800" b="1" kern="0" dirty="0" smtClean="0">
+                <a:ea typeface="Arial Unicode MS" pitchFamily="34" charset="-128"/>
+                <a:cs typeface="Arial Unicode MS" pitchFamily="34" charset="-128"/>
+              </a:rPr>
+              <a:t>With modules, we can make our code reusable, just like ‘library’</a:t>
+            </a:r>
+          </a:p>
+          <a:p>
+            <a:pPr marL="285750" indent="-285750" fontAlgn="base">
+              <a:spcBef>
+                <a:spcPct val="50000"/>
+              </a:spcBef>
+              <a:spcAft>
+                <a:spcPct val="0"/>
+              </a:spcAft>
+              <a:buClr>
+                <a:srgbClr val="F0AB00"/>
+              </a:buClr>
+              <a:buSzPct val="80000"/>
+              <a:buFont typeface="Arial" panose="020B0604020202020204" pitchFamily="34" charset="0"/>
+              <a:buChar char="•"/>
+            </a:pPr>
+            <a:r>
+              <a:rPr lang="en-US" kern="0" dirty="0" smtClean="0">
+                <a:ea typeface="Arial Unicode MS" pitchFamily="34" charset="-128"/>
+                <a:cs typeface="Arial Unicode MS" pitchFamily="34" charset="-128"/>
+              </a:rPr>
+              <a:t>In </a:t>
+            </a:r>
+            <a:r>
+              <a:rPr lang="en-US" kern="0" dirty="0" err="1" smtClean="0">
+                <a:ea typeface="Arial Unicode MS" pitchFamily="34" charset="-128"/>
+                <a:cs typeface="Arial Unicode MS" pitchFamily="34" charset="-128"/>
+              </a:rPr>
+              <a:t>nodejs</a:t>
+            </a:r>
+            <a:r>
+              <a:rPr lang="en-US" kern="0" dirty="0" smtClean="0">
+                <a:ea typeface="Arial Unicode MS" pitchFamily="34" charset="-128"/>
+                <a:cs typeface="Arial Unicode MS" pitchFamily="34" charset="-128"/>
+              </a:rPr>
+              <a:t>, Every module exports some variable like ‘</a:t>
+            </a:r>
+            <a:r>
+              <a:rPr lang="en-US" kern="0" dirty="0" err="1" smtClean="0">
+                <a:ea typeface="Arial Unicode MS" pitchFamily="34" charset="-128"/>
+                <a:cs typeface="Arial Unicode MS" pitchFamily="34" charset="-128"/>
+              </a:rPr>
+              <a:t>module.exports</a:t>
+            </a:r>
+            <a:r>
+              <a:rPr lang="en-US" kern="0" dirty="0" smtClean="0">
+                <a:ea typeface="Arial Unicode MS" pitchFamily="34" charset="-128"/>
+                <a:cs typeface="Arial Unicode MS" pitchFamily="34" charset="-128"/>
+              </a:rPr>
+              <a:t>=…’</a:t>
+            </a:r>
+          </a:p>
+          <a:p>
+            <a:pPr marL="285750" indent="-285750" fontAlgn="base">
+              <a:spcBef>
+                <a:spcPct val="50000"/>
+              </a:spcBef>
+              <a:spcAft>
+                <a:spcPct val="0"/>
+              </a:spcAft>
+              <a:buClr>
+                <a:srgbClr val="F0AB00"/>
+              </a:buClr>
+              <a:buSzPct val="80000"/>
+              <a:buFont typeface="Arial" panose="020B0604020202020204" pitchFamily="34" charset="0"/>
+              <a:buChar char="•"/>
+            </a:pPr>
+            <a:r>
+              <a:rPr lang="en-US" sz="1800" kern="0" dirty="0" smtClean="0">
+                <a:ea typeface="Arial Unicode MS" pitchFamily="34" charset="-128"/>
+                <a:cs typeface="Arial Unicode MS" pitchFamily="34" charset="-128"/>
+              </a:rPr>
+              <a:t>Every module can also use other modules like ‘require SOMEMOD’</a:t>
+            </a:r>
+          </a:p>
+        </p:txBody>
+      </p:sp>
+    </p:spTree>
+    <p:extLst>
+      <p:ext uri="{BB962C8B-B14F-4D97-AF65-F5344CB8AC3E}">
+        <p14:creationId xmlns:p14="http://schemas.microsoft.com/office/powerpoint/2010/main" val="1618336075"/>
+      </p:ext>
+    </p:extLst>
+  </p:cSld>
+  <p:clrMapOvr>
+    <a:masterClrMapping/>
+  </p:clrMapOvr>
+  <p:timing>
+    <p:tnLst>
+      <p:par>
+        <p:cTn id="1" dur="indefinite" restart="never" nodeType="tmRoot"/>
+      </p:par>
+    </p:tnLst>
+  </p:timing>
+</p:sld>
+</file>
+
+<file path=ppt/slides/slide12.xml><?xml version="1.0" encoding="utf-8"?>
+<p:sld xmlns:a="http://schemas.openxmlformats.org/drawingml/2006/main" xmlns:r="http://schemas.openxmlformats.org/officeDocument/2006/relationships" xmlns:p="http://schemas.openxmlformats.org/presentationml/2006/main">
+  <p:cSld>
+    <p:spTree>
+      <p:nvGrpSpPr>
+        <p:cNvPr id="1" name=""/>
+        <p:cNvGrpSpPr/>
+        <p:nvPr/>
+      </p:nvGrpSpPr>
+      <p:grpSpPr>
+        <a:xfrm>
+          <a:off x="0" y="0"/>
+          <a:ext cx="0" cy="0"/>
+          <a:chOff x="0" y="0"/>
+          <a:chExt cx="0" cy="0"/>
+        </a:xfrm>
+      </p:grpSpPr>
+      <p:sp>
+        <p:nvSpPr>
+          <p:cNvPr id="3" name="Title 2"/>
+          <p:cNvSpPr>
+            <a:spLocks noGrp="1"/>
+          </p:cNvSpPr>
+          <p:nvPr>
+            <p:ph type="title"/>
+          </p:nvPr>
+        </p:nvSpPr>
+        <p:spPr/>
+        <p:txBody>
+          <a:bodyPr/>
+          <a:lstStyle/>
+          <a:p>
+            <a:r>
+              <a:rPr lang="en-US" altLang="zh-CN" dirty="0" smtClean="0"/>
+              <a:t>3 Use modules</a:t>
+            </a:r>
+            <a:endParaRPr lang="en-US" dirty="0"/>
+          </a:p>
+        </p:txBody>
+      </p:sp>
+      <p:sp>
+        <p:nvSpPr>
+          <p:cNvPr id="13" name="TextBox 12"/>
+          <p:cNvSpPr txBox="1"/>
+          <p:nvPr/>
+        </p:nvSpPr>
+        <p:spPr>
+          <a:xfrm>
+            <a:off x="497630" y="1436566"/>
+            <a:ext cx="6666658" cy="369332"/>
+          </a:xfrm>
+          <a:prstGeom prst="rect">
+            <a:avLst/>
+          </a:prstGeom>
+          <a:noFill/>
+        </p:spPr>
+        <p:txBody>
+          <a:bodyPr wrap="square" rtlCol="0">
+            <a:spAutoFit/>
+          </a:bodyPr>
+          <a:lstStyle/>
+          <a:p>
+            <a:pPr marL="285750" indent="-285750">
+              <a:buFont typeface="Arial" panose="020B0604020202020204" pitchFamily="34" charset="0"/>
+              <a:buChar char="•"/>
+            </a:pPr>
+            <a:r>
+              <a:rPr lang="en-US" b="1" dirty="0" smtClean="0">
+                <a:solidFill>
+                  <a:schemeClr val="tx2">
+                    <a:lumMod val="75000"/>
+                  </a:schemeClr>
+                </a:solidFill>
+                <a:latin typeface="Arial" panose="020B0604020202020204" pitchFamily="34" charset="0"/>
+                <a:cs typeface="Arial" panose="020B0604020202020204" pitchFamily="34" charset="0"/>
+              </a:rPr>
+              <a:t>Define</a:t>
+            </a:r>
+            <a:r>
+              <a:rPr lang="en-US" b="1" dirty="0" smtClean="0">
+                <a:latin typeface="Arial" panose="020B0604020202020204" pitchFamily="34" charset="0"/>
+                <a:cs typeface="Arial" panose="020B0604020202020204" pitchFamily="34" charset="0"/>
+              </a:rPr>
+              <a:t> a module</a:t>
+            </a:r>
+            <a:endParaRPr lang="en-US" dirty="0"/>
+          </a:p>
+        </p:txBody>
+      </p:sp>
+      <p:sp>
+        <p:nvSpPr>
+          <p:cNvPr id="16" name="object 6"/>
+          <p:cNvSpPr txBox="1">
+            <a:spLocks/>
+          </p:cNvSpPr>
+          <p:nvPr/>
+        </p:nvSpPr>
+        <p:spPr bwMode="gray">
+          <a:xfrm>
+            <a:off x="569639" y="2204864"/>
+            <a:ext cx="7674769" cy="864096"/>
+          </a:xfrm>
+          <a:prstGeom prst="rect">
+            <a:avLst/>
+          </a:prstGeom>
+          <a:solidFill>
+            <a:schemeClr val="tx1">
+              <a:lumMod val="75000"/>
+            </a:schemeClr>
+          </a:solidFill>
+          <a:ln>
+            <a:noFill/>
+          </a:ln>
+          <a:effectLst/>
+          <a:extLst>
+            <a:ext uri="{91240B29-F687-4F45-9708-019B960494DF}">
+              <a14:hiddenLine xmlns:a14="http://schemas.microsoft.com/office/drawing/2010/main" w="9525">
+                <a:solidFill>
+                  <a:schemeClr val="tx1"/>
+                </a:solidFill>
+                <a:miter lim="800000"/>
+                <a:headEnd/>
+                <a:tailEnd/>
+              </a14:hiddenLine>
+            </a:ext>
+            <a:ext uri="{AF507438-7753-43E0-B8FC-AC1667EBCBE1}">
+              <a14:hiddenEffects xmlns:a14="http://schemas.microsoft.com/office/drawing/2010/main">
+                <a:effectLst>
+                  <a:outerShdw dist="35921" dir="2700000" algn="ctr" rotWithShape="0">
+                    <a:schemeClr val="bg2"/>
+                  </a:outerShdw>
+                </a:effectLst>
+              </a14:hiddenEffects>
+            </a:ext>
+          </a:extLst>
+        </p:spPr>
+        <p:txBody>
+          <a:bodyPr vert="horz" wrap="square" lIns="91440" tIns="45720" rIns="91440" bIns="45720" numCol="1" anchor="t" anchorCtr="0" compatLnSpc="1">
+            <a:prstTxWarp prst="textNoShape">
+              <a:avLst/>
+            </a:prstTxWarp>
+            <a:noAutofit/>
+          </a:bodyPr>
+          <a:lstStyle>
+            <a:lvl1pPr marL="342900" indent="-342900" algn="l" rtl="0" eaLnBrk="1" fontAlgn="base" hangingPunct="1">
+              <a:spcBef>
+                <a:spcPct val="20000"/>
+              </a:spcBef>
+              <a:spcAft>
+                <a:spcPct val="0"/>
+              </a:spcAft>
+              <a:buClr>
+                <a:schemeClr val="hlink"/>
+              </a:buClr>
+              <a:buFont typeface="Wingdings" pitchFamily="2" charset="2"/>
+              <a:buChar char="v"/>
+              <a:defRPr sz="2800" b="1">
+                <a:solidFill>
+                  <a:schemeClr val="hlink"/>
+                </a:solidFill>
+                <a:latin typeface="+mn-lt"/>
+                <a:ea typeface="+mn-ea"/>
+                <a:cs typeface="+mn-cs"/>
+              </a:defRPr>
+            </a:lvl1pPr>
+            <a:lvl2pPr marL="742950" indent="-285750" algn="l" rtl="0" eaLnBrk="1" fontAlgn="base" hangingPunct="1">
+              <a:spcBef>
+                <a:spcPct val="20000"/>
+              </a:spcBef>
+              <a:spcAft>
+                <a:spcPct val="0"/>
+              </a:spcAft>
+              <a:buClr>
+                <a:schemeClr val="accent1"/>
+              </a:buClr>
+              <a:buFont typeface="Wingdings" pitchFamily="2" charset="2"/>
+              <a:buChar char="§"/>
+              <a:defRPr sz="2800">
+                <a:solidFill>
+                  <a:schemeClr val="tx1"/>
+                </a:solidFill>
+                <a:latin typeface="Arial" charset="0"/>
+              </a:defRPr>
+            </a:lvl2pPr>
+            <a:lvl3pPr marL="1143000" indent="-228600" algn="l" rtl="0" eaLnBrk="1" fontAlgn="base" hangingPunct="1">
+              <a:spcBef>
+                <a:spcPct val="20000"/>
+              </a:spcBef>
+              <a:spcAft>
+                <a:spcPct val="0"/>
+              </a:spcAft>
+              <a:buClr>
+                <a:schemeClr val="tx1"/>
+              </a:buClr>
+              <a:buChar char="•"/>
+              <a:defRPr sz="2400">
+                <a:solidFill>
+                  <a:schemeClr val="tx1"/>
+                </a:solidFill>
+                <a:latin typeface="Arial" charset="0"/>
+              </a:defRPr>
+            </a:lvl3pPr>
+            <a:lvl4pPr marL="1600200" indent="-228600" algn="l" rtl="0" eaLnBrk="1" fontAlgn="base" hangingPunct="1">
+              <a:spcBef>
+                <a:spcPct val="20000"/>
+              </a:spcBef>
+              <a:spcAft>
+                <a:spcPct val="0"/>
+              </a:spcAft>
+              <a:buChar char="–"/>
+              <a:defRPr sz="2000">
+                <a:solidFill>
+                  <a:schemeClr val="tx1"/>
+                </a:solidFill>
+                <a:latin typeface="Arial" charset="0"/>
+              </a:defRPr>
+            </a:lvl4pPr>
+            <a:lvl5pPr marL="2057400" indent="-228600" algn="l" rtl="0" eaLnBrk="1" fontAlgn="base" hangingPunct="1">
+              <a:spcBef>
+                <a:spcPct val="20000"/>
+              </a:spcBef>
+              <a:spcAft>
+                <a:spcPct val="0"/>
+              </a:spcAft>
+              <a:buChar char="»"/>
+              <a:defRPr sz="2000">
+                <a:solidFill>
+                  <a:schemeClr val="tx1"/>
+                </a:solidFill>
+                <a:latin typeface="Arial" charset="0"/>
+              </a:defRPr>
+            </a:lvl5pPr>
+            <a:lvl6pPr marL="2514600" indent="-228600" algn="l" rtl="0" eaLnBrk="1" fontAlgn="base" hangingPunct="1">
+              <a:spcBef>
+                <a:spcPct val="20000"/>
+              </a:spcBef>
+              <a:spcAft>
+                <a:spcPct val="0"/>
+              </a:spcAft>
+              <a:buChar char="»"/>
+              <a:defRPr sz="2000">
+                <a:solidFill>
+                  <a:schemeClr val="tx1"/>
+                </a:solidFill>
+                <a:latin typeface="Arial" charset="0"/>
+              </a:defRPr>
+            </a:lvl6pPr>
+            <a:lvl7pPr marL="2971800" indent="-228600" algn="l" rtl="0" eaLnBrk="1" fontAlgn="base" hangingPunct="1">
+              <a:spcBef>
+                <a:spcPct val="20000"/>
+              </a:spcBef>
+              <a:spcAft>
+                <a:spcPct val="0"/>
+              </a:spcAft>
+              <a:buChar char="»"/>
+              <a:defRPr sz="2000">
+                <a:solidFill>
+                  <a:schemeClr val="tx1"/>
+                </a:solidFill>
+                <a:latin typeface="Arial" charset="0"/>
+              </a:defRPr>
+            </a:lvl7pPr>
+            <a:lvl8pPr marL="3429000" indent="-228600" algn="l" rtl="0" eaLnBrk="1" fontAlgn="base" hangingPunct="1">
+              <a:spcBef>
+                <a:spcPct val="20000"/>
+              </a:spcBef>
+              <a:spcAft>
+                <a:spcPct val="0"/>
+              </a:spcAft>
+              <a:buChar char="»"/>
+              <a:defRPr sz="2000">
+                <a:solidFill>
+                  <a:schemeClr val="tx1"/>
+                </a:solidFill>
+                <a:latin typeface="Arial" charset="0"/>
+              </a:defRPr>
+            </a:lvl8pPr>
+            <a:lvl9pPr marL="3886200" indent="-228600" algn="l" rtl="0" eaLnBrk="1" fontAlgn="base" hangingPunct="1">
+              <a:spcBef>
+                <a:spcPct val="20000"/>
+              </a:spcBef>
+              <a:spcAft>
+                <a:spcPct val="0"/>
+              </a:spcAft>
+              <a:buChar char="»"/>
+              <a:defRPr sz="2000">
+                <a:solidFill>
+                  <a:schemeClr val="tx1"/>
+                </a:solidFill>
+                <a:latin typeface="Arial" charset="0"/>
+              </a:defRPr>
+            </a:lvl9pPr>
+          </a:lstStyle>
+          <a:p>
+            <a:r>
+              <a:rPr lang="en-US" sz="1400" dirty="0" err="1" smtClean="0">
+                <a:solidFill>
+                  <a:schemeClr val="bg1"/>
+                </a:solidFill>
+                <a:latin typeface="宋体" panose="02010600030101010101" pitchFamily="2" charset="-122"/>
+                <a:ea typeface="宋体" panose="02010600030101010101" pitchFamily="2" charset="-122"/>
+              </a:rPr>
+              <a:t>var</a:t>
+            </a:r>
+            <a:r>
+              <a:rPr lang="en-US" sz="1400" dirty="0" smtClean="0">
+                <a:solidFill>
+                  <a:schemeClr val="bg1"/>
+                </a:solidFill>
+                <a:latin typeface="宋体" panose="02010600030101010101" pitchFamily="2" charset="-122"/>
+                <a:ea typeface="宋体" panose="02010600030101010101" pitchFamily="2" charset="-122"/>
+              </a:rPr>
+              <a:t> PI = </a:t>
+            </a:r>
+            <a:r>
+              <a:rPr lang="en-US" sz="1400" dirty="0" err="1" smtClean="0">
+                <a:solidFill>
+                  <a:schemeClr val="bg1"/>
+                </a:solidFill>
+                <a:latin typeface="宋体" panose="02010600030101010101" pitchFamily="2" charset="-122"/>
+                <a:ea typeface="宋体" panose="02010600030101010101" pitchFamily="2" charset="-122"/>
+              </a:rPr>
+              <a:t>Math.PI</a:t>
+            </a:r>
+            <a:r>
+              <a:rPr lang="en-US" sz="1400" dirty="0" smtClean="0">
+                <a:solidFill>
+                  <a:schemeClr val="bg1"/>
+                </a:solidFill>
+                <a:latin typeface="宋体" panose="02010600030101010101" pitchFamily="2" charset="-122"/>
+                <a:ea typeface="宋体" panose="02010600030101010101" pitchFamily="2" charset="-122"/>
+              </a:rPr>
+              <a:t>; </a:t>
+            </a:r>
+          </a:p>
+          <a:p>
+            <a:r>
+              <a:rPr lang="en-US" sz="1400" dirty="0" err="1" smtClean="0">
+                <a:solidFill>
+                  <a:schemeClr val="bg1"/>
+                </a:solidFill>
+                <a:latin typeface="宋体" panose="02010600030101010101" pitchFamily="2" charset="-122"/>
+                <a:ea typeface="宋体" panose="02010600030101010101" pitchFamily="2" charset="-122"/>
+              </a:rPr>
+              <a:t>exports.area</a:t>
+            </a:r>
+            <a:r>
+              <a:rPr lang="en-US" sz="1400" dirty="0" smtClean="0">
+                <a:solidFill>
+                  <a:schemeClr val="bg1"/>
+                </a:solidFill>
+                <a:latin typeface="宋体" panose="02010600030101010101" pitchFamily="2" charset="-122"/>
+                <a:ea typeface="宋体" panose="02010600030101010101" pitchFamily="2" charset="-122"/>
+              </a:rPr>
+              <a:t> = function (r) { return PI * r * r; }; </a:t>
+            </a:r>
+          </a:p>
+          <a:p>
+            <a:r>
+              <a:rPr lang="en-US" sz="1400" dirty="0" err="1" smtClean="0">
+                <a:solidFill>
+                  <a:schemeClr val="bg1"/>
+                </a:solidFill>
+                <a:latin typeface="宋体" panose="02010600030101010101" pitchFamily="2" charset="-122"/>
+                <a:ea typeface="宋体" panose="02010600030101010101" pitchFamily="2" charset="-122"/>
+              </a:rPr>
+              <a:t>exports.circumference</a:t>
+            </a:r>
+            <a:r>
+              <a:rPr lang="en-US" sz="1400" dirty="0" smtClean="0">
+                <a:solidFill>
+                  <a:schemeClr val="bg1"/>
+                </a:solidFill>
+                <a:latin typeface="宋体" panose="02010600030101010101" pitchFamily="2" charset="-122"/>
+                <a:ea typeface="宋体" panose="02010600030101010101" pitchFamily="2" charset="-122"/>
+              </a:rPr>
+              <a:t> = function (r) { return 2 * PI * r; };</a:t>
+            </a:r>
+            <a:endParaRPr lang="en-US" sz="1400" dirty="0">
+              <a:solidFill>
+                <a:schemeClr val="bg1"/>
+              </a:solidFill>
+              <a:latin typeface="宋体" panose="02010600030101010101" pitchFamily="2" charset="-122"/>
+              <a:ea typeface="宋体" panose="02010600030101010101" pitchFamily="2" charset="-122"/>
+            </a:endParaRPr>
+          </a:p>
+        </p:txBody>
+      </p:sp>
+      <p:sp>
+        <p:nvSpPr>
+          <p:cNvPr id="17" name="object 6"/>
+          <p:cNvSpPr/>
+          <p:nvPr/>
+        </p:nvSpPr>
+        <p:spPr>
+          <a:xfrm>
+            <a:off x="589237" y="3717032"/>
+            <a:ext cx="7655171" cy="900008"/>
+          </a:xfrm>
+          <a:prstGeom prst="rect">
+            <a:avLst/>
+          </a:prstGeom>
+          <a:solidFill>
+            <a:schemeClr val="tx1">
+              <a:lumMod val="75000"/>
+            </a:schemeClr>
+          </a:solidFill>
+          <a:ln>
+            <a:noFill/>
+          </a:ln>
+          <a:effectLst/>
+          <a:extLst>
+            <a:ext uri="{91240B29-F687-4F45-9708-019B960494DF}">
+              <a14:hiddenLine xmlns:a14="http://schemas.microsoft.com/office/drawing/2010/main" w="9525">
+                <a:solidFill>
+                  <a:schemeClr val="tx1"/>
+                </a:solidFill>
+                <a:miter lim="800000"/>
+                <a:headEnd/>
+                <a:tailEnd/>
+              </a14:hiddenLine>
+            </a:ext>
+            <a:ext uri="{AF507438-7753-43E0-B8FC-AC1667EBCBE1}">
+              <a14:hiddenEffects xmlns:a14="http://schemas.microsoft.com/office/drawing/2010/main">
+                <a:effectLst>
+                  <a:outerShdw dist="35921" dir="2700000" algn="ctr" rotWithShape="0">
+                    <a:schemeClr val="bg2"/>
+                  </a:outerShdw>
+                </a:effectLst>
+              </a14:hiddenEffects>
+            </a:ext>
+          </a:extLst>
+        </p:spPr>
+        <p:txBody>
+          <a:bodyPr vert="horz" wrap="square" lIns="91440" tIns="45720" rIns="91440" bIns="45720" numCol="1" anchor="t" anchorCtr="0" compatLnSpc="1">
+            <a:prstTxWarp prst="textNoShape">
+              <a:avLst/>
+            </a:prstTxWarp>
+            <a:noAutofit/>
+          </a:bodyPr>
+          <a:lstStyle/>
+          <a:p>
+            <a:pPr marL="342900" indent="-342900" fontAlgn="base">
+              <a:spcBef>
+                <a:spcPct val="20000"/>
+              </a:spcBef>
+              <a:spcAft>
+                <a:spcPct val="0"/>
+              </a:spcAft>
+              <a:buClr>
+                <a:schemeClr val="hlink"/>
+              </a:buClr>
+              <a:buFont typeface="Wingdings" pitchFamily="2" charset="2"/>
+              <a:buChar char="v"/>
+            </a:pPr>
+            <a:r>
+              <a:rPr lang="en-US" sz="1400" b="1" dirty="0" err="1">
+                <a:solidFill>
+                  <a:schemeClr val="bg1"/>
+                </a:solidFill>
+                <a:latin typeface="宋体" panose="02010600030101010101" pitchFamily="2" charset="-122"/>
+                <a:ea typeface="宋体" panose="02010600030101010101" pitchFamily="2" charset="-122"/>
+              </a:rPr>
+              <a:t>var</a:t>
+            </a:r>
+            <a:r>
+              <a:rPr lang="en-US" sz="1400" b="1" dirty="0">
+                <a:solidFill>
+                  <a:schemeClr val="bg1"/>
+                </a:solidFill>
+                <a:latin typeface="宋体" panose="02010600030101010101" pitchFamily="2" charset="-122"/>
+                <a:ea typeface="宋体" panose="02010600030101010101" pitchFamily="2" charset="-122"/>
+              </a:rPr>
+              <a:t> circle = require('./circle.js'); </a:t>
+            </a:r>
+          </a:p>
+          <a:p>
+            <a:pPr marL="342900" indent="-342900" fontAlgn="base">
+              <a:spcBef>
+                <a:spcPct val="20000"/>
+              </a:spcBef>
+              <a:spcAft>
+                <a:spcPct val="0"/>
+              </a:spcAft>
+              <a:buClr>
+                <a:schemeClr val="hlink"/>
+              </a:buClr>
+              <a:buFont typeface="Wingdings" pitchFamily="2" charset="2"/>
+              <a:buChar char="v"/>
+            </a:pPr>
+            <a:r>
+              <a:rPr lang="en-US" sz="1400" b="1" dirty="0">
+                <a:solidFill>
+                  <a:schemeClr val="bg1"/>
+                </a:solidFill>
+                <a:latin typeface="宋体" panose="02010600030101010101" pitchFamily="2" charset="-122"/>
+                <a:ea typeface="宋体" panose="02010600030101010101" pitchFamily="2" charset="-122"/>
+              </a:rPr>
+              <a:t>console.log( 'The area of a circle of radius 4 is ' +</a:t>
+            </a:r>
+          </a:p>
+          <a:p>
+            <a:pPr marL="342900" indent="-342900" fontAlgn="base">
+              <a:spcBef>
+                <a:spcPct val="20000"/>
+              </a:spcBef>
+              <a:spcAft>
+                <a:spcPct val="0"/>
+              </a:spcAft>
+              <a:buClr>
+                <a:schemeClr val="hlink"/>
+              </a:buClr>
+              <a:buFont typeface="Wingdings" pitchFamily="2" charset="2"/>
+              <a:buChar char="v"/>
+            </a:pPr>
+            <a:r>
+              <a:rPr lang="en-US" sz="1400" b="1" dirty="0" err="1">
+                <a:solidFill>
+                  <a:srgbClr val="FF0000"/>
+                </a:solidFill>
+                <a:latin typeface="宋体" panose="02010600030101010101" pitchFamily="2" charset="-122"/>
+                <a:ea typeface="宋体" panose="02010600030101010101" pitchFamily="2" charset="-122"/>
+              </a:rPr>
+              <a:t>circle</a:t>
+            </a:r>
+            <a:r>
+              <a:rPr lang="en-US" sz="1400" b="1" dirty="0" err="1">
+                <a:solidFill>
+                  <a:schemeClr val="bg1"/>
+                </a:solidFill>
+                <a:latin typeface="宋体" panose="02010600030101010101" pitchFamily="2" charset="-122"/>
+                <a:ea typeface="宋体" panose="02010600030101010101" pitchFamily="2" charset="-122"/>
+              </a:rPr>
+              <a:t>.area</a:t>
+            </a:r>
+            <a:r>
+              <a:rPr lang="en-US" sz="1400" b="1" dirty="0">
+                <a:solidFill>
+                  <a:schemeClr val="bg1"/>
+                </a:solidFill>
+                <a:latin typeface="宋体" panose="02010600030101010101" pitchFamily="2" charset="-122"/>
+                <a:ea typeface="宋体" panose="02010600030101010101" pitchFamily="2" charset="-122"/>
+              </a:rPr>
+              <a:t>(4));</a:t>
+            </a:r>
+          </a:p>
+        </p:txBody>
+      </p:sp>
+      <p:sp>
+        <p:nvSpPr>
+          <p:cNvPr id="18" name="TextBox 17"/>
+          <p:cNvSpPr txBox="1"/>
+          <p:nvPr/>
+        </p:nvSpPr>
+        <p:spPr>
+          <a:xfrm>
+            <a:off x="519953" y="1772816"/>
+            <a:ext cx="3888432" cy="369332"/>
+          </a:xfrm>
+          <a:prstGeom prst="rect">
+            <a:avLst/>
+          </a:prstGeom>
+          <a:noFill/>
+        </p:spPr>
+        <p:txBody>
+          <a:bodyPr wrap="square" rtlCol="0">
+            <a:spAutoFit/>
+          </a:bodyPr>
+          <a:lstStyle/>
+          <a:p>
+            <a:r>
+              <a:rPr lang="en-US" dirty="0" smtClean="0">
+                <a:cs typeface="Arial" panose="020B0604020202020204" pitchFamily="34" charset="0"/>
+              </a:rPr>
+              <a:t>Circle.js: define a module</a:t>
+            </a:r>
+            <a:endParaRPr lang="en-US" dirty="0">
+              <a:cs typeface="Arial" panose="020B0604020202020204" pitchFamily="34" charset="0"/>
+            </a:endParaRPr>
+          </a:p>
+        </p:txBody>
+      </p:sp>
+      <p:sp>
+        <p:nvSpPr>
+          <p:cNvPr id="19" name="Rectangle 18"/>
+          <p:cNvSpPr/>
+          <p:nvPr/>
+        </p:nvSpPr>
+        <p:spPr>
+          <a:xfrm>
+            <a:off x="476545" y="3347700"/>
+            <a:ext cx="4752528" cy="369332"/>
+          </a:xfrm>
+          <a:prstGeom prst="rect">
+            <a:avLst/>
+          </a:prstGeom>
+        </p:spPr>
+        <p:txBody>
+          <a:bodyPr wrap="square">
+            <a:spAutoFit/>
+          </a:bodyPr>
+          <a:lstStyle/>
+          <a:p>
+            <a:r>
+              <a:rPr lang="en-US" dirty="0"/>
+              <a:t> </a:t>
+            </a:r>
+            <a:r>
+              <a:rPr lang="en-US" dirty="0" smtClean="0"/>
+              <a:t>   Index.js: call module using ‘require’</a:t>
+            </a:r>
+            <a:endParaRPr lang="en-US" dirty="0"/>
+          </a:p>
+        </p:txBody>
+      </p:sp>
+      <p:pic>
+        <p:nvPicPr>
+          <p:cNvPr id="20" name="Picture 19"/>
+          <p:cNvPicPr>
+            <a:picLocks noChangeAspect="1"/>
+          </p:cNvPicPr>
+          <p:nvPr/>
+        </p:nvPicPr>
+        <p:blipFill>
+          <a:blip r:embed="rId2">
+            <a:extLst>
+              <a:ext uri="{28A0092B-C50C-407E-A947-70E740481C1C}">
+                <a14:useLocalDpi xmlns:a14="http://schemas.microsoft.com/office/drawing/2010/main" val="0"/>
+              </a:ext>
+            </a:extLst>
+          </a:blip>
+          <a:stretch>
+            <a:fillRect/>
+          </a:stretch>
+        </p:blipFill>
+        <p:spPr>
+          <a:xfrm>
+            <a:off x="589237" y="5208240"/>
+            <a:ext cx="7655171" cy="446397"/>
+          </a:xfrm>
+          <a:prstGeom prst="rect">
+            <a:avLst/>
+          </a:prstGeom>
+        </p:spPr>
+      </p:pic>
+      <p:sp>
+        <p:nvSpPr>
+          <p:cNvPr id="21" name="TextBox 20"/>
+          <p:cNvSpPr txBox="1"/>
+          <p:nvPr/>
+        </p:nvSpPr>
+        <p:spPr>
+          <a:xfrm>
+            <a:off x="551130" y="4802504"/>
+            <a:ext cx="1985047" cy="369332"/>
+          </a:xfrm>
+          <a:prstGeom prst="rect">
+            <a:avLst/>
+          </a:prstGeom>
+          <a:noFill/>
+        </p:spPr>
+        <p:txBody>
+          <a:bodyPr wrap="square" rtlCol="0">
+            <a:spAutoFit/>
+          </a:bodyPr>
+          <a:lstStyle/>
+          <a:p>
+            <a:pPr marL="285750" indent="-285750">
+              <a:buFont typeface="Arial" panose="020B0604020202020204" pitchFamily="34" charset="0"/>
+              <a:buChar char="•"/>
+            </a:pPr>
+            <a:r>
+              <a:rPr lang="en-US" dirty="0" smtClean="0"/>
+              <a:t>Have a </a:t>
+            </a:r>
+            <a:r>
+              <a:rPr lang="en-US" dirty="0" smtClean="0">
+                <a:solidFill>
+                  <a:schemeClr val="tx2">
+                    <a:lumMod val="75000"/>
+                  </a:schemeClr>
+                </a:solidFill>
+              </a:rPr>
+              <a:t>Test</a:t>
+            </a:r>
+            <a:endParaRPr lang="en-US" dirty="0">
+              <a:solidFill>
+                <a:schemeClr val="tx2">
+                  <a:lumMod val="75000"/>
+                </a:schemeClr>
+              </a:solidFill>
+            </a:endParaRPr>
+          </a:p>
+        </p:txBody>
+      </p:sp>
+      <p:sp>
+        <p:nvSpPr>
+          <p:cNvPr id="22" name="TextBox 21"/>
+          <p:cNvSpPr txBox="1"/>
+          <p:nvPr/>
+        </p:nvSpPr>
+        <p:spPr>
+          <a:xfrm>
+            <a:off x="509716" y="3062208"/>
+            <a:ext cx="6666658" cy="369332"/>
+          </a:xfrm>
+          <a:prstGeom prst="rect">
+            <a:avLst/>
+          </a:prstGeom>
+          <a:noFill/>
+        </p:spPr>
+        <p:txBody>
+          <a:bodyPr wrap="square" rtlCol="0">
+            <a:spAutoFit/>
+          </a:bodyPr>
+          <a:lstStyle/>
+          <a:p>
+            <a:pPr marL="285750" indent="-285750">
+              <a:buFont typeface="Arial" panose="020B0604020202020204" pitchFamily="34" charset="0"/>
+              <a:buChar char="•"/>
+            </a:pPr>
+            <a:r>
+              <a:rPr lang="en-US" b="1" dirty="0" smtClean="0">
+                <a:solidFill>
+                  <a:schemeClr val="tx2">
+                    <a:lumMod val="75000"/>
+                  </a:schemeClr>
+                </a:solidFill>
+                <a:latin typeface="Arial" panose="020B0604020202020204" pitchFamily="34" charset="0"/>
+                <a:cs typeface="Arial" panose="020B0604020202020204" pitchFamily="34" charset="0"/>
+              </a:rPr>
+              <a:t>Call</a:t>
+            </a:r>
+            <a:r>
+              <a:rPr lang="en-US" b="1" dirty="0" smtClean="0">
+                <a:latin typeface="Arial" panose="020B0604020202020204" pitchFamily="34" charset="0"/>
+                <a:cs typeface="Arial" panose="020B0604020202020204" pitchFamily="34" charset="0"/>
+              </a:rPr>
+              <a:t> a module</a:t>
+            </a:r>
+            <a:endParaRPr lang="en-US" dirty="0"/>
+          </a:p>
+        </p:txBody>
+      </p:sp>
+    </p:spTree>
+    <p:extLst>
+      <p:ext uri="{BB962C8B-B14F-4D97-AF65-F5344CB8AC3E}">
+        <p14:creationId xmlns:p14="http://schemas.microsoft.com/office/powerpoint/2010/main" val="1320255610"/>
+      </p:ext>
+    </p:extLst>
+  </p:cSld>
+  <p:clrMapOvr>
+    <a:masterClrMapping/>
+  </p:clrMapOvr>
+  <p:timing>
+    <p:tnLst>
+      <p:par>
+        <p:cTn id="1" dur="indefinite" restart="never" nodeType="tmRoot"/>
+      </p:par>
+    </p:tnLst>
+  </p:timing>
+</p:sld>
+</file>
+
+<file path=ppt/slides/slide13.xml><?xml version="1.0" encoding="utf-8"?>
+<p:sld xmlns:a="http://schemas.openxmlformats.org/drawingml/2006/main" xmlns:r="http://schemas.openxmlformats.org/officeDocument/2006/relationships" xmlns:p="http://schemas.openxmlformats.org/presentationml/2006/main">
+  <p:cSld>
+    <p:spTree>
+      <p:nvGrpSpPr>
+        <p:cNvPr id="1" name=""/>
+        <p:cNvGrpSpPr/>
+        <p:nvPr/>
+      </p:nvGrpSpPr>
+      <p:grpSpPr>
+        <a:xfrm>
+          <a:off x="0" y="0"/>
+          <a:ext cx="0" cy="0"/>
+          <a:chOff x="0" y="0"/>
+          <a:chExt cx="0" cy="0"/>
+        </a:xfrm>
+      </p:grpSpPr>
       <p:pic>
         <p:nvPicPr>
           <p:cNvPr id="4" name="Content Placeholder 3"/>
@@ -6536,7 +7805,7 @@
 </p:sld>
 </file>
 
-<file path=ppt/slides/slide11.xml><?xml version="1.0" encoding="utf-8"?>
+<file path=ppt/slides/slide14.xml><?xml version="1.0" encoding="utf-8"?>
 <p:sld xmlns:a="http://schemas.openxmlformats.org/drawingml/2006/main" xmlns:r="http://schemas.openxmlformats.org/officeDocument/2006/relationships" xmlns:p="http://schemas.openxmlformats.org/presentationml/2006/main">
   <p:cSld>
     <p:spTree>
@@ -6565,229 +7834,69 @@
         </p:nvSpPr>
         <p:spPr>
           <a:xfrm>
-            <a:off x="323528" y="1556792"/>
-            <a:ext cx="8493125" cy="4395787"/>
+            <a:off x="3963194" y="2454133"/>
+            <a:ext cx="3600077" cy="2093749"/>
           </a:xfrm>
         </p:spPr>
         <p:txBody>
           <a:bodyPr/>
           <a:lstStyle/>
           <a:p>
+            <a:pPr>
+              <a:spcBef>
+                <a:spcPts val="600"/>
+              </a:spcBef>
+            </a:pPr>
+            <a:r>
+              <a:rPr lang="en-US" dirty="0" err="1" smtClean="0"/>
+              <a:t>Package.json</a:t>
+            </a:r>
+            <a:endParaRPr lang="en-US" dirty="0" smtClean="0"/>
+          </a:p>
+          <a:p>
+            <a:pPr>
+              <a:spcBef>
+                <a:spcPts val="600"/>
+              </a:spcBef>
+            </a:pPr>
             <a:r>
               <a:rPr lang="en-US" dirty="0" smtClean="0"/>
-              <a:t>When you define a module in a </a:t>
-            </a:r>
-            <a:r>
-              <a:rPr lang="en-US" dirty="0" err="1" smtClean="0"/>
-              <a:t>js</a:t>
-            </a:r>
+              <a:t>{ </a:t>
+            </a:r>
+          </a:p>
+          <a:p>
+            <a:pPr>
+              <a:spcBef>
+                <a:spcPts val="600"/>
+              </a:spcBef>
+            </a:pPr>
             <a:r>
               <a:rPr lang="en-US" dirty="0" smtClean="0"/>
-              <a:t> , you cannot do it asynchronously:</a:t>
-            </a:r>
-          </a:p>
-          <a:p>
-            <a:r>
-              <a:rPr lang="en-US" dirty="0"/>
-              <a:t> </a:t>
-            </a:r>
+              <a:t>  "name" : "some-library", </a:t>
+            </a:r>
+          </a:p>
+          <a:p>
+            <a:pPr>
+              <a:spcBef>
+                <a:spcPts val="600"/>
+              </a:spcBef>
+            </a:pPr>
             <a:r>
               <a:rPr lang="en-US" dirty="0" smtClean="0"/>
-              <a:t>  </a:t>
-            </a:r>
+              <a:t>  "main"  : "./lib/some-library.js" </a:t>
+            </a:r>
+          </a:p>
+          <a:p>
+            <a:pPr>
+              <a:spcBef>
+                <a:spcPts val="600"/>
+              </a:spcBef>
+            </a:pPr>
             <a:r>
               <a:rPr lang="en-US" dirty="0" smtClean="0"/>
-              <a:t>You </a:t>
-            </a:r>
-            <a:r>
-              <a:rPr lang="en-US" dirty="0" smtClean="0"/>
-              <a:t>can </a:t>
-            </a:r>
-            <a:endParaRPr lang="en-US" dirty="0" smtClean="0"/>
-          </a:p>
-          <a:p>
-            <a:r>
-              <a:rPr lang="en-US" b="0" i="1" dirty="0"/>
-              <a:t> </a:t>
-            </a:r>
-            <a:r>
-              <a:rPr lang="en-US" b="0" i="1" dirty="0" smtClean="0"/>
-              <a:t>      </a:t>
-            </a:r>
-            <a:r>
-              <a:rPr lang="en-US" b="0" i="1" dirty="0" smtClean="0"/>
-              <a:t>[</a:t>
-            </a:r>
-            <a:r>
-              <a:rPr lang="en-US" b="0" i="1" dirty="0" smtClean="0"/>
-              <a:t>module.]exports=…  </a:t>
-            </a:r>
-            <a:r>
-              <a:rPr lang="en-US" dirty="0" smtClean="0"/>
-              <a:t>or</a:t>
-            </a:r>
-            <a:r>
-              <a:rPr lang="en-US" b="0" i="1" dirty="0" smtClean="0"/>
-              <a:t> </a:t>
-            </a:r>
-            <a:r>
-              <a:rPr lang="en-US" b="0" i="1" dirty="0" err="1" smtClean="0"/>
-              <a:t>exports.xx</a:t>
-            </a:r>
-            <a:r>
-              <a:rPr lang="en-US" b="0" i="1" dirty="0" smtClean="0"/>
-              <a:t>=…</a:t>
-            </a:r>
-          </a:p>
-          <a:p>
-            <a:r>
-              <a:rPr lang="en-US" b="0" i="1" dirty="0"/>
-              <a:t> </a:t>
-            </a:r>
-            <a:r>
-              <a:rPr lang="en-US" b="0" i="1" dirty="0" smtClean="0"/>
-              <a:t>  </a:t>
-            </a:r>
-            <a:r>
-              <a:rPr lang="en-US" dirty="0" smtClean="0"/>
-              <a:t>You cannot </a:t>
-            </a:r>
-            <a:endParaRPr lang="en-US" dirty="0" smtClean="0"/>
-          </a:p>
-          <a:p>
-            <a:r>
-              <a:rPr lang="en-US" b="0" i="1" dirty="0">
-                <a:solidFill>
-                  <a:srgbClr val="FF0000"/>
-                </a:solidFill>
-              </a:rPr>
-              <a:t> </a:t>
-            </a:r>
-            <a:r>
-              <a:rPr lang="en-US" b="0" i="1" dirty="0" smtClean="0">
-                <a:solidFill>
-                  <a:srgbClr val="FF0000"/>
-                </a:solidFill>
-              </a:rPr>
-              <a:t>      </a:t>
-            </a:r>
-            <a:r>
-              <a:rPr lang="en-US" b="0" i="1" dirty="0" err="1" smtClean="0">
-                <a:solidFill>
-                  <a:srgbClr val="FF0000"/>
-                </a:solidFill>
-              </a:rPr>
-              <a:t>setTimeout</a:t>
-            </a:r>
-            <a:r>
-              <a:rPr lang="en-US" b="0" i="1" dirty="0" smtClean="0"/>
-              <a:t>(function</a:t>
-            </a:r>
-            <a:r>
-              <a:rPr lang="en-US" b="0" i="1" dirty="0"/>
-              <a:t>() { </a:t>
-            </a:r>
-            <a:endParaRPr lang="en-US" b="0" i="1" dirty="0" smtClean="0"/>
-          </a:p>
-          <a:p>
-            <a:r>
-              <a:rPr lang="en-US" b="0" i="1" dirty="0"/>
-              <a:t> </a:t>
-            </a:r>
-            <a:r>
-              <a:rPr lang="en-US" b="0" i="1" dirty="0" smtClean="0"/>
-              <a:t>          </a:t>
-            </a:r>
-            <a:r>
-              <a:rPr lang="en-US" b="0" i="1" dirty="0" err="1" smtClean="0"/>
-              <a:t>module.exports</a:t>
-            </a:r>
-            <a:r>
-              <a:rPr lang="en-US" b="0" i="1" dirty="0" smtClean="0"/>
-              <a:t> </a:t>
-            </a:r>
-            <a:r>
-              <a:rPr lang="en-US" b="0" i="1" dirty="0"/>
-              <a:t>= { a: "hello" }; </a:t>
-            </a:r>
-            <a:endParaRPr lang="en-US" b="0" i="1" dirty="0" smtClean="0"/>
-          </a:p>
-          <a:p>
-            <a:r>
-              <a:rPr lang="en-US" b="0" i="1" dirty="0"/>
-              <a:t> </a:t>
-            </a:r>
-            <a:r>
-              <a:rPr lang="en-US" b="0" i="1" dirty="0" smtClean="0"/>
-              <a:t>       </a:t>
-            </a:r>
-            <a:r>
-              <a:rPr lang="en-US" b="0" i="1" dirty="0" smtClean="0"/>
-              <a:t>}, xx);</a:t>
-            </a:r>
-          </a:p>
-          <a:p>
-            <a:r>
-              <a:rPr lang="en-US" b="0" i="1" dirty="0"/>
-              <a:t> </a:t>
-            </a:r>
-            <a:r>
-              <a:rPr lang="en-US" b="0" i="1" dirty="0" smtClean="0"/>
-              <a:t>  </a:t>
-            </a:r>
-            <a:r>
-              <a:rPr lang="en-US" dirty="0"/>
-              <a:t>Since </a:t>
-            </a:r>
-            <a:r>
-              <a:rPr lang="en-US" dirty="0" smtClean="0"/>
-              <a:t>‘require’ </a:t>
-            </a:r>
-            <a:r>
-              <a:rPr lang="en-US" dirty="0"/>
-              <a:t>will be done synchronously</a:t>
-            </a:r>
-            <a:r>
-              <a:rPr lang="en-US" dirty="0" smtClean="0"/>
-              <a:t>, </a:t>
-            </a:r>
-            <a:r>
-              <a:rPr lang="en-US" dirty="0"/>
-              <a:t>so </a:t>
-            </a:r>
-            <a:r>
-              <a:rPr lang="en-US" dirty="0" smtClean="0"/>
-              <a:t>You can </a:t>
-            </a:r>
-          </a:p>
-          <a:p>
-            <a:r>
-              <a:rPr lang="en-US" b="0" i="1" dirty="0"/>
-              <a:t> </a:t>
-            </a:r>
-            <a:r>
-              <a:rPr lang="en-US" b="0" i="1" dirty="0" smtClean="0"/>
-              <a:t>      </a:t>
-            </a:r>
-            <a:r>
-              <a:rPr lang="en-US" b="0" i="1" dirty="0" err="1" smtClean="0"/>
-              <a:t>module.exports</a:t>
-            </a:r>
-            <a:r>
-              <a:rPr lang="en-US" b="0" i="1" dirty="0" smtClean="0"/>
-              <a:t>=require(‘…’)</a:t>
-            </a:r>
-          </a:p>
-          <a:p>
-            <a:r>
-              <a:rPr lang="en-US" b="0" i="1" dirty="0"/>
-              <a:t> </a:t>
-            </a:r>
-            <a:r>
-              <a:rPr lang="en-US" b="0" i="1" dirty="0" smtClean="0"/>
-              <a:t>  </a:t>
-            </a:r>
-            <a:endParaRPr lang="en-US" b="0" i="1" dirty="0"/>
+              <a:t>}</a:t>
+            </a:r>
+            <a:endParaRPr lang="en-US" dirty="0"/>
           </a:p>
         </p:txBody>
       </p:sp>
@@ -6807,144 +7916,6 @@
           <a:lstStyle/>
           <a:p>
             <a:r>
-              <a:rPr lang="en-US" dirty="0" smtClean="0"/>
-              <a:t>Module attention</a:t>
-            </a:r>
-            <a:endParaRPr lang="en-US" dirty="0"/>
-          </a:p>
-        </p:txBody>
-      </p:sp>
-    </p:spTree>
-    <p:extLst>
-      <p:ext uri="{BB962C8B-B14F-4D97-AF65-F5344CB8AC3E}">
-        <p14:creationId xmlns:p14="http://schemas.microsoft.com/office/powerpoint/2010/main" val="3316339307"/>
-      </p:ext>
-    </p:extLst>
-  </p:cSld>
-  <p:clrMapOvr>
-    <a:masterClrMapping/>
-  </p:clrMapOvr>
-  <p:timing>
-    <p:tnLst>
-      <p:par>
-        <p:cTn id="1" dur="indefinite" restart="never" nodeType="tmRoot"/>
-      </p:par>
-    </p:tnLst>
-  </p:timing>
-</p:sld>
-</file>
-
-<file path=ppt/slides/slide12.xml><?xml version="1.0" encoding="utf-8"?>
-<p:sld xmlns:a="http://schemas.openxmlformats.org/drawingml/2006/main" xmlns:r="http://schemas.openxmlformats.org/officeDocument/2006/relationships" xmlns:p="http://schemas.openxmlformats.org/presentationml/2006/main">
-  <p:cSld>
-    <p:spTree>
-      <p:nvGrpSpPr>
-        <p:cNvPr id="1" name=""/>
-        <p:cNvGrpSpPr/>
-        <p:nvPr/>
-      </p:nvGrpSpPr>
-      <p:grpSpPr>
-        <a:xfrm>
-          <a:off x="0" y="0"/>
-          <a:ext cx="0" cy="0"/>
-          <a:chOff x="0" y="0"/>
-          <a:chExt cx="0" cy="0"/>
-        </a:xfrm>
-      </p:grpSpPr>
-      <p:sp>
-        <p:nvSpPr>
-          <p:cNvPr id="2" name="Content Placeholder 1"/>
-          <p:cNvSpPr>
-            <a:spLocks noGrp="1"/>
-          </p:cNvSpPr>
-          <p:nvPr>
-            <p:ph sz="quarter" idx="10"/>
-          </p:nvPr>
-        </p:nvSpPr>
-        <p:spPr>
-          <a:xfrm>
-            <a:off x="3995936" y="1623283"/>
-            <a:ext cx="3600077" cy="2093749"/>
-          </a:xfrm>
-        </p:spPr>
-        <p:txBody>
-          <a:bodyPr/>
-          <a:lstStyle/>
-          <a:p>
-            <a:pPr>
-              <a:spcBef>
-                <a:spcPts val="600"/>
-              </a:spcBef>
-            </a:pPr>
-            <a:r>
-              <a:rPr lang="en-US" dirty="0" err="1" smtClean="0"/>
-              <a:t>Package.json</a:t>
-            </a:r>
-            <a:endParaRPr lang="en-US" dirty="0" smtClean="0"/>
-          </a:p>
-          <a:p>
-            <a:pPr>
-              <a:spcBef>
-                <a:spcPts val="600"/>
-              </a:spcBef>
-            </a:pPr>
-            <a:r>
-              <a:rPr lang="en-US" dirty="0" smtClean="0"/>
-              <a:t>{ </a:t>
-            </a:r>
-          </a:p>
-          <a:p>
-            <a:pPr>
-              <a:spcBef>
-                <a:spcPts val="600"/>
-              </a:spcBef>
-            </a:pPr>
-            <a:r>
-              <a:rPr lang="en-US" dirty="0" smtClean="0"/>
-              <a:t>  "name" : "some-library", </a:t>
-            </a:r>
-          </a:p>
-          <a:p>
-            <a:pPr>
-              <a:spcBef>
-                <a:spcPts val="600"/>
-              </a:spcBef>
-            </a:pPr>
-            <a:r>
-              <a:rPr lang="en-US" dirty="0" smtClean="0"/>
-              <a:t>  "main"  : "./lib/some-library.js" </a:t>
-            </a:r>
-          </a:p>
-          <a:p>
-            <a:pPr>
-              <a:spcBef>
-                <a:spcPts val="600"/>
-              </a:spcBef>
-            </a:pPr>
-            <a:r>
-              <a:rPr lang="en-US" dirty="0" smtClean="0"/>
-              <a:t>}</a:t>
-            </a:r>
-            <a:endParaRPr lang="en-US" dirty="0"/>
-          </a:p>
-        </p:txBody>
-      </p:sp>
-      <p:sp>
-        <p:nvSpPr>
-          <p:cNvPr id="3" name="Title 2"/>
-          <p:cNvSpPr>
-            <a:spLocks noGrp="1"/>
-          </p:cNvSpPr>
-          <p:nvPr>
-            <p:ph type="title"/>
-          </p:nvPr>
-        </p:nvSpPr>
-        <p:spPr/>
-        <p:txBody>
-          <a:bodyPr/>
-          <a:lstStyle/>
-          <a:p>
-            <a:r>
               <a:rPr lang="en-US" dirty="0"/>
               <a:t>Folders </a:t>
             </a:r>
@@ -6964,7 +7935,7 @@
         </p:nvGrpSpPr>
         <p:grpSpPr>
           <a:xfrm>
-            <a:off x="755159" y="1484784"/>
+            <a:off x="722417" y="2315634"/>
             <a:ext cx="2448272" cy="2016224"/>
             <a:chOff x="827584" y="1776998"/>
             <a:chExt cx="2448272" cy="1796018"/>
@@ -7205,7 +8176,7 @@
         </p:nvSpPr>
         <p:spPr>
           <a:xfrm>
-            <a:off x="827584" y="3789040"/>
+            <a:off x="794842" y="4619890"/>
             <a:ext cx="3384376" cy="1107996"/>
           </a:xfrm>
           <a:prstGeom prst="rect">
@@ -7288,13 +8259,6 @@
               <a:t>“</a:t>
             </a:r>
             <a:r>
-              <a:rPr lang="en-US" altLang="zh-CN" sz="1800" kern="0" dirty="0" smtClean="0">
-                <a:ea typeface="Arial Unicode MS" pitchFamily="34" charset="-128"/>
-                <a:cs typeface="Arial Unicode MS" pitchFamily="34" charset="-128"/>
-              </a:rPr>
-              <a:t>./</a:t>
-            </a:r>
-            <a:r>
               <a:rPr lang="en-US" altLang="zh-CN" sz="1800" kern="0" dirty="0" err="1" smtClean="0">
                 <a:ea typeface="Arial Unicode MS" pitchFamily="34" charset="-128"/>
                 <a:cs typeface="Arial Unicode MS" pitchFamily="34" charset="-128"/>
@@ -7340,6 +8304,52 @@
               <a:ea typeface="Arial Unicode MS" pitchFamily="34" charset="-128"/>
               <a:cs typeface="Arial Unicode MS" pitchFamily="34" charset="-128"/>
             </a:endParaRPr>
+          </a:p>
+        </p:txBody>
+      </p:sp>
+      <p:sp>
+        <p:nvSpPr>
+          <p:cNvPr id="8" name="TextBox 7"/>
+          <p:cNvSpPr txBox="1"/>
+          <p:nvPr/>
+        </p:nvSpPr>
+        <p:spPr>
+          <a:xfrm>
+            <a:off x="395536" y="1484784"/>
+            <a:ext cx="5959711" cy="276999"/>
+          </a:xfrm>
+          <a:prstGeom prst="rect">
+            <a:avLst/>
+          </a:prstGeom>
+          <a:noFill/>
+        </p:spPr>
+        <p:txBody>
+          <a:bodyPr wrap="square" lIns="0" tIns="0" rIns="0" bIns="0" rtlCol="0">
+            <a:spAutoFit/>
+          </a:bodyPr>
+          <a:lstStyle/>
+          <a:p>
+            <a:pPr marL="285750" indent="-285750" fontAlgn="base">
+              <a:spcBef>
+                <a:spcPct val="50000"/>
+              </a:spcBef>
+              <a:spcAft>
+                <a:spcPct val="0"/>
+              </a:spcAft>
+              <a:buClr>
+                <a:srgbClr val="F0AB00"/>
+              </a:buClr>
+              <a:buSzPct val="80000"/>
+              <a:buFont typeface="Arial" panose="020B0604020202020204" pitchFamily="34" charset="0"/>
+              <a:buChar char="•"/>
+            </a:pPr>
+            <a:r>
+              <a:rPr lang="en-US" sz="1800" kern="0" dirty="0" smtClean="0">
+                <a:ea typeface="Arial Unicode MS" pitchFamily="34" charset="-128"/>
+                <a:cs typeface="Arial Unicode MS" pitchFamily="34" charset="-128"/>
+              </a:rPr>
+              <a:t>Sometimes, a module contains many files in a folder</a:t>
+            </a:r>
           </a:p>
         </p:txBody>
       </p:sp>
@@ -7363,7 +8373,7 @@
 </p:sld>
 </file>
 
-<file path=ppt/slides/slide13.xml><?xml version="1.0" encoding="utf-8"?>
+<file path=ppt/slides/slide15.xml><?xml version="1.0" encoding="utf-8"?>
 <p:sld xmlns:a="http://schemas.openxmlformats.org/drawingml/2006/main" xmlns:r="http://schemas.openxmlformats.org/officeDocument/2006/relationships" xmlns:p="http://schemas.openxmlformats.org/presentationml/2006/main">
   <p:cSld>
     <p:spTree>
@@ -7389,7 +8399,7 @@
         <p:spPr>
           <a:xfrm>
             <a:off x="539552" y="1412776"/>
-            <a:ext cx="8064896" cy="5170646"/>
+            <a:ext cx="8064896" cy="5386090"/>
           </a:xfrm>
           <a:prstGeom prst="rect">
             <a:avLst/>
@@ -7586,8 +8596,13 @@
             </a:r>
             <a:r>
               <a:rPr lang="en-US" sz="1400" dirty="0"/>
-              <a:t> $PREFIX/lib/node</a:t>
-            </a:r>
+              <a:t> $</a:t>
+            </a:r>
+            <a:r>
+              <a:rPr lang="en-US" sz="1400" dirty="0" smtClean="0"/>
+              <a:t>PREFIX/lib/node if $HOME or $PREFIX is set.</a:t>
+            </a:r>
+            <a:endParaRPr lang="en-US" sz="1400" dirty="0"/>
           </a:p>
           <a:p>
             <a:pPr marL="285750" indent="-285750">
@@ -7794,7 +8809,7 @@
           <a:p>
             <a:r>
               <a:rPr lang="en-US" dirty="0" smtClean="0"/>
-              <a:t>Call &amp; </a:t>
+              <a:t>More : Call &amp; </a:t>
             </a:r>
             <a:r>
               <a:rPr lang="en-US" dirty="0"/>
@@ -8304,7 +9319,279 @@
 </p:sld>
 </file>
 
-<file path=ppt/slides/slide14.xml><?xml version="1.0" encoding="utf-8"?>
+<file path=ppt/slides/slide16.xml><?xml version="1.0" encoding="utf-8"?>
+<p:sld xmlns:a="http://schemas.openxmlformats.org/drawingml/2006/main" xmlns:r="http://schemas.openxmlformats.org/officeDocument/2006/relationships" xmlns:p="http://schemas.openxmlformats.org/presentationml/2006/main">
+  <p:cSld>
+    <p:spTree>
+      <p:nvGrpSpPr>
+        <p:cNvPr id="1" name=""/>
+        <p:cNvGrpSpPr/>
+        <p:nvPr/>
+      </p:nvGrpSpPr>
+      <p:grpSpPr>
+        <a:xfrm>
+          <a:off x="0" y="0"/>
+          <a:ext cx="0" cy="0"/>
+          <a:chOff x="0" y="0"/>
+          <a:chExt cx="0" cy="0"/>
+        </a:xfrm>
+      </p:grpSpPr>
+      <p:sp>
+        <p:nvSpPr>
+          <p:cNvPr id="2" name="Content Placeholder 1"/>
+          <p:cNvSpPr>
+            <a:spLocks noGrp="1"/>
+          </p:cNvSpPr>
+          <p:nvPr>
+            <p:ph sz="quarter" idx="10"/>
+          </p:nvPr>
+        </p:nvSpPr>
+        <p:spPr>
+          <a:xfrm>
+            <a:off x="323528" y="1556792"/>
+            <a:ext cx="8493125" cy="4395787"/>
+          </a:xfrm>
+        </p:spPr>
+        <p:txBody>
+          <a:bodyPr/>
+          <a:lstStyle/>
+          <a:p>
+            <a:r>
+              <a:rPr lang="en-US" dirty="0" smtClean="0"/>
+              <a:t>When you export something in a </a:t>
+            </a:r>
+            <a:r>
+              <a:rPr lang="en-US" dirty="0" err="1" smtClean="0"/>
+              <a:t>js</a:t>
+            </a:r>
+            <a:r>
+              <a:rPr lang="en-US" dirty="0" smtClean="0"/>
+              <a:t> , you cannot do it </a:t>
+            </a:r>
+            <a:r>
+              <a:rPr lang="en-US" dirty="0" smtClean="0">
+                <a:solidFill>
+                  <a:srgbClr val="FF0000"/>
+                </a:solidFill>
+              </a:rPr>
+              <a:t>asynchronously</a:t>
+            </a:r>
+            <a:r>
+              <a:rPr lang="en-US" dirty="0" smtClean="0"/>
+              <a:t>:</a:t>
+            </a:r>
+          </a:p>
+          <a:p>
+            <a:r>
+              <a:rPr lang="en-US" dirty="0"/>
+              <a:t> </a:t>
+            </a:r>
+            <a:r>
+              <a:rPr lang="en-US" dirty="0" smtClean="0"/>
+              <a:t>  You can </a:t>
+            </a:r>
+          </a:p>
+          <a:p>
+            <a:r>
+              <a:rPr lang="en-US" b="0" i="1" dirty="0"/>
+              <a:t> </a:t>
+            </a:r>
+            <a:r>
+              <a:rPr lang="en-US" b="0" i="1" dirty="0" smtClean="0"/>
+              <a:t>      [module.]exports=…  </a:t>
+            </a:r>
+            <a:r>
+              <a:rPr lang="en-US" dirty="0" smtClean="0"/>
+              <a:t>or</a:t>
+            </a:r>
+            <a:r>
+              <a:rPr lang="en-US" b="0" i="1" dirty="0" smtClean="0"/>
+              <a:t> </a:t>
+            </a:r>
+            <a:r>
+              <a:rPr lang="en-US" b="0" i="1" dirty="0" err="1" smtClean="0"/>
+              <a:t>exports.xx</a:t>
+            </a:r>
+            <a:r>
+              <a:rPr lang="en-US" b="0" i="1" dirty="0" smtClean="0"/>
+              <a:t>=…</a:t>
+            </a:r>
+          </a:p>
+          <a:p>
+            <a:r>
+              <a:rPr lang="en-US" b="0" i="1" dirty="0"/>
+              <a:t> </a:t>
+            </a:r>
+            <a:r>
+              <a:rPr lang="en-US" b="0" i="1" dirty="0" smtClean="0"/>
+              <a:t>  </a:t>
+            </a:r>
+            <a:r>
+              <a:rPr lang="en-US" dirty="0" smtClean="0"/>
+              <a:t>You cannot </a:t>
+            </a:r>
+          </a:p>
+          <a:p>
+            <a:r>
+              <a:rPr lang="en-US" b="0" i="1" dirty="0">
+                <a:solidFill>
+                  <a:srgbClr val="FF0000"/>
+                </a:solidFill>
+              </a:rPr>
+              <a:t> </a:t>
+            </a:r>
+            <a:r>
+              <a:rPr lang="en-US" b="0" i="1" dirty="0" smtClean="0">
+                <a:solidFill>
+                  <a:srgbClr val="FF0000"/>
+                </a:solidFill>
+              </a:rPr>
+              <a:t>      </a:t>
+            </a:r>
+            <a:r>
+              <a:rPr lang="en-US" b="0" i="1" dirty="0" err="1" smtClean="0">
+                <a:solidFill>
+                  <a:srgbClr val="FF0000"/>
+                </a:solidFill>
+              </a:rPr>
+              <a:t>setTimeout</a:t>
+            </a:r>
+            <a:r>
+              <a:rPr lang="en-US" b="0" i="1" dirty="0" smtClean="0"/>
+              <a:t>(function</a:t>
+            </a:r>
+            <a:r>
+              <a:rPr lang="en-US" b="0" i="1" dirty="0"/>
+              <a:t>() { </a:t>
+            </a:r>
+            <a:endParaRPr lang="en-US" b="0" i="1" dirty="0" smtClean="0"/>
+          </a:p>
+          <a:p>
+            <a:r>
+              <a:rPr lang="en-US" b="0" i="1" dirty="0"/>
+              <a:t> </a:t>
+            </a:r>
+            <a:r>
+              <a:rPr lang="en-US" b="0" i="1" dirty="0" smtClean="0"/>
+              <a:t>          </a:t>
+            </a:r>
+            <a:r>
+              <a:rPr lang="en-US" b="0" i="1" dirty="0" err="1" smtClean="0"/>
+              <a:t>module.exports</a:t>
+            </a:r>
+            <a:r>
+              <a:rPr lang="en-US" b="0" i="1" dirty="0" smtClean="0"/>
+              <a:t> </a:t>
+            </a:r>
+            <a:r>
+              <a:rPr lang="en-US" b="0" i="1" dirty="0"/>
+              <a:t>= { a: "hello" }; </a:t>
+            </a:r>
+            <a:endParaRPr lang="en-US" b="0" i="1" dirty="0" smtClean="0"/>
+          </a:p>
+          <a:p>
+            <a:r>
+              <a:rPr lang="en-US" b="0" i="1" dirty="0"/>
+              <a:t> </a:t>
+            </a:r>
+            <a:r>
+              <a:rPr lang="en-US" b="0" i="1" dirty="0" smtClean="0"/>
+              <a:t>       }, xx);</a:t>
+            </a:r>
+          </a:p>
+          <a:p>
+            <a:r>
+              <a:rPr lang="en-US" b="0" i="1" dirty="0"/>
+              <a:t> </a:t>
+            </a:r>
+            <a:r>
+              <a:rPr lang="en-US" b="0" i="1" dirty="0" smtClean="0"/>
+              <a:t>  </a:t>
+            </a:r>
+            <a:r>
+              <a:rPr lang="en-US" dirty="0"/>
+              <a:t>Since </a:t>
+            </a:r>
+            <a:r>
+              <a:rPr lang="en-US" dirty="0" smtClean="0"/>
+              <a:t>‘require’ </a:t>
+            </a:r>
+            <a:r>
+              <a:rPr lang="en-US" dirty="0"/>
+              <a:t>will be done synchronously</a:t>
+            </a:r>
+            <a:r>
+              <a:rPr lang="en-US" dirty="0" smtClean="0"/>
+              <a:t>, You can </a:t>
+            </a:r>
+          </a:p>
+          <a:p>
+            <a:r>
+              <a:rPr lang="en-US" b="0" i="1" dirty="0" smtClean="0"/>
+              <a:t>       </a:t>
+            </a:r>
+            <a:r>
+              <a:rPr lang="en-US" b="0" i="1" dirty="0" err="1" smtClean="0"/>
+              <a:t>module.exports</a:t>
+            </a:r>
+            <a:r>
+              <a:rPr lang="en-US" b="0" i="1" dirty="0" smtClean="0"/>
+              <a:t>=require(‘…’)</a:t>
+            </a:r>
+          </a:p>
+          <a:p>
+            <a:r>
+              <a:rPr lang="en-US" b="0" i="1" dirty="0" smtClean="0"/>
+              <a:t>   </a:t>
+            </a:r>
+            <a:endParaRPr lang="en-US" b="0" i="1" dirty="0"/>
+          </a:p>
+        </p:txBody>
+      </p:sp>
+      <p:sp>
+        <p:nvSpPr>
+          <p:cNvPr id="3" name="Title 2"/>
+          <p:cNvSpPr>
+            <a:spLocks noGrp="1"/>
+          </p:cNvSpPr>
+          <p:nvPr>
+            <p:ph type="title"/>
+          </p:nvPr>
+        </p:nvSpPr>
+        <p:spPr/>
+        <p:txBody>
+          <a:bodyPr/>
+          <a:lstStyle/>
+          <a:p>
+            <a:r>
+              <a:rPr lang="en-US" dirty="0" smtClean="0"/>
+              <a:t>Module attention</a:t>
+            </a:r>
+            <a:endParaRPr lang="en-US" dirty="0"/>
+          </a:p>
+        </p:txBody>
+      </p:sp>
+    </p:spTree>
+    <p:extLst>
+      <p:ext uri="{BB962C8B-B14F-4D97-AF65-F5344CB8AC3E}">
+        <p14:creationId xmlns:p14="http://schemas.microsoft.com/office/powerpoint/2010/main" val="3316339307"/>
+      </p:ext>
+    </p:extLst>
+  </p:cSld>
+  <p:clrMapOvr>
+    <a:masterClrMapping/>
+  </p:clrMapOvr>
+  <p:timing>
+    <p:tnLst>
+      <p:par>
+        <p:cTn id="1" dur="indefinite" restart="never" nodeType="tmRoot"/>
+      </p:par>
+    </p:tnLst>
+  </p:timing>
+</p:sld>
+</file>
+
+<file path=ppt/slides/slide17.xml><?xml version="1.0" encoding="utf-8"?>
 <p:sld xmlns:a="http://schemas.openxmlformats.org/drawingml/2006/main" xmlns:r="http://schemas.openxmlformats.org/officeDocument/2006/relationships" xmlns:p="http://schemas.openxmlformats.org/presentationml/2006/main">
   <p:cSld>
     <p:spTree>
@@ -8338,7 +9625,7 @@
           <a:p>
             <a:r>
               <a:rPr lang="en-US" dirty="0" smtClean="0"/>
-              <a:t>Further topics about module</a:t>
+              <a:t>Further topics about module usage</a:t>
             </a:r>
             <a:endParaRPr lang="en-US" dirty="0"/>
           </a:p>
@@ -8749,7 +10036,7 @@
 </p:sld>
 </file>
 
-<file path=ppt/slides/slide15.xml><?xml version="1.0" encoding="utf-8"?>
+<file path=ppt/slides/slide18.xml><?xml version="1.0" encoding="utf-8"?>
 <p:sld xmlns:a="http://schemas.openxmlformats.org/drawingml/2006/main" xmlns:r="http://schemas.openxmlformats.org/officeDocument/2006/relationships" xmlns:p="http://schemas.openxmlformats.org/presentationml/2006/main">
   <p:cSld>
     <p:spTree>
@@ -8918,7 +10205,7 @@
         <p:spPr>
           <a:xfrm>
             <a:off x="490821" y="1271662"/>
-            <a:ext cx="5809371" cy="1077218"/>
+            <a:ext cx="5809371" cy="1292662"/>
           </a:xfrm>
           <a:prstGeom prst="rect">
             <a:avLst/>
@@ -8936,13 +10223,16 @@
             </a:pPr>
             <a:r>
               <a:rPr lang="en-US" dirty="0" smtClean="0"/>
-              <a:t>Variable </a:t>
+              <a:t>Variable scope:  module-scope  </a:t>
+            </a:r>
+            <a:r>
+              <a:rPr lang="en-US" dirty="0" err="1" smtClean="0"/>
+              <a:t>vs</a:t>
             </a:r>
             <a:r>
               <a:rPr lang="en-US" dirty="0" smtClean="0"/>
-              <a:t>scope:  module  &amp;  global</a:t>
-            </a:r>
-            <a:endParaRPr lang="en-US" dirty="0" smtClean="0"/>
+              <a:t>  global-scope</a:t>
+            </a:r>
           </a:p>
           <a:p>
             <a:pPr marL="285750" indent="-285750">
@@ -8976,7 +10266,26 @@
               <a:buChar char="•"/>
             </a:pPr>
             <a:r>
-              <a:rPr lang="en-US" dirty="0"/>
+              <a:rPr lang="en-US" sz="1400" dirty="0" smtClean="0"/>
+              <a:t>B</a:t>
+            </a:r>
+            <a:r>
+              <a:rPr lang="en-US" altLang="zh-CN" sz="1400" dirty="0" smtClean="0"/>
+              <a:t>ut when you write “xx=…”,it will be global.</a:t>
+            </a:r>
+            <a:endParaRPr lang="en-US" sz="1400" dirty="0" smtClean="0"/>
+          </a:p>
+          <a:p>
+            <a:pPr marL="285750" indent="-285750">
+              <a:buFont typeface="Arial" panose="020B0604020202020204" pitchFamily="34" charset="0"/>
+              <a:buChar char="•"/>
+            </a:pPr>
+            <a:r>
+              <a:rPr lang="en-US" dirty="0">
+                <a:solidFill>
+                  <a:srgbClr val="FF0000"/>
+                </a:solidFill>
+              </a:rPr>
               <a:t>Global Variables</a:t>
             </a:r>
           </a:p>
@@ -9001,8 +10310,8 @@
         </p:nvGrpSpPr>
         <p:grpSpPr>
           <a:xfrm>
-            <a:off x="3203848" y="2250552"/>
-            <a:ext cx="2351031" cy="4202784"/>
+            <a:off x="3707904" y="2564324"/>
+            <a:ext cx="2016224" cy="3853195"/>
             <a:chOff x="354440" y="2295567"/>
             <a:chExt cx="2351031" cy="4202784"/>
           </a:xfrm>
@@ -9060,7 +10369,7 @@
           <p:spPr>
             <a:xfrm>
               <a:off x="1290544" y="2295567"/>
-              <a:ext cx="615553" cy="276999"/>
+              <a:ext cx="743204" cy="302130"/>
             </a:xfrm>
             <a:prstGeom prst="rect">
               <a:avLst/>
@@ -9081,7 +10390,7 @@
             </a:fontRef>
           </p:style>
           <p:txBody>
-            <a:bodyPr wrap="none" lIns="0" tIns="0" rIns="0" bIns="0" rtlCol="0">
+            <a:bodyPr wrap="square" lIns="0" tIns="0" rIns="0" bIns="0" rtlCol="0">
               <a:spAutoFit/>
             </a:bodyPr>
             <a:lstStyle/>
@@ -9117,7 +10426,7 @@
         </p:nvGrpSpPr>
         <p:grpSpPr>
           <a:xfrm>
-            <a:off x="666852" y="2443984"/>
+            <a:off x="783484" y="2582483"/>
             <a:ext cx="1312860" cy="2857224"/>
             <a:chOff x="539552" y="2443984"/>
             <a:chExt cx="1312860" cy="2857224"/>
@@ -9433,7 +10742,7 @@
 </p:sld>
 </file>
 
-<file path=ppt/slides/slide16.xml><?xml version="1.0" encoding="utf-8"?>
+<file path=ppt/slides/slide19.xml><?xml version="1.0" encoding="utf-8"?>
 <p:sld xmlns:a="http://schemas.openxmlformats.org/drawingml/2006/main" xmlns:r="http://schemas.openxmlformats.org/officeDocument/2006/relationships" xmlns:p="http://schemas.openxmlformats.org/presentationml/2006/main">
   <p:cSld>
     <p:spTree>
@@ -9466,10 +10775,6 @@
           <a:lstStyle/>
           <a:p>
             <a:r>
-              <a:rPr lang="en-US" dirty="0" smtClean="0"/>
-              <a:t>4 </a:t>
-            </a:r>
-            <a:r>
               <a:rPr lang="en-US" dirty="0" err="1" smtClean="0"/>
               <a:t>N</a:t>
             </a:r>
@@ -9479,7 +10784,7 @@
             </a:r>
             <a:r>
               <a:rPr lang="en-US" altLang="zh-CN" dirty="0" smtClean="0"/>
-              <a:t> modules</a:t>
+              <a:t> internal modules</a:t>
             </a:r>
             <a:endParaRPr lang="en-US" dirty="0"/>
           </a:p>
@@ -9766,7 +11071,412 @@
 </p:sld>
 </file>
 
-<file path=ppt/slides/slide17.xml><?xml version="1.0" encoding="utf-8"?>
+<file path=ppt/slides/slide2.xml><?xml version="1.0" encoding="utf-8"?>
+<p:sld xmlns:a="http://schemas.openxmlformats.org/drawingml/2006/main" xmlns:r="http://schemas.openxmlformats.org/officeDocument/2006/relationships" xmlns:p="http://schemas.openxmlformats.org/presentationml/2006/main">
+  <p:cSld>
+    <p:spTree>
+      <p:nvGrpSpPr>
+        <p:cNvPr id="1" name=""/>
+        <p:cNvGrpSpPr/>
+        <p:nvPr/>
+      </p:nvGrpSpPr>
+      <p:grpSpPr>
+        <a:xfrm>
+          <a:off x="0" y="0"/>
+          <a:ext cx="0" cy="0"/>
+          <a:chOff x="0" y="0"/>
+          <a:chExt cx="0" cy="0"/>
+        </a:xfrm>
+      </p:grpSpPr>
+      <p:sp>
+        <p:nvSpPr>
+          <p:cNvPr id="8" name="Title 7"/>
+          <p:cNvSpPr>
+            <a:spLocks noGrp="1"/>
+          </p:cNvSpPr>
+          <p:nvPr>
+            <p:ph type="title"/>
+          </p:nvPr>
+        </p:nvSpPr>
+        <p:spPr/>
+        <p:txBody>
+          <a:bodyPr>
+            <a:normAutofit/>
+          </a:bodyPr>
+          <a:lstStyle/>
+          <a:p>
+            <a:pPr lvl="0">
+              <a:spcBef>
+                <a:spcPts val="0"/>
+              </a:spcBef>
+              <a:defRPr/>
+            </a:pPr>
+            <a:r>
+              <a:rPr lang="en-US" b="0" kern="0" dirty="0" smtClean="0">
+                <a:solidFill>
+                  <a:schemeClr val="tx1"/>
+                </a:solidFill>
+              </a:rPr>
+              <a:t>OUTLINE</a:t>
+            </a:r>
+            <a:endParaRPr lang="en-US" dirty="0">
+              <a:solidFill>
+                <a:schemeClr val="tx1"/>
+              </a:solidFill>
+            </a:endParaRPr>
+          </a:p>
+        </p:txBody>
+      </p:sp>
+      <p:sp>
+        <p:nvSpPr>
+          <p:cNvPr id="9" name="Rectangle 8"/>
+          <p:cNvSpPr/>
+          <p:nvPr/>
+        </p:nvSpPr>
+        <p:spPr>
+          <a:xfrm>
+            <a:off x="330068" y="1988840"/>
+            <a:ext cx="7050244" cy="3908762"/>
+          </a:xfrm>
+          <a:prstGeom prst="rect">
+            <a:avLst/>
+          </a:prstGeom>
+        </p:spPr>
+        <p:txBody>
+          <a:bodyPr wrap="square">
+            <a:spAutoFit/>
+          </a:bodyPr>
+          <a:lstStyle/>
+          <a:p>
+            <a:pPr marL="342900" lvl="0" indent="-342900">
+              <a:spcBef>
+                <a:spcPts val="1620"/>
+              </a:spcBef>
+              <a:buClr>
+                <a:srgbClr val="F0AB00"/>
+              </a:buClr>
+              <a:buSzPct val="80000"/>
+              <a:buFont typeface="Wingdings" panose="05000000000000000000" pitchFamily="2" charset="2"/>
+              <a:buChar char="ü"/>
+            </a:pPr>
+            <a:r>
+              <a:rPr lang="en-US" sz="2400" b="1" dirty="0" err="1">
+                <a:solidFill>
+                  <a:schemeClr val="tx1">
+                    <a:lumMod val="85000"/>
+                  </a:schemeClr>
+                </a:solidFill>
+                <a:latin typeface="Arial" panose="020B0604020202020204" pitchFamily="34" charset="0"/>
+                <a:cs typeface="Arial" panose="020B0604020202020204" pitchFamily="34" charset="0"/>
+              </a:rPr>
+              <a:t>N</a:t>
+            </a:r>
+            <a:r>
+              <a:rPr lang="en-US" altLang="zh-CN" sz="2400" b="1" dirty="0" err="1">
+                <a:solidFill>
+                  <a:schemeClr val="tx1">
+                    <a:lumMod val="85000"/>
+                  </a:schemeClr>
+                </a:solidFill>
+                <a:latin typeface="Arial" panose="020B0604020202020204" pitchFamily="34" charset="0"/>
+                <a:cs typeface="Arial" panose="020B0604020202020204" pitchFamily="34" charset="0"/>
+              </a:rPr>
+              <a:t>odeJS</a:t>
+            </a:r>
+            <a:r>
+              <a:rPr lang="en-US" sz="2400" b="1" dirty="0">
+                <a:solidFill>
+                  <a:schemeClr val="tx1">
+                    <a:lumMod val="85000"/>
+                  </a:schemeClr>
+                </a:solidFill>
+                <a:latin typeface="Arial" panose="020B0604020202020204" pitchFamily="34" charset="0"/>
+                <a:cs typeface="Arial" panose="020B0604020202020204" pitchFamily="34" charset="0"/>
+              </a:rPr>
+              <a:t> </a:t>
+            </a:r>
+            <a:r>
+              <a:rPr lang="en-US" sz="2400" b="1" dirty="0" smtClean="0">
+                <a:solidFill>
+                  <a:schemeClr val="tx1">
+                    <a:lumMod val="85000"/>
+                  </a:schemeClr>
+                </a:solidFill>
+                <a:latin typeface="Arial" panose="020B0604020202020204" pitchFamily="34" charset="0"/>
+                <a:cs typeface="Arial" panose="020B0604020202020204" pitchFamily="34" charset="0"/>
+              </a:rPr>
+              <a:t>Overview</a:t>
+            </a:r>
+            <a:endParaRPr lang="en-US" sz="2400" b="1" dirty="0">
+              <a:solidFill>
+                <a:schemeClr val="tx1">
+                  <a:lumMod val="85000"/>
+                </a:schemeClr>
+              </a:solidFill>
+              <a:latin typeface="Arial" panose="020B0604020202020204" pitchFamily="34" charset="0"/>
+              <a:cs typeface="Arial" panose="020B0604020202020204" pitchFamily="34" charset="0"/>
+            </a:endParaRPr>
+          </a:p>
+          <a:p>
+            <a:pPr marL="342900" lvl="0" indent="-342900">
+              <a:spcBef>
+                <a:spcPts val="1620"/>
+              </a:spcBef>
+              <a:buClr>
+                <a:srgbClr val="F0AB00"/>
+              </a:buClr>
+              <a:buSzPct val="80000"/>
+              <a:buFont typeface="Wingdings" panose="05000000000000000000" pitchFamily="2" charset="2"/>
+              <a:buChar char="ü"/>
+            </a:pPr>
+            <a:r>
+              <a:rPr lang="en-US" sz="2400" b="1" dirty="0" err="1">
+                <a:solidFill>
+                  <a:schemeClr val="tx1">
+                    <a:lumMod val="85000"/>
+                  </a:schemeClr>
+                </a:solidFill>
+                <a:latin typeface="Arial" panose="020B0604020202020204" pitchFamily="34" charset="0"/>
+                <a:cs typeface="Arial" panose="020B0604020202020204" pitchFamily="34" charset="0"/>
+              </a:rPr>
+              <a:t>NodeJS</a:t>
+            </a:r>
+            <a:r>
+              <a:rPr lang="en-US" sz="2400" b="1" dirty="0">
+                <a:solidFill>
+                  <a:schemeClr val="tx1">
+                    <a:lumMod val="85000"/>
+                  </a:schemeClr>
+                </a:solidFill>
+                <a:latin typeface="Arial" panose="020B0604020202020204" pitchFamily="34" charset="0"/>
+                <a:cs typeface="Arial" panose="020B0604020202020204" pitchFamily="34" charset="0"/>
+              </a:rPr>
+              <a:t> </a:t>
+            </a:r>
+            <a:r>
+              <a:rPr lang="en-US" sz="2400" b="1" dirty="0" smtClean="0">
+                <a:solidFill>
+                  <a:schemeClr val="tx1">
+                    <a:lumMod val="85000"/>
+                  </a:schemeClr>
+                </a:solidFill>
+                <a:latin typeface="Arial" panose="020B0604020202020204" pitchFamily="34" charset="0"/>
+                <a:cs typeface="Arial" panose="020B0604020202020204" pitchFamily="34" charset="0"/>
+              </a:rPr>
+              <a:t>Features</a:t>
+            </a:r>
+          </a:p>
+          <a:p>
+            <a:pPr marL="342900" lvl="0" indent="-342900">
+              <a:spcBef>
+                <a:spcPts val="1620"/>
+              </a:spcBef>
+              <a:buClr>
+                <a:srgbClr val="F0AB00"/>
+              </a:buClr>
+              <a:buSzPct val="80000"/>
+              <a:buFont typeface="Wingdings" panose="05000000000000000000" pitchFamily="2" charset="2"/>
+              <a:buChar char="ü"/>
+            </a:pPr>
+            <a:r>
+              <a:rPr lang="en-US" sz="2400" b="1" dirty="0" err="1" smtClean="0">
+                <a:solidFill>
+                  <a:schemeClr val="tx1">
+                    <a:lumMod val="85000"/>
+                  </a:schemeClr>
+                </a:solidFill>
+                <a:latin typeface="Arial" panose="020B0604020202020204" pitchFamily="34" charset="0"/>
+                <a:cs typeface="Arial" panose="020B0604020202020204" pitchFamily="34" charset="0"/>
+              </a:rPr>
+              <a:t>NodeJS</a:t>
+            </a:r>
+            <a:r>
+              <a:rPr lang="en-US" sz="2400" b="1" dirty="0" smtClean="0">
+                <a:solidFill>
+                  <a:schemeClr val="tx1">
+                    <a:lumMod val="85000"/>
+                  </a:schemeClr>
+                </a:solidFill>
+                <a:latin typeface="Arial" panose="020B0604020202020204" pitchFamily="34" charset="0"/>
+                <a:cs typeface="Arial" panose="020B0604020202020204" pitchFamily="34" charset="0"/>
+              </a:rPr>
+              <a:t> Modules</a:t>
+            </a:r>
+          </a:p>
+          <a:p>
+            <a:pPr marL="342900" lvl="0" indent="-342900">
+              <a:spcBef>
+                <a:spcPts val="1620"/>
+              </a:spcBef>
+              <a:buClr>
+                <a:srgbClr val="F0AB00"/>
+              </a:buClr>
+              <a:buSzPct val="80000"/>
+              <a:buFont typeface="Wingdings" panose="05000000000000000000" pitchFamily="2" charset="2"/>
+              <a:buChar char="ü"/>
+            </a:pPr>
+            <a:r>
+              <a:rPr lang="en-US" sz="2400" b="1" dirty="0" smtClean="0">
+                <a:solidFill>
+                  <a:schemeClr val="tx1">
+                    <a:lumMod val="85000"/>
+                  </a:schemeClr>
+                </a:solidFill>
+                <a:latin typeface="Arial" panose="020B0604020202020204" pitchFamily="34" charset="0"/>
+                <a:cs typeface="Arial" panose="020B0604020202020204" pitchFamily="34" charset="0"/>
+              </a:rPr>
+              <a:t>Debug </a:t>
+            </a:r>
+            <a:r>
+              <a:rPr lang="en-US" sz="2400" b="1" dirty="0" err="1" smtClean="0">
+                <a:solidFill>
+                  <a:schemeClr val="tx1">
+                    <a:lumMod val="85000"/>
+                  </a:schemeClr>
+                </a:solidFill>
+                <a:latin typeface="Arial" panose="020B0604020202020204" pitchFamily="34" charset="0"/>
+                <a:cs typeface="Arial" panose="020B0604020202020204" pitchFamily="34" charset="0"/>
+              </a:rPr>
+              <a:t>NodeJS</a:t>
+            </a:r>
+            <a:endParaRPr lang="en-US" sz="2400" b="1" dirty="0" smtClean="0">
+              <a:solidFill>
+                <a:schemeClr val="tx1">
+                  <a:lumMod val="85000"/>
+                </a:schemeClr>
+              </a:solidFill>
+              <a:latin typeface="Arial" panose="020B0604020202020204" pitchFamily="34" charset="0"/>
+              <a:cs typeface="Arial" panose="020B0604020202020204" pitchFamily="34" charset="0"/>
+            </a:endParaRPr>
+          </a:p>
+          <a:p>
+            <a:pPr marL="342900" lvl="0" indent="-342900">
+              <a:spcBef>
+                <a:spcPts val="1620"/>
+              </a:spcBef>
+              <a:buClr>
+                <a:srgbClr val="F0AB00"/>
+              </a:buClr>
+              <a:buSzPct val="80000"/>
+              <a:buFont typeface="Wingdings" panose="05000000000000000000" pitchFamily="2" charset="2"/>
+              <a:buChar char="ü"/>
+            </a:pPr>
+            <a:r>
+              <a:rPr lang="en-US" sz="2400" b="1" dirty="0" err="1" smtClean="0">
+                <a:solidFill>
+                  <a:schemeClr val="tx1">
+                    <a:lumMod val="85000"/>
+                  </a:schemeClr>
+                </a:solidFill>
+                <a:latin typeface="Arial" panose="020B0604020202020204" pitchFamily="34" charset="0"/>
+                <a:cs typeface="Arial" panose="020B0604020202020204" pitchFamily="34" charset="0"/>
+              </a:rPr>
+              <a:t>NodeJS</a:t>
+            </a:r>
+            <a:r>
+              <a:rPr lang="en-US" sz="2400" b="1" dirty="0" smtClean="0">
+                <a:solidFill>
+                  <a:schemeClr val="tx1">
+                    <a:lumMod val="85000"/>
+                  </a:schemeClr>
+                </a:solidFill>
+                <a:latin typeface="Arial" panose="020B0604020202020204" pitchFamily="34" charset="0"/>
+                <a:cs typeface="Arial" panose="020B0604020202020204" pitchFamily="34" charset="0"/>
+              </a:rPr>
+              <a:t> project examples</a:t>
+            </a:r>
+            <a:endParaRPr lang="en-US" sz="2400" b="1" dirty="0">
+              <a:solidFill>
+                <a:schemeClr val="tx1">
+                  <a:lumMod val="85000"/>
+                </a:schemeClr>
+              </a:solidFill>
+              <a:latin typeface="Arial" panose="020B0604020202020204" pitchFamily="34" charset="0"/>
+              <a:cs typeface="Arial" panose="020B0604020202020204" pitchFamily="34" charset="0"/>
+            </a:endParaRPr>
+          </a:p>
+          <a:p>
+            <a:pPr marL="342900" lvl="0" indent="-342900">
+              <a:spcBef>
+                <a:spcPts val="1620"/>
+              </a:spcBef>
+              <a:buClr>
+                <a:srgbClr val="F0AB00"/>
+              </a:buClr>
+              <a:buSzPct val="80000"/>
+              <a:buFont typeface="Wingdings" panose="05000000000000000000" pitchFamily="2" charset="2"/>
+              <a:buChar char="ü"/>
+            </a:pPr>
+            <a:r>
+              <a:rPr lang="en-US" altLang="zh-CN" sz="2400" b="1" dirty="0" smtClean="0">
+                <a:solidFill>
+                  <a:schemeClr val="tx1">
+                    <a:lumMod val="85000"/>
+                  </a:schemeClr>
+                </a:solidFill>
+                <a:latin typeface="Arial" panose="020B0604020202020204" pitchFamily="34" charset="0"/>
+                <a:cs typeface="Arial" panose="020B0604020202020204" pitchFamily="34" charset="0"/>
+              </a:rPr>
+              <a:t>JS Tests</a:t>
+            </a:r>
+          </a:p>
+          <a:p>
+            <a:pPr marL="342900" lvl="0" indent="-342900">
+              <a:spcBef>
+                <a:spcPts val="1620"/>
+              </a:spcBef>
+              <a:buClr>
+                <a:srgbClr val="F0AB00"/>
+              </a:buClr>
+              <a:buSzPct val="80000"/>
+              <a:buFont typeface="Wingdings" panose="05000000000000000000" pitchFamily="2" charset="2"/>
+              <a:buChar char="ü"/>
+            </a:pPr>
+            <a:r>
+              <a:rPr lang="en-US" altLang="zh-CN" sz="2400" b="1" dirty="0" smtClean="0">
+                <a:solidFill>
+                  <a:schemeClr val="tx1">
+                    <a:lumMod val="85000"/>
+                  </a:schemeClr>
+                </a:solidFill>
+                <a:latin typeface="Arial" panose="020B0604020202020204" pitchFamily="34" charset="0"/>
+                <a:cs typeface="Arial" panose="020B0604020202020204" pitchFamily="34" charset="0"/>
+              </a:rPr>
+              <a:t>JS Minify</a:t>
+            </a:r>
+            <a:endParaRPr lang="en-US" altLang="zh-CN" sz="2400" b="1" dirty="0">
+              <a:solidFill>
+                <a:schemeClr val="tx1">
+                  <a:lumMod val="85000"/>
+                </a:schemeClr>
+              </a:solidFill>
+              <a:latin typeface="Arial" panose="020B0604020202020204" pitchFamily="34" charset="0"/>
+              <a:cs typeface="Arial" panose="020B0604020202020204" pitchFamily="34" charset="0"/>
+            </a:endParaRPr>
+          </a:p>
+        </p:txBody>
+      </p:sp>
+    </p:spTree>
+    <p:extLst>
+      <p:ext uri="{BB962C8B-B14F-4D97-AF65-F5344CB8AC3E}">
+        <p14:creationId xmlns:p14="http://schemas.microsoft.com/office/powerpoint/2010/main" val="537133450"/>
+      </p:ext>
+    </p:extLst>
+  </p:cSld>
+  <p:clrMapOvr>
+    <a:masterClrMapping/>
+  </p:clrMapOvr>
+  <p:timing>
+    <p:tnLst>
+      <p:par>
+        <p:cTn id="1" dur="indefinite" restart="never" nodeType="tmRoot"/>
+      </p:par>
+    </p:tnLst>
+  </p:timing>
+</p:sld>
+</file>
+
+<file path=ppt/slides/slide20.xml><?xml version="1.0" encoding="utf-8"?>
 <p:sld xmlns:a="http://schemas.openxmlformats.org/drawingml/2006/main" xmlns:r="http://schemas.openxmlformats.org/officeDocument/2006/relationships" xmlns:p="http://schemas.openxmlformats.org/presentationml/2006/main">
   <p:cSld>
     <p:spTree>
@@ -9803,12 +11513,8 @@
               <a:t>NodeJS</a:t>
             </a:r>
             <a:r>
-              <a:rPr lang="en-US" dirty="0"/>
-              <a:t> </a:t>
-            </a:r>
-            <a:r>
               <a:rPr lang="en-US" dirty="0" smtClean="0"/>
-              <a:t>HTTP module</a:t>
+              <a:t> HTTP module</a:t>
             </a:r>
             <a:endParaRPr lang="en-US" dirty="0"/>
           </a:p>
@@ -9838,11 +11544,198 @@
         </p:blipFill>
         <p:spPr>
           <a:xfrm>
-            <a:off x="467544" y="1844824"/>
-            <a:ext cx="8229600" cy="3841828"/>
+            <a:off x="457089" y="2636912"/>
+            <a:ext cx="8075351" cy="3769820"/>
           </a:xfrm>
         </p:spPr>
       </p:pic>
+      <p:sp>
+        <p:nvSpPr>
+          <p:cNvPr id="6" name="TextBox 5"/>
+          <p:cNvSpPr txBox="1"/>
+          <p:nvPr/>
+        </p:nvSpPr>
+        <p:spPr>
+          <a:xfrm>
+            <a:off x="395536" y="1484784"/>
+            <a:ext cx="5688632" cy="1107996"/>
+          </a:xfrm>
+          <a:prstGeom prst="rect">
+            <a:avLst/>
+          </a:prstGeom>
+          <a:noFill/>
+        </p:spPr>
+        <p:txBody>
+          <a:bodyPr wrap="square" lIns="0" tIns="0" rIns="0" bIns="0" rtlCol="0">
+            <a:spAutoFit/>
+          </a:bodyPr>
+          <a:lstStyle/>
+          <a:p>
+            <a:pPr marL="285750" indent="-285750" fontAlgn="base">
+              <a:spcBef>
+                <a:spcPct val="50000"/>
+              </a:spcBef>
+              <a:spcAft>
+                <a:spcPct val="0"/>
+              </a:spcAft>
+              <a:buClr>
+                <a:srgbClr val="F0AB00"/>
+              </a:buClr>
+              <a:buSzPct val="80000"/>
+              <a:buFont typeface="Arial" panose="020B0604020202020204" pitchFamily="34" charset="0"/>
+              <a:buChar char="•"/>
+            </a:pPr>
+            <a:r>
+              <a:rPr lang="en-US" sz="1800" kern="0" dirty="0" smtClean="0">
+                <a:ea typeface="Arial Unicode MS" pitchFamily="34" charset="-128"/>
+                <a:cs typeface="Arial Unicode MS" pitchFamily="34" charset="-128"/>
+              </a:rPr>
+              <a:t>HTTP is a protocol working on the TCP layer</a:t>
+            </a:r>
+          </a:p>
+          <a:p>
+            <a:pPr marL="285750" indent="-285750" fontAlgn="base">
+              <a:spcBef>
+                <a:spcPct val="50000"/>
+              </a:spcBef>
+              <a:spcAft>
+                <a:spcPct val="0"/>
+              </a:spcAft>
+              <a:buClr>
+                <a:srgbClr val="F0AB00"/>
+              </a:buClr>
+              <a:buSzPct val="80000"/>
+              <a:buFont typeface="Arial" panose="020B0604020202020204" pitchFamily="34" charset="0"/>
+              <a:buChar char="•"/>
+            </a:pPr>
+            <a:r>
+              <a:rPr lang="en-US" kern="0" dirty="0" smtClean="0">
+                <a:ea typeface="Arial Unicode MS" pitchFamily="34" charset="-128"/>
+                <a:cs typeface="Arial Unicode MS" pitchFamily="34" charset="-128"/>
+              </a:rPr>
+              <a:t>Server / client communicate using TCP socket</a:t>
+            </a:r>
+          </a:p>
+          <a:p>
+            <a:pPr marL="285750" indent="-285750" fontAlgn="base">
+              <a:spcBef>
+                <a:spcPct val="50000"/>
+              </a:spcBef>
+              <a:spcAft>
+                <a:spcPct val="0"/>
+              </a:spcAft>
+              <a:buClr>
+                <a:srgbClr val="F0AB00"/>
+              </a:buClr>
+              <a:buSzPct val="80000"/>
+              <a:buFont typeface="Arial" panose="020B0604020202020204" pitchFamily="34" charset="0"/>
+              <a:buChar char="•"/>
+            </a:pPr>
+            <a:r>
+              <a:rPr lang="en-US" kern="0" dirty="0" smtClean="0">
+                <a:ea typeface="Arial Unicode MS" pitchFamily="34" charset="-128"/>
+                <a:cs typeface="Arial Unicode MS" pitchFamily="34" charset="-128"/>
+              </a:rPr>
+              <a:t>Node-JS’s  </a:t>
+            </a:r>
+            <a:r>
+              <a:rPr lang="en-US" kern="0" dirty="0">
+                <a:ea typeface="Arial Unicode MS" pitchFamily="34" charset="-128"/>
+                <a:cs typeface="Arial Unicode MS" pitchFamily="34" charset="-128"/>
+              </a:rPr>
+              <a:t>flow chart </a:t>
+            </a:r>
+            <a:r>
+              <a:rPr lang="en-US" kern="0" dirty="0" smtClean="0">
+                <a:ea typeface="Arial Unicode MS" pitchFamily="34" charset="-128"/>
+                <a:cs typeface="Arial Unicode MS" pitchFamily="34" charset="-128"/>
+              </a:rPr>
+              <a:t>with HTTP process as below: </a:t>
+            </a:r>
+            <a:endParaRPr lang="en-US" sz="1800" kern="0" dirty="0" smtClean="0">
+              <a:ea typeface="Arial Unicode MS" pitchFamily="34" charset="-128"/>
+              <a:cs typeface="Arial Unicode MS" pitchFamily="34" charset="-128"/>
+            </a:endParaRPr>
+          </a:p>
+        </p:txBody>
+      </p:sp>
+      <p:pic>
+        <p:nvPicPr>
+          <p:cNvPr id="7" name="Picture 6"/>
+          <p:cNvPicPr>
+            <a:picLocks noChangeAspect="1"/>
+          </p:cNvPicPr>
+          <p:nvPr/>
+        </p:nvPicPr>
+        <p:blipFill>
+          <a:blip r:embed="rId3">
+            <a:extLst>
+              <a:ext uri="{28A0092B-C50C-407E-A947-70E740481C1C}">
+                <a14:useLocalDpi xmlns:a14="http://schemas.microsoft.com/office/drawing/2010/main" val="0"/>
+              </a:ext>
+            </a:extLst>
+          </a:blip>
+          <a:stretch>
+            <a:fillRect/>
+          </a:stretch>
+        </p:blipFill>
+        <p:spPr>
+          <a:xfrm>
+            <a:off x="6084168" y="427994"/>
+            <a:ext cx="2406731" cy="2390578"/>
+          </a:xfrm>
+          <a:prstGeom prst="rect">
+            <a:avLst/>
+          </a:prstGeom>
+        </p:spPr>
+      </p:pic>
+      <p:sp>
+        <p:nvSpPr>
+          <p:cNvPr id="8" name="TextBox 7"/>
+          <p:cNvSpPr txBox="1"/>
+          <p:nvPr/>
+        </p:nvSpPr>
+        <p:spPr>
+          <a:xfrm>
+            <a:off x="6399413" y="289494"/>
+            <a:ext cx="2475037" cy="276999"/>
+          </a:xfrm>
+          <a:prstGeom prst="rect">
+            <a:avLst/>
+          </a:prstGeom>
+          <a:noFill/>
+        </p:spPr>
+        <p:txBody>
+          <a:bodyPr wrap="none" lIns="0" tIns="0" rIns="0" bIns="0" rtlCol="0">
+            <a:spAutoFit/>
+          </a:bodyPr>
+          <a:lstStyle/>
+          <a:p>
+            <a:pPr fontAlgn="base">
+              <a:spcBef>
+                <a:spcPct val="50000"/>
+              </a:spcBef>
+              <a:spcAft>
+                <a:spcPct val="0"/>
+              </a:spcAft>
+              <a:buClr>
+                <a:srgbClr val="F0AB00"/>
+              </a:buClr>
+              <a:buSzPct val="80000"/>
+            </a:pPr>
+            <a:r>
+              <a:rPr lang="en-US" sz="1800" kern="0" dirty="0" smtClean="0">
+                <a:solidFill>
+                  <a:srgbClr val="FF0000"/>
+                </a:solidFill>
+                <a:ea typeface="Arial Unicode MS" pitchFamily="34" charset="-128"/>
+                <a:cs typeface="Arial Unicode MS" pitchFamily="34" charset="-128"/>
+              </a:rPr>
+              <a:t>HTTP Protocol structure</a:t>
+            </a:r>
+          </a:p>
+        </p:txBody>
+      </p:sp>
     </p:spTree>
     <p:extLst>
       <p:ext uri="{BB962C8B-B14F-4D97-AF65-F5344CB8AC3E}">
@@ -9863,7 +11756,7 @@
 </p:sld>
 </file>
 
-<file path=ppt/slides/slide18.xml><?xml version="1.0" encoding="utf-8"?>
+<file path=ppt/slides/slide21.xml><?xml version="1.0" encoding="utf-8"?>
 <p:sld xmlns:a="http://schemas.openxmlformats.org/drawingml/2006/main" xmlns:r="http://schemas.openxmlformats.org/officeDocument/2006/relationships" xmlns:p="http://schemas.openxmlformats.org/presentationml/2006/main">
   <p:cSld>
     <p:spTree>
@@ -10116,7 +12009,7 @@
 </p:sld>
 </file>
 
-<file path=ppt/slides/slide19.xml><?xml version="1.0" encoding="utf-8"?>
+<file path=ppt/slides/slide22.xml><?xml version="1.0" encoding="utf-8"?>
 <p:sld xmlns:a="http://schemas.openxmlformats.org/drawingml/2006/main" xmlns:r="http://schemas.openxmlformats.org/officeDocument/2006/relationships" xmlns:p="http://schemas.openxmlformats.org/presentationml/2006/main">
   <p:cSld>
     <p:spTree>
@@ -10262,329 +12155,7 @@
 </p:sld>
 </file>
 
-<file path=ppt/slides/slide2.xml><?xml version="1.0" encoding="utf-8"?>
-<p:sld xmlns:a="http://schemas.openxmlformats.org/drawingml/2006/main" xmlns:r="http://schemas.openxmlformats.org/officeDocument/2006/relationships" xmlns:p="http://schemas.openxmlformats.org/presentationml/2006/main">
-  <p:cSld>
-    <p:spTree>
-      <p:nvGrpSpPr>
-        <p:cNvPr id="1" name=""/>
-        <p:cNvGrpSpPr/>
-        <p:nvPr/>
-      </p:nvGrpSpPr>
-      <p:grpSpPr>
-        <a:xfrm>
-          <a:off x="0" y="0"/>
-          <a:ext cx="0" cy="0"/>
-          <a:chOff x="0" y="0"/>
-          <a:chExt cx="0" cy="0"/>
-        </a:xfrm>
-      </p:grpSpPr>
-      <p:sp>
-        <p:nvSpPr>
-          <p:cNvPr id="8" name="Title 7"/>
-          <p:cNvSpPr>
-            <a:spLocks noGrp="1"/>
-          </p:cNvSpPr>
-          <p:nvPr>
-            <p:ph type="title"/>
-          </p:nvPr>
-        </p:nvSpPr>
-        <p:spPr/>
-        <p:txBody>
-          <a:bodyPr>
-            <a:normAutofit/>
-          </a:bodyPr>
-          <a:lstStyle/>
-          <a:p>
-            <a:pPr lvl="0">
-              <a:spcBef>
-                <a:spcPts val="0"/>
-              </a:spcBef>
-              <a:defRPr/>
-            </a:pPr>
-            <a:r>
-              <a:rPr lang="en-US" b="0" kern="0" dirty="0" smtClean="0">
-                <a:solidFill>
-                  <a:schemeClr val="tx1"/>
-                </a:solidFill>
-              </a:rPr>
-              <a:t>OUTLINE</a:t>
-            </a:r>
-            <a:endParaRPr lang="en-US" dirty="0">
-              <a:solidFill>
-                <a:schemeClr val="tx1"/>
-              </a:solidFill>
-            </a:endParaRPr>
-          </a:p>
-        </p:txBody>
-      </p:sp>
-      <p:sp>
-        <p:nvSpPr>
-          <p:cNvPr id="9" name="Rectangle 8"/>
-          <p:cNvSpPr/>
-          <p:nvPr/>
-        </p:nvSpPr>
-        <p:spPr>
-          <a:xfrm>
-            <a:off x="330068" y="1988840"/>
-            <a:ext cx="7050244" cy="2759730"/>
-          </a:xfrm>
-          <a:prstGeom prst="rect">
-            <a:avLst/>
-          </a:prstGeom>
-        </p:spPr>
-        <p:txBody>
-          <a:bodyPr wrap="square">
-            <a:spAutoFit/>
-          </a:bodyPr>
-          <a:lstStyle/>
-          <a:p>
-            <a:pPr marL="342900" lvl="0" indent="-342900">
-              <a:spcBef>
-                <a:spcPts val="1620"/>
-              </a:spcBef>
-              <a:buClr>
-                <a:srgbClr val="F0AB00"/>
-              </a:buClr>
-              <a:buSzPct val="80000"/>
-              <a:buFont typeface="Wingdings" panose="05000000000000000000" pitchFamily="2" charset="2"/>
-              <a:buChar char="ü"/>
-            </a:pPr>
-            <a:r>
-              <a:rPr lang="en-US" sz="2400" b="1" dirty="0" err="1">
-                <a:solidFill>
-                  <a:schemeClr val="tx1">
-                    <a:lumMod val="85000"/>
-                  </a:schemeClr>
-                </a:solidFill>
-                <a:latin typeface="Arial" panose="020B0604020202020204" pitchFamily="34" charset="0"/>
-                <a:cs typeface="Arial" panose="020B0604020202020204" pitchFamily="34" charset="0"/>
-              </a:rPr>
-              <a:t>N</a:t>
-            </a:r>
-            <a:r>
-              <a:rPr lang="en-US" altLang="zh-CN" sz="2400" b="1" dirty="0" err="1">
-                <a:solidFill>
-                  <a:schemeClr val="tx1">
-                    <a:lumMod val="85000"/>
-                  </a:schemeClr>
-                </a:solidFill>
-                <a:latin typeface="Arial" panose="020B0604020202020204" pitchFamily="34" charset="0"/>
-                <a:cs typeface="Arial" panose="020B0604020202020204" pitchFamily="34" charset="0"/>
-              </a:rPr>
-              <a:t>odeJS</a:t>
-            </a:r>
-            <a:r>
-              <a:rPr lang="en-US" sz="2400" b="1" dirty="0">
-                <a:solidFill>
-                  <a:schemeClr val="tx1">
-                    <a:lumMod val="85000"/>
-                  </a:schemeClr>
-                </a:solidFill>
-                <a:latin typeface="Arial" panose="020B0604020202020204" pitchFamily="34" charset="0"/>
-                <a:cs typeface="Arial" panose="020B0604020202020204" pitchFamily="34" charset="0"/>
-              </a:rPr>
-              <a:t> </a:t>
-            </a:r>
-            <a:r>
-              <a:rPr lang="en-US" sz="2400" b="1" dirty="0" smtClean="0">
-                <a:solidFill>
-                  <a:schemeClr val="tx1">
-                    <a:lumMod val="85000"/>
-                  </a:schemeClr>
-                </a:solidFill>
-                <a:latin typeface="Arial" panose="020B0604020202020204" pitchFamily="34" charset="0"/>
-                <a:cs typeface="Arial" panose="020B0604020202020204" pitchFamily="34" charset="0"/>
-              </a:rPr>
-              <a:t>Overview</a:t>
-            </a:r>
-            <a:endParaRPr lang="en-US" sz="2400" b="1" dirty="0">
-              <a:solidFill>
-                <a:schemeClr val="tx1">
-                  <a:lumMod val="85000"/>
-                </a:schemeClr>
-              </a:solidFill>
-              <a:latin typeface="Arial" panose="020B0604020202020204" pitchFamily="34" charset="0"/>
-              <a:cs typeface="Arial" panose="020B0604020202020204" pitchFamily="34" charset="0"/>
-            </a:endParaRPr>
-          </a:p>
-          <a:p>
-            <a:pPr marL="342900" lvl="0" indent="-342900">
-              <a:spcBef>
-                <a:spcPts val="1620"/>
-              </a:spcBef>
-              <a:buClr>
-                <a:srgbClr val="F0AB00"/>
-              </a:buClr>
-              <a:buSzPct val="80000"/>
-              <a:buFont typeface="Wingdings" panose="05000000000000000000" pitchFamily="2" charset="2"/>
-              <a:buChar char="ü"/>
-            </a:pPr>
-            <a:r>
-              <a:rPr lang="en-US" sz="2400" b="1" dirty="0" err="1">
-                <a:solidFill>
-                  <a:schemeClr val="tx1">
-                    <a:lumMod val="85000"/>
-                  </a:schemeClr>
-                </a:solidFill>
-                <a:latin typeface="Arial" panose="020B0604020202020204" pitchFamily="34" charset="0"/>
-                <a:cs typeface="Arial" panose="020B0604020202020204" pitchFamily="34" charset="0"/>
-              </a:rPr>
-              <a:t>NodeJS</a:t>
-            </a:r>
-            <a:r>
-              <a:rPr lang="en-US" sz="2400" b="1" dirty="0">
-                <a:solidFill>
-                  <a:schemeClr val="tx1">
-                    <a:lumMod val="85000"/>
-                  </a:schemeClr>
-                </a:solidFill>
-                <a:latin typeface="Arial" panose="020B0604020202020204" pitchFamily="34" charset="0"/>
-                <a:cs typeface="Arial" panose="020B0604020202020204" pitchFamily="34" charset="0"/>
-              </a:rPr>
-              <a:t> </a:t>
-            </a:r>
-            <a:r>
-              <a:rPr lang="en-US" sz="2400" b="1" dirty="0" smtClean="0">
-                <a:solidFill>
-                  <a:schemeClr val="tx1">
-                    <a:lumMod val="85000"/>
-                  </a:schemeClr>
-                </a:solidFill>
-                <a:latin typeface="Arial" panose="020B0604020202020204" pitchFamily="34" charset="0"/>
-                <a:cs typeface="Arial" panose="020B0604020202020204" pitchFamily="34" charset="0"/>
-              </a:rPr>
-              <a:t>Features</a:t>
-            </a:r>
-          </a:p>
-          <a:p>
-            <a:pPr marL="342900" lvl="0" indent="-342900">
-              <a:spcBef>
-                <a:spcPts val="1620"/>
-              </a:spcBef>
-              <a:buClr>
-                <a:srgbClr val="F0AB00"/>
-              </a:buClr>
-              <a:buSzPct val="80000"/>
-              <a:buFont typeface="Wingdings" panose="05000000000000000000" pitchFamily="2" charset="2"/>
-              <a:buChar char="ü"/>
-            </a:pPr>
-            <a:r>
-              <a:rPr lang="en-US" sz="2400" b="1" dirty="0" err="1" smtClean="0">
-                <a:solidFill>
-                  <a:schemeClr val="tx1">
-                    <a:lumMod val="85000"/>
-                  </a:schemeClr>
-                </a:solidFill>
-                <a:latin typeface="Arial" panose="020B0604020202020204" pitchFamily="34" charset="0"/>
-                <a:cs typeface="Arial" panose="020B0604020202020204" pitchFamily="34" charset="0"/>
-              </a:rPr>
-              <a:t>NodeJS</a:t>
-            </a:r>
-            <a:r>
-              <a:rPr lang="en-US" sz="2400" b="1" dirty="0" smtClean="0">
-                <a:solidFill>
-                  <a:schemeClr val="tx1">
-                    <a:lumMod val="85000"/>
-                  </a:schemeClr>
-                </a:solidFill>
-                <a:latin typeface="Arial" panose="020B0604020202020204" pitchFamily="34" charset="0"/>
-                <a:cs typeface="Arial" panose="020B0604020202020204" pitchFamily="34" charset="0"/>
-              </a:rPr>
-              <a:t> Modules</a:t>
-            </a:r>
-            <a:endParaRPr lang="en-US" sz="2400" b="1" dirty="0">
-              <a:solidFill>
-                <a:schemeClr val="tx1">
-                  <a:lumMod val="85000"/>
-                </a:schemeClr>
-              </a:solidFill>
-              <a:latin typeface="Arial" panose="020B0604020202020204" pitchFamily="34" charset="0"/>
-              <a:cs typeface="Arial" panose="020B0604020202020204" pitchFamily="34" charset="0"/>
-            </a:endParaRPr>
-          </a:p>
-          <a:p>
-            <a:pPr marL="342900" lvl="0" indent="-342900">
-              <a:spcBef>
-                <a:spcPts val="1620"/>
-              </a:spcBef>
-              <a:buClr>
-                <a:srgbClr val="F0AB00"/>
-              </a:buClr>
-              <a:buSzPct val="80000"/>
-              <a:buFont typeface="Wingdings" panose="05000000000000000000" pitchFamily="2" charset="2"/>
-              <a:buChar char="ü"/>
-            </a:pPr>
-            <a:r>
-              <a:rPr lang="en-US" altLang="zh-CN" sz="2400" b="1" dirty="0" smtClean="0">
-                <a:solidFill>
-                  <a:schemeClr val="tx1">
-                    <a:lumMod val="85000"/>
-                  </a:schemeClr>
-                </a:solidFill>
-                <a:latin typeface="Arial" panose="020B0604020202020204" pitchFamily="34" charset="0"/>
-                <a:cs typeface="Arial" panose="020B0604020202020204" pitchFamily="34" charset="0"/>
-              </a:rPr>
-              <a:t>JS Tests</a:t>
-            </a:r>
-          </a:p>
-          <a:p>
-            <a:pPr marL="342900" lvl="0" indent="-342900">
-              <a:spcBef>
-                <a:spcPts val="1620"/>
-              </a:spcBef>
-              <a:buClr>
-                <a:srgbClr val="F0AB00"/>
-              </a:buClr>
-              <a:buSzPct val="80000"/>
-              <a:buFont typeface="Wingdings" panose="05000000000000000000" pitchFamily="2" charset="2"/>
-              <a:buChar char="ü"/>
-            </a:pPr>
-            <a:r>
-              <a:rPr lang="en-US" altLang="zh-CN" sz="2400" b="1" dirty="0" smtClean="0">
-                <a:solidFill>
-                  <a:schemeClr val="tx1">
-                    <a:lumMod val="85000"/>
-                  </a:schemeClr>
-                </a:solidFill>
-                <a:latin typeface="Arial" panose="020B0604020202020204" pitchFamily="34" charset="0"/>
-                <a:cs typeface="Arial" panose="020B0604020202020204" pitchFamily="34" charset="0"/>
-              </a:rPr>
-              <a:t>JS Minify</a:t>
-            </a:r>
-            <a:endParaRPr lang="en-US" altLang="zh-CN" sz="2400" b="1" dirty="0">
-              <a:solidFill>
-                <a:schemeClr val="tx1">
-                  <a:lumMod val="85000"/>
-                </a:schemeClr>
-              </a:solidFill>
-              <a:latin typeface="Arial" panose="020B0604020202020204" pitchFamily="34" charset="0"/>
-              <a:cs typeface="Arial" panose="020B0604020202020204" pitchFamily="34" charset="0"/>
-            </a:endParaRPr>
-          </a:p>
-        </p:txBody>
-      </p:sp>
-    </p:spTree>
-    <p:extLst>
-      <p:ext uri="{BB962C8B-B14F-4D97-AF65-F5344CB8AC3E}">
-        <p14:creationId xmlns:p14="http://schemas.microsoft.com/office/powerpoint/2010/main" val="537133450"/>
-      </p:ext>
-    </p:extLst>
-  </p:cSld>
-  <p:clrMapOvr>
-    <a:masterClrMapping/>
-  </p:clrMapOvr>
-  <p:timing>
-    <p:tnLst>
-      <p:par>
-        <p:cTn id="1" dur="indefinite" restart="never" nodeType="tmRoot"/>
-      </p:par>
-    </p:tnLst>
-  </p:timing>
-</p:sld>
-</file>
-
-<file path=ppt/slides/slide20.xml><?xml version="1.0" encoding="utf-8"?>
+<file path=ppt/slides/slide23.xml><?xml version="1.0" encoding="utf-8"?>
 <p:sld xmlns:a="http://schemas.openxmlformats.org/drawingml/2006/main" xmlns:r="http://schemas.openxmlformats.org/officeDocument/2006/relationships" xmlns:p="http://schemas.openxmlformats.org/presentationml/2006/main">
   <p:cSld>
     <p:spTree>
@@ -10941,7 +12512,443 @@
 </p:sld>
 </file>
 
-<file path=ppt/slides/slide21.xml><?xml version="1.0" encoding="utf-8"?>
+<file path=ppt/slides/slide24.xml><?xml version="1.0" encoding="utf-8"?>
+<p:sld xmlns:a="http://schemas.openxmlformats.org/drawingml/2006/main" xmlns:r="http://schemas.openxmlformats.org/officeDocument/2006/relationships" xmlns:p="http://schemas.openxmlformats.org/presentationml/2006/main">
+  <p:cSld>
+    <p:spTree>
+      <p:nvGrpSpPr>
+        <p:cNvPr id="1" name=""/>
+        <p:cNvGrpSpPr/>
+        <p:nvPr/>
+      </p:nvGrpSpPr>
+      <p:grpSpPr>
+        <a:xfrm>
+          <a:off x="0" y="0"/>
+          <a:ext cx="0" cy="0"/>
+          <a:chOff x="0" y="0"/>
+          <a:chExt cx="0" cy="0"/>
+        </a:xfrm>
+      </p:grpSpPr>
+      <p:sp>
+        <p:nvSpPr>
+          <p:cNvPr id="2" name="Title 1"/>
+          <p:cNvSpPr>
+            <a:spLocks noGrp="1"/>
+          </p:cNvSpPr>
+          <p:nvPr>
+            <p:ph type="title"/>
+          </p:nvPr>
+        </p:nvSpPr>
+        <p:spPr/>
+        <p:txBody>
+          <a:bodyPr/>
+          <a:lstStyle/>
+          <a:p>
+            <a:r>
+              <a:rPr lang="en-US" dirty="0" err="1">
+                <a:hlinkClick r:id="rId2"/>
+              </a:rPr>
+              <a:t>N</a:t>
+            </a:r>
+            <a:r>
+              <a:rPr lang="en-US" altLang="zh-CN" dirty="0" err="1">
+                <a:hlinkClick r:id="rId2"/>
+              </a:rPr>
+              <a:t>odeJS</a:t>
+            </a:r>
+            <a:r>
+              <a:rPr lang="en-US" altLang="zh-CN" dirty="0">
+                <a:hlinkClick r:id="rId2"/>
+              </a:rPr>
+              <a:t> </a:t>
+            </a:r>
+            <a:r>
+              <a:rPr lang="en-US" altLang="zh-CN" dirty="0" err="1" smtClean="0">
+                <a:hlinkClick r:id="rId2"/>
+              </a:rPr>
+              <a:t>url</a:t>
+            </a:r>
+            <a:r>
+              <a:rPr lang="en-US" altLang="zh-CN" dirty="0" smtClean="0">
+                <a:hlinkClick r:id="rId2"/>
+              </a:rPr>
+              <a:t> </a:t>
+            </a:r>
+            <a:r>
+              <a:rPr lang="en-US" altLang="zh-CN" dirty="0">
+                <a:hlinkClick r:id="rId2"/>
+              </a:rPr>
+              <a:t>module</a:t>
+            </a:r>
+            <a:endParaRPr lang="en-US" dirty="0"/>
+          </a:p>
+        </p:txBody>
+      </p:sp>
+      <p:sp>
+        <p:nvSpPr>
+          <p:cNvPr id="6" name="Content Placeholder 2"/>
+          <p:cNvSpPr txBox="1">
+            <a:spLocks/>
+          </p:cNvSpPr>
+          <p:nvPr/>
+        </p:nvSpPr>
+        <p:spPr>
+          <a:xfrm>
+            <a:off x="323528" y="1484784"/>
+            <a:ext cx="8107892" cy="1152128"/>
+          </a:xfrm>
+          <a:prstGeom prst="rect">
+            <a:avLst/>
+          </a:prstGeom>
+        </p:spPr>
+        <p:txBody>
+          <a:bodyPr vert="horz" lIns="91440" tIns="45720" rIns="91440" bIns="45720" rtlCol="0">
+            <a:normAutofit/>
+          </a:bodyPr>
+          <a:lstStyle>
+            <a:lvl1pPr marL="182880" indent="-182880" algn="l" defTabSz="914400" rtl="0" eaLnBrk="1" latinLnBrk="0" hangingPunct="1">
+              <a:spcBef>
+                <a:spcPct val="20000"/>
+              </a:spcBef>
+              <a:buClr>
+                <a:schemeClr val="accent1"/>
+              </a:buClr>
+              <a:buSzPct val="85000"/>
+              <a:buFont typeface="Arial" pitchFamily="34" charset="0"/>
+              <a:buChar char="•"/>
+              <a:defRPr sz="2400" kern="1200">
+                <a:solidFill>
+                  <a:schemeClr val="tx1"/>
+                </a:solidFill>
+                <a:latin typeface="+mn-lt"/>
+                <a:ea typeface="+mn-ea"/>
+                <a:cs typeface="+mn-cs"/>
+              </a:defRPr>
+            </a:lvl1pPr>
+            <a:lvl2pPr marL="457200" indent="-182880" algn="l" defTabSz="914400" rtl="0" eaLnBrk="1" latinLnBrk="0" hangingPunct="1">
+              <a:spcBef>
+                <a:spcPct val="20000"/>
+              </a:spcBef>
+              <a:buClr>
+                <a:schemeClr val="accent1"/>
+              </a:buClr>
+              <a:buSzPct val="85000"/>
+              <a:buFont typeface="Arial" pitchFamily="34" charset="0"/>
+              <a:buChar char="•"/>
+              <a:defRPr sz="2000" kern="1200">
+                <a:solidFill>
+                  <a:schemeClr val="tx1"/>
+                </a:solidFill>
+                <a:latin typeface="+mn-lt"/>
+                <a:ea typeface="+mn-ea"/>
+                <a:cs typeface="+mn-cs"/>
+              </a:defRPr>
+            </a:lvl2pPr>
+            <a:lvl3pPr marL="731520" indent="-182880" algn="l" defTabSz="914400" rtl="0" eaLnBrk="1" latinLnBrk="0" hangingPunct="1">
+              <a:spcBef>
+                <a:spcPct val="20000"/>
+              </a:spcBef>
+              <a:buClr>
+                <a:schemeClr val="accent1"/>
+              </a:buClr>
+              <a:buSzPct val="90000"/>
+              <a:buFont typeface="Arial" pitchFamily="34" charset="0"/>
+              <a:buChar char="•"/>
+              <a:defRPr sz="1800" kern="1200">
+                <a:solidFill>
+                  <a:schemeClr val="tx1"/>
+                </a:solidFill>
+                <a:latin typeface="+mn-lt"/>
+                <a:ea typeface="+mn-ea"/>
+                <a:cs typeface="+mn-cs"/>
+              </a:defRPr>
+            </a:lvl3pPr>
+            <a:lvl4pPr marL="1005840" indent="-182880" algn="l" defTabSz="914400" rtl="0" eaLnBrk="1" latinLnBrk="0" hangingPunct="1">
+              <a:spcBef>
+                <a:spcPct val="20000"/>
+              </a:spcBef>
+              <a:buClr>
+                <a:schemeClr val="accent1"/>
+              </a:buClr>
+              <a:buFont typeface="Arial" pitchFamily="34" charset="0"/>
+              <a:buChar char="•"/>
+              <a:defRPr sz="1600" kern="1200">
+                <a:solidFill>
+                  <a:schemeClr val="tx1"/>
+                </a:solidFill>
+                <a:latin typeface="+mn-lt"/>
+                <a:ea typeface="+mn-ea"/>
+                <a:cs typeface="+mn-cs"/>
+              </a:defRPr>
+            </a:lvl4pPr>
+            <a:lvl5pPr marL="1188720" indent="-137160" algn="l" defTabSz="914400" rtl="0" eaLnBrk="1" latinLnBrk="0" hangingPunct="1">
+              <a:spcBef>
+                <a:spcPct val="20000"/>
+              </a:spcBef>
+              <a:buClr>
+                <a:schemeClr val="accent1"/>
+              </a:buClr>
+              <a:buSzPct val="100000"/>
+              <a:buFont typeface="Arial" pitchFamily="34" charset="0"/>
+              <a:buChar char="•"/>
+              <a:defRPr sz="1400" kern="1200" baseline="0">
+                <a:solidFill>
+                  <a:schemeClr val="tx1"/>
+                </a:solidFill>
+                <a:latin typeface="+mn-lt"/>
+                <a:ea typeface="+mn-ea"/>
+                <a:cs typeface="+mn-cs"/>
+              </a:defRPr>
+            </a:lvl5pPr>
+            <a:lvl6pPr marL="1371600" indent="-182880" algn="l" defTabSz="914400" rtl="0" eaLnBrk="1" latinLnBrk="0" hangingPunct="1">
+              <a:spcBef>
+                <a:spcPct val="20000"/>
+              </a:spcBef>
+              <a:buClr>
+                <a:schemeClr val="accent1"/>
+              </a:buClr>
+              <a:buFont typeface="Arial" pitchFamily="34" charset="0"/>
+              <a:buChar char="•"/>
+              <a:defRPr sz="1300" kern="1200">
+                <a:solidFill>
+                  <a:schemeClr val="tx1"/>
+                </a:solidFill>
+                <a:latin typeface="+mn-lt"/>
+                <a:ea typeface="+mn-ea"/>
+                <a:cs typeface="+mn-cs"/>
+              </a:defRPr>
+            </a:lvl6pPr>
+            <a:lvl7pPr marL="1554480" indent="-182880" algn="l" defTabSz="914400" rtl="0" eaLnBrk="1" latinLnBrk="0" hangingPunct="1">
+              <a:spcBef>
+                <a:spcPct val="20000"/>
+              </a:spcBef>
+              <a:buClr>
+                <a:schemeClr val="accent1"/>
+              </a:buClr>
+              <a:buFont typeface="Arial" pitchFamily="34" charset="0"/>
+              <a:buChar char="•"/>
+              <a:defRPr sz="1300" kern="1200">
+                <a:solidFill>
+                  <a:schemeClr val="tx1"/>
+                </a:solidFill>
+                <a:latin typeface="+mn-lt"/>
+                <a:ea typeface="+mn-ea"/>
+                <a:cs typeface="+mn-cs"/>
+              </a:defRPr>
+            </a:lvl7pPr>
+            <a:lvl8pPr marL="1737360" indent="-182880" algn="l" defTabSz="914400" rtl="0" eaLnBrk="1" latinLnBrk="0" hangingPunct="1">
+              <a:spcBef>
+                <a:spcPct val="20000"/>
+              </a:spcBef>
+              <a:buClr>
+                <a:schemeClr val="accent1"/>
+              </a:buClr>
+              <a:buFont typeface="Arial" pitchFamily="34" charset="0"/>
+              <a:buChar char="•"/>
+              <a:defRPr sz="1300" kern="1200">
+                <a:solidFill>
+                  <a:schemeClr val="tx1"/>
+                </a:solidFill>
+                <a:latin typeface="+mn-lt"/>
+                <a:ea typeface="+mn-ea"/>
+                <a:cs typeface="+mn-cs"/>
+              </a:defRPr>
+            </a:lvl8pPr>
+            <a:lvl9pPr marL="1920240" indent="-182880" algn="l" defTabSz="914400" rtl="0" eaLnBrk="1" latinLnBrk="0" hangingPunct="1">
+              <a:spcBef>
+                <a:spcPct val="20000"/>
+              </a:spcBef>
+              <a:buClr>
+                <a:schemeClr val="accent1"/>
+              </a:buClr>
+              <a:buFont typeface="Arial" pitchFamily="34" charset="0"/>
+              <a:buChar char="•"/>
+              <a:defRPr sz="1300" kern="1200">
+                <a:solidFill>
+                  <a:schemeClr val="tx1"/>
+                </a:solidFill>
+                <a:latin typeface="+mn-lt"/>
+                <a:ea typeface="+mn-ea"/>
+                <a:cs typeface="+mn-cs"/>
+              </a:defRPr>
+            </a:lvl9pPr>
+          </a:lstStyle>
+          <a:p>
+            <a:r>
+              <a:rPr lang="en-US" sz="2000" b="1" dirty="0" smtClean="0"/>
+              <a:t>Used in web server as an URL router</a:t>
+            </a:r>
+          </a:p>
+          <a:p>
+            <a:r>
+              <a:rPr lang="en-US" sz="2000" b="1" dirty="0" smtClean="0"/>
+              <a:t>‘</a:t>
+            </a:r>
+            <a:r>
+              <a:rPr lang="en-US" sz="2000" b="1" dirty="0" err="1" smtClean="0"/>
+              <a:t>url.parse</a:t>
+            </a:r>
+            <a:r>
+              <a:rPr lang="en-US" sz="2000" b="1" dirty="0" smtClean="0"/>
+              <a:t>(</a:t>
+            </a:r>
+            <a:r>
+              <a:rPr lang="en-US" sz="2000" b="1" dirty="0" err="1" smtClean="0"/>
+              <a:t>url-str</a:t>
+            </a:r>
+            <a:r>
+              <a:rPr lang="en-US" sz="2000" b="1" dirty="0" smtClean="0"/>
+              <a:t>)’  will return an object with URL’s pathname and http GET variables</a:t>
+            </a:r>
+          </a:p>
+        </p:txBody>
+      </p:sp>
+      <p:pic>
+        <p:nvPicPr>
+          <p:cNvPr id="3074" name="Picture 2"/>
+          <p:cNvPicPr>
+            <a:picLocks noChangeAspect="1" noChangeArrowheads="1"/>
+          </p:cNvPicPr>
+          <p:nvPr/>
+        </p:nvPicPr>
+        <p:blipFill>
+          <a:blip r:embed="rId3">
+            <a:extLst>
+              <a:ext uri="{28A0092B-C50C-407E-A947-70E740481C1C}">
+                <a14:useLocalDpi xmlns:a14="http://schemas.microsoft.com/office/drawing/2010/main" val="0"/>
+              </a:ext>
+            </a:extLst>
+          </a:blip>
+          <a:srcRect/>
+          <a:stretch>
+            <a:fillRect/>
+          </a:stretch>
+        </p:blipFill>
+        <p:spPr bwMode="auto">
+          <a:xfrm>
+            <a:off x="955973" y="2609022"/>
+            <a:ext cx="6480720" cy="3266704"/>
+          </a:xfrm>
+          <a:prstGeom prst="rect">
+            <a:avLst/>
+          </a:prstGeom>
+          <a:noFill/>
+          <a:ln>
+            <a:noFill/>
+          </a:ln>
+          <a:effectLst/>
+          <a:extLst>
+            <a:ext uri="{909E8E84-426E-40DD-AFC4-6F175D3DCCD1}">
+              <a14:hiddenFill xmlns:a14="http://schemas.microsoft.com/office/drawing/2010/main">
+                <a:solidFill>
+                  <a:schemeClr val="accent1"/>
+                </a:solidFill>
+              </a14:hiddenFill>
+            </a:ext>
+            <a:ext uri="{91240B29-F687-4F45-9708-019B960494DF}">
+              <a14:hiddenLine xmlns:a14="http://schemas.microsoft.com/office/drawing/2010/main" w="9525">
+                <a:solidFill>
+                  <a:schemeClr val="tx1"/>
+                </a:solidFill>
+                <a:miter lim="800000"/>
+                <a:headEnd/>
+                <a:tailEnd/>
+              </a14:hiddenLine>
+            </a:ext>
+            <a:ext uri="{AF507438-7753-43E0-B8FC-AC1667EBCBE1}">
+              <a14:hiddenEffects xmlns:a14="http://schemas.microsoft.com/office/drawing/2010/main">
+                <a:effectLst>
+                  <a:outerShdw dist="35921" dir="2700000" algn="ctr" rotWithShape="0">
+                    <a:schemeClr val="bg2"/>
+                  </a:outerShdw>
+                </a:effectLst>
+              </a14:hiddenEffects>
+            </a:ext>
+          </a:extLst>
+        </p:spPr>
+      </p:pic>
+      <p:sp>
+        <p:nvSpPr>
+          <p:cNvPr id="11" name="Rectangle 10"/>
+          <p:cNvSpPr/>
+          <p:nvPr/>
+        </p:nvSpPr>
+        <p:spPr>
+          <a:xfrm>
+            <a:off x="1043607" y="5875726"/>
+            <a:ext cx="6393085" cy="369332"/>
+          </a:xfrm>
+          <a:prstGeom prst="rect">
+            <a:avLst/>
+          </a:prstGeom>
+        </p:spPr>
+        <p:txBody>
+          <a:bodyPr wrap="square">
+            <a:spAutoFit/>
+          </a:bodyPr>
+          <a:lstStyle/>
+          <a:p>
+            <a:r>
+              <a:rPr lang="en-US" dirty="0"/>
+              <a:t> When the </a:t>
+            </a:r>
+            <a:r>
+              <a:rPr lang="en-US" dirty="0" err="1"/>
+              <a:t>url</a:t>
+            </a:r>
+            <a:r>
+              <a:rPr lang="en-US" dirty="0"/>
+              <a:t> is “http://.../</a:t>
+            </a:r>
+            <a:r>
+              <a:rPr lang="en-US" dirty="0" err="1" smtClean="0"/>
+              <a:t>start?foo</a:t>
+            </a:r>
+            <a:r>
+              <a:rPr lang="en-US" dirty="0" smtClean="0"/>
+              <a:t>=</a:t>
+            </a:r>
+            <a:r>
+              <a:rPr lang="en-US" dirty="0" err="1" smtClean="0"/>
+              <a:t>xxx&amp;hello</a:t>
+            </a:r>
+            <a:r>
+              <a:rPr lang="en-US" dirty="0" smtClean="0"/>
+              <a:t>=</a:t>
+            </a:r>
+            <a:r>
+              <a:rPr lang="en-US" dirty="0" err="1" smtClean="0"/>
+              <a:t>yyy</a:t>
+            </a:r>
+            <a:r>
+              <a:rPr lang="en-US" dirty="0" smtClean="0"/>
+              <a:t>”</a:t>
+            </a:r>
+            <a:endParaRPr lang="en-US" dirty="0"/>
+          </a:p>
+        </p:txBody>
+      </p:sp>
+    </p:spTree>
+    <p:extLst>
+      <p:ext uri="{BB962C8B-B14F-4D97-AF65-F5344CB8AC3E}">
+        <p14:creationId xmlns:p14="http://schemas.microsoft.com/office/powerpoint/2010/main" val="1485687879"/>
+      </p:ext>
+    </p:extLst>
+  </p:cSld>
+  <p:clrMapOvr>
+    <a:masterClrMapping/>
+  </p:clrMapOvr>
+  <p:timing>
+    <p:tnLst>
+      <p:par>
+        <p:cTn id="1" dur="indefinite" restart="never" nodeType="tmRoot"/>
+      </p:par>
+    </p:tnLst>
+  </p:timing>
+</p:sld>
+</file>
+
+<file path=ppt/slides/slide25.xml><?xml version="1.0" encoding="utf-8"?>
 <p:sld xmlns:a="http://schemas.openxmlformats.org/drawingml/2006/main" xmlns:r="http://schemas.openxmlformats.org/officeDocument/2006/relationships" xmlns:p="http://schemas.openxmlformats.org/presentationml/2006/main">
   <p:cSld>
     <p:spTree>
@@ -11307,7 +13314,7 @@
         </p:nvGrpSpPr>
         <p:grpSpPr>
           <a:xfrm>
-            <a:off x="323528" y="2708920"/>
+            <a:off x="395536" y="2708920"/>
             <a:ext cx="4104456" cy="3085758"/>
             <a:chOff x="755576" y="2711961"/>
             <a:chExt cx="3724414" cy="3085758"/>
@@ -12081,7 +14088,7 @@
 </p:sld>
 </file>
 
-<file path=ppt/slides/slide22.xml><?xml version="1.0" encoding="utf-8"?>
+<file path=ppt/slides/slide26.xml><?xml version="1.0" encoding="utf-8"?>
 <p:sld xmlns:a="http://schemas.openxmlformats.org/drawingml/2006/main" xmlns:r="http://schemas.openxmlformats.org/officeDocument/2006/relationships" xmlns:p="http://schemas.openxmlformats.org/presentationml/2006/main">
   <p:cSld>
     <p:spTree>
@@ -12400,7 +14407,7 @@
 </p:sld>
 </file>
 
-<file path=ppt/slides/slide23.xml><?xml version="1.0" encoding="utf-8"?>
+<file path=ppt/slides/slide27.xml><?xml version="1.0" encoding="utf-8"?>
 <p:sld xmlns:a="http://schemas.openxmlformats.org/drawingml/2006/main" xmlns:r="http://schemas.openxmlformats.org/officeDocument/2006/relationships" xmlns:p="http://schemas.openxmlformats.org/presentationml/2006/main">
   <p:cSld>
     <p:spTree>
@@ -12493,7 +14500,7 @@
                 <a:ea typeface="Arial Unicode MS" pitchFamily="34" charset="-128"/>
                 <a:cs typeface="Arial Unicode MS" pitchFamily="34" charset="-128"/>
               </a:rPr>
-              <a:t>Similar to c, </a:t>
+              <a:t>Similar to c language, </a:t>
             </a:r>
             <a:r>
               <a:rPr lang="en-US" kern="0" dirty="0" smtClean="0">
@@ -13221,7 +15228,7 @@
 </p:sld>
 </file>
 
-<file path=ppt/slides/slide24.xml><?xml version="1.0" encoding="utf-8"?>
+<file path=ppt/slides/slide28.xml><?xml version="1.0" encoding="utf-8"?>
 <p:sld xmlns:a="http://schemas.openxmlformats.org/drawingml/2006/main" xmlns:r="http://schemas.openxmlformats.org/officeDocument/2006/relationships" xmlns:p="http://schemas.openxmlformats.org/presentationml/2006/main">
   <p:cSld>
     <p:spTree>
@@ -13281,8 +15288,8 @@
         </p:nvSpPr>
         <p:spPr>
           <a:xfrm>
-            <a:off x="611560" y="1556792"/>
-            <a:ext cx="5949064" cy="3724096"/>
+            <a:off x="467544" y="1340768"/>
+            <a:ext cx="5795176" cy="4031873"/>
           </a:xfrm>
           <a:prstGeom prst="rect">
             <a:avLst/>
@@ -13305,7 +15312,22 @@
             </a:r>
             <a:r>
               <a:rPr lang="en-US" altLang="zh-CN" dirty="0" smtClean="0"/>
-              <a:t>luster module is used to realize multi-process model</a:t>
+              <a:t>luster module is used to realize multi-thread model</a:t>
+            </a:r>
+          </a:p>
+          <a:p>
+            <a:pPr lvl="1"/>
+            <a:r>
+              <a:rPr lang="en-US" altLang="zh-CN" dirty="0" smtClean="0"/>
+              <a:t> in order to fully use </a:t>
+            </a:r>
+            <a:r>
+              <a:rPr lang="en-US" altLang="zh-CN" dirty="0" smtClean="0">
+                <a:solidFill>
+                  <a:srgbClr val="FF0000"/>
+                </a:solidFill>
+              </a:rPr>
+              <a:t>multi-core</a:t>
             </a:r>
           </a:p>
           <a:p>
@@ -13546,11 +15568,7 @@
             </a:r>
             <a:r>
               <a:rPr lang="en-US" sz="1400" i="1" dirty="0" smtClean="0"/>
-              <a:t>     //</a:t>
-            </a:r>
-            <a:r>
-              <a:rPr lang="en-US" sz="1400" i="1" dirty="0" smtClean="0"/>
-              <a:t> </a:t>
+              <a:t>     // </a:t>
             </a:r>
             <a:r>
               <a:rPr lang="en-US" altLang="zh-CN" sz="1400" i="1" dirty="0" smtClean="0"/>
@@ -13624,7 +15642,7 @@
 </p:sld>
 </file>
 
-<file path=ppt/slides/slide25.xml><?xml version="1.0" encoding="utf-8"?>
+<file path=ppt/slides/slide29.xml><?xml version="1.0" encoding="utf-8"?>
 <p:sld xmlns:a="http://schemas.openxmlformats.org/drawingml/2006/main" xmlns:r="http://schemas.openxmlformats.org/officeDocument/2006/relationships" xmlns:p="http://schemas.openxmlformats.org/presentationml/2006/main">
   <p:cSld>
     <p:spTree>
@@ -13675,6 +15693,645 @@
           </a:p>
         </p:txBody>
       </p:sp>
+      <p:sp>
+        <p:nvSpPr>
+          <p:cNvPr id="3" name="TextBox 2"/>
+          <p:cNvSpPr txBox="1"/>
+          <p:nvPr/>
+        </p:nvSpPr>
+        <p:spPr>
+          <a:xfrm>
+            <a:off x="395536" y="1484784"/>
+            <a:ext cx="3744416" cy="692497"/>
+          </a:xfrm>
+          <a:prstGeom prst="rect">
+            <a:avLst/>
+          </a:prstGeom>
+          <a:noFill/>
+        </p:spPr>
+        <p:txBody>
+          <a:bodyPr wrap="square" lIns="0" tIns="0" rIns="0" bIns="0" rtlCol="0">
+            <a:spAutoFit/>
+          </a:bodyPr>
+          <a:lstStyle/>
+          <a:p>
+            <a:pPr marL="285750" indent="-285750" fontAlgn="base">
+              <a:spcBef>
+                <a:spcPct val="50000"/>
+              </a:spcBef>
+              <a:spcAft>
+                <a:spcPct val="0"/>
+              </a:spcAft>
+              <a:buClr>
+                <a:srgbClr val="F0AB00"/>
+              </a:buClr>
+              <a:buSzPct val="80000"/>
+              <a:buFont typeface="Arial" panose="020B0604020202020204" pitchFamily="34" charset="0"/>
+              <a:buChar char="•"/>
+            </a:pPr>
+            <a:r>
+              <a:rPr lang="en-US" sz="1800" kern="0" dirty="0" smtClean="0">
+                <a:ea typeface="Arial Unicode MS" pitchFamily="34" charset="-128"/>
+                <a:cs typeface="Arial Unicode MS" pitchFamily="34" charset="-128"/>
+              </a:rPr>
+              <a:t>Cluster principle: </a:t>
+            </a:r>
+          </a:p>
+          <a:p>
+            <a:pPr marL="742950" lvl="1" indent="-285750" fontAlgn="base">
+              <a:spcBef>
+                <a:spcPct val="50000"/>
+              </a:spcBef>
+              <a:spcAft>
+                <a:spcPct val="0"/>
+              </a:spcAft>
+              <a:buClr>
+                <a:srgbClr val="F0AB00"/>
+              </a:buClr>
+              <a:buSzPct val="80000"/>
+              <a:buFont typeface="Arial" panose="020B0604020202020204" pitchFamily="34" charset="0"/>
+              <a:buChar char="•"/>
+            </a:pPr>
+            <a:r>
+              <a:rPr lang="en-US" kern="0" dirty="0" smtClean="0">
+                <a:ea typeface="Arial Unicode MS" pitchFamily="34" charset="-128"/>
+                <a:cs typeface="Arial Unicode MS" pitchFamily="34" charset="-128"/>
+              </a:rPr>
+              <a:t>Fully use multi-core CPU</a:t>
+            </a:r>
+          </a:p>
+        </p:txBody>
+      </p:sp>
+      <p:pic>
+        <p:nvPicPr>
+          <p:cNvPr id="4" name="Picture 3"/>
+          <p:cNvPicPr>
+            <a:picLocks noChangeAspect="1"/>
+          </p:cNvPicPr>
+          <p:nvPr/>
+        </p:nvPicPr>
+        <p:blipFill>
+          <a:blip r:embed="rId2">
+            <a:extLst>
+              <a:ext uri="{28A0092B-C50C-407E-A947-70E740481C1C}">
+                <a14:useLocalDpi xmlns:a14="http://schemas.microsoft.com/office/drawing/2010/main" val="0"/>
+              </a:ext>
+            </a:extLst>
+          </a:blip>
+          <a:stretch>
+            <a:fillRect/>
+          </a:stretch>
+        </p:blipFill>
+        <p:spPr>
+          <a:xfrm>
+            <a:off x="2019619" y="2095666"/>
+            <a:ext cx="5104762" cy="2666667"/>
+          </a:xfrm>
+          <a:prstGeom prst="rect">
+            <a:avLst/>
+          </a:prstGeom>
+        </p:spPr>
+      </p:pic>
+    </p:spTree>
+    <p:extLst>
+      <p:ext uri="{BB962C8B-B14F-4D97-AF65-F5344CB8AC3E}">
+        <p14:creationId xmlns:p14="http://schemas.microsoft.com/office/powerpoint/2010/main" val="361856612"/>
+      </p:ext>
+    </p:extLst>
+  </p:cSld>
+  <p:clrMapOvr>
+    <a:masterClrMapping/>
+  </p:clrMapOvr>
+  <p:timing>
+    <p:tnLst>
+      <p:par>
+        <p:cTn id="1" dur="indefinite" restart="never" nodeType="tmRoot"/>
+      </p:par>
+    </p:tnLst>
+  </p:timing>
+</p:sld>
+</file>
+
+<file path=ppt/slides/slide3.xml><?xml version="1.0" encoding="utf-8"?>
+<p:sld xmlns:a="http://schemas.openxmlformats.org/drawingml/2006/main" xmlns:r="http://schemas.openxmlformats.org/officeDocument/2006/relationships" xmlns:p="http://schemas.openxmlformats.org/presentationml/2006/main">
+  <p:cSld>
+    <p:spTree>
+      <p:nvGrpSpPr>
+        <p:cNvPr id="1" name=""/>
+        <p:cNvGrpSpPr/>
+        <p:nvPr/>
+      </p:nvGrpSpPr>
+      <p:grpSpPr>
+        <a:xfrm>
+          <a:off x="0" y="0"/>
+          <a:ext cx="0" cy="0"/>
+          <a:chOff x="0" y="0"/>
+          <a:chExt cx="0" cy="0"/>
+        </a:xfrm>
+      </p:grpSpPr>
+      <p:sp>
+        <p:nvSpPr>
+          <p:cNvPr id="3" name="Content Placeholder 2"/>
+          <p:cNvSpPr>
+            <a:spLocks noGrp="1"/>
+          </p:cNvSpPr>
+          <p:nvPr>
+            <p:ph sz="quarter" idx="10"/>
+          </p:nvPr>
+        </p:nvSpPr>
+        <p:spPr>
+          <a:xfrm>
+            <a:off x="457200" y="1772817"/>
+            <a:ext cx="8229600" cy="2520280"/>
+          </a:xfrm>
+        </p:spPr>
+        <p:txBody>
+          <a:bodyPr/>
+          <a:lstStyle/>
+          <a:p>
+            <a:pPr marL="342900" indent="-342900" algn="l">
+              <a:buFont typeface="Arial" panose="020B0604020202020204" pitchFamily="34" charset="0"/>
+              <a:buChar char="•"/>
+            </a:pPr>
+            <a:r>
+              <a:rPr lang="en-US" sz="2400" dirty="0" smtClean="0">
+                <a:solidFill>
+                  <a:schemeClr val="tx1">
+                    <a:lumMod val="85000"/>
+                  </a:schemeClr>
+                </a:solidFill>
+                <a:latin typeface="Arial" panose="020B0604020202020204" pitchFamily="34" charset="0"/>
+                <a:cs typeface="Arial" panose="020B0604020202020204" pitchFamily="34" charset="0"/>
+              </a:rPr>
+              <a:t>Download </a:t>
+            </a:r>
+            <a:r>
+              <a:rPr lang="en-US" sz="1400" i="1" dirty="0" smtClean="0">
+                <a:hlinkClick r:id="rId2"/>
+              </a:rPr>
+              <a:t>http://nodejs.org/dist/v0.10.20/node-v0.10.20-x86.msi</a:t>
+            </a:r>
+            <a:endParaRPr lang="en-US" sz="2400" dirty="0" smtClean="0">
+              <a:solidFill>
+                <a:schemeClr val="tx1">
+                  <a:lumMod val="85000"/>
+                </a:schemeClr>
+              </a:solidFill>
+              <a:latin typeface="Arial" panose="020B0604020202020204" pitchFamily="34" charset="0"/>
+              <a:cs typeface="Arial" panose="020B0604020202020204" pitchFamily="34" charset="0"/>
+            </a:endParaRPr>
+          </a:p>
+          <a:p>
+            <a:pPr marL="342900" indent="-342900" algn="l">
+              <a:buFont typeface="Arial" panose="020B0604020202020204" pitchFamily="34" charset="0"/>
+              <a:buChar char="•"/>
+            </a:pPr>
+            <a:r>
+              <a:rPr lang="en-US" sz="2400" dirty="0">
+                <a:solidFill>
+                  <a:schemeClr val="tx1">
+                    <a:lumMod val="85000"/>
+                  </a:schemeClr>
+                </a:solidFill>
+                <a:latin typeface="Arial" panose="020B0604020202020204" pitchFamily="34" charset="0"/>
+                <a:cs typeface="Arial" panose="020B0604020202020204" pitchFamily="34" charset="0"/>
+              </a:rPr>
+              <a:t>Official Site </a:t>
+            </a:r>
+            <a:r>
+              <a:rPr lang="en-US" sz="1400" i="1" dirty="0">
+                <a:hlinkClick r:id="rId3"/>
+              </a:rPr>
+              <a:t>http://nodejs.org</a:t>
+            </a:r>
+            <a:r>
+              <a:rPr lang="en-US" altLang="zh-CN" sz="1400" i="1" dirty="0">
+                <a:hlinkClick r:id="rId3"/>
+              </a:rPr>
+              <a:t> </a:t>
+            </a:r>
+            <a:endParaRPr lang="en-US" altLang="zh-CN" sz="1400" i="1" dirty="0"/>
+          </a:p>
+          <a:p>
+            <a:pPr marL="342900" indent="-342900" algn="l">
+              <a:buFont typeface="Arial" panose="020B0604020202020204" pitchFamily="34" charset="0"/>
+              <a:buChar char="•"/>
+            </a:pPr>
+            <a:r>
+              <a:rPr lang="en-US" sz="2400" dirty="0">
+                <a:solidFill>
+                  <a:schemeClr val="tx1">
+                    <a:lumMod val="85000"/>
+                  </a:schemeClr>
+                </a:solidFill>
+                <a:latin typeface="Arial" panose="020B0604020202020204" pitchFamily="34" charset="0"/>
+                <a:cs typeface="Arial" panose="020B0604020202020204" pitchFamily="34" charset="0"/>
+              </a:rPr>
+              <a:t>What is </a:t>
+            </a:r>
+            <a:r>
+              <a:rPr lang="en-US" sz="2400" dirty="0" err="1" smtClean="0">
+                <a:solidFill>
+                  <a:schemeClr val="tx1">
+                    <a:lumMod val="85000"/>
+                  </a:schemeClr>
+                </a:solidFill>
+                <a:latin typeface="Arial" panose="020B0604020202020204" pitchFamily="34" charset="0"/>
+                <a:cs typeface="Arial" panose="020B0604020202020204" pitchFamily="34" charset="0"/>
+              </a:rPr>
+              <a:t>NodeJS</a:t>
+            </a:r>
+            <a:r>
+              <a:rPr lang="en-US" sz="2400" dirty="0" smtClean="0">
+                <a:solidFill>
+                  <a:schemeClr val="tx1">
+                    <a:lumMod val="85000"/>
+                  </a:schemeClr>
+                </a:solidFill>
+                <a:latin typeface="Arial" panose="020B0604020202020204" pitchFamily="34" charset="0"/>
+                <a:cs typeface="Arial" panose="020B0604020202020204" pitchFamily="34" charset="0"/>
+              </a:rPr>
+              <a:t>:</a:t>
+            </a:r>
+          </a:p>
+          <a:p>
+            <a:pPr marL="522900" lvl="2" indent="-342900">
+              <a:buFont typeface="Arial" panose="020B0604020202020204" pitchFamily="34" charset="0"/>
+              <a:buChar char="•"/>
+            </a:pPr>
+            <a:r>
+              <a:rPr lang="en-US" sz="1800" i="1" dirty="0" smtClean="0">
+                <a:solidFill>
+                  <a:schemeClr val="tx1">
+                    <a:lumMod val="85000"/>
+                  </a:schemeClr>
+                </a:solidFill>
+                <a:latin typeface="Arial" panose="020B0604020202020204" pitchFamily="34" charset="0"/>
+                <a:cs typeface="Arial" panose="020B0604020202020204" pitchFamily="34" charset="0"/>
+              </a:rPr>
+              <a:t>A </a:t>
+            </a:r>
+            <a:r>
+              <a:rPr lang="en-US" sz="1800" i="1" dirty="0" err="1" smtClean="0">
+                <a:solidFill>
+                  <a:schemeClr val="tx1">
+                    <a:lumMod val="85000"/>
+                  </a:schemeClr>
+                </a:solidFill>
+                <a:latin typeface="Arial" panose="020B0604020202020204" pitchFamily="34" charset="0"/>
+                <a:cs typeface="Arial" panose="020B0604020202020204" pitchFamily="34" charset="0"/>
+              </a:rPr>
+              <a:t>ECMAScript</a:t>
+            </a:r>
+            <a:r>
+              <a:rPr lang="en-US" sz="1800" i="1" dirty="0" smtClean="0">
+                <a:solidFill>
+                  <a:schemeClr val="tx1">
+                    <a:lumMod val="85000"/>
+                  </a:schemeClr>
+                </a:solidFill>
+                <a:latin typeface="Arial" panose="020B0604020202020204" pitchFamily="34" charset="0"/>
+                <a:cs typeface="Arial" panose="020B0604020202020204" pitchFamily="34" charset="0"/>
+              </a:rPr>
+              <a:t> </a:t>
+            </a:r>
+            <a:r>
+              <a:rPr lang="en-US" sz="1800" i="1" dirty="0">
+                <a:solidFill>
+                  <a:schemeClr val="tx1">
+                    <a:lumMod val="85000"/>
+                  </a:schemeClr>
+                </a:solidFill>
+                <a:latin typeface="Arial" panose="020B0604020202020204" pitchFamily="34" charset="0"/>
+                <a:cs typeface="Arial" panose="020B0604020202020204" pitchFamily="34" charset="0"/>
+              </a:rPr>
+              <a:t>running </a:t>
+            </a:r>
+            <a:r>
+              <a:rPr lang="en-US" sz="1800" i="1" dirty="0" smtClean="0">
+                <a:solidFill>
+                  <a:schemeClr val="tx1">
+                    <a:lumMod val="85000"/>
+                  </a:schemeClr>
+                </a:solidFill>
+                <a:latin typeface="Arial" panose="020B0604020202020204" pitchFamily="34" charset="0"/>
+                <a:cs typeface="Arial" panose="020B0604020202020204" pitchFamily="34" charset="0"/>
+              </a:rPr>
+              <a:t>environment with underlying OS related layer</a:t>
+            </a:r>
+            <a:endParaRPr lang="en-US" sz="1800" i="1" dirty="0">
+              <a:solidFill>
+                <a:schemeClr val="tx1">
+                  <a:lumMod val="85000"/>
+                </a:schemeClr>
+              </a:solidFill>
+              <a:latin typeface="Arial" panose="020B0604020202020204" pitchFamily="34" charset="0"/>
+              <a:cs typeface="Arial" panose="020B0604020202020204" pitchFamily="34" charset="0"/>
+            </a:endParaRPr>
+          </a:p>
+          <a:p>
+            <a:pPr marL="522900" lvl="2" indent="-342900">
+              <a:buFont typeface="Arial" panose="020B0604020202020204" pitchFamily="34" charset="0"/>
+              <a:buChar char="•"/>
+            </a:pPr>
+            <a:r>
+              <a:rPr lang="en-US" sz="1400" dirty="0">
+                <a:solidFill>
+                  <a:schemeClr val="tx1">
+                    <a:lumMod val="85000"/>
+                  </a:schemeClr>
+                </a:solidFill>
+                <a:latin typeface="Arial" panose="020B0604020202020204" pitchFamily="34" charset="0"/>
+                <a:cs typeface="Arial" panose="020B0604020202020204" pitchFamily="34" charset="0"/>
+              </a:rPr>
+              <a:t>A </a:t>
+            </a:r>
+            <a:r>
+              <a:rPr lang="en-US" sz="1400" dirty="0" err="1" smtClean="0">
+                <a:solidFill>
+                  <a:schemeClr val="tx1">
+                    <a:lumMod val="85000"/>
+                  </a:schemeClr>
+                </a:solidFill>
+                <a:latin typeface="Arial" panose="020B0604020202020204" pitchFamily="34" charset="0"/>
+                <a:cs typeface="Arial" panose="020B0604020202020204" pitchFamily="34" charset="0"/>
+              </a:rPr>
+              <a:t>ECMAScript</a:t>
+            </a:r>
+            <a:r>
+              <a:rPr lang="en-US" sz="1400" dirty="0" smtClean="0">
+                <a:solidFill>
+                  <a:schemeClr val="tx1">
+                    <a:lumMod val="85000"/>
+                  </a:schemeClr>
+                </a:solidFill>
+                <a:latin typeface="Arial" panose="020B0604020202020204" pitchFamily="34" charset="0"/>
+                <a:cs typeface="Arial" panose="020B0604020202020204" pitchFamily="34" charset="0"/>
+              </a:rPr>
+              <a:t> </a:t>
+            </a:r>
+            <a:r>
+              <a:rPr lang="en-US" sz="1400" dirty="0">
+                <a:solidFill>
+                  <a:schemeClr val="tx1">
+                    <a:lumMod val="85000"/>
+                  </a:schemeClr>
+                </a:solidFill>
+                <a:latin typeface="Arial" panose="020B0604020202020204" pitchFamily="34" charset="0"/>
+                <a:cs typeface="Arial" panose="020B0604020202020204" pitchFamily="34" charset="0"/>
+              </a:rPr>
+              <a:t>which don’t </a:t>
+            </a:r>
+            <a:r>
+              <a:rPr lang="en-US" sz="1400" dirty="0" smtClean="0">
+                <a:solidFill>
+                  <a:schemeClr val="tx1">
+                    <a:lumMod val="85000"/>
+                  </a:schemeClr>
+                </a:solidFill>
+                <a:latin typeface="Arial" panose="020B0604020202020204" pitchFamily="34" charset="0"/>
+                <a:cs typeface="Arial" panose="020B0604020202020204" pitchFamily="34" charset="0"/>
+              </a:rPr>
+              <a:t>run </a:t>
+            </a:r>
+            <a:r>
+              <a:rPr lang="en-US" sz="1400" dirty="0">
+                <a:solidFill>
+                  <a:schemeClr val="tx1">
+                    <a:lumMod val="85000"/>
+                  </a:schemeClr>
+                </a:solidFill>
+                <a:latin typeface="Arial" panose="020B0604020202020204" pitchFamily="34" charset="0"/>
+                <a:cs typeface="Arial" panose="020B0604020202020204" pitchFamily="34" charset="0"/>
+              </a:rPr>
+              <a:t>on web-browser</a:t>
+            </a:r>
+          </a:p>
+          <a:p>
+            <a:pPr marL="522900" lvl="2" indent="-342900">
+              <a:buFont typeface="Arial" panose="020B0604020202020204" pitchFamily="34" charset="0"/>
+              <a:buChar char="•"/>
+            </a:pPr>
+            <a:r>
+              <a:rPr lang="en-US" sz="1400" dirty="0">
+                <a:solidFill>
+                  <a:schemeClr val="tx1">
+                    <a:lumMod val="85000"/>
+                  </a:schemeClr>
+                </a:solidFill>
+                <a:latin typeface="Arial" panose="020B0604020202020204" pitchFamily="34" charset="0"/>
+                <a:cs typeface="Arial" panose="020B0604020202020204" pitchFamily="34" charset="0"/>
+              </a:rPr>
+              <a:t>A </a:t>
+            </a:r>
+            <a:r>
+              <a:rPr lang="en-US" sz="1400" dirty="0" err="1">
+                <a:solidFill>
+                  <a:schemeClr val="tx1">
+                    <a:lumMod val="85000"/>
+                  </a:schemeClr>
+                </a:solidFill>
+                <a:latin typeface="Arial" panose="020B0604020202020204" pitchFamily="34" charset="0"/>
+                <a:cs typeface="Arial" panose="020B0604020202020204" pitchFamily="34" charset="0"/>
+              </a:rPr>
+              <a:t>js</a:t>
+            </a:r>
+            <a:r>
+              <a:rPr lang="en-US" sz="1400" dirty="0">
+                <a:solidFill>
+                  <a:schemeClr val="tx1">
+                    <a:lumMod val="85000"/>
+                  </a:schemeClr>
+                </a:solidFill>
+                <a:latin typeface="Arial" panose="020B0604020202020204" pitchFamily="34" charset="0"/>
+                <a:cs typeface="Arial" panose="020B0604020202020204" pitchFamily="34" charset="0"/>
+              </a:rPr>
+              <a:t> which can run on </a:t>
+            </a:r>
+            <a:r>
+              <a:rPr lang="en-US" sz="1400" dirty="0" smtClean="0">
+                <a:solidFill>
+                  <a:schemeClr val="tx1">
+                    <a:lumMod val="85000"/>
+                  </a:schemeClr>
+                </a:solidFill>
+                <a:latin typeface="Arial" panose="020B0604020202020204" pitchFamily="34" charset="0"/>
+                <a:cs typeface="Arial" panose="020B0604020202020204" pitchFamily="34" charset="0"/>
+              </a:rPr>
+              <a:t>web-Server side (only if node-</a:t>
+            </a:r>
+            <a:r>
+              <a:rPr lang="en-US" sz="1400" dirty="0" err="1" smtClean="0">
+                <a:solidFill>
+                  <a:schemeClr val="tx1">
+                    <a:lumMod val="85000"/>
+                  </a:schemeClr>
+                </a:solidFill>
+                <a:latin typeface="Arial" panose="020B0604020202020204" pitchFamily="34" charset="0"/>
+                <a:cs typeface="Arial" panose="020B0604020202020204" pitchFamily="34" charset="0"/>
+              </a:rPr>
+              <a:t>js</a:t>
+            </a:r>
+            <a:r>
+              <a:rPr lang="en-US" sz="1400" dirty="0" smtClean="0">
+                <a:solidFill>
+                  <a:schemeClr val="tx1">
+                    <a:lumMod val="85000"/>
+                  </a:schemeClr>
+                </a:solidFill>
+                <a:latin typeface="Arial" panose="020B0604020202020204" pitchFamily="34" charset="0"/>
+                <a:cs typeface="Arial" panose="020B0604020202020204" pitchFamily="34" charset="0"/>
+              </a:rPr>
+              <a:t> is installed)</a:t>
+            </a:r>
+            <a:endParaRPr lang="en-US" sz="2000" dirty="0">
+              <a:solidFill>
+                <a:schemeClr val="tx1">
+                  <a:lumMod val="85000"/>
+                </a:schemeClr>
+              </a:solidFill>
+              <a:latin typeface="Arial" panose="020B0604020202020204" pitchFamily="34" charset="0"/>
+              <a:cs typeface="Arial" panose="020B0604020202020204" pitchFamily="34" charset="0"/>
+            </a:endParaRPr>
+          </a:p>
+        </p:txBody>
+      </p:sp>
+      <p:sp>
+        <p:nvSpPr>
+          <p:cNvPr id="2" name="Title 1"/>
+          <p:cNvSpPr>
+            <a:spLocks noGrp="1"/>
+          </p:cNvSpPr>
+          <p:nvPr>
+            <p:ph type="title"/>
+          </p:nvPr>
+        </p:nvSpPr>
+        <p:spPr/>
+        <p:txBody>
+          <a:bodyPr/>
+          <a:lstStyle/>
+          <a:p>
+            <a:r>
+              <a:rPr lang="en-US" dirty="0" smtClean="0"/>
+              <a:t>1 </a:t>
+            </a:r>
+            <a:r>
+              <a:rPr lang="en-US" dirty="0" err="1" smtClean="0"/>
+              <a:t>N</a:t>
+            </a:r>
+            <a:r>
+              <a:rPr lang="en-US" altLang="zh-CN" dirty="0" err="1" smtClean="0"/>
+              <a:t>odeJS</a:t>
+            </a:r>
+            <a:r>
+              <a:rPr lang="en-US" altLang="zh-CN" dirty="0" smtClean="0"/>
+              <a:t> overview</a:t>
+            </a:r>
+            <a:endParaRPr lang="en-US" dirty="0"/>
+          </a:p>
+        </p:txBody>
+      </p:sp>
+      <p:pic>
+        <p:nvPicPr>
+          <p:cNvPr id="4" name="Picture 3"/>
+          <p:cNvPicPr>
+            <a:picLocks noChangeAspect="1"/>
+          </p:cNvPicPr>
+          <p:nvPr/>
+        </p:nvPicPr>
+        <p:blipFill>
+          <a:blip r:embed="rId4">
+            <a:extLst>
+              <a:ext uri="{28A0092B-C50C-407E-A947-70E740481C1C}">
+                <a14:useLocalDpi xmlns:a14="http://schemas.microsoft.com/office/drawing/2010/main" val="0"/>
+              </a:ext>
+            </a:extLst>
+          </a:blip>
+          <a:stretch>
+            <a:fillRect/>
+          </a:stretch>
+        </p:blipFill>
+        <p:spPr>
+          <a:xfrm>
+            <a:off x="755576" y="4365103"/>
+            <a:ext cx="6184127" cy="1561904"/>
+          </a:xfrm>
+          <a:prstGeom prst="rect">
+            <a:avLst/>
+          </a:prstGeom>
+        </p:spPr>
+      </p:pic>
+    </p:spTree>
+    <p:extLst>
+      <p:ext uri="{BB962C8B-B14F-4D97-AF65-F5344CB8AC3E}">
+        <p14:creationId xmlns:p14="http://schemas.microsoft.com/office/powerpoint/2010/main" val="2521051598"/>
+      </p:ext>
+    </p:extLst>
+  </p:cSld>
+  <p:clrMapOvr>
+    <a:masterClrMapping/>
+  </p:clrMapOvr>
+  <p:timing>
+    <p:tnLst>
+      <p:par>
+        <p:cTn id="1" dur="indefinite" restart="never" nodeType="tmRoot"/>
+      </p:par>
+    </p:tnLst>
+  </p:timing>
+</p:sld>
+</file>
+
+<file path=ppt/slides/slide30.xml><?xml version="1.0" encoding="utf-8"?>
+<p:sld xmlns:a="http://schemas.openxmlformats.org/drawingml/2006/main" xmlns:r="http://schemas.openxmlformats.org/officeDocument/2006/relationships" xmlns:p="http://schemas.openxmlformats.org/presentationml/2006/main">
+  <p:cSld>
+    <p:spTree>
+      <p:nvGrpSpPr>
+        <p:cNvPr id="1" name=""/>
+        <p:cNvGrpSpPr/>
+        <p:nvPr/>
+      </p:nvGrpSpPr>
+      <p:grpSpPr>
+        <a:xfrm>
+          <a:off x="0" y="0"/>
+          <a:ext cx="0" cy="0"/>
+          <a:chOff x="0" y="0"/>
+          <a:chExt cx="0" cy="0"/>
+        </a:xfrm>
+      </p:grpSpPr>
+      <p:sp>
+        <p:nvSpPr>
+          <p:cNvPr id="2" name="Title 1"/>
+          <p:cNvSpPr>
+            <a:spLocks noGrp="1"/>
+          </p:cNvSpPr>
+          <p:nvPr>
+            <p:ph type="title"/>
+          </p:nvPr>
+        </p:nvSpPr>
+        <p:spPr/>
+        <p:txBody>
+          <a:bodyPr/>
+          <a:lstStyle/>
+          <a:p>
+            <a:r>
+              <a:rPr lang="en-US" dirty="0" err="1"/>
+              <a:t>NodeJS</a:t>
+            </a:r>
+            <a:r>
+              <a:rPr lang="en-US" dirty="0"/>
+              <a:t> </a:t>
+            </a:r>
+            <a:r>
+              <a:rPr lang="en-US" altLang="zh-CN" dirty="0"/>
+              <a:t>cluster module</a:t>
+            </a:r>
+            <a:r>
+              <a:rPr lang="en-US" dirty="0"/>
+              <a:t> </a:t>
+            </a:r>
+          </a:p>
+        </p:txBody>
+      </p:sp>
       <p:grpSp>
         <p:nvGrpSpPr>
           <p:cNvPr id="9" name="Group 8"/>
@@ -13684,9 +16341,9 @@
         <p:grpSpPr>
           <a:xfrm>
             <a:off x="179512" y="908720"/>
-            <a:ext cx="4104456" cy="5544616"/>
+            <a:ext cx="4104456" cy="5663090"/>
             <a:chOff x="713396" y="2689865"/>
-            <a:chExt cx="3724414" cy="5786200"/>
+            <a:chExt cx="3724414" cy="5909836"/>
           </a:xfrm>
         </p:grpSpPr>
         <p:sp>
@@ -13698,7 +16355,7 @@
           <p:spPr>
             <a:xfrm>
               <a:off x="713396" y="2689866"/>
-              <a:ext cx="3724414" cy="5786199"/>
+              <a:ext cx="3724414" cy="5909835"/>
             </a:xfrm>
             <a:prstGeom prst="rect">
               <a:avLst/>
@@ -14688,7 +17345,15 @@
               </a:pPr>
               <a:r>
                 <a:rPr lang="en-US" sz="800" dirty="0"/>
-                <a:t>  //Here workers all share the same TCP/HTTP connection</a:t>
+                <a:t>  //</a:t>
+              </a:r>
+              <a:r>
+                <a:rPr lang="en-US" sz="800" dirty="0">
+                  <a:solidFill>
+                    <a:srgbClr val="FF0000"/>
+                  </a:solidFill>
+                </a:rPr>
+                <a:t>Here workers all share the same TCP/HTTP connection</a:t>
               </a:r>
             </a:p>
             <a:p>
@@ -14951,7 +17616,241 @@
 </p:sld>
 </file>
 
-<file path=ppt/slides/slide26.xml><?xml version="1.0" encoding="utf-8"?>
+<file path=ppt/slides/slide31.xml><?xml version="1.0" encoding="utf-8"?>
+<p:sld xmlns:a="http://schemas.openxmlformats.org/drawingml/2006/main" xmlns:r="http://schemas.openxmlformats.org/officeDocument/2006/relationships" xmlns:p="http://schemas.openxmlformats.org/presentationml/2006/main">
+  <p:cSld>
+    <p:spTree>
+      <p:nvGrpSpPr>
+        <p:cNvPr id="1" name=""/>
+        <p:cNvGrpSpPr/>
+        <p:nvPr/>
+      </p:nvGrpSpPr>
+      <p:grpSpPr>
+        <a:xfrm>
+          <a:off x="0" y="0"/>
+          <a:ext cx="0" cy="0"/>
+          <a:chOff x="0" y="0"/>
+          <a:chExt cx="0" cy="0"/>
+        </a:xfrm>
+      </p:grpSpPr>
+      <p:sp>
+        <p:nvSpPr>
+          <p:cNvPr id="2" name="Title 1"/>
+          <p:cNvSpPr>
+            <a:spLocks noGrp="1"/>
+          </p:cNvSpPr>
+          <p:nvPr>
+            <p:ph type="title"/>
+          </p:nvPr>
+        </p:nvSpPr>
+        <p:spPr/>
+        <p:txBody>
+          <a:bodyPr/>
+          <a:lstStyle/>
+          <a:p>
+            <a:r>
+              <a:rPr lang="en-US" dirty="0" err="1"/>
+              <a:t>NodeJS</a:t>
+            </a:r>
+            <a:r>
+              <a:rPr lang="en-US" dirty="0"/>
+              <a:t> </a:t>
+            </a:r>
+            <a:r>
+              <a:rPr lang="en-US" altLang="zh-CN" dirty="0"/>
+              <a:t>cluster module</a:t>
+            </a:r>
+            <a:r>
+              <a:rPr lang="en-US" dirty="0"/>
+              <a:t> </a:t>
+            </a:r>
+            <a:r>
+              <a:rPr lang="en-US" dirty="0" smtClean="0"/>
+              <a:t>used in HTTP SERVER</a:t>
+            </a:r>
+            <a:endParaRPr lang="en-US" dirty="0"/>
+          </a:p>
+        </p:txBody>
+      </p:sp>
+      <p:pic>
+        <p:nvPicPr>
+          <p:cNvPr id="3" name="Picture 2"/>
+          <p:cNvPicPr>
+            <a:picLocks noChangeAspect="1"/>
+          </p:cNvPicPr>
+          <p:nvPr/>
+        </p:nvPicPr>
+        <p:blipFill>
+          <a:blip r:embed="rId2">
+            <a:extLst>
+              <a:ext uri="{28A0092B-C50C-407E-A947-70E740481C1C}">
+                <a14:useLocalDpi xmlns:a14="http://schemas.microsoft.com/office/drawing/2010/main" val="0"/>
+              </a:ext>
+            </a:extLst>
+          </a:blip>
+          <a:stretch>
+            <a:fillRect/>
+          </a:stretch>
+        </p:blipFill>
+        <p:spPr>
+          <a:xfrm>
+            <a:off x="240877" y="2348880"/>
+            <a:ext cx="4012699" cy="3111111"/>
+          </a:xfrm>
+          <a:prstGeom prst="rect">
+            <a:avLst/>
+          </a:prstGeom>
+        </p:spPr>
+      </p:pic>
+      <p:pic>
+        <p:nvPicPr>
+          <p:cNvPr id="4" name="Picture 3"/>
+          <p:cNvPicPr>
+            <a:picLocks noChangeAspect="1"/>
+          </p:cNvPicPr>
+          <p:nvPr/>
+        </p:nvPicPr>
+        <p:blipFill>
+          <a:blip r:embed="rId3">
+            <a:extLst>
+              <a:ext uri="{28A0092B-C50C-407E-A947-70E740481C1C}">
+                <a14:useLocalDpi xmlns:a14="http://schemas.microsoft.com/office/drawing/2010/main" val="0"/>
+              </a:ext>
+            </a:extLst>
+          </a:blip>
+          <a:stretch>
+            <a:fillRect/>
+          </a:stretch>
+        </p:blipFill>
+        <p:spPr>
+          <a:xfrm>
+            <a:off x="4583782" y="2361578"/>
+            <a:ext cx="4012699" cy="3098413"/>
+          </a:xfrm>
+          <a:prstGeom prst="rect">
+            <a:avLst/>
+          </a:prstGeom>
+        </p:spPr>
+      </p:pic>
+      <p:sp>
+        <p:nvSpPr>
+          <p:cNvPr id="5" name="TextBox 4"/>
+          <p:cNvSpPr txBox="1"/>
+          <p:nvPr/>
+        </p:nvSpPr>
+        <p:spPr>
+          <a:xfrm>
+            <a:off x="395536" y="1384900"/>
+            <a:ext cx="6120680" cy="1107996"/>
+          </a:xfrm>
+          <a:prstGeom prst="rect">
+            <a:avLst/>
+          </a:prstGeom>
+          <a:noFill/>
+        </p:spPr>
+        <p:txBody>
+          <a:bodyPr wrap="square" lIns="0" tIns="0" rIns="0" bIns="0" rtlCol="0">
+            <a:spAutoFit/>
+          </a:bodyPr>
+          <a:lstStyle/>
+          <a:p>
+            <a:pPr marL="285750" indent="-285750" fontAlgn="base">
+              <a:spcBef>
+                <a:spcPct val="50000"/>
+              </a:spcBef>
+              <a:spcAft>
+                <a:spcPct val="0"/>
+              </a:spcAft>
+              <a:buClr>
+                <a:srgbClr val="F0AB00"/>
+              </a:buClr>
+              <a:buSzPct val="80000"/>
+              <a:buFont typeface="Arial" panose="020B0604020202020204" pitchFamily="34" charset="0"/>
+              <a:buChar char="•"/>
+            </a:pPr>
+            <a:r>
+              <a:rPr lang="en-US" kern="0" dirty="0" smtClean="0">
+                <a:ea typeface="Arial Unicode MS" pitchFamily="34" charset="-128"/>
+                <a:cs typeface="Arial Unicode MS" pitchFamily="34" charset="-128"/>
+              </a:rPr>
+              <a:t>All workers share the same </a:t>
+            </a:r>
+            <a:r>
+              <a:rPr lang="en-US" kern="0" dirty="0" smtClean="0">
+                <a:ea typeface="Arial Unicode MS" pitchFamily="34" charset="-128"/>
+                <a:cs typeface="Arial Unicode MS" pitchFamily="34" charset="-128"/>
+              </a:rPr>
+              <a:t>port</a:t>
+            </a:r>
+          </a:p>
+          <a:p>
+            <a:pPr marL="285750" indent="-285750" fontAlgn="base">
+              <a:spcBef>
+                <a:spcPct val="50000"/>
+              </a:spcBef>
+              <a:spcAft>
+                <a:spcPct val="0"/>
+              </a:spcAft>
+              <a:buClr>
+                <a:srgbClr val="F0AB00"/>
+              </a:buClr>
+              <a:buSzPct val="80000"/>
+              <a:buFont typeface="Arial" panose="020B0604020202020204" pitchFamily="34" charset="0"/>
+              <a:buChar char="•"/>
+            </a:pPr>
+            <a:r>
+              <a:rPr lang="en-US" kern="0" dirty="0" smtClean="0">
+                <a:ea typeface="Arial Unicode MS" pitchFamily="34" charset="-128"/>
+                <a:cs typeface="Arial Unicode MS" pitchFamily="34" charset="-128"/>
+              </a:rPr>
+              <a:t>Below is two structures that could be used in http server</a:t>
+            </a:r>
+            <a:endParaRPr lang="en-US" kern="0" dirty="0" smtClean="0">
+              <a:ea typeface="Arial Unicode MS" pitchFamily="34" charset="-128"/>
+              <a:cs typeface="Arial Unicode MS" pitchFamily="34" charset="-128"/>
+            </a:endParaRPr>
+          </a:p>
+          <a:p>
+            <a:pPr fontAlgn="base">
+              <a:spcBef>
+                <a:spcPct val="50000"/>
+              </a:spcBef>
+              <a:spcAft>
+                <a:spcPct val="0"/>
+              </a:spcAft>
+              <a:buClr>
+                <a:srgbClr val="F0AB00"/>
+              </a:buClr>
+              <a:buSzPct val="80000"/>
+            </a:pPr>
+            <a:endParaRPr lang="en-US" sz="1800" kern="0" dirty="0" err="1" smtClean="0">
+              <a:ea typeface="Arial Unicode MS" pitchFamily="34" charset="-128"/>
+              <a:cs typeface="Arial Unicode MS" pitchFamily="34" charset="-128"/>
+            </a:endParaRPr>
+          </a:p>
+        </p:txBody>
+      </p:sp>
+    </p:spTree>
+    <p:extLst>
+      <p:ext uri="{BB962C8B-B14F-4D97-AF65-F5344CB8AC3E}">
+        <p14:creationId xmlns:p14="http://schemas.microsoft.com/office/powerpoint/2010/main" val="607144931"/>
+      </p:ext>
+    </p:extLst>
+  </p:cSld>
+  <p:clrMapOvr>
+    <a:masterClrMapping/>
+  </p:clrMapOvr>
+  <p:timing>
+    <p:tnLst>
+      <p:par>
+        <p:cTn id="1" dur="indefinite" restart="never" nodeType="tmRoot"/>
+      </p:par>
+    </p:tnLst>
+  </p:timing>
+</p:sld>
+</file>
+
+<file path=ppt/slides/slide32.xml><?xml version="1.0" encoding="utf-8"?>
 <p:sld xmlns:a="http://schemas.openxmlformats.org/drawingml/2006/main" xmlns:r="http://schemas.openxmlformats.org/officeDocument/2006/relationships" xmlns:p="http://schemas.openxmlformats.org/presentationml/2006/main">
   <p:cSld>
     <p:spTree>
@@ -14985,7 +17884,11 @@
           <a:p>
             <a:r>
               <a:rPr lang="en-US" dirty="0" smtClean="0"/>
-              <a:t>external modules and tools</a:t>
+              <a:t>External </a:t>
+            </a:r>
+            <a:r>
+              <a:rPr lang="en-US" dirty="0" smtClean="0"/>
+              <a:t>modules and tools</a:t>
             </a:r>
             <a:endParaRPr lang="en-US" dirty="0"/>
           </a:p>
@@ -15116,7 +18019,6 @@
               <a:rPr lang="en-US" sz="1400" dirty="0"/>
               <a:t> object</a:t>
             </a:r>
-            <a:endParaRPr lang="en-US" sz="1400" dirty="0"/>
           </a:p>
           <a:p>
             <a:pPr marL="285750" indent="-285750" fontAlgn="base">
@@ -15385,11 +18287,11 @@
             </a:r>
             <a:r>
               <a:rPr lang="en-US" sz="1400" dirty="0"/>
-              <a:t>automatically restart your app after </a:t>
+              <a:t>automatically restart your app </a:t>
             </a:r>
             <a:r>
               <a:rPr lang="en-US" sz="1400" dirty="0" smtClean="0"/>
-              <a:t>down</a:t>
+              <a:t>after it’s down</a:t>
             </a:r>
             <a:endParaRPr lang="en-US" sz="1400" kern="0" dirty="0" smtClean="0">
               <a:ea typeface="Arial Unicode MS" pitchFamily="34" charset="-128"/>
@@ -15521,10 +18423,6 @@
               </a:rPr>
               <a:t> remote debugging tools</a:t>
             </a:r>
-            <a:endParaRPr lang="en-US" sz="1400" kern="0" dirty="0">
-              <a:ea typeface="Arial Unicode MS" pitchFamily="34" charset="-128"/>
-              <a:cs typeface="Arial Unicode MS" pitchFamily="34" charset="-128"/>
-            </a:endParaRPr>
           </a:p>
         </p:txBody>
       </p:sp>
@@ -15548,7 +18446,7 @@
 </p:sld>
 </file>
 
-<file path=ppt/slides/slide27.xml><?xml version="1.0" encoding="utf-8"?>
+<file path=ppt/slides/slide33.xml><?xml version="1.0" encoding="utf-8"?>
 <p:sld xmlns:a="http://schemas.openxmlformats.org/drawingml/2006/main" xmlns:r="http://schemas.openxmlformats.org/officeDocument/2006/relationships" xmlns:p="http://schemas.openxmlformats.org/presentationml/2006/main">
   <p:cSld>
     <p:spTree>
@@ -15591,6 +18489,33 @@
             </a:pPr>
             <a:r>
               <a:rPr lang="en-US" dirty="0" smtClean="0"/>
+              <a:t>A </a:t>
+            </a:r>
+            <a:r>
+              <a:rPr lang="en-US" dirty="0" err="1" smtClean="0"/>
+              <a:t>mvc</a:t>
+            </a:r>
+            <a:r>
+              <a:rPr lang="en-US" dirty="0" smtClean="0"/>
+              <a:t> framework for </a:t>
+            </a:r>
+            <a:r>
+              <a:rPr lang="en-US" dirty="0" err="1" smtClean="0"/>
+              <a:t>nodejs</a:t>
+            </a:r>
+            <a:r>
+              <a:rPr lang="en-US" dirty="0" smtClean="0"/>
+              <a:t> web development</a:t>
+            </a:r>
+            <a:endParaRPr lang="en-US" dirty="0" smtClean="0"/>
+          </a:p>
+          <a:p>
+            <a:pPr marL="285750" indent="-285750">
+              <a:buFont typeface="Arial" panose="020B0604020202020204" pitchFamily="34" charset="0"/>
+              <a:buChar char="•"/>
+            </a:pPr>
+            <a:r>
+              <a:rPr lang="en-US" dirty="0" smtClean="0"/>
               <a:t>Express works similar to java servlet: </a:t>
             </a:r>
             <a:r>
@@ -15666,8 +18591,8 @@
         </p:nvGrpSpPr>
         <p:grpSpPr>
           <a:xfrm>
-            <a:off x="1259632" y="2636912"/>
-            <a:ext cx="5976664" cy="2654871"/>
+            <a:off x="467544" y="2996952"/>
+            <a:ext cx="5328592" cy="2654871"/>
             <a:chOff x="755576" y="2711961"/>
             <a:chExt cx="3724414" cy="2654871"/>
           </a:xfrm>
@@ -15970,7 +18895,6 @@
                 <a:rPr lang="en-US" sz="1400" dirty="0"/>
                 <a:t>     });</a:t>
               </a:r>
-              <a:endParaRPr lang="en-US" sz="1400" dirty="0"/>
             </a:p>
           </p:txBody>
         </p:sp>
@@ -16035,14 +18959,69 @@
                 </a:rPr>
                 <a:t>.js</a:t>
               </a:r>
-              <a:endParaRPr lang="en-US" sz="1800" kern="0" dirty="0" smtClean="0">
-                <a:ea typeface="Arial Unicode MS" pitchFamily="34" charset="-128"/>
-                <a:cs typeface="Arial Unicode MS" pitchFamily="34" charset="-128"/>
-              </a:endParaRPr>
             </a:p>
           </p:txBody>
         </p:sp>
       </p:grpSp>
+      <p:pic>
+        <p:nvPicPr>
+          <p:cNvPr id="7" name="Picture 6"/>
+          <p:cNvPicPr>
+            <a:picLocks noChangeAspect="1"/>
+          </p:cNvPicPr>
+          <p:nvPr/>
+        </p:nvPicPr>
+        <p:blipFill>
+          <a:blip r:embed="rId2">
+            <a:extLst>
+              <a:ext uri="{28A0092B-C50C-407E-A947-70E740481C1C}">
+                <a14:useLocalDpi xmlns:a14="http://schemas.microsoft.com/office/drawing/2010/main" val="0"/>
+              </a:ext>
+            </a:extLst>
+          </a:blip>
+          <a:stretch>
+            <a:fillRect/>
+          </a:stretch>
+        </p:blipFill>
+        <p:spPr>
+          <a:xfrm>
+            <a:off x="5148064" y="2636912"/>
+            <a:ext cx="3410719" cy="1976913"/>
+          </a:xfrm>
+          <a:prstGeom prst="rect">
+            <a:avLst/>
+          </a:prstGeom>
+        </p:spPr>
+      </p:pic>
+      <p:sp>
+        <p:nvSpPr>
+          <p:cNvPr id="8" name="Rectangle 7"/>
+          <p:cNvSpPr/>
+          <p:nvPr/>
+        </p:nvSpPr>
+        <p:spPr>
+          <a:xfrm>
+            <a:off x="6660232" y="4549716"/>
+            <a:ext cx="936104" cy="369332"/>
+          </a:xfrm>
+          <a:prstGeom prst="rect">
+            <a:avLst/>
+          </a:prstGeom>
+        </p:spPr>
+        <p:txBody>
+          <a:bodyPr wrap="square">
+            <a:spAutoFit/>
+          </a:bodyPr>
+          <a:lstStyle/>
+          <a:p>
+            <a:r>
+              <a:rPr lang="en-US" dirty="0" smtClean="0"/>
+              <a:t>MVC</a:t>
+            </a:r>
+            <a:endParaRPr lang="en-US" dirty="0"/>
+          </a:p>
+        </p:txBody>
+      </p:sp>
     </p:spTree>
     <p:extLst>
       <p:ext uri="{BB962C8B-B14F-4D97-AF65-F5344CB8AC3E}">
@@ -16063,7 +19042,7 @@
 </p:sld>
 </file>
 
-<file path=ppt/slides/slide28.xml><?xml version="1.0" encoding="utf-8"?>
+<file path=ppt/slides/slide34.xml><?xml version="1.0" encoding="utf-8"?>
 <p:sld xmlns:a="http://schemas.openxmlformats.org/drawingml/2006/main" xmlns:r="http://schemas.openxmlformats.org/officeDocument/2006/relationships" xmlns:p="http://schemas.openxmlformats.org/presentationml/2006/main">
   <p:cSld>
     <p:spTree>
@@ -16135,7 +19114,7 @@
             </a:pPr>
             <a:r>
               <a:rPr lang="en-US" dirty="0" smtClean="0"/>
-              <a:t>With socket.io you can develop your chat program on the web. Your client(web browser side </a:t>
+              <a:t>With socket.io you can develop your chat/monitor program on the web. Your client(web browser side </a:t>
             </a:r>
             <a:r>
               <a:rPr lang="en-US" dirty="0" err="1" smtClean="0"/>
@@ -16163,7 +19142,7 @@
             </a:r>
             <a:r>
               <a:rPr lang="en-US" dirty="0" smtClean="0"/>
-              <a:t>. So HTTP connection is established once, and then data goes via web-socket .</a:t>
+              <a:t>. So HTTP connection is established once, and then data goes via web-socket . </a:t>
             </a:r>
           </a:p>
         </p:txBody>
@@ -16558,10 +19537,6 @@
                 </a:rPr>
                 <a:t>.js</a:t>
               </a:r>
-              <a:endParaRPr lang="en-US" sz="1800" kern="0" dirty="0" smtClean="0">
-                <a:ea typeface="Arial Unicode MS" pitchFamily="34" charset="-128"/>
-                <a:cs typeface="Arial Unicode MS" pitchFamily="34" charset="-128"/>
-              </a:endParaRPr>
             </a:p>
           </p:txBody>
         </p:sp>
@@ -16574,10 +19549,10 @@
         </p:nvGrpSpPr>
         <p:grpSpPr>
           <a:xfrm>
-            <a:off x="4504903" y="3655139"/>
-            <a:ext cx="3960439" cy="2685648"/>
+            <a:off x="4504903" y="3846770"/>
+            <a:ext cx="3960439" cy="2678574"/>
             <a:chOff x="755576" y="2711961"/>
-            <a:chExt cx="2467985" cy="2685648"/>
+            <a:chExt cx="2467985" cy="2678574"/>
           </a:xfrm>
         </p:grpSpPr>
         <p:sp>
@@ -16588,7 +19563,7 @@
           </p:nvSpPr>
           <p:spPr>
             <a:xfrm>
-              <a:off x="755576" y="2996952"/>
+              <a:off x="755576" y="2989878"/>
               <a:ext cx="2467985" cy="2400657"/>
             </a:xfrm>
             <a:prstGeom prst="rect">
@@ -17015,10 +19990,6 @@
                 </a:rPr>
                 <a:t>.js</a:t>
               </a:r>
-              <a:endParaRPr lang="en-US" sz="1800" kern="0" dirty="0" smtClean="0">
-                <a:ea typeface="Arial Unicode MS" pitchFamily="34" charset="-128"/>
-                <a:cs typeface="Arial Unicode MS" pitchFamily="34" charset="-128"/>
-              </a:endParaRPr>
             </a:p>
           </p:txBody>
         </p:sp>
@@ -17043,7 +20014,7 @@
 </p:sld>
 </file>
 
-<file path=ppt/slides/slide29.xml><?xml version="1.0" encoding="utf-8"?>
+<file path=ppt/slides/slide35.xml><?xml version="1.0" encoding="utf-8"?>
 <p:sld xmlns:a="http://schemas.openxmlformats.org/drawingml/2006/main" xmlns:r="http://schemas.openxmlformats.org/officeDocument/2006/relationships" xmlns:p="http://schemas.openxmlformats.org/presentationml/2006/main">
   <p:cSld>
     <p:spTree>
@@ -17079,7 +20050,7 @@
               <a:rPr lang="en-US" dirty="0" smtClean="0">
                 <a:hlinkClick r:id="rId2"/>
               </a:rPr>
-              <a:t>Debug </a:t>
+              <a:t>4 Debug </a:t>
             </a:r>
             <a:r>
               <a:rPr lang="en-US" dirty="0" err="1" smtClean="0">
@@ -17277,7 +20248,6 @@
               <a:rPr lang="en-US" sz="1400" dirty="0"/>
               <a:t>, restart, kill, list, scripts, breakpoints, version</a:t>
             </a:r>
-            <a:endParaRPr lang="en-US" sz="1400" dirty="0"/>
           </a:p>
         </p:txBody>
       </p:sp>
@@ -17324,10 +20294,6 @@
               </a:rPr>
               <a:t>Use debugger tag, and node will break at that point</a:t>
             </a:r>
-            <a:endParaRPr lang="en-US" sz="1800" kern="0" dirty="0" smtClean="0">
-              <a:ea typeface="Arial Unicode MS" pitchFamily="34" charset="-128"/>
-              <a:cs typeface="Arial Unicode MS" pitchFamily="34" charset="-128"/>
-            </a:endParaRPr>
           </a:p>
         </p:txBody>
       </p:sp>
@@ -17374,10 +20340,6 @@
               </a:rPr>
               <a:t>Then run debug commands</a:t>
             </a:r>
-            <a:endParaRPr lang="en-US" sz="1800" kern="0" dirty="0" smtClean="0">
-              <a:ea typeface="Arial Unicode MS" pitchFamily="34" charset="-128"/>
-              <a:cs typeface="Arial Unicode MS" pitchFamily="34" charset="-128"/>
-            </a:endParaRPr>
           </a:p>
         </p:txBody>
       </p:sp>
@@ -17700,10 +20662,6 @@
                 </a:rPr>
                 <a:t>.js</a:t>
               </a:r>
-              <a:endParaRPr lang="en-US" sz="1800" kern="0" dirty="0" smtClean="0">
-                <a:ea typeface="Arial Unicode MS" pitchFamily="34" charset="-128"/>
-                <a:cs typeface="Arial Unicode MS" pitchFamily="34" charset="-128"/>
-              </a:endParaRPr>
             </a:p>
           </p:txBody>
         </p:sp>
@@ -17728,310 +20686,7 @@
 </p:sld>
 </file>
 
-<file path=ppt/slides/slide3.xml><?xml version="1.0" encoding="utf-8"?>
-<p:sld xmlns:a="http://schemas.openxmlformats.org/drawingml/2006/main" xmlns:r="http://schemas.openxmlformats.org/officeDocument/2006/relationships" xmlns:p="http://schemas.openxmlformats.org/presentationml/2006/main">
-  <p:cSld>
-    <p:spTree>
-      <p:nvGrpSpPr>
-        <p:cNvPr id="1" name=""/>
-        <p:cNvGrpSpPr/>
-        <p:nvPr/>
-      </p:nvGrpSpPr>
-      <p:grpSpPr>
-        <a:xfrm>
-          <a:off x="0" y="0"/>
-          <a:ext cx="0" cy="0"/>
-          <a:chOff x="0" y="0"/>
-          <a:chExt cx="0" cy="0"/>
-        </a:xfrm>
-      </p:grpSpPr>
-      <p:sp>
-        <p:nvSpPr>
-          <p:cNvPr id="3" name="Content Placeholder 2"/>
-          <p:cNvSpPr>
-            <a:spLocks noGrp="1"/>
-          </p:cNvSpPr>
-          <p:nvPr>
-            <p:ph sz="quarter" idx="10"/>
-          </p:nvPr>
-        </p:nvSpPr>
-        <p:spPr>
-          <a:xfrm>
-            <a:off x="457200" y="1772816"/>
-            <a:ext cx="8229600" cy="3888432"/>
-          </a:xfrm>
-        </p:spPr>
-        <p:txBody>
-          <a:bodyPr/>
-          <a:lstStyle/>
-          <a:p>
-            <a:pPr marL="342900" indent="-342900" algn="l">
-              <a:buFont typeface="Arial" panose="020B0604020202020204" pitchFamily="34" charset="0"/>
-              <a:buChar char="•"/>
-            </a:pPr>
-            <a:r>
-              <a:rPr lang="en-US" sz="2400" dirty="0" smtClean="0">
-                <a:solidFill>
-                  <a:schemeClr val="tx1">
-                    <a:lumMod val="85000"/>
-                  </a:schemeClr>
-                </a:solidFill>
-                <a:latin typeface="Arial" panose="020B0604020202020204" pitchFamily="34" charset="0"/>
-                <a:cs typeface="Arial" panose="020B0604020202020204" pitchFamily="34" charset="0"/>
-              </a:rPr>
-              <a:t>Download </a:t>
-            </a:r>
-            <a:r>
-              <a:rPr lang="en-US" sz="1400" i="1" dirty="0" smtClean="0">
-                <a:hlinkClick r:id="rId2"/>
-              </a:rPr>
-              <a:t>http://nodejs.org/dist/v0.10.20/node-v0.10.20-x86.msi</a:t>
-            </a:r>
-            <a:endParaRPr lang="en-US" sz="1400" i="1" dirty="0" smtClean="0"/>
-          </a:p>
-          <a:p>
-            <a:pPr marL="342900" indent="-342900" algn="l">
-              <a:buFont typeface="Arial" panose="020B0604020202020204" pitchFamily="34" charset="0"/>
-              <a:buChar char="•"/>
-            </a:pPr>
-            <a:endParaRPr lang="en-US" sz="2400" dirty="0" smtClean="0">
-              <a:solidFill>
-                <a:schemeClr val="tx1">
-                  <a:lumMod val="85000"/>
-                </a:schemeClr>
-              </a:solidFill>
-              <a:latin typeface="Arial" panose="020B0604020202020204" pitchFamily="34" charset="0"/>
-              <a:cs typeface="Arial" panose="020B0604020202020204" pitchFamily="34" charset="0"/>
-            </a:endParaRPr>
-          </a:p>
-          <a:p>
-            <a:pPr marL="342900" indent="-342900" algn="l">
-              <a:buFont typeface="Arial" panose="020B0604020202020204" pitchFamily="34" charset="0"/>
-              <a:buChar char="•"/>
-            </a:pPr>
-            <a:r>
-              <a:rPr lang="en-US" sz="2400" dirty="0" smtClean="0">
-                <a:solidFill>
-                  <a:schemeClr val="tx1">
-                    <a:lumMod val="85000"/>
-                  </a:schemeClr>
-                </a:solidFill>
-                <a:latin typeface="Arial" panose="020B0604020202020204" pitchFamily="34" charset="0"/>
-                <a:cs typeface="Arial" panose="020B0604020202020204" pitchFamily="34" charset="0"/>
-              </a:rPr>
-              <a:t>Official </a:t>
-            </a:r>
-            <a:r>
-              <a:rPr lang="en-US" sz="2400" dirty="0">
-                <a:solidFill>
-                  <a:schemeClr val="tx1">
-                    <a:lumMod val="85000"/>
-                  </a:schemeClr>
-                </a:solidFill>
-                <a:latin typeface="Arial" panose="020B0604020202020204" pitchFamily="34" charset="0"/>
-                <a:cs typeface="Arial" panose="020B0604020202020204" pitchFamily="34" charset="0"/>
-              </a:rPr>
-              <a:t>Site </a:t>
-            </a:r>
-            <a:r>
-              <a:rPr lang="en-US" sz="1400" i="1" dirty="0">
-                <a:hlinkClick r:id="rId3"/>
-              </a:rPr>
-              <a:t>http://nodejs.org</a:t>
-            </a:r>
-            <a:r>
-              <a:rPr lang="en-US" altLang="zh-CN" sz="1400" i="1" dirty="0">
-                <a:hlinkClick r:id="rId3"/>
-              </a:rPr>
-              <a:t> </a:t>
-            </a:r>
-            <a:endParaRPr lang="en-US" altLang="zh-CN" sz="1400" i="1" dirty="0" smtClean="0"/>
-          </a:p>
-          <a:p>
-            <a:pPr marL="342900" indent="-342900" algn="l">
-              <a:buFont typeface="Arial" panose="020B0604020202020204" pitchFamily="34" charset="0"/>
-              <a:buChar char="•"/>
-            </a:pPr>
-            <a:endParaRPr lang="en-US" altLang="zh-CN" sz="1400" i="1" dirty="0"/>
-          </a:p>
-          <a:p>
-            <a:pPr marL="342900" indent="-342900" algn="l">
-              <a:buFont typeface="Arial" panose="020B0604020202020204" pitchFamily="34" charset="0"/>
-              <a:buChar char="•"/>
-            </a:pPr>
-            <a:r>
-              <a:rPr lang="en-US" dirty="0" smtClean="0">
-                <a:solidFill>
-                  <a:schemeClr val="tx1">
-                    <a:lumMod val="85000"/>
-                  </a:schemeClr>
-                </a:solidFill>
-                <a:latin typeface="Arial" panose="020B0604020202020204" pitchFamily="34" charset="0"/>
-                <a:cs typeface="Arial" panose="020B0604020202020204" pitchFamily="34" charset="0"/>
-              </a:rPr>
-              <a:t>What is </a:t>
-            </a:r>
-            <a:r>
-              <a:rPr lang="en-US" dirty="0" err="1" smtClean="0">
-                <a:solidFill>
-                  <a:schemeClr val="tx1">
-                    <a:lumMod val="85000"/>
-                  </a:schemeClr>
-                </a:solidFill>
-                <a:latin typeface="Arial" panose="020B0604020202020204" pitchFamily="34" charset="0"/>
-                <a:cs typeface="Arial" panose="020B0604020202020204" pitchFamily="34" charset="0"/>
-              </a:rPr>
-              <a:t>NodeJS</a:t>
-            </a:r>
-            <a:r>
-              <a:rPr lang="en-US" sz="2400" dirty="0" smtClean="0">
-                <a:solidFill>
-                  <a:schemeClr val="tx1">
-                    <a:lumMod val="85000"/>
-                  </a:schemeClr>
-                </a:solidFill>
-                <a:latin typeface="Arial" panose="020B0604020202020204" pitchFamily="34" charset="0"/>
-                <a:cs typeface="Arial" panose="020B0604020202020204" pitchFamily="34" charset="0"/>
-              </a:rPr>
-              <a:t>:</a:t>
-            </a:r>
-            <a:endParaRPr lang="en-US" dirty="0">
-              <a:solidFill>
-                <a:schemeClr val="tx1">
-                  <a:lumMod val="85000"/>
-                </a:schemeClr>
-              </a:solidFill>
-              <a:latin typeface="Arial" panose="020B0604020202020204" pitchFamily="34" charset="0"/>
-              <a:cs typeface="Arial" panose="020B0604020202020204" pitchFamily="34" charset="0"/>
-            </a:endParaRPr>
-          </a:p>
-          <a:p>
-            <a:pPr marL="617220" lvl="1" indent="-342900"/>
-            <a:r>
-              <a:rPr lang="en-US" sz="1200" b="1" dirty="0">
-                <a:solidFill>
-                  <a:schemeClr val="tx1">
-                    <a:lumMod val="85000"/>
-                  </a:schemeClr>
-                </a:solidFill>
-                <a:latin typeface="Arial" panose="020B0604020202020204" pitchFamily="34" charset="0"/>
-                <a:cs typeface="Arial" panose="020B0604020202020204" pitchFamily="34" charset="0"/>
-              </a:rPr>
-              <a:t>A </a:t>
-            </a:r>
-            <a:r>
-              <a:rPr lang="en-US" sz="1200" b="1" dirty="0" err="1">
-                <a:solidFill>
-                  <a:schemeClr val="tx1">
-                    <a:lumMod val="85000"/>
-                  </a:schemeClr>
-                </a:solidFill>
-                <a:latin typeface="Arial" panose="020B0604020202020204" pitchFamily="34" charset="0"/>
-                <a:cs typeface="Arial" panose="020B0604020202020204" pitchFamily="34" charset="0"/>
-              </a:rPr>
-              <a:t>Javascript</a:t>
-            </a:r>
-            <a:r>
-              <a:rPr lang="en-US" sz="1200" b="1" dirty="0">
-                <a:solidFill>
-                  <a:schemeClr val="tx1">
-                    <a:lumMod val="85000"/>
-                  </a:schemeClr>
-                </a:solidFill>
-                <a:latin typeface="Arial" panose="020B0604020202020204" pitchFamily="34" charset="0"/>
-                <a:cs typeface="Arial" panose="020B0604020202020204" pitchFamily="34" charset="0"/>
-              </a:rPr>
-              <a:t> running on Client and Server sides</a:t>
-            </a:r>
-          </a:p>
-          <a:p>
-            <a:pPr marL="617220" lvl="1" indent="-342900"/>
-            <a:r>
-              <a:rPr lang="en-US" sz="1200" b="1" dirty="0">
-                <a:solidFill>
-                  <a:schemeClr val="tx1">
-                    <a:lumMod val="85000"/>
-                  </a:schemeClr>
-                </a:solidFill>
-                <a:latin typeface="Arial" panose="020B0604020202020204" pitchFamily="34" charset="0"/>
-                <a:cs typeface="Arial" panose="020B0604020202020204" pitchFamily="34" charset="0"/>
-              </a:rPr>
-              <a:t>JS running environment</a:t>
-            </a:r>
-          </a:p>
-          <a:p>
-            <a:pPr marL="617220" lvl="1" indent="-342900"/>
-            <a:r>
-              <a:rPr lang="en-US" sz="1200" b="1" dirty="0">
-                <a:solidFill>
-                  <a:schemeClr val="tx1">
-                    <a:lumMod val="85000"/>
-                  </a:schemeClr>
-                </a:solidFill>
-                <a:latin typeface="Arial" panose="020B0604020202020204" pitchFamily="34" charset="0"/>
-                <a:cs typeface="Arial" panose="020B0604020202020204" pitchFamily="34" charset="0"/>
-              </a:rPr>
-              <a:t>many modules</a:t>
-            </a:r>
-          </a:p>
-        </p:txBody>
-      </p:sp>
-      <p:sp>
-        <p:nvSpPr>
-          <p:cNvPr id="2" name="Title 1"/>
-          <p:cNvSpPr>
-            <a:spLocks noGrp="1"/>
-          </p:cNvSpPr>
-          <p:nvPr>
-            <p:ph type="title"/>
-          </p:nvPr>
-        </p:nvSpPr>
-        <p:spPr/>
-        <p:txBody>
-          <a:bodyPr/>
-          <a:lstStyle/>
-          <a:p>
-            <a:r>
-              <a:rPr lang="en-US" dirty="0" smtClean="0"/>
-              <a:t>1 </a:t>
-            </a:r>
-            <a:r>
-              <a:rPr lang="en-US" dirty="0" err="1" smtClean="0"/>
-              <a:t>N</a:t>
-            </a:r>
-            <a:r>
-              <a:rPr lang="en-US" altLang="zh-CN" dirty="0" err="1" smtClean="0"/>
-              <a:t>odeJS</a:t>
-            </a:r>
-            <a:r>
-              <a:rPr lang="en-US" altLang="zh-CN" dirty="0" smtClean="0"/>
-              <a:t> overview</a:t>
-            </a:r>
-            <a:endParaRPr lang="en-US" dirty="0"/>
-          </a:p>
-        </p:txBody>
-      </p:sp>
-    </p:spTree>
-    <p:extLst>
-      <p:ext uri="{BB962C8B-B14F-4D97-AF65-F5344CB8AC3E}">
-        <p14:creationId xmlns:p14="http://schemas.microsoft.com/office/powerpoint/2010/main" val="2521051598"/>
-      </p:ext>
-    </p:extLst>
-  </p:cSld>
-  <p:clrMapOvr>
-    <a:masterClrMapping/>
-  </p:clrMapOvr>
-  <p:timing>
-    <p:tnLst>
-      <p:par>
-        <p:cTn id="1" dur="indefinite" restart="never" nodeType="tmRoot"/>
-      </p:par>
-    </p:tnLst>
-  </p:timing>
-</p:sld>
-</file>
-
-<file path=ppt/slides/slide30.xml><?xml version="1.0" encoding="utf-8"?>
+<file path=ppt/slides/slide36.xml><?xml version="1.0" encoding="utf-8"?>
 <p:sld xmlns:a="http://schemas.openxmlformats.org/drawingml/2006/main" xmlns:r="http://schemas.openxmlformats.org/officeDocument/2006/relationships" xmlns:p="http://schemas.openxmlformats.org/presentationml/2006/main">
   <p:cSld>
     <p:spTree>
@@ -18415,7 +21070,7 @@
 </p:sld>
 </file>
 
-<file path=ppt/slides/slide31.xml><?xml version="1.0" encoding="utf-8"?>
+<file path=ppt/slides/slide37.xml><?xml version="1.0" encoding="utf-8"?>
 <p:sld xmlns:a="http://schemas.openxmlformats.org/drawingml/2006/main" xmlns:r="http://schemas.openxmlformats.org/officeDocument/2006/relationships" xmlns:p="http://schemas.openxmlformats.org/presentationml/2006/main">
   <p:cSld>
     <p:spTree>
@@ -18509,7 +21164,7 @@
           <a:lstStyle/>
           <a:p>
             <a:r>
-              <a:rPr lang="en-US" dirty="0"/>
+              <a:rPr lang="en-US" dirty="0" smtClean="0"/>
               <a:t>5 </a:t>
             </a:r>
             <a:r>
@@ -18518,11 +21173,7 @@
             </a:r>
             <a:r>
               <a:rPr lang="en-US" dirty="0" smtClean="0"/>
-              <a:t> </a:t>
-            </a:r>
-            <a:r>
-              <a:rPr lang="en-US" dirty="0" smtClean="0"/>
-              <a:t>project examples</a:t>
+              <a:t> project examples</a:t>
             </a:r>
             <a:endParaRPr lang="en-US" dirty="0"/>
           </a:p>
@@ -18648,16 +21299,6 @@
               </a:rPr>
               <a:t>REF</a:t>
             </a:r>
-            <a:endParaRPr lang="en-US" sz="1400" b="1" dirty="0" smtClean="0">
-              <a:effectLst>
-                <a:outerShdw blurRad="38100" dist="38100" dir="2700000" algn="tl">
-                  <a:srgbClr val="000000">
-                    <a:alpha val="43137"/>
-                  </a:srgbClr>
-                </a:outerShdw>
-              </a:effectLst>
-              <a:hlinkClick r:id="rId3"/>
-            </a:endParaRPr>
           </a:p>
         </p:txBody>
       </p:sp>
@@ -18681,7 +21322,7 @@
 </p:sld>
 </file>
 
-<file path=ppt/slides/slide32.xml><?xml version="1.0" encoding="utf-8"?>
+<file path=ppt/slides/slide38.xml><?xml version="1.0" encoding="utf-8"?>
 <p:sld xmlns:a="http://schemas.openxmlformats.org/drawingml/2006/main" xmlns:r="http://schemas.openxmlformats.org/officeDocument/2006/relationships" xmlns:p="http://schemas.openxmlformats.org/presentationml/2006/main">
   <p:cSld>
     <p:spTree>
@@ -18788,7 +21429,7 @@
 </p:sld>
 </file>
 
-<file path=ppt/slides/slide33.xml><?xml version="1.0" encoding="utf-8"?>
+<file path=ppt/slides/slide39.xml><?xml version="1.0" encoding="utf-8"?>
 <p:sld xmlns:a="http://schemas.openxmlformats.org/drawingml/2006/main" xmlns:r="http://schemas.openxmlformats.org/officeDocument/2006/relationships" xmlns:p="http://schemas.openxmlformats.org/presentationml/2006/main">
   <p:cSld>
     <p:spTree>
@@ -18937,7 +21578,533 @@
 </p:sld>
 </file>
 
-<file path=ppt/slides/slide34.xml><?xml version="1.0" encoding="utf-8"?>
+<file path=ppt/slides/slide4.xml><?xml version="1.0" encoding="utf-8"?>
+<p:sld xmlns:a="http://schemas.openxmlformats.org/drawingml/2006/main" xmlns:r="http://schemas.openxmlformats.org/officeDocument/2006/relationships" xmlns:p="http://schemas.openxmlformats.org/presentationml/2006/main">
+  <p:cSld>
+    <p:spTree>
+      <p:nvGrpSpPr>
+        <p:cNvPr id="1" name=""/>
+        <p:cNvGrpSpPr/>
+        <p:nvPr/>
+      </p:nvGrpSpPr>
+      <p:grpSpPr>
+        <a:xfrm>
+          <a:off x="0" y="0"/>
+          <a:ext cx="0" cy="0"/>
+          <a:chOff x="0" y="0"/>
+          <a:chExt cx="0" cy="0"/>
+        </a:xfrm>
+      </p:grpSpPr>
+      <p:pic>
+        <p:nvPicPr>
+          <p:cNvPr id="5" name="Content Placeholder 4"/>
+          <p:cNvPicPr>
+            <a:picLocks noGrp="1" noChangeAspect="1"/>
+          </p:cNvPicPr>
+          <p:nvPr>
+            <p:ph sz="quarter" idx="10"/>
+          </p:nvPr>
+        </p:nvPicPr>
+        <p:blipFill>
+          <a:blip r:embed="rId2">
+            <a:extLst>
+              <a:ext uri="{BEBA8EAE-BF5A-486C-A8C5-ECC9F3942E4B}">
+                <a14:imgProps xmlns:a14="http://schemas.microsoft.com/office/drawing/2010/main">
+                  <a14:imgLayer r:embed="rId3">
+                    <a14:imgEffect>
+                      <a14:sharpenSoften amount="67000"/>
+                    </a14:imgEffect>
+                    <a14:imgEffect>
+                      <a14:brightnessContrast bright="18000"/>
+                    </a14:imgEffect>
+                  </a14:imgLayer>
+                </a14:imgProps>
+              </a:ext>
+              <a:ext uri="{28A0092B-C50C-407E-A947-70E740481C1C}">
+                <a14:useLocalDpi xmlns:a14="http://schemas.microsoft.com/office/drawing/2010/main" val="0"/>
+              </a:ext>
+            </a:extLst>
+          </a:blip>
+          <a:stretch>
+            <a:fillRect/>
+          </a:stretch>
+        </p:blipFill>
+        <p:spPr>
+          <a:xfrm>
+            <a:off x="3079072" y="1556792"/>
+            <a:ext cx="5007975" cy="1965291"/>
+          </a:xfrm>
+          <a:effectLst>
+            <a:outerShdw blurRad="50800" dist="50800" dir="5400000" algn="ctr" rotWithShape="0">
+              <a:srgbClr val="000000">
+                <a:alpha val="68000"/>
+              </a:srgbClr>
+            </a:outerShdw>
+          </a:effectLst>
+          <a:scene3d>
+            <a:camera prst="orthographicFront"/>
+            <a:lightRig rig="threePt" dir="t"/>
+          </a:scene3d>
+          <a:sp3d>
+            <a:bevelB w="114300" prst="artDeco"/>
+          </a:sp3d>
+        </p:spPr>
+      </p:pic>
+      <p:sp>
+        <p:nvSpPr>
+          <p:cNvPr id="3" name="Title 2"/>
+          <p:cNvSpPr>
+            <a:spLocks noGrp="1"/>
+          </p:cNvSpPr>
+          <p:nvPr>
+            <p:ph type="title"/>
+          </p:nvPr>
+        </p:nvSpPr>
+        <p:spPr/>
+        <p:txBody>
+          <a:bodyPr/>
+          <a:lstStyle/>
+          <a:p>
+            <a:r>
+              <a:rPr lang="en-US" dirty="0" smtClean="0"/>
+              <a:t>Install and use</a:t>
+            </a:r>
+            <a:endParaRPr lang="en-US" dirty="0"/>
+          </a:p>
+        </p:txBody>
+      </p:sp>
+      <p:pic>
+        <p:nvPicPr>
+          <p:cNvPr id="6" name="Picture 5"/>
+          <p:cNvPicPr>
+            <a:picLocks noChangeAspect="1"/>
+          </p:cNvPicPr>
+          <p:nvPr/>
+        </p:nvPicPr>
+        <p:blipFill>
+          <a:blip r:embed="rId4">
+            <a:extLst>
+              <a:ext uri="{28A0092B-C50C-407E-A947-70E740481C1C}">
+                <a14:useLocalDpi xmlns:a14="http://schemas.microsoft.com/office/drawing/2010/main" val="0"/>
+              </a:ext>
+            </a:extLst>
+          </a:blip>
+          <a:stretch>
+            <a:fillRect/>
+          </a:stretch>
+        </p:blipFill>
+        <p:spPr>
+          <a:xfrm>
+            <a:off x="611560" y="1894984"/>
+            <a:ext cx="1866900" cy="447675"/>
+          </a:xfrm>
+          <a:prstGeom prst="rect">
+            <a:avLst/>
+          </a:prstGeom>
+        </p:spPr>
+      </p:pic>
+      <p:pic>
+        <p:nvPicPr>
+          <p:cNvPr id="4098" name="Picture 2"/>
+          <p:cNvPicPr>
+            <a:picLocks noChangeAspect="1" noChangeArrowheads="1"/>
+          </p:cNvPicPr>
+          <p:nvPr/>
+        </p:nvPicPr>
+        <p:blipFill>
+          <a:blip r:embed="rId5">
+            <a:extLst>
+              <a:ext uri="{28A0092B-C50C-407E-A947-70E740481C1C}">
+                <a14:useLocalDpi xmlns:a14="http://schemas.microsoft.com/office/drawing/2010/main" val="0"/>
+              </a:ext>
+            </a:extLst>
+          </a:blip>
+          <a:srcRect/>
+          <a:stretch>
+            <a:fillRect/>
+          </a:stretch>
+        </p:blipFill>
+        <p:spPr bwMode="auto">
+          <a:xfrm>
+            <a:off x="1835696" y="4149080"/>
+            <a:ext cx="3120264" cy="1868215"/>
+          </a:xfrm>
+          <a:prstGeom prst="rect">
+            <a:avLst/>
+          </a:prstGeom>
+          <a:noFill/>
+          <a:ln>
+            <a:noFill/>
+          </a:ln>
+          <a:effectLst/>
+          <a:extLst>
+            <a:ext uri="{909E8E84-426E-40DD-AFC4-6F175D3DCCD1}">
+              <a14:hiddenFill xmlns:a14="http://schemas.microsoft.com/office/drawing/2010/main">
+                <a:solidFill>
+                  <a:schemeClr val="accent1"/>
+                </a:solidFill>
+              </a14:hiddenFill>
+            </a:ext>
+            <a:ext uri="{91240B29-F687-4F45-9708-019B960494DF}">
+              <a14:hiddenLine xmlns:a14="http://schemas.microsoft.com/office/drawing/2010/main" w="9525">
+                <a:solidFill>
+                  <a:schemeClr val="tx1"/>
+                </a:solidFill>
+                <a:miter lim="800000"/>
+                <a:headEnd/>
+                <a:tailEnd/>
+              </a14:hiddenLine>
+            </a:ext>
+            <a:ext uri="{AF507438-7753-43E0-B8FC-AC1667EBCBE1}">
+              <a14:hiddenEffects xmlns:a14="http://schemas.microsoft.com/office/drawing/2010/main">
+                <a:effectLst>
+                  <a:outerShdw dist="35921" dir="2700000" algn="ctr" rotWithShape="0">
+                    <a:schemeClr val="bg2"/>
+                  </a:outerShdw>
+                </a:effectLst>
+              </a14:hiddenEffects>
+            </a:ext>
+          </a:extLst>
+        </p:spPr>
+      </p:pic>
+      <p:sp>
+        <p:nvSpPr>
+          <p:cNvPr id="8" name="Right Arrow 7"/>
+          <p:cNvSpPr/>
+          <p:nvPr/>
+        </p:nvSpPr>
+        <p:spPr>
+          <a:xfrm>
+            <a:off x="1403648" y="2390633"/>
+            <a:ext cx="1532356" cy="936104"/>
+          </a:xfrm>
+          <a:prstGeom prst="rightArrow">
+            <a:avLst/>
+          </a:prstGeom>
+        </p:spPr>
+        <p:style>
+          <a:lnRef idx="2">
+            <a:schemeClr val="accent1">
+              <a:shade val="50000"/>
+            </a:schemeClr>
+          </a:lnRef>
+          <a:fillRef idx="1">
+            <a:schemeClr val="accent1"/>
+          </a:fillRef>
+          <a:effectRef idx="0">
+            <a:schemeClr val="accent1"/>
+          </a:effectRef>
+          <a:fontRef idx="minor">
+            <a:schemeClr val="lt1"/>
+          </a:fontRef>
+        </p:style>
+        <p:txBody>
+          <a:bodyPr rtlCol="0" anchor="ctr"/>
+          <a:lstStyle/>
+          <a:p>
+            <a:pPr algn="ctr"/>
+            <a:r>
+              <a:rPr lang="en-US" b="1" dirty="0" smtClean="0">
+                <a:solidFill>
+                  <a:srgbClr val="FF6600"/>
+                </a:solidFill>
+              </a:rPr>
+              <a:t>install</a:t>
+            </a:r>
+            <a:endParaRPr lang="en-US" b="1" dirty="0">
+              <a:solidFill>
+                <a:srgbClr val="FF6600"/>
+              </a:solidFill>
+            </a:endParaRPr>
+          </a:p>
+        </p:txBody>
+      </p:sp>
+      <p:sp>
+        <p:nvSpPr>
+          <p:cNvPr id="11" name="Right Arrow 10"/>
+          <p:cNvSpPr/>
+          <p:nvPr/>
+        </p:nvSpPr>
+        <p:spPr>
+          <a:xfrm rot="16200000" flipH="1">
+            <a:off x="4657834" y="3943150"/>
+            <a:ext cx="1532356" cy="936104"/>
+          </a:xfrm>
+          <a:prstGeom prst="rightArrow">
+            <a:avLst/>
+          </a:prstGeom>
+        </p:spPr>
+        <p:style>
+          <a:lnRef idx="2">
+            <a:schemeClr val="accent1">
+              <a:shade val="50000"/>
+            </a:schemeClr>
+          </a:lnRef>
+          <a:fillRef idx="1">
+            <a:schemeClr val="accent1"/>
+          </a:fillRef>
+          <a:effectRef idx="0">
+            <a:schemeClr val="accent1"/>
+          </a:effectRef>
+          <a:fontRef idx="minor">
+            <a:schemeClr val="lt1"/>
+          </a:fontRef>
+        </p:style>
+        <p:txBody>
+          <a:bodyPr rtlCol="0" anchor="ctr"/>
+          <a:lstStyle/>
+          <a:p>
+            <a:pPr algn="ctr"/>
+            <a:r>
+              <a:rPr lang="en-US" b="1" dirty="0" smtClean="0">
+                <a:solidFill>
+                  <a:srgbClr val="FF6600"/>
+                </a:solidFill>
+              </a:rPr>
+              <a:t>use</a:t>
+            </a:r>
+            <a:endParaRPr lang="en-US" b="1" dirty="0">
+              <a:solidFill>
+                <a:srgbClr val="FF6600"/>
+              </a:solidFill>
+            </a:endParaRPr>
+          </a:p>
+        </p:txBody>
+      </p:sp>
+    </p:spTree>
+    <p:extLst>
+      <p:ext uri="{BB962C8B-B14F-4D97-AF65-F5344CB8AC3E}">
+        <p14:creationId xmlns:p14="http://schemas.microsoft.com/office/powerpoint/2010/main" val="474435924"/>
+      </p:ext>
+    </p:extLst>
+  </p:cSld>
+  <p:clrMapOvr>
+    <a:masterClrMapping/>
+  </p:clrMapOvr>
+  <p:timing>
+    <p:tnLst>
+      <p:par>
+        <p:cTn id="1" dur="indefinite" restart="never" nodeType="tmRoot"/>
+      </p:par>
+    </p:tnLst>
+  </p:timing>
+</p:sld>
+</file>
+
+<file path=ppt/slides/slide40.xml><?xml version="1.0" encoding="utf-8"?>
+<p:sld xmlns:a="http://schemas.openxmlformats.org/drawingml/2006/main" xmlns:r="http://schemas.openxmlformats.org/officeDocument/2006/relationships" xmlns:p="http://schemas.openxmlformats.org/presentationml/2006/main">
+  <p:cSld>
+    <p:spTree>
+      <p:nvGrpSpPr>
+        <p:cNvPr id="1" name=""/>
+        <p:cNvGrpSpPr/>
+        <p:nvPr/>
+      </p:nvGrpSpPr>
+      <p:grpSpPr>
+        <a:xfrm>
+          <a:off x="0" y="0"/>
+          <a:ext cx="0" cy="0"/>
+          <a:chOff x="0" y="0"/>
+          <a:chExt cx="0" cy="0"/>
+        </a:xfrm>
+      </p:grpSpPr>
+      <p:sp>
+        <p:nvSpPr>
+          <p:cNvPr id="2" name="Content Placeholder 1"/>
+          <p:cNvSpPr>
+            <a:spLocks noGrp="1"/>
+          </p:cNvSpPr>
+          <p:nvPr>
+            <p:ph sz="quarter" idx="10"/>
+          </p:nvPr>
+        </p:nvSpPr>
+        <p:spPr/>
+        <p:txBody>
+          <a:bodyPr/>
+          <a:lstStyle/>
+          <a:p>
+            <a:pPr marL="285750" indent="-285750">
+              <a:buFont typeface="Arial" panose="020B0604020202020204" pitchFamily="34" charset="0"/>
+              <a:buChar char="•"/>
+            </a:pPr>
+            <a:r>
+              <a:rPr lang="en-US" b="0" dirty="0" smtClean="0"/>
+              <a:t>LinkedIn use node-</a:t>
+            </a:r>
+            <a:r>
+              <a:rPr lang="en-US" b="0" dirty="0" err="1" smtClean="0"/>
+              <a:t>js</a:t>
+            </a:r>
+            <a:r>
+              <a:rPr lang="en-US" b="0" dirty="0" smtClean="0"/>
+              <a:t> on its mobile app server</a:t>
+            </a:r>
+          </a:p>
+          <a:p>
+            <a:pPr marL="285750" indent="-285750">
+              <a:buFont typeface="Arial" panose="020B0604020202020204" pitchFamily="34" charset="0"/>
+              <a:buChar char="•"/>
+            </a:pPr>
+            <a:r>
+              <a:rPr lang="en-US" b="0" dirty="0" smtClean="0"/>
+              <a:t>Yammer </a:t>
+            </a:r>
+            <a:r>
+              <a:rPr lang="en-US" b="0" dirty="0" smtClean="0"/>
+              <a:t>used </a:t>
+            </a:r>
+            <a:r>
+              <a:rPr lang="en-US" b="0" dirty="0"/>
+              <a:t>node.js to build a cross domain proxy for </a:t>
+            </a:r>
+            <a:r>
+              <a:rPr lang="en-US" b="0" dirty="0" smtClean="0"/>
+              <a:t>its </a:t>
+            </a:r>
+            <a:r>
+              <a:rPr lang="en-US" b="0" dirty="0"/>
+              <a:t>platform to allow developers to make AJAX calls from JavaScript hosted on their domain to our API</a:t>
+            </a:r>
+            <a:r>
+              <a:rPr lang="en-US" b="0" dirty="0" smtClean="0"/>
+              <a:t>. ( response </a:t>
+            </a:r>
+            <a:r>
+              <a:rPr lang="en-US" b="0" dirty="0" err="1" smtClean="0"/>
+              <a:t>ajax</a:t>
+            </a:r>
+            <a:r>
+              <a:rPr lang="en-US" b="0" dirty="0" smtClean="0"/>
+              <a:t> requests)</a:t>
+            </a:r>
+          </a:p>
+          <a:p>
+            <a:pPr marL="285750" indent="-285750">
+              <a:buFont typeface="Arial" panose="020B0604020202020204" pitchFamily="34" charset="0"/>
+              <a:buChar char="•"/>
+            </a:pPr>
+            <a:r>
+              <a:rPr lang="en-US" b="0" dirty="0" err="1" smtClean="0"/>
+              <a:t>Proxlet</a:t>
+            </a:r>
+            <a:r>
+              <a:rPr lang="en-US" b="0" dirty="0" smtClean="0"/>
+              <a:t> use </a:t>
+            </a:r>
+            <a:r>
+              <a:rPr lang="en-US" b="0" dirty="0" err="1" smtClean="0"/>
+              <a:t>nodejs</a:t>
+            </a:r>
+            <a:r>
+              <a:rPr lang="en-US" b="0" dirty="0" smtClean="0"/>
+              <a:t> as </a:t>
+            </a:r>
+            <a:r>
+              <a:rPr lang="en-US" b="0" dirty="0"/>
+              <a:t>a platform that could handle many concurrent requests </a:t>
+            </a:r>
+            <a:r>
+              <a:rPr lang="en-US" b="0" dirty="0" smtClean="0"/>
+              <a:t>, </a:t>
+            </a:r>
+            <a:r>
+              <a:rPr lang="en-US" b="0" dirty="0"/>
+              <a:t>without having to invest a lot of time into building infrastructure. </a:t>
+            </a:r>
+            <a:endParaRPr lang="en-US" b="0" dirty="0"/>
+          </a:p>
+          <a:p>
+            <a:pPr marL="285750" indent="-285750">
+              <a:buFont typeface="Arial" panose="020B0604020202020204" pitchFamily="34" charset="0"/>
+              <a:buChar char="•"/>
+            </a:pPr>
+            <a:r>
+              <a:rPr lang="en-US" b="0" dirty="0"/>
+              <a:t>Yahoo! Mail </a:t>
+            </a:r>
+            <a:r>
+              <a:rPr lang="en-US" b="0" dirty="0" smtClean="0"/>
+              <a:t>is now using </a:t>
+            </a:r>
+            <a:r>
+              <a:rPr lang="en-US" b="0" dirty="0" err="1" smtClean="0"/>
+              <a:t>nodejs</a:t>
+            </a:r>
+            <a:endParaRPr lang="en-US" b="0" dirty="0" smtClean="0"/>
+          </a:p>
+          <a:p>
+            <a:pPr marL="285750" indent="-285750">
+              <a:buFont typeface="Arial" panose="020B0604020202020204" pitchFamily="34" charset="0"/>
+              <a:buChar char="•"/>
+            </a:pPr>
+            <a:r>
+              <a:rPr lang="en-US" b="0" dirty="0" smtClean="0"/>
+              <a:t>REF</a:t>
+            </a:r>
+            <a:r>
+              <a:rPr lang="en-US" b="0" dirty="0" smtClean="0"/>
+              <a:t>ERENCE</a:t>
+            </a:r>
+            <a:r>
+              <a:rPr lang="en-US" b="0" dirty="0"/>
+              <a:t>:  </a:t>
+            </a:r>
+            <a:r>
+              <a:rPr lang="en-US" sz="1050" b="0" dirty="0">
+                <a:hlinkClick r:id="rId2"/>
+              </a:rPr>
+              <a:t>http://bostinno.streetwise.co/2011/08/14/who-is-using-node-js-and-why-yammer-bocoup-proxlet-and-yahoo/</a:t>
+            </a:r>
+            <a:endParaRPr lang="en-US" sz="1050" b="0" dirty="0" smtClean="0"/>
+          </a:p>
+          <a:p>
+            <a:pPr marL="285750" indent="-285750">
+              <a:buFont typeface="Arial" panose="020B0604020202020204" pitchFamily="34" charset="0"/>
+              <a:buChar char="•"/>
+            </a:pPr>
+            <a:endParaRPr lang="en-US" dirty="0"/>
+          </a:p>
+        </p:txBody>
+      </p:sp>
+      <p:sp>
+        <p:nvSpPr>
+          <p:cNvPr id="3" name="Title 2"/>
+          <p:cNvSpPr>
+            <a:spLocks noGrp="1"/>
+          </p:cNvSpPr>
+          <p:nvPr>
+            <p:ph type="title"/>
+          </p:nvPr>
+        </p:nvSpPr>
+        <p:spPr/>
+        <p:txBody>
+          <a:bodyPr/>
+          <a:lstStyle/>
+          <a:p>
+            <a:r>
+              <a:rPr lang="en-US" dirty="0">
+                <a:hlinkClick r:id="rId2"/>
+              </a:rPr>
+              <a:t>Who is Using Node.js</a:t>
+            </a:r>
+            <a:endParaRPr lang="en-US" dirty="0"/>
+          </a:p>
+        </p:txBody>
+      </p:sp>
+    </p:spTree>
+    <p:extLst>
+      <p:ext uri="{BB962C8B-B14F-4D97-AF65-F5344CB8AC3E}">
+        <p14:creationId xmlns:p14="http://schemas.microsoft.com/office/powerpoint/2010/main" val="1733050134"/>
+      </p:ext>
+    </p:extLst>
+  </p:cSld>
+  <p:clrMapOvr>
+    <a:masterClrMapping/>
+  </p:clrMapOvr>
+</p:sld>
+</file>
+
+<file path=ppt/slides/slide41.xml><?xml version="1.0" encoding="utf-8"?>
 <p:sld xmlns:a="http://schemas.openxmlformats.org/drawingml/2006/main" xmlns:r="http://schemas.openxmlformats.org/officeDocument/2006/relationships" xmlns:p="http://schemas.openxmlformats.org/presentationml/2006/main">
   <p:cSld>
     <p:spTree>
@@ -19375,7 +22542,7 @@
 </p:sld>
 </file>
 
-<file path=ppt/slides/slide35.xml><?xml version="1.0" encoding="utf-8"?>
+<file path=ppt/slides/slide42.xml><?xml version="1.0" encoding="utf-8"?>
 <p:sld xmlns:a="http://schemas.openxmlformats.org/drawingml/2006/main" xmlns:r="http://schemas.openxmlformats.org/officeDocument/2006/relationships" xmlns:p="http://schemas.openxmlformats.org/presentationml/2006/main">
   <p:cSld>
     <p:spTree>
@@ -19592,7 +22759,7 @@
 </p:sld>
 </file>
 
-<file path=ppt/slides/slide36.xml><?xml version="1.0" encoding="utf-8"?>
+<file path=ppt/slides/slide43.xml><?xml version="1.0" encoding="utf-8"?>
 <p:sld xmlns:a="http://schemas.openxmlformats.org/drawingml/2006/main" xmlns:r="http://schemas.openxmlformats.org/officeDocument/2006/relationships" xmlns:p="http://schemas.openxmlformats.org/presentationml/2006/main">
   <p:cSld>
     <p:spTree>
@@ -19635,11 +22802,7 @@
             </a:pPr>
             <a:r>
               <a:rPr lang="en-US" dirty="0" smtClean="0"/>
-              <a:t>Use jasmine to test backbone </a:t>
-            </a:r>
-            <a:r>
-              <a:rPr lang="en-US" dirty="0" smtClean="0"/>
-              <a:t>projects: </a:t>
+              <a:t>Use jasmine to test backbone projects: </a:t>
             </a:r>
             <a:r>
               <a:rPr lang="en-US" dirty="0" smtClean="0">
@@ -19778,7 +22941,7 @@
 </p:sld>
 </file>
 
-<file path=ppt/slides/slide37.xml><?xml version="1.0" encoding="utf-8"?>
+<file path=ppt/slides/slide44.xml><?xml version="1.0" encoding="utf-8"?>
 <p:sld xmlns:a="http://schemas.openxmlformats.org/drawingml/2006/main" xmlns:r="http://schemas.openxmlformats.org/officeDocument/2006/relationships" xmlns:p="http://schemas.openxmlformats.org/presentationml/2006/main">
   <p:cSld>
     <p:spTree>
@@ -19833,19 +22996,7 @@
             </a:r>
             <a:r>
               <a:rPr lang="en-US" dirty="0" smtClean="0"/>
-              <a:t>projects using </a:t>
-            </a:r>
-            <a:r>
-              <a:rPr lang="en-US" dirty="0" smtClean="0"/>
-              <a:t>node ‘should’ </a:t>
-            </a:r>
-            <a:r>
-              <a:rPr lang="en-US" dirty="0" smtClean="0"/>
-              <a:t>module</a:t>
-            </a:r>
-            <a:r>
-              <a:rPr lang="en-US" dirty="0" smtClean="0"/>
-              <a:t>: </a:t>
+              <a:t>projects using node ‘should’ module: </a:t>
             </a:r>
             <a:r>
               <a:rPr lang="en-US" dirty="0" smtClean="0">
@@ -19977,37 +23128,7 @@
                   </a:outerShdw>
                 </a:effectLst>
               </a:rPr>
-              <a:t> Should mod </a:t>
-            </a:r>
-            <a:r>
-              <a:rPr lang="en-US" sz="1400" b="1" dirty="0" smtClean="0">
-                <a:solidFill>
-                  <a:srgbClr val="C00000"/>
-                </a:solidFill>
-                <a:effectLst>
-                  <a:outerShdw blurRad="38100" dist="38100" dir="2700000" algn="tl">
-                    <a:srgbClr val="000000">
-                      <a:alpha val="43137"/>
-                    </a:srgbClr>
-                  </a:outerShdw>
-                </a:effectLst>
-              </a:rPr>
-              <a:t>is </a:t>
-            </a:r>
-            <a:r>
-              <a:rPr lang="en-US" sz="1400" b="1" dirty="0" smtClean="0">
-                <a:solidFill>
-                  <a:srgbClr val="C00000"/>
-                </a:solidFill>
-                <a:effectLst>
-                  <a:outerShdw blurRad="38100" dist="38100" dir="2700000" algn="tl">
-                    <a:srgbClr val="000000">
-                      <a:alpha val="43137"/>
-                    </a:srgbClr>
-                  </a:outerShdw>
-                </a:effectLst>
-              </a:rPr>
-              <a:t>similar to jasmine</a:t>
+              <a:t> Should mod is similar to jasmine</a:t>
             </a:r>
             <a:endParaRPr lang="en-US" sz="1400" b="1" dirty="0">
               <a:solidFill>
@@ -20044,7 +23165,7 @@
 </p:sld>
 </file>
 
-<file path=ppt/slides/slide38.xml><?xml version="1.0" encoding="utf-8"?>
+<file path=ppt/slides/slide45.xml><?xml version="1.0" encoding="utf-8"?>
 <p:sld xmlns:a="http://schemas.openxmlformats.org/drawingml/2006/main" xmlns:r="http://schemas.openxmlformats.org/officeDocument/2006/relationships" xmlns:p="http://schemas.openxmlformats.org/presentationml/2006/main">
   <p:cSld>
     <p:spTree>
@@ -20463,319 +23584,6 @@
 </p:sld>
 </file>
 
-<file path=ppt/slides/slide4.xml><?xml version="1.0" encoding="utf-8"?>
-<p:sld xmlns:a="http://schemas.openxmlformats.org/drawingml/2006/main" xmlns:r="http://schemas.openxmlformats.org/officeDocument/2006/relationships" xmlns:p="http://schemas.openxmlformats.org/presentationml/2006/main">
-  <p:cSld>
-    <p:spTree>
-      <p:nvGrpSpPr>
-        <p:cNvPr id="1" name=""/>
-        <p:cNvGrpSpPr/>
-        <p:nvPr/>
-      </p:nvGrpSpPr>
-      <p:grpSpPr>
-        <a:xfrm>
-          <a:off x="0" y="0"/>
-          <a:ext cx="0" cy="0"/>
-          <a:chOff x="0" y="0"/>
-          <a:chExt cx="0" cy="0"/>
-        </a:xfrm>
-      </p:grpSpPr>
-      <p:pic>
-        <p:nvPicPr>
-          <p:cNvPr id="5" name="Content Placeholder 4"/>
-          <p:cNvPicPr>
-            <a:picLocks noGrp="1" noChangeAspect="1"/>
-          </p:cNvPicPr>
-          <p:nvPr>
-            <p:ph sz="quarter" idx="10"/>
-          </p:nvPr>
-        </p:nvPicPr>
-        <p:blipFill>
-          <a:blip r:embed="rId2">
-            <a:extLst>
-              <a:ext uri="{BEBA8EAE-BF5A-486C-A8C5-ECC9F3942E4B}">
-                <a14:imgProps xmlns:a14="http://schemas.microsoft.com/office/drawing/2010/main">
-                  <a14:imgLayer r:embed="rId3">
-                    <a14:imgEffect>
-                      <a14:sharpenSoften amount="67000"/>
-                    </a14:imgEffect>
-                    <a14:imgEffect>
-                      <a14:brightnessContrast bright="18000"/>
-                    </a14:imgEffect>
-                  </a14:imgLayer>
-                </a14:imgProps>
-              </a:ext>
-              <a:ext uri="{28A0092B-C50C-407E-A947-70E740481C1C}">
-                <a14:useLocalDpi xmlns:a14="http://schemas.microsoft.com/office/drawing/2010/main" val="0"/>
-              </a:ext>
-            </a:extLst>
-          </a:blip>
-          <a:stretch>
-            <a:fillRect/>
-          </a:stretch>
-        </p:blipFill>
-        <p:spPr>
-          <a:xfrm>
-            <a:off x="3079072" y="1556792"/>
-            <a:ext cx="5007975" cy="1965291"/>
-          </a:xfrm>
-          <a:effectLst>
-            <a:outerShdw blurRad="50800" dist="50800" dir="5400000" algn="ctr" rotWithShape="0">
-              <a:srgbClr val="000000">
-                <a:alpha val="68000"/>
-              </a:srgbClr>
-            </a:outerShdw>
-          </a:effectLst>
-          <a:scene3d>
-            <a:camera prst="orthographicFront"/>
-            <a:lightRig rig="threePt" dir="t"/>
-          </a:scene3d>
-          <a:sp3d>
-            <a:bevelB w="114300" prst="artDeco"/>
-          </a:sp3d>
-        </p:spPr>
-      </p:pic>
-      <p:sp>
-        <p:nvSpPr>
-          <p:cNvPr id="3" name="Title 2"/>
-          <p:cNvSpPr>
-            <a:spLocks noGrp="1"/>
-          </p:cNvSpPr>
-          <p:nvPr>
-            <p:ph type="title"/>
-          </p:nvPr>
-        </p:nvSpPr>
-        <p:spPr/>
-        <p:txBody>
-          <a:bodyPr/>
-          <a:lstStyle/>
-          <a:p>
-            <a:r>
-              <a:rPr lang="en-US" dirty="0" smtClean="0"/>
-              <a:t>Install and use</a:t>
-            </a:r>
-            <a:endParaRPr lang="en-US" dirty="0"/>
-          </a:p>
-        </p:txBody>
-      </p:sp>
-      <p:pic>
-        <p:nvPicPr>
-          <p:cNvPr id="6" name="Picture 5"/>
-          <p:cNvPicPr>
-            <a:picLocks noChangeAspect="1"/>
-          </p:cNvPicPr>
-          <p:nvPr/>
-        </p:nvPicPr>
-        <p:blipFill>
-          <a:blip r:embed="rId4">
-            <a:extLst>
-              <a:ext uri="{28A0092B-C50C-407E-A947-70E740481C1C}">
-                <a14:useLocalDpi xmlns:a14="http://schemas.microsoft.com/office/drawing/2010/main" val="0"/>
-              </a:ext>
-            </a:extLst>
-          </a:blip>
-          <a:stretch>
-            <a:fillRect/>
-          </a:stretch>
-        </p:blipFill>
-        <p:spPr>
-          <a:xfrm>
-            <a:off x="611560" y="1894984"/>
-            <a:ext cx="1866900" cy="447675"/>
-          </a:xfrm>
-          <a:prstGeom prst="rect">
-            <a:avLst/>
-          </a:prstGeom>
-        </p:spPr>
-      </p:pic>
-      <p:pic>
-        <p:nvPicPr>
-          <p:cNvPr id="4098" name="Picture 2"/>
-          <p:cNvPicPr>
-            <a:picLocks noChangeAspect="1" noChangeArrowheads="1"/>
-          </p:cNvPicPr>
-          <p:nvPr/>
-        </p:nvPicPr>
-        <p:blipFill>
-          <a:blip r:embed="rId5">
-            <a:extLst>
-              <a:ext uri="{28A0092B-C50C-407E-A947-70E740481C1C}">
-                <a14:useLocalDpi xmlns:a14="http://schemas.microsoft.com/office/drawing/2010/main" val="0"/>
-              </a:ext>
-            </a:extLst>
-          </a:blip>
-          <a:srcRect/>
-          <a:stretch>
-            <a:fillRect/>
-          </a:stretch>
-        </p:blipFill>
-        <p:spPr bwMode="auto">
-          <a:xfrm>
-            <a:off x="1835696" y="4149080"/>
-            <a:ext cx="3120264" cy="1868215"/>
-          </a:xfrm>
-          <a:prstGeom prst="rect">
-            <a:avLst/>
-          </a:prstGeom>
-          <a:noFill/>
-          <a:ln>
-            <a:noFill/>
-          </a:ln>
-          <a:effectLst/>
-          <a:extLst>
-            <a:ext uri="{909E8E84-426E-40DD-AFC4-6F175D3DCCD1}">
-              <a14:hiddenFill xmlns:a14="http://schemas.microsoft.com/office/drawing/2010/main">
-                <a:solidFill>
-                  <a:schemeClr val="accent1"/>
-                </a:solidFill>
-              </a14:hiddenFill>
-            </a:ext>
-            <a:ext uri="{91240B29-F687-4F45-9708-019B960494DF}">
-              <a14:hiddenLine xmlns:a14="http://schemas.microsoft.com/office/drawing/2010/main" w="9525">
-                <a:solidFill>
-                  <a:schemeClr val="tx1"/>
-                </a:solidFill>
-                <a:miter lim="800000"/>
-                <a:headEnd/>
-                <a:tailEnd/>
-              </a14:hiddenLine>
-            </a:ext>
-            <a:ext uri="{AF507438-7753-43E0-B8FC-AC1667EBCBE1}">
-              <a14:hiddenEffects xmlns:a14="http://schemas.microsoft.com/office/drawing/2010/main">
-                <a:effectLst>
-                  <a:outerShdw dist="35921" dir="2700000" algn="ctr" rotWithShape="0">
-                    <a:schemeClr val="bg2"/>
-                  </a:outerShdw>
-                </a:effectLst>
-              </a14:hiddenEffects>
-            </a:ext>
-          </a:extLst>
-        </p:spPr>
-      </p:pic>
-      <p:sp>
-        <p:nvSpPr>
-          <p:cNvPr id="8" name="Right Arrow 7"/>
-          <p:cNvSpPr/>
-          <p:nvPr/>
-        </p:nvSpPr>
-        <p:spPr>
-          <a:xfrm>
-            <a:off x="1403648" y="2390633"/>
-            <a:ext cx="1532356" cy="936104"/>
-          </a:xfrm>
-          <a:prstGeom prst="rightArrow">
-            <a:avLst/>
-          </a:prstGeom>
-        </p:spPr>
-        <p:style>
-          <a:lnRef idx="2">
-            <a:schemeClr val="accent1">
-              <a:shade val="50000"/>
-            </a:schemeClr>
-          </a:lnRef>
-          <a:fillRef idx="1">
-            <a:schemeClr val="accent1"/>
-          </a:fillRef>
-          <a:effectRef idx="0">
-            <a:schemeClr val="accent1"/>
-          </a:effectRef>
-          <a:fontRef idx="minor">
-            <a:schemeClr val="lt1"/>
-          </a:fontRef>
-        </p:style>
-        <p:txBody>
-          <a:bodyPr rtlCol="0" anchor="ctr"/>
-          <a:lstStyle/>
-          <a:p>
-            <a:pPr algn="ctr"/>
-            <a:r>
-              <a:rPr lang="en-US" b="1" dirty="0" smtClean="0">
-                <a:solidFill>
-                  <a:srgbClr val="FF6600"/>
-                </a:solidFill>
-              </a:rPr>
-              <a:t>install</a:t>
-            </a:r>
-            <a:endParaRPr lang="en-US" b="1" dirty="0">
-              <a:solidFill>
-                <a:srgbClr val="FF6600"/>
-              </a:solidFill>
-            </a:endParaRPr>
-          </a:p>
-        </p:txBody>
-      </p:sp>
-      <p:sp>
-        <p:nvSpPr>
-          <p:cNvPr id="11" name="Right Arrow 10"/>
-          <p:cNvSpPr/>
-          <p:nvPr/>
-        </p:nvSpPr>
-        <p:spPr>
-          <a:xfrm rot="16200000" flipH="1">
-            <a:off x="4657834" y="3943150"/>
-            <a:ext cx="1532356" cy="936104"/>
-          </a:xfrm>
-          <a:prstGeom prst="rightArrow">
-            <a:avLst/>
-          </a:prstGeom>
-        </p:spPr>
-        <p:style>
-          <a:lnRef idx="2">
-            <a:schemeClr val="accent1">
-              <a:shade val="50000"/>
-            </a:schemeClr>
-          </a:lnRef>
-          <a:fillRef idx="1">
-            <a:schemeClr val="accent1"/>
-          </a:fillRef>
-          <a:effectRef idx="0">
-            <a:schemeClr val="accent1"/>
-          </a:effectRef>
-          <a:fontRef idx="minor">
-            <a:schemeClr val="lt1"/>
-          </a:fontRef>
-        </p:style>
-        <p:txBody>
-          <a:bodyPr rtlCol="0" anchor="ctr"/>
-          <a:lstStyle/>
-          <a:p>
-            <a:pPr algn="ctr"/>
-            <a:r>
-              <a:rPr lang="en-US" b="1" dirty="0" smtClean="0">
-                <a:solidFill>
-                  <a:srgbClr val="FF6600"/>
-                </a:solidFill>
-              </a:rPr>
-              <a:t>use</a:t>
-            </a:r>
-            <a:endParaRPr lang="en-US" b="1" dirty="0">
-              <a:solidFill>
-                <a:srgbClr val="FF6600"/>
-              </a:solidFill>
-            </a:endParaRPr>
-          </a:p>
-        </p:txBody>
-      </p:sp>
-    </p:spTree>
-    <p:extLst>
-      <p:ext uri="{BB962C8B-B14F-4D97-AF65-F5344CB8AC3E}">
-        <p14:creationId xmlns:p14="http://schemas.microsoft.com/office/powerpoint/2010/main" val="474435924"/>
-      </p:ext>
-    </p:extLst>
-  </p:cSld>
-  <p:clrMapOvr>
-    <a:masterClrMapping/>
-  </p:clrMapOvr>
-  <p:timing>
-    <p:tnLst>
-      <p:par>
-        <p:cTn id="1" dur="indefinite" restart="never" nodeType="tmRoot"/>
-      </p:par>
-    </p:tnLst>
-  </p:timing>
-</p:sld>
-</file>
-
 <file path=ppt/slides/slide5.xml><?xml version="1.0" encoding="utf-8"?>
 <p:sld xmlns:a="http://schemas.openxmlformats.org/drawingml/2006/main" xmlns:r="http://schemas.openxmlformats.org/officeDocument/2006/relationships" xmlns:p="http://schemas.openxmlformats.org/presentationml/2006/main">
   <p:cSld>
@@ -21041,16 +23849,7 @@
                 </a:solidFill>
                 <a:ea typeface="宋体"/>
               </a:rPr>
-              <a:t> install </a:t>
-            </a:r>
-            <a:r>
-              <a:rPr lang="en-US" sz="1400" b="1" dirty="0" smtClean="0">
-                <a:solidFill>
-                  <a:schemeClr val="tx1"/>
-                </a:solidFill>
-                <a:ea typeface="宋体"/>
-              </a:rPr>
-              <a:t>[-g] </a:t>
+              <a:t> install [-g] </a:t>
             </a:r>
             <a:r>
               <a:rPr lang="en-US" sz="1400" b="1" dirty="0" err="1" smtClean="0">
@@ -21097,15 +23896,6 @@
               </a:rPr>
               <a:t> path</a:t>
             </a:r>
-            <a:endParaRPr lang="en-US" sz="1400" b="1" dirty="0" smtClean="0">
-              <a:solidFill>
-                <a:schemeClr val="accent1">
-                  <a:lumMod val="60000"/>
-                  <a:lumOff val="40000"/>
-                </a:schemeClr>
-              </a:solidFill>
-              <a:ea typeface="宋体"/>
-            </a:endParaRPr>
           </a:p>
           <a:p>
             <a:pPr marL="0" lvl="8"/>
@@ -21920,7 +24710,7 @@
                 <a:latin typeface="Arial" panose="020B0604020202020204" pitchFamily="34" charset="0"/>
                 <a:cs typeface="Arial" panose="020B0604020202020204" pitchFamily="34" charset="0"/>
               </a:rPr>
-              <a:t>Non-blocking</a:t>
+              <a:t>Single-process</a:t>
             </a:r>
           </a:p>
           <a:p>
@@ -21928,13 +24718,33 @@
               <a:buFont typeface="Arial" panose="020B0604020202020204" pitchFamily="34" charset="0"/>
               <a:buChar char="•"/>
             </a:pPr>
-            <a:endParaRPr lang="en-US" b="1" dirty="0" smtClean="0">
+            <a:r>
+              <a:rPr lang="en-US" b="1" dirty="0" smtClean="0">
+                <a:latin typeface="Arial" panose="020B0604020202020204" pitchFamily="34" charset="0"/>
+                <a:cs typeface="Arial" panose="020B0604020202020204" pitchFamily="34" charset="0"/>
+              </a:rPr>
+              <a:t>Non-blocking:</a:t>
+            </a:r>
+          </a:p>
+          <a:p>
+            <a:pPr marL="522900" lvl="2" indent="-342900">
+              <a:buFont typeface="Arial" panose="020B0604020202020204" pitchFamily="34" charset="0"/>
+              <a:buChar char="•"/>
+            </a:pPr>
+            <a:r>
+              <a:rPr lang="en-US" b="1" dirty="0" smtClean="0">
+                <a:latin typeface="Arial" panose="020B0604020202020204" pitchFamily="34" charset="0"/>
+                <a:cs typeface="Arial" panose="020B0604020202020204" pitchFamily="34" charset="0"/>
+              </a:rPr>
+              <a:t>Asynchronous(Event-driven)</a:t>
+            </a:r>
+            <a:endParaRPr lang="en-US" dirty="0">
               <a:latin typeface="Arial" panose="020B0604020202020204" pitchFamily="34" charset="0"/>
               <a:cs typeface="Arial" panose="020B0604020202020204" pitchFamily="34" charset="0"/>
             </a:endParaRPr>
           </a:p>
           <a:p>
-            <a:pPr marL="342900" indent="-342900" algn="l">
+            <a:pPr marL="522900" lvl="2" indent="-342900">
               <a:buFont typeface="Arial" panose="020B0604020202020204" pitchFamily="34" charset="0"/>
               <a:buChar char="•"/>
             </a:pPr>
@@ -21943,51 +24753,11 @@
                 <a:latin typeface="Arial" panose="020B0604020202020204" pitchFamily="34" charset="0"/>
                 <a:cs typeface="Arial" panose="020B0604020202020204" pitchFamily="34" charset="0"/>
               </a:rPr>
-              <a:t>Single-thread</a:t>
-            </a:r>
-          </a:p>
-          <a:p>
-            <a:pPr marL="342900" lvl="3" indent="-342900" algn="l">
-              <a:buFont typeface="Arial" panose="020B0604020202020204" pitchFamily="34" charset="0"/>
-              <a:buChar char="•"/>
-            </a:pPr>
-            <a:r>
-              <a:rPr lang="en-US" b="1" dirty="0" smtClean="0">
-                <a:latin typeface="Arial" panose="020B0604020202020204" pitchFamily="34" charset="0"/>
-                <a:cs typeface="Arial" panose="020B0604020202020204" pitchFamily="34" charset="0"/>
-              </a:rPr>
-              <a:t>Single </a:t>
-            </a:r>
-            <a:r>
-              <a:rPr lang="en-US" b="1" dirty="0" err="1" smtClean="0">
-                <a:latin typeface="Arial" panose="020B0604020202020204" pitchFamily="34" charset="0"/>
-                <a:cs typeface="Arial" panose="020B0604020202020204" pitchFamily="34" charset="0"/>
-              </a:rPr>
-              <a:t>Nodejs</a:t>
-            </a:r>
-            <a:r>
-              <a:rPr lang="en-US" b="1" dirty="0" smtClean="0">
-                <a:latin typeface="Arial" panose="020B0604020202020204" pitchFamily="34" charset="0"/>
-                <a:cs typeface="Arial" panose="020B0604020202020204" pitchFamily="34" charset="0"/>
-              </a:rPr>
-              <a:t> thread running</a:t>
-            </a:r>
-          </a:p>
-          <a:p>
-            <a:pPr marL="342900" lvl="3" indent="-342900" algn="l">
-              <a:buFont typeface="Arial" panose="020B0604020202020204" pitchFamily="34" charset="0"/>
-              <a:buChar char="•"/>
-            </a:pPr>
-            <a:r>
-              <a:rPr lang="en-US" b="1" dirty="0" smtClean="0">
-                <a:latin typeface="Arial" panose="020B0604020202020204" pitchFamily="34" charset="0"/>
-                <a:cs typeface="Arial" panose="020B0604020202020204" pitchFamily="34" charset="0"/>
-              </a:rPr>
-              <a:t>No locks \thread synchronization</a:t>
-            </a:r>
-          </a:p>
-          <a:p>
-            <a:pPr marL="342900" lvl="3" indent="-342900" algn="l">
+              <a:t>No locks </a:t>
+            </a:r>
+          </a:p>
+          <a:p>
+            <a:pPr marL="342900" lvl="1" indent="-342900">
               <a:buFont typeface="Arial" panose="020B0604020202020204" pitchFamily="34" charset="0"/>
               <a:buChar char="•"/>
             </a:pPr>
@@ -22008,19 +24778,6 @@
               <a:latin typeface="Arial" panose="020B0604020202020204" pitchFamily="34" charset="0"/>
               <a:cs typeface="Arial" panose="020B0604020202020204" pitchFamily="34" charset="0"/>
             </a:endParaRPr>
-          </a:p>
-          <a:p>
-            <a:pPr marL="342900" indent="-342900" algn="l">
-              <a:buFont typeface="Arial" panose="020B0604020202020204" pitchFamily="34" charset="0"/>
-              <a:buChar char="•"/>
-            </a:pPr>
-            <a:r>
-              <a:rPr lang="en-US" b="1" dirty="0" smtClean="0">
-                <a:latin typeface="Arial" panose="020B0604020202020204" pitchFamily="34" charset="0"/>
-                <a:cs typeface="Arial" panose="020B0604020202020204" pitchFamily="34" charset="0"/>
-              </a:rPr>
-              <a:t>Event-driven</a:t>
-            </a:r>
           </a:p>
         </p:txBody>
       </p:sp>
@@ -22044,41 +24801,562 @@
               <a:t>2 </a:t>
             </a:r>
             <a:r>
-              <a:rPr lang="en-US" dirty="0" err="1" smtClean="0"/>
+              <a:rPr lang="en-US" dirty="0" err="1" smtClean="0">
+                <a:hlinkClick r:id="rId2"/>
+              </a:rPr>
               <a:t>NodeJS</a:t>
             </a:r>
             <a:r>
-              <a:rPr lang="en-US" dirty="0" smtClean="0"/>
+              <a:rPr lang="en-US" dirty="0" smtClean="0">
+                <a:hlinkClick r:id="rId2"/>
+              </a:rPr>
               <a:t> Features</a:t>
             </a:r>
             <a:endParaRPr lang="en-US" dirty="0"/>
+          </a:p>
+        </p:txBody>
+      </p:sp>
+      <p:grpSp>
+        <p:nvGrpSpPr>
+          <p:cNvPr id="9" name="Group 8"/>
+          <p:cNvGrpSpPr/>
+          <p:nvPr/>
+        </p:nvGrpSpPr>
+        <p:grpSpPr>
+          <a:xfrm>
+            <a:off x="5317367" y="2081027"/>
+            <a:ext cx="3433045" cy="2405391"/>
+            <a:chOff x="4788023" y="1942528"/>
+            <a:chExt cx="3433045" cy="2405391"/>
+          </a:xfrm>
+        </p:grpSpPr>
+        <p:sp>
+          <p:nvSpPr>
+            <p:cNvPr id="6" name="object 6"/>
+            <p:cNvSpPr/>
+            <p:nvPr/>
+          </p:nvSpPr>
+          <p:spPr>
+            <a:xfrm>
+              <a:off x="4788024" y="1942528"/>
+              <a:ext cx="3073005" cy="910408"/>
+            </a:xfrm>
+            <a:prstGeom prst="rect">
+              <a:avLst/>
+            </a:prstGeom>
+            <a:solidFill>
+              <a:schemeClr val="tx1">
+                <a:lumMod val="75000"/>
+              </a:schemeClr>
+            </a:solidFill>
+            <a:ln>
+              <a:noFill/>
+            </a:ln>
+            <a:effectLst/>
+            <a:extLst>
+              <a:ext uri="{91240B29-F687-4F45-9708-019B960494DF}">
+                <a14:hiddenLine xmlns:a14="http://schemas.microsoft.com/office/drawing/2010/main" w="9525">
+                  <a:solidFill>
+                    <a:schemeClr val="tx1"/>
+                  </a:solidFill>
+                  <a:miter lim="800000"/>
+                  <a:headEnd/>
+                  <a:tailEnd/>
+                </a14:hiddenLine>
+              </a:ext>
+              <a:ext uri="{AF507438-7753-43E0-B8FC-AC1667EBCBE1}">
+                <a14:hiddenEffects xmlns:a14="http://schemas.microsoft.com/office/drawing/2010/main">
+                  <a:effectLst>
+                    <a:outerShdw dist="35921" dir="2700000" algn="ctr" rotWithShape="0">
+                      <a:schemeClr val="bg2"/>
+                    </a:outerShdw>
+                  </a:effectLst>
+                </a14:hiddenEffects>
+              </a:ext>
+            </a:extLst>
+          </p:spPr>
+          <p:txBody>
+            <a:bodyPr vert="horz" wrap="square" lIns="91440" tIns="45720" rIns="91440" bIns="45720" numCol="1" anchor="t" anchorCtr="0" compatLnSpc="1">
+              <a:prstTxWarp prst="textNoShape">
+                <a:avLst/>
+              </a:prstTxWarp>
+              <a:noAutofit/>
+            </a:bodyPr>
+            <a:lstStyle/>
+            <a:p>
+              <a:pPr marL="342900" indent="-342900" fontAlgn="base">
+                <a:spcBef>
+                  <a:spcPct val="20000"/>
+                </a:spcBef>
+                <a:spcAft>
+                  <a:spcPct val="0"/>
+                </a:spcAft>
+                <a:buClr>
+                  <a:schemeClr val="hlink"/>
+                </a:buClr>
+                <a:buFont typeface="Wingdings" pitchFamily="2" charset="2"/>
+                <a:buChar char="v"/>
+              </a:pPr>
+              <a:r>
+                <a:rPr lang="en-US" sz="1400" b="1" dirty="0" smtClean="0">
+                  <a:solidFill>
+                    <a:schemeClr val="bg1"/>
+                  </a:solidFill>
+                  <a:latin typeface="宋体"/>
+                  <a:ea typeface="宋体"/>
+                </a:rPr>
+                <a:t>echo 'hello';</a:t>
+              </a:r>
+            </a:p>
+            <a:p>
+              <a:pPr marL="342900" indent="-342900" fontAlgn="base">
+                <a:spcBef>
+                  <a:spcPct val="20000"/>
+                </a:spcBef>
+                <a:spcAft>
+                  <a:spcPct val="0"/>
+                </a:spcAft>
+                <a:buClr>
+                  <a:schemeClr val="hlink"/>
+                </a:buClr>
+                <a:buFont typeface="Wingdings" pitchFamily="2" charset="2"/>
+                <a:buChar char="v"/>
+              </a:pPr>
+              <a:r>
+                <a:rPr lang="en-US" sz="1400" b="1" dirty="0" smtClean="0">
+                  <a:solidFill>
+                    <a:srgbClr val="FFC000"/>
+                  </a:solidFill>
+                  <a:latin typeface="宋体"/>
+                  <a:ea typeface="宋体"/>
+                </a:rPr>
+                <a:t>sleep(1</a:t>
+              </a:r>
+              <a:r>
+                <a:rPr lang="en-US" sz="1400" b="1" dirty="0">
+                  <a:solidFill>
+                    <a:srgbClr val="FFC000"/>
+                  </a:solidFill>
+                  <a:latin typeface="宋体"/>
+                  <a:ea typeface="宋体"/>
+                </a:rPr>
+                <a:t>);</a:t>
+              </a:r>
+            </a:p>
+            <a:p>
+              <a:pPr marL="342900" indent="-342900" fontAlgn="base">
+                <a:spcBef>
+                  <a:spcPct val="20000"/>
+                </a:spcBef>
+                <a:spcAft>
+                  <a:spcPct val="0"/>
+                </a:spcAft>
+                <a:buClr>
+                  <a:schemeClr val="hlink"/>
+                </a:buClr>
+                <a:buFont typeface="Wingdings" pitchFamily="2" charset="2"/>
+                <a:buChar char="v"/>
+              </a:pPr>
+              <a:r>
+                <a:rPr lang="en-US" sz="1400" b="1" dirty="0" smtClean="0">
+                  <a:solidFill>
+                    <a:schemeClr val="bg1"/>
+                  </a:solidFill>
+                  <a:latin typeface="宋体"/>
+                  <a:ea typeface="宋体"/>
+                </a:rPr>
+                <a:t>echo </a:t>
+              </a:r>
+              <a:r>
+                <a:rPr lang="en-US" sz="1400" b="1" dirty="0">
+                  <a:solidFill>
+                    <a:schemeClr val="bg1"/>
+                  </a:solidFill>
+                  <a:latin typeface="宋体"/>
+                  <a:ea typeface="宋体"/>
+                </a:rPr>
+                <a:t>'world';</a:t>
+              </a:r>
+            </a:p>
+          </p:txBody>
+        </p:sp>
+        <p:sp>
+          <p:nvSpPr>
+            <p:cNvPr id="7" name="object 6"/>
+            <p:cNvSpPr/>
+            <p:nvPr/>
+          </p:nvSpPr>
+          <p:spPr>
+            <a:xfrm>
+              <a:off x="5148063" y="3140968"/>
+              <a:ext cx="3073005" cy="1206951"/>
+            </a:xfrm>
+            <a:prstGeom prst="rect">
+              <a:avLst/>
+            </a:prstGeom>
+            <a:solidFill>
+              <a:schemeClr val="tx1">
+                <a:lumMod val="75000"/>
+              </a:schemeClr>
+            </a:solidFill>
+            <a:ln>
+              <a:noFill/>
+            </a:ln>
+            <a:effectLst/>
+            <a:extLst>
+              <a:ext uri="{91240B29-F687-4F45-9708-019B960494DF}">
+                <a14:hiddenLine xmlns:a14="http://schemas.microsoft.com/office/drawing/2010/main" w="9525">
+                  <a:solidFill>
+                    <a:schemeClr val="tx1"/>
+                  </a:solidFill>
+                  <a:miter lim="800000"/>
+                  <a:headEnd/>
+                  <a:tailEnd/>
+                </a14:hiddenLine>
+              </a:ext>
+              <a:ext uri="{AF507438-7753-43E0-B8FC-AC1667EBCBE1}">
+                <a14:hiddenEffects xmlns:a14="http://schemas.microsoft.com/office/drawing/2010/main">
+                  <a:effectLst>
+                    <a:outerShdw dist="35921" dir="2700000" algn="ctr" rotWithShape="0">
+                      <a:schemeClr val="bg2"/>
+                    </a:outerShdw>
+                  </a:effectLst>
+                </a14:hiddenEffects>
+              </a:ext>
+            </a:extLst>
+          </p:spPr>
+          <p:txBody>
+            <a:bodyPr vert="horz" wrap="square" lIns="91440" tIns="45720" rIns="91440" bIns="45720" numCol="1" anchor="t" anchorCtr="0" compatLnSpc="1">
+              <a:prstTxWarp prst="textNoShape">
+                <a:avLst/>
+              </a:prstTxWarp>
+              <a:noAutofit/>
+            </a:bodyPr>
+            <a:lstStyle/>
+            <a:p>
+              <a:pPr marL="342900" indent="-342900" fontAlgn="base">
+                <a:spcBef>
+                  <a:spcPct val="20000"/>
+                </a:spcBef>
+                <a:spcAft>
+                  <a:spcPct val="0"/>
+                </a:spcAft>
+                <a:buClr>
+                  <a:schemeClr val="hlink"/>
+                </a:buClr>
+                <a:buFont typeface="Wingdings" pitchFamily="2" charset="2"/>
+                <a:buChar char="v"/>
+              </a:pPr>
+              <a:r>
+                <a:rPr lang="en-US" sz="1400" b="1" dirty="0" err="1" smtClean="0">
+                  <a:solidFill>
+                    <a:srgbClr val="FFC000"/>
+                  </a:solidFill>
+                  <a:latin typeface="宋体"/>
+                  <a:ea typeface="宋体"/>
+                </a:rPr>
+                <a:t>setTimeout</a:t>
+              </a:r>
+              <a:r>
+                <a:rPr lang="en-US" sz="1400" b="1" dirty="0" smtClean="0">
+                  <a:solidFill>
+                    <a:schemeClr val="bg1"/>
+                  </a:solidFill>
+                  <a:latin typeface="宋体"/>
+                  <a:ea typeface="宋体"/>
+                </a:rPr>
+                <a:t>(function</a:t>
+              </a:r>
+              <a:r>
+                <a:rPr lang="en-US" sz="1400" b="1" dirty="0">
+                  <a:solidFill>
+                    <a:schemeClr val="bg1"/>
+                  </a:solidFill>
+                  <a:latin typeface="宋体"/>
+                  <a:ea typeface="宋体"/>
+                </a:rPr>
+                <a:t>(){           console.log('world');</a:t>
+              </a:r>
+            </a:p>
+            <a:p>
+              <a:pPr marL="342900" indent="-342900" fontAlgn="base">
+                <a:spcBef>
+                  <a:spcPct val="20000"/>
+                </a:spcBef>
+                <a:spcAft>
+                  <a:spcPct val="0"/>
+                </a:spcAft>
+                <a:buClr>
+                  <a:schemeClr val="hlink"/>
+                </a:buClr>
+                <a:buFont typeface="Wingdings" pitchFamily="2" charset="2"/>
+                <a:buChar char="v"/>
+              </a:pPr>
+              <a:r>
+                <a:rPr lang="en-US" sz="1400" b="1" dirty="0">
+                  <a:solidFill>
+                    <a:schemeClr val="bg1"/>
+                  </a:solidFill>
+                  <a:latin typeface="宋体"/>
+                  <a:ea typeface="宋体"/>
+                </a:rPr>
+                <a:t>}, 1000);</a:t>
+              </a:r>
+            </a:p>
+            <a:p>
+              <a:pPr marL="342900" indent="-342900" fontAlgn="base">
+                <a:spcBef>
+                  <a:spcPct val="20000"/>
+                </a:spcBef>
+                <a:spcAft>
+                  <a:spcPct val="0"/>
+                </a:spcAft>
+                <a:buClr>
+                  <a:schemeClr val="hlink"/>
+                </a:buClr>
+                <a:buFont typeface="Wingdings" pitchFamily="2" charset="2"/>
+                <a:buChar char="v"/>
+              </a:pPr>
+              <a:r>
+                <a:rPr lang="en-US" sz="1400" b="1" dirty="0">
+                  <a:solidFill>
+                    <a:schemeClr val="bg1"/>
+                  </a:solidFill>
+                  <a:latin typeface="宋体"/>
+                  <a:ea typeface="宋体"/>
+                </a:rPr>
+                <a:t> </a:t>
+              </a:r>
+              <a:r>
+                <a:rPr lang="en-US" sz="1400" b="1" dirty="0" smtClean="0">
+                  <a:solidFill>
+                    <a:schemeClr val="bg1"/>
+                  </a:solidFill>
+                  <a:latin typeface="宋体"/>
+                  <a:ea typeface="宋体"/>
+                </a:rPr>
+                <a:t>console.log</a:t>
+              </a:r>
+              <a:r>
+                <a:rPr lang="en-US" sz="1400" b="1" dirty="0">
+                  <a:solidFill>
+                    <a:schemeClr val="bg1"/>
+                  </a:solidFill>
+                  <a:latin typeface="宋体"/>
+                  <a:ea typeface="宋体"/>
+                </a:rPr>
+                <a:t>('hello');</a:t>
+              </a:r>
+              <a:endParaRPr sz="1400" b="1" dirty="0">
+                <a:solidFill>
+                  <a:schemeClr val="bg1"/>
+                </a:solidFill>
+                <a:latin typeface="宋体"/>
+                <a:ea typeface="宋体"/>
+              </a:endParaRPr>
+            </a:p>
+          </p:txBody>
+        </p:sp>
+        <p:cxnSp>
+          <p:nvCxnSpPr>
+            <p:cNvPr id="5" name="Curved Connector 4"/>
+            <p:cNvCxnSpPr>
+              <a:stCxn id="6" idx="1"/>
+              <a:endCxn id="7" idx="1"/>
+            </p:cNvCxnSpPr>
+            <p:nvPr/>
+          </p:nvCxnSpPr>
+          <p:spPr>
+            <a:xfrm rot="10800000" flipH="1" flipV="1">
+              <a:off x="4788023" y="2397732"/>
+              <a:ext cx="360039" cy="1346712"/>
+            </a:xfrm>
+            <a:prstGeom prst="curvedConnector3">
+              <a:avLst>
+                <a:gd name="adj1" fmla="val -63493"/>
+              </a:avLst>
+            </a:prstGeom>
+            <a:ln>
+              <a:headEnd type="arrow"/>
+              <a:tailEnd type="arrow"/>
+            </a:ln>
+          </p:spPr>
+          <p:style>
+            <a:lnRef idx="3">
+              <a:schemeClr val="accent4"/>
+            </a:lnRef>
+            <a:fillRef idx="0">
+              <a:schemeClr val="accent4"/>
+            </a:fillRef>
+            <a:effectRef idx="2">
+              <a:schemeClr val="accent4"/>
+            </a:effectRef>
+            <a:fontRef idx="minor">
+              <a:schemeClr val="tx1"/>
+            </a:fontRef>
+          </p:style>
+        </p:cxnSp>
+      </p:grpSp>
+      <p:sp>
+        <p:nvSpPr>
+          <p:cNvPr id="4" name="TextBox 3"/>
+          <p:cNvSpPr txBox="1"/>
+          <p:nvPr/>
+        </p:nvSpPr>
+        <p:spPr>
+          <a:xfrm>
+            <a:off x="5780794" y="1755298"/>
+            <a:ext cx="2463614" cy="276999"/>
+          </a:xfrm>
+          <a:prstGeom prst="rect">
+            <a:avLst/>
+          </a:prstGeom>
+          <a:noFill/>
+        </p:spPr>
+        <p:txBody>
+          <a:bodyPr wrap="square" lIns="0" tIns="0" rIns="0" bIns="0" rtlCol="0">
+            <a:spAutoFit/>
+          </a:bodyPr>
+          <a:lstStyle/>
+          <a:p>
+            <a:pPr fontAlgn="base">
+              <a:spcBef>
+                <a:spcPct val="50000"/>
+              </a:spcBef>
+              <a:spcAft>
+                <a:spcPct val="0"/>
+              </a:spcAft>
+              <a:buClr>
+                <a:srgbClr val="F0AB00"/>
+              </a:buClr>
+              <a:buSzPct val="80000"/>
+            </a:pPr>
+            <a:r>
+              <a:rPr lang="en-US" sz="1800" kern="0" dirty="0" smtClean="0">
+                <a:solidFill>
+                  <a:srgbClr val="FF0000"/>
+                </a:solidFill>
+                <a:ea typeface="Arial Unicode MS" pitchFamily="34" charset="-128"/>
+                <a:cs typeface="Arial Unicode MS" pitchFamily="34" charset="-128"/>
+              </a:rPr>
+              <a:t>Traditional </a:t>
+            </a:r>
+            <a:r>
+              <a:rPr lang="en-US" sz="1800" kern="0" dirty="0" err="1" smtClean="0">
+                <a:solidFill>
+                  <a:srgbClr val="FF0000"/>
+                </a:solidFill>
+                <a:ea typeface="Arial Unicode MS" pitchFamily="34" charset="-128"/>
+                <a:cs typeface="Arial Unicode MS" pitchFamily="34" charset="-128"/>
+              </a:rPr>
+              <a:t>js:blocked</a:t>
+            </a:r>
+            <a:endParaRPr lang="en-US" sz="1800" kern="0" dirty="0" smtClean="0">
+              <a:solidFill>
+                <a:srgbClr val="FF0000"/>
+              </a:solidFill>
+              <a:ea typeface="Arial Unicode MS" pitchFamily="34" charset="-128"/>
+              <a:cs typeface="Arial Unicode MS" pitchFamily="34" charset="-128"/>
+            </a:endParaRPr>
           </a:p>
         </p:txBody>
       </p:sp>
       <p:sp>
         <p:nvSpPr>
-          <p:cNvPr id="6" name="object 6"/>
-          <p:cNvSpPr/>
+          <p:cNvPr id="8" name="TextBox 7"/>
+          <p:cNvSpPr txBox="1"/>
           <p:nvPr/>
         </p:nvSpPr>
         <p:spPr>
           <a:xfrm>
-            <a:off x="4788024" y="1942528"/>
-            <a:ext cx="3073005" cy="910408"/>
+            <a:off x="6268107" y="4486418"/>
+            <a:ext cx="2321148" cy="276999"/>
           </a:xfrm>
           <a:prstGeom prst="rect">
             <a:avLst/>
           </a:prstGeom>
-          <a:solidFill>
-            <a:schemeClr val="tx1">
-              <a:lumMod val="75000"/>
-            </a:schemeClr>
-          </a:solidFill>
+          <a:noFill/>
+        </p:spPr>
+        <p:txBody>
+          <a:bodyPr wrap="none" lIns="0" tIns="0" rIns="0" bIns="0" rtlCol="0">
+            <a:spAutoFit/>
+          </a:bodyPr>
+          <a:lstStyle/>
+          <a:p>
+            <a:pPr fontAlgn="base">
+              <a:spcBef>
+                <a:spcPct val="50000"/>
+              </a:spcBef>
+              <a:spcAft>
+                <a:spcPct val="0"/>
+              </a:spcAft>
+              <a:buClr>
+                <a:srgbClr val="F0AB00"/>
+              </a:buClr>
+              <a:buSzPct val="80000"/>
+            </a:pPr>
+            <a:r>
+              <a:rPr lang="en-US" sz="1800" kern="0" dirty="0" err="1" smtClean="0">
+                <a:solidFill>
+                  <a:srgbClr val="FF0000"/>
+                </a:solidFill>
+                <a:ea typeface="Arial Unicode MS" pitchFamily="34" charset="-128"/>
+                <a:cs typeface="Arial Unicode MS" pitchFamily="34" charset="-128"/>
+              </a:rPr>
+              <a:t>NodeJS:asynchronous</a:t>
+            </a:r>
+            <a:endParaRPr lang="en-US" sz="1800" kern="0" dirty="0" smtClean="0">
+              <a:solidFill>
+                <a:srgbClr val="FF0000"/>
+              </a:solidFill>
+              <a:ea typeface="Arial Unicode MS" pitchFamily="34" charset="-128"/>
+              <a:cs typeface="Arial Unicode MS" pitchFamily="34" charset="-128"/>
+            </a:endParaRPr>
+          </a:p>
+        </p:txBody>
+      </p:sp>
+      <p:pic>
+        <p:nvPicPr>
+          <p:cNvPr id="2052" name="Picture 4"/>
+          <p:cNvPicPr>
+            <a:picLocks noChangeAspect="1" noChangeArrowheads="1"/>
+          </p:cNvPicPr>
+          <p:nvPr/>
+        </p:nvPicPr>
+        <p:blipFill>
+          <a:blip r:embed="rId3">
+            <a:extLst>
+              <a:ext uri="{28A0092B-C50C-407E-A947-70E740481C1C}">
+                <a14:useLocalDpi xmlns:a14="http://schemas.microsoft.com/office/drawing/2010/main" val="0"/>
+              </a:ext>
+            </a:extLst>
+          </a:blip>
+          <a:srcRect/>
+          <a:stretch>
+            <a:fillRect/>
+          </a:stretch>
+        </p:blipFill>
+        <p:spPr bwMode="auto">
+          <a:xfrm>
+            <a:off x="827584" y="4221088"/>
+            <a:ext cx="4114800" cy="1476375"/>
+          </a:xfrm>
+          <a:prstGeom prst="rect">
+            <a:avLst/>
+          </a:prstGeom>
+          <a:noFill/>
           <a:ln>
             <a:noFill/>
           </a:ln>
           <a:effectLst/>
           <a:extLst>
+            <a:ext uri="{909E8E84-426E-40DD-AFC4-6F175D3DCCD1}">
+              <a14:hiddenFill xmlns:a14="http://schemas.microsoft.com/office/drawing/2010/main">
+                <a:solidFill>
+                  <a:schemeClr val="accent1"/>
+                </a:solidFill>
+              </a14:hiddenFill>
+            </a:ext>
             <a:ext uri="{91240B29-F687-4F45-9708-019B960494DF}">
               <a14:hiddenLine xmlns:a14="http://schemas.microsoft.com/office/drawing/2010/main" w="9525">
                 <a:solidFill>
@@ -22100,305 +25378,21 @@
             </a:ext>
           </a:extLst>
         </p:spPr>
-        <p:txBody>
-          <a:bodyPr vert="horz" wrap="square" lIns="91440" tIns="45720" rIns="91440" bIns="45720" numCol="1" anchor="t" anchorCtr="0" compatLnSpc="1">
-            <a:prstTxWarp prst="textNoShape">
-              <a:avLst/>
-            </a:prstTxWarp>
-            <a:noAutofit/>
-          </a:bodyPr>
-          <a:lstStyle/>
-          <a:p>
-            <a:pPr marL="342900" indent="-342900" fontAlgn="base">
-              <a:spcBef>
-                <a:spcPct val="20000"/>
-              </a:spcBef>
-              <a:spcAft>
-                <a:spcPct val="0"/>
-              </a:spcAft>
-              <a:buClr>
-                <a:schemeClr val="hlink"/>
-              </a:buClr>
-              <a:buFont typeface="Wingdings" pitchFamily="2" charset="2"/>
-              <a:buChar char="v"/>
-            </a:pPr>
-            <a:r>
-              <a:rPr lang="en-US" sz="1400" b="1" dirty="0" smtClean="0">
-                <a:solidFill>
-                  <a:schemeClr val="bg1"/>
-                </a:solidFill>
-                <a:latin typeface="宋体"/>
-                <a:ea typeface="宋体"/>
-              </a:rPr>
-              <a:t>echo 'hello';</a:t>
-            </a:r>
-          </a:p>
-          <a:p>
-            <a:pPr marL="342900" indent="-342900" fontAlgn="base">
-              <a:spcBef>
-                <a:spcPct val="20000"/>
-              </a:spcBef>
-              <a:spcAft>
-                <a:spcPct val="0"/>
-              </a:spcAft>
-              <a:buClr>
-                <a:schemeClr val="hlink"/>
-              </a:buClr>
-              <a:buFont typeface="Wingdings" pitchFamily="2" charset="2"/>
-              <a:buChar char="v"/>
-            </a:pPr>
-            <a:r>
-              <a:rPr lang="en-US" sz="1400" b="1" dirty="0" smtClean="0">
-                <a:solidFill>
-                  <a:srgbClr val="FFC000"/>
-                </a:solidFill>
-                <a:latin typeface="宋体"/>
-                <a:ea typeface="宋体"/>
-              </a:rPr>
-              <a:t>sleep(1</a:t>
-            </a:r>
-            <a:r>
-              <a:rPr lang="en-US" sz="1400" b="1" dirty="0">
-                <a:solidFill>
-                  <a:srgbClr val="FFC000"/>
-                </a:solidFill>
-                <a:latin typeface="宋体"/>
-                <a:ea typeface="宋体"/>
-              </a:rPr>
-              <a:t>);</a:t>
-            </a:r>
-          </a:p>
-          <a:p>
-            <a:pPr marL="342900" indent="-342900" fontAlgn="base">
-              <a:spcBef>
-                <a:spcPct val="20000"/>
-              </a:spcBef>
-              <a:spcAft>
-                <a:spcPct val="0"/>
-              </a:spcAft>
-              <a:buClr>
-                <a:schemeClr val="hlink"/>
-              </a:buClr>
-              <a:buFont typeface="Wingdings" pitchFamily="2" charset="2"/>
-              <a:buChar char="v"/>
-            </a:pPr>
-            <a:r>
-              <a:rPr lang="en-US" sz="1400" b="1" dirty="0" smtClean="0">
-                <a:solidFill>
-                  <a:schemeClr val="bg1"/>
-                </a:solidFill>
-                <a:latin typeface="宋体"/>
-                <a:ea typeface="宋体"/>
-              </a:rPr>
-              <a:t>echo </a:t>
-            </a:r>
-            <a:r>
-              <a:rPr lang="en-US" sz="1400" b="1" dirty="0">
-                <a:solidFill>
-                  <a:schemeClr val="bg1"/>
-                </a:solidFill>
-                <a:latin typeface="宋体"/>
-                <a:ea typeface="宋体"/>
-              </a:rPr>
-              <a:t>'world';</a:t>
-            </a:r>
-          </a:p>
-        </p:txBody>
-      </p:sp>
-      <p:sp>
-        <p:nvSpPr>
-          <p:cNvPr id="7" name="object 6"/>
-          <p:cNvSpPr/>
-          <p:nvPr/>
-        </p:nvSpPr>
-        <p:spPr>
-          <a:xfrm>
-            <a:off x="5148063" y="3140968"/>
-            <a:ext cx="3073005" cy="1206951"/>
-          </a:xfrm>
-          <a:prstGeom prst="rect">
-            <a:avLst/>
-          </a:prstGeom>
-          <a:solidFill>
-            <a:schemeClr val="tx1">
-              <a:lumMod val="75000"/>
-            </a:schemeClr>
-          </a:solidFill>
-          <a:ln>
-            <a:noFill/>
-          </a:ln>
-          <a:effectLst/>
-          <a:extLst>
-            <a:ext uri="{91240B29-F687-4F45-9708-019B960494DF}">
-              <a14:hiddenLine xmlns:a14="http://schemas.microsoft.com/office/drawing/2010/main" w="9525">
-                <a:solidFill>
-                  <a:schemeClr val="tx1"/>
-                </a:solidFill>
-                <a:miter lim="800000"/>
-                <a:headEnd/>
-                <a:tailEnd/>
-              </a14:hiddenLine>
-            </a:ext>
-            <a:ext uri="{AF507438-7753-43E0-B8FC-AC1667EBCBE1}">
-              <a14:hiddenEffects xmlns:a14="http://schemas.microsoft.com/office/drawing/2010/main">
-                <a:effectLst>
-                  <a:outerShdw dist="35921" dir="2700000" algn="ctr" rotWithShape="0">
-                    <a:schemeClr val="bg2"/>
-                  </a:outerShdw>
-                </a:effectLst>
-              </a14:hiddenEffects>
-            </a:ext>
-          </a:extLst>
-        </p:spPr>
-        <p:txBody>
-          <a:bodyPr vert="horz" wrap="square" lIns="91440" tIns="45720" rIns="91440" bIns="45720" numCol="1" anchor="t" anchorCtr="0" compatLnSpc="1">
-            <a:prstTxWarp prst="textNoShape">
-              <a:avLst/>
-            </a:prstTxWarp>
-            <a:noAutofit/>
-          </a:bodyPr>
-          <a:lstStyle/>
-          <a:p>
-            <a:pPr marL="342900" indent="-342900" fontAlgn="base">
-              <a:spcBef>
-                <a:spcPct val="20000"/>
-              </a:spcBef>
-              <a:spcAft>
-                <a:spcPct val="0"/>
-              </a:spcAft>
-              <a:buClr>
-                <a:schemeClr val="hlink"/>
-              </a:buClr>
-              <a:buFont typeface="Wingdings" pitchFamily="2" charset="2"/>
-              <a:buChar char="v"/>
-            </a:pPr>
-            <a:r>
-              <a:rPr lang="en-US" sz="1400" b="1" dirty="0" err="1" smtClean="0">
-                <a:solidFill>
-                  <a:srgbClr val="FFC000"/>
-                </a:solidFill>
-                <a:latin typeface="宋体"/>
-                <a:ea typeface="宋体"/>
-              </a:rPr>
-              <a:t>setTimeout</a:t>
-            </a:r>
-            <a:r>
-              <a:rPr lang="en-US" sz="1400" b="1" dirty="0" smtClean="0">
-                <a:solidFill>
-                  <a:schemeClr val="bg1"/>
-                </a:solidFill>
-                <a:latin typeface="宋体"/>
-                <a:ea typeface="宋体"/>
-              </a:rPr>
-              <a:t>(function</a:t>
-            </a:r>
-            <a:r>
-              <a:rPr lang="en-US" sz="1400" b="1" dirty="0">
-                <a:solidFill>
-                  <a:schemeClr val="bg1"/>
-                </a:solidFill>
-                <a:latin typeface="宋体"/>
-                <a:ea typeface="宋体"/>
-              </a:rPr>
-              <a:t>(){           console.log('world');</a:t>
-            </a:r>
-          </a:p>
-          <a:p>
-            <a:pPr marL="342900" indent="-342900" fontAlgn="base">
-              <a:spcBef>
-                <a:spcPct val="20000"/>
-              </a:spcBef>
-              <a:spcAft>
-                <a:spcPct val="0"/>
-              </a:spcAft>
-              <a:buClr>
-                <a:schemeClr val="hlink"/>
-              </a:buClr>
-              <a:buFont typeface="Wingdings" pitchFamily="2" charset="2"/>
-              <a:buChar char="v"/>
-            </a:pPr>
-            <a:r>
-              <a:rPr lang="en-US" sz="1400" b="1" dirty="0">
-                <a:solidFill>
-                  <a:schemeClr val="bg1"/>
-                </a:solidFill>
-                <a:latin typeface="宋体"/>
-                <a:ea typeface="宋体"/>
-              </a:rPr>
-              <a:t>}, 1000);</a:t>
-            </a:r>
-          </a:p>
-          <a:p>
-            <a:pPr marL="342900" indent="-342900" fontAlgn="base">
-              <a:spcBef>
-                <a:spcPct val="20000"/>
-              </a:spcBef>
-              <a:spcAft>
-                <a:spcPct val="0"/>
-              </a:spcAft>
-              <a:buClr>
-                <a:schemeClr val="hlink"/>
-              </a:buClr>
-              <a:buFont typeface="Wingdings" pitchFamily="2" charset="2"/>
-              <a:buChar char="v"/>
-            </a:pPr>
-            <a:r>
-              <a:rPr lang="en-US" sz="1400" b="1" dirty="0">
-                <a:solidFill>
-                  <a:schemeClr val="bg1"/>
-                </a:solidFill>
-                <a:latin typeface="宋体"/>
-                <a:ea typeface="宋体"/>
-              </a:rPr>
-              <a:t> </a:t>
-            </a:r>
-            <a:r>
-              <a:rPr lang="en-US" sz="1400" b="1" dirty="0" smtClean="0">
-                <a:solidFill>
-                  <a:schemeClr val="bg1"/>
-                </a:solidFill>
-                <a:latin typeface="宋体"/>
-                <a:ea typeface="宋体"/>
-              </a:rPr>
-              <a:t>console.log</a:t>
-            </a:r>
-            <a:r>
-              <a:rPr lang="en-US" sz="1400" b="1" dirty="0">
-                <a:solidFill>
-                  <a:schemeClr val="bg1"/>
-                </a:solidFill>
-                <a:latin typeface="宋体"/>
-                <a:ea typeface="宋体"/>
-              </a:rPr>
-              <a:t>('hello');</a:t>
-            </a:r>
-            <a:endParaRPr sz="1400" b="1" dirty="0">
-              <a:solidFill>
-                <a:schemeClr val="bg1"/>
-              </a:solidFill>
-              <a:latin typeface="宋体"/>
-              <a:ea typeface="宋体"/>
-            </a:endParaRPr>
-          </a:p>
-        </p:txBody>
-      </p:sp>
+      </p:pic>
       <p:cxnSp>
         <p:nvCxnSpPr>
-          <p:cNvPr id="5" name="Curved Connector 4"/>
-          <p:cNvCxnSpPr>
-            <a:stCxn id="6" idx="1"/>
-            <a:endCxn id="7" idx="1"/>
-          </p:cNvCxnSpPr>
+          <p:cNvPr id="13" name="Curved Connector 12"/>
+          <p:cNvCxnSpPr/>
           <p:nvPr/>
         </p:nvCxnSpPr>
         <p:spPr>
-          <a:xfrm rot="10800000" flipH="1" flipV="1">
-            <a:off x="4788023" y="2397732"/>
-            <a:ext cx="360039" cy="1346712"/>
+          <a:xfrm rot="5400000">
+            <a:off x="3785206" y="2847642"/>
+            <a:ext cx="2149655" cy="720082"/>
           </a:xfrm>
           <a:prstGeom prst="curvedConnector3">
             <a:avLst>
-              <a:gd name="adj1" fmla="val -63493"/>
+              <a:gd name="adj1" fmla="val 2146"/>
             </a:avLst>
           </a:prstGeom>
           <a:ln>
@@ -22505,12 +25499,16 @@
           <a:lstStyle/>
           <a:p>
             <a:r>
+              <a:rPr lang="en-US" dirty="0" smtClean="0"/>
+              <a:t>More about </a:t>
+            </a:r>
+            <a:r>
               <a:rPr lang="en-US" dirty="0" err="1" smtClean="0"/>
-              <a:t>NodeJS</a:t>
+              <a:t>NodeJS’s</a:t>
             </a:r>
             <a:r>
               <a:rPr lang="en-US" dirty="0" smtClean="0"/>
-              <a:t> processing model</a:t>
+              <a:t> Event-driven</a:t>
             </a:r>
             <a:endParaRPr lang="en-US" dirty="0"/>
           </a:p>
@@ -22641,7 +25639,7 @@
       </p:grpSpPr>
       <p:sp>
         <p:nvSpPr>
-          <p:cNvPr id="3" name="Title 2"/>
+          <p:cNvPr id="2" name="Title 1"/>
           <p:cNvSpPr>
             <a:spLocks noGrp="1"/>
           </p:cNvSpPr>
@@ -22655,8 +25653,8 @@
           <a:lstStyle/>
           <a:p>
             <a:r>
-              <a:rPr lang="en-US" altLang="zh-CN" dirty="0" smtClean="0"/>
-              <a:t>3 Use modules</a:t>
+              <a:rPr lang="en-US" dirty="0" smtClean="0"/>
+              <a:t>attention</a:t>
             </a:r>
             <a:endParaRPr lang="en-US" dirty="0"/>
           </a:p>
@@ -22664,24 +25662,17 @@
       </p:sp>
       <p:sp>
         <p:nvSpPr>
-          <p:cNvPr id="13" name="TextBox 12"/>
-          <p:cNvSpPr txBox="1"/>
-          <p:nvPr/>
+          <p:cNvPr id="3" name="Content Placeholder 2"/>
+          <p:cNvSpPr>
+            <a:spLocks noGrp="1"/>
+          </p:cNvSpPr>
+          <p:nvPr>
+            <p:ph sz="quarter" idx="10"/>
+          </p:nvPr>
         </p:nvSpPr>
-        <p:spPr>
-          <a:xfrm>
-            <a:off x="497630" y="1436566"/>
-            <a:ext cx="6666658" cy="369332"/>
-          </a:xfrm>
-          <a:prstGeom prst="rect">
-            <a:avLst/>
-          </a:prstGeom>
-          <a:noFill/>
-        </p:spPr>
+        <p:spPr/>
         <p:txBody>
-          <a:bodyPr wrap="square" rtlCol="0">
-            <a:spAutoFit/>
-          </a:bodyPr>
+          <a:bodyPr/>
           <a:lstStyle/>
           <a:p>
             <a:pPr marL="285750" indent="-285750">
@@ -22689,595 +25680,10 @@
               <a:buChar char="•"/>
             </a:pPr>
             <a:r>
-              <a:rPr lang="en-US" b="1" dirty="0" smtClean="0">
-                <a:solidFill>
-                  <a:schemeClr val="tx2">
-                    <a:lumMod val="75000"/>
-                  </a:schemeClr>
-                </a:solidFill>
-                <a:latin typeface="Arial" panose="020B0604020202020204" pitchFamily="34" charset="0"/>
-                <a:cs typeface="Arial" panose="020B0604020202020204" pitchFamily="34" charset="0"/>
-              </a:rPr>
-              <a:t>Define</a:t>
-            </a:r>
-            <a:r>
-              <a:rPr lang="en-US" b="1" dirty="0" smtClean="0">
-                <a:latin typeface="Arial" panose="020B0604020202020204" pitchFamily="34" charset="0"/>
-                <a:cs typeface="Arial" panose="020B0604020202020204" pitchFamily="34" charset="0"/>
-              </a:rPr>
-              <a:t> a module</a:t>
-            </a:r>
-            <a:endParaRPr lang="en-US" dirty="0"/>
-          </a:p>
-        </p:txBody>
-      </p:sp>
-      <p:sp>
-        <p:nvSpPr>
-          <p:cNvPr id="16" name="object 6"/>
-          <p:cNvSpPr txBox="1">
-            <a:spLocks/>
-          </p:cNvSpPr>
-          <p:nvPr/>
-        </p:nvSpPr>
-        <p:spPr bwMode="gray">
-          <a:xfrm>
-            <a:off x="569639" y="2204864"/>
-            <a:ext cx="7674769" cy="864096"/>
-          </a:xfrm>
-          <a:prstGeom prst="rect">
-            <a:avLst/>
-          </a:prstGeom>
-          <a:solidFill>
-            <a:schemeClr val="tx1">
-              <a:lumMod val="75000"/>
-            </a:schemeClr>
-          </a:solidFill>
-          <a:ln>
-            <a:noFill/>
-          </a:ln>
-          <a:effectLst/>
-          <a:extLst>
-            <a:ext uri="{91240B29-F687-4F45-9708-019B960494DF}">
-              <a14:hiddenLine xmlns:a14="http://schemas.microsoft.com/office/drawing/2010/main" w="9525">
-                <a:solidFill>
-                  <a:schemeClr val="tx1"/>
-                </a:solidFill>
-                <a:miter lim="800000"/>
-                <a:headEnd/>
-                <a:tailEnd/>
-              </a14:hiddenLine>
-            </a:ext>
-            <a:ext uri="{AF507438-7753-43E0-B8FC-AC1667EBCBE1}">
-              <a14:hiddenEffects xmlns:a14="http://schemas.microsoft.com/office/drawing/2010/main">
-                <a:effectLst>
-                  <a:outerShdw dist="35921" dir="2700000" algn="ctr" rotWithShape="0">
-                    <a:schemeClr val="bg2"/>
-                  </a:outerShdw>
-                </a:effectLst>
-              </a14:hiddenEffects>
-            </a:ext>
-          </a:extLst>
-        </p:spPr>
-        <p:txBody>
-          <a:bodyPr vert="horz" wrap="square" lIns="91440" tIns="45720" rIns="91440" bIns="45720" numCol="1" anchor="t" anchorCtr="0" compatLnSpc="1">
-            <a:prstTxWarp prst="textNoShape">
-              <a:avLst/>
-            </a:prstTxWarp>
-            <a:noAutofit/>
-          </a:bodyPr>
-          <a:lstStyle>
-            <a:lvl1pPr marL="342900" indent="-342900" algn="l" rtl="0" eaLnBrk="1" fontAlgn="base" hangingPunct="1">
-              <a:spcBef>
-                <a:spcPct val="20000"/>
-              </a:spcBef>
-              <a:spcAft>
-                <a:spcPct val="0"/>
-              </a:spcAft>
-              <a:buClr>
-                <a:schemeClr val="hlink"/>
-              </a:buClr>
-              <a:buFont typeface="Wingdings" pitchFamily="2" charset="2"/>
-              <a:buChar char="v"/>
-              <a:defRPr sz="2800" b="1">
-                <a:solidFill>
-                  <a:schemeClr val="hlink"/>
-                </a:solidFill>
-                <a:latin typeface="+mn-lt"/>
-                <a:ea typeface="+mn-ea"/>
-                <a:cs typeface="+mn-cs"/>
-              </a:defRPr>
-            </a:lvl1pPr>
-            <a:lvl2pPr marL="742950" indent="-285750" algn="l" rtl="0" eaLnBrk="1" fontAlgn="base" hangingPunct="1">
-              <a:spcBef>
-                <a:spcPct val="20000"/>
-              </a:spcBef>
-              <a:spcAft>
-                <a:spcPct val="0"/>
-              </a:spcAft>
-              <a:buClr>
-                <a:schemeClr val="accent1"/>
-              </a:buClr>
-              <a:buFont typeface="Wingdings" pitchFamily="2" charset="2"/>
-              <a:buChar char="§"/>
-              <a:defRPr sz="2800">
-                <a:solidFill>
-                  <a:schemeClr val="tx1"/>
-                </a:solidFill>
-                <a:latin typeface="Arial" charset="0"/>
-              </a:defRPr>
-            </a:lvl2pPr>
-            <a:lvl3pPr marL="1143000" indent="-228600" algn="l" rtl="0" eaLnBrk="1" fontAlgn="base" hangingPunct="1">
-              <a:spcBef>
-                <a:spcPct val="20000"/>
-              </a:spcBef>
-              <a:spcAft>
-                <a:spcPct val="0"/>
-              </a:spcAft>
-              <a:buClr>
-                <a:schemeClr val="tx1"/>
-              </a:buClr>
-              <a:buChar char="•"/>
-              <a:defRPr sz="2400">
-                <a:solidFill>
-                  <a:schemeClr val="tx1"/>
-                </a:solidFill>
-                <a:latin typeface="Arial" charset="0"/>
-              </a:defRPr>
-            </a:lvl3pPr>
-            <a:lvl4pPr marL="1600200" indent="-228600" algn="l" rtl="0" eaLnBrk="1" fontAlgn="base" hangingPunct="1">
-              <a:spcBef>
-                <a:spcPct val="20000"/>
-              </a:spcBef>
-              <a:spcAft>
-                <a:spcPct val="0"/>
-              </a:spcAft>
-              <a:buChar char="–"/>
-              <a:defRPr sz="2000">
-                <a:solidFill>
-                  <a:schemeClr val="tx1"/>
-                </a:solidFill>
-                <a:latin typeface="Arial" charset="0"/>
-              </a:defRPr>
-            </a:lvl4pPr>
-            <a:lvl5pPr marL="2057400" indent="-228600" algn="l" rtl="0" eaLnBrk="1" fontAlgn="base" hangingPunct="1">
-              <a:spcBef>
-                <a:spcPct val="20000"/>
-              </a:spcBef>
-              <a:spcAft>
-                <a:spcPct val="0"/>
-              </a:spcAft>
-              <a:buChar char="»"/>
-              <a:defRPr sz="2000">
-                <a:solidFill>
-                  <a:schemeClr val="tx1"/>
-                </a:solidFill>
-                <a:latin typeface="Arial" charset="0"/>
-              </a:defRPr>
-            </a:lvl5pPr>
-            <a:lvl6pPr marL="2514600" indent="-228600" algn="l" rtl="0" eaLnBrk="1" fontAlgn="base" hangingPunct="1">
-              <a:spcBef>
-                <a:spcPct val="20000"/>
-              </a:spcBef>
-              <a:spcAft>
-                <a:spcPct val="0"/>
-              </a:spcAft>
-              <a:buChar char="»"/>
-              <a:defRPr sz="2000">
-                <a:solidFill>
-                  <a:schemeClr val="tx1"/>
-                </a:solidFill>
-                <a:latin typeface="Arial" charset="0"/>
-              </a:defRPr>
-            </a:lvl6pPr>
-            <a:lvl7pPr marL="2971800" indent="-228600" algn="l" rtl="0" eaLnBrk="1" fontAlgn="base" hangingPunct="1">
-              <a:spcBef>
-                <a:spcPct val="20000"/>
-              </a:spcBef>
-              <a:spcAft>
-                <a:spcPct val="0"/>
-              </a:spcAft>
-              <a:buChar char="»"/>
-              <a:defRPr sz="2000">
-                <a:solidFill>
-                  <a:schemeClr val="tx1"/>
-                </a:solidFill>
-                <a:latin typeface="Arial" charset="0"/>
-              </a:defRPr>
-            </a:lvl7pPr>
-            <a:lvl8pPr marL="3429000" indent="-228600" algn="l" rtl="0" eaLnBrk="1" fontAlgn="base" hangingPunct="1">
-              <a:spcBef>
-                <a:spcPct val="20000"/>
-              </a:spcBef>
-              <a:spcAft>
-                <a:spcPct val="0"/>
-              </a:spcAft>
-              <a:buChar char="»"/>
-              <a:defRPr sz="2000">
-                <a:solidFill>
-                  <a:schemeClr val="tx1"/>
-                </a:solidFill>
-                <a:latin typeface="Arial" charset="0"/>
-              </a:defRPr>
-            </a:lvl8pPr>
-            <a:lvl9pPr marL="3886200" indent="-228600" algn="l" rtl="0" eaLnBrk="1" fontAlgn="base" hangingPunct="1">
-              <a:spcBef>
-                <a:spcPct val="20000"/>
-              </a:spcBef>
-              <a:spcAft>
-                <a:spcPct val="0"/>
-              </a:spcAft>
-              <a:buChar char="»"/>
-              <a:defRPr sz="2000">
-                <a:solidFill>
-                  <a:schemeClr val="tx1"/>
-                </a:solidFill>
-                <a:latin typeface="Arial" charset="0"/>
-              </a:defRPr>
-            </a:lvl9pPr>
-          </a:lstStyle>
-          <a:p>
-            <a:r>
-              <a:rPr lang="en-US" sz="1400" dirty="0" err="1" smtClean="0">
-                <a:solidFill>
-                  <a:schemeClr val="bg1"/>
-                </a:solidFill>
-                <a:latin typeface="宋体" panose="02010600030101010101" pitchFamily="2" charset="-122"/>
-                <a:ea typeface="宋体" panose="02010600030101010101" pitchFamily="2" charset="-122"/>
-              </a:rPr>
-              <a:t>var</a:t>
-            </a:r>
-            <a:r>
-              <a:rPr lang="en-US" sz="1400" dirty="0" smtClean="0">
-                <a:solidFill>
-                  <a:schemeClr val="bg1"/>
-                </a:solidFill>
-                <a:latin typeface="宋体" panose="02010600030101010101" pitchFamily="2" charset="-122"/>
-                <a:ea typeface="宋体" panose="02010600030101010101" pitchFamily="2" charset="-122"/>
-              </a:rPr>
-              <a:t> PI = </a:t>
-            </a:r>
-            <a:r>
-              <a:rPr lang="en-US" sz="1400" dirty="0" err="1" smtClean="0">
-                <a:solidFill>
-                  <a:schemeClr val="bg1"/>
-                </a:solidFill>
-                <a:latin typeface="宋体" panose="02010600030101010101" pitchFamily="2" charset="-122"/>
-                <a:ea typeface="宋体" panose="02010600030101010101" pitchFamily="2" charset="-122"/>
-              </a:rPr>
-              <a:t>Math.PI</a:t>
-            </a:r>
-            <a:r>
-              <a:rPr lang="en-US" sz="1400" dirty="0" smtClean="0">
-                <a:solidFill>
-                  <a:schemeClr val="bg1"/>
-                </a:solidFill>
-                <a:latin typeface="宋体" panose="02010600030101010101" pitchFamily="2" charset="-122"/>
-                <a:ea typeface="宋体" panose="02010600030101010101" pitchFamily="2" charset="-122"/>
-              </a:rPr>
-              <a:t>; </a:t>
-            </a:r>
-          </a:p>
-          <a:p>
-            <a:r>
-              <a:rPr lang="en-US" sz="1400" dirty="0" err="1" smtClean="0">
-                <a:solidFill>
-                  <a:schemeClr val="bg1"/>
-                </a:solidFill>
-                <a:latin typeface="宋体" panose="02010600030101010101" pitchFamily="2" charset="-122"/>
-                <a:ea typeface="宋体" panose="02010600030101010101" pitchFamily="2" charset="-122"/>
-              </a:rPr>
-              <a:t>exports.area</a:t>
-            </a:r>
-            <a:r>
-              <a:rPr lang="en-US" sz="1400" dirty="0" smtClean="0">
-                <a:solidFill>
-                  <a:schemeClr val="bg1"/>
-                </a:solidFill>
-                <a:latin typeface="宋体" panose="02010600030101010101" pitchFamily="2" charset="-122"/>
-                <a:ea typeface="宋体" panose="02010600030101010101" pitchFamily="2" charset="-122"/>
-              </a:rPr>
-              <a:t> = function (r) { return PI * r * r; }; </a:t>
-            </a:r>
-          </a:p>
-          <a:p>
-            <a:r>
-              <a:rPr lang="en-US" sz="1400" dirty="0" err="1" smtClean="0">
-                <a:solidFill>
-                  <a:schemeClr val="bg1"/>
-                </a:solidFill>
-                <a:latin typeface="宋体" panose="02010600030101010101" pitchFamily="2" charset="-122"/>
-                <a:ea typeface="宋体" panose="02010600030101010101" pitchFamily="2" charset="-122"/>
-              </a:rPr>
-              <a:t>exports.circumference</a:t>
-            </a:r>
-            <a:r>
-              <a:rPr lang="en-US" sz="1400" dirty="0" smtClean="0">
-                <a:solidFill>
-                  <a:schemeClr val="bg1"/>
-                </a:solidFill>
-                <a:latin typeface="宋体" panose="02010600030101010101" pitchFamily="2" charset="-122"/>
-                <a:ea typeface="宋体" panose="02010600030101010101" pitchFamily="2" charset="-122"/>
-              </a:rPr>
-              <a:t> = function (r) { return 2 * PI * r; };</a:t>
-            </a:r>
-            <a:endParaRPr lang="en-US" sz="1400" dirty="0">
-              <a:solidFill>
-                <a:schemeClr val="bg1"/>
-              </a:solidFill>
-              <a:latin typeface="宋体" panose="02010600030101010101" pitchFamily="2" charset="-122"/>
-              <a:ea typeface="宋体" panose="02010600030101010101" pitchFamily="2" charset="-122"/>
-            </a:endParaRPr>
-          </a:p>
-        </p:txBody>
-      </p:sp>
-      <p:sp>
-        <p:nvSpPr>
-          <p:cNvPr id="17" name="object 6"/>
-          <p:cNvSpPr/>
-          <p:nvPr/>
-        </p:nvSpPr>
-        <p:spPr>
-          <a:xfrm>
-            <a:off x="589237" y="3717032"/>
-            <a:ext cx="7655171" cy="900008"/>
-          </a:xfrm>
-          <a:prstGeom prst="rect">
-            <a:avLst/>
-          </a:prstGeom>
-          <a:solidFill>
-            <a:schemeClr val="tx1">
-              <a:lumMod val="75000"/>
-            </a:schemeClr>
-          </a:solidFill>
-          <a:ln>
-            <a:noFill/>
-          </a:ln>
-          <a:effectLst/>
-          <a:extLst>
-            <a:ext uri="{91240B29-F687-4F45-9708-019B960494DF}">
-              <a14:hiddenLine xmlns:a14="http://schemas.microsoft.com/office/drawing/2010/main" w="9525">
-                <a:solidFill>
-                  <a:schemeClr val="tx1"/>
-                </a:solidFill>
-                <a:miter lim="800000"/>
-                <a:headEnd/>
-                <a:tailEnd/>
-              </a14:hiddenLine>
-            </a:ext>
-            <a:ext uri="{AF507438-7753-43E0-B8FC-AC1667EBCBE1}">
-              <a14:hiddenEffects xmlns:a14="http://schemas.microsoft.com/office/drawing/2010/main">
-                <a:effectLst>
-                  <a:outerShdw dist="35921" dir="2700000" algn="ctr" rotWithShape="0">
-                    <a:schemeClr val="bg2"/>
-                  </a:outerShdw>
-                </a:effectLst>
-              </a14:hiddenEffects>
-            </a:ext>
-          </a:extLst>
-        </p:spPr>
-        <p:txBody>
-          <a:bodyPr vert="horz" wrap="square" lIns="91440" tIns="45720" rIns="91440" bIns="45720" numCol="1" anchor="t" anchorCtr="0" compatLnSpc="1">
-            <a:prstTxWarp prst="textNoShape">
-              <a:avLst/>
-            </a:prstTxWarp>
-            <a:noAutofit/>
-          </a:bodyPr>
-          <a:lstStyle/>
-          <a:p>
-            <a:pPr marL="342900" indent="-342900" fontAlgn="base">
-              <a:spcBef>
-                <a:spcPct val="20000"/>
-              </a:spcBef>
-              <a:spcAft>
-                <a:spcPct val="0"/>
-              </a:spcAft>
-              <a:buClr>
-                <a:schemeClr val="hlink"/>
-              </a:buClr>
-              <a:buFont typeface="Wingdings" pitchFamily="2" charset="2"/>
-              <a:buChar char="v"/>
-            </a:pPr>
-            <a:r>
-              <a:rPr lang="en-US" sz="1400" b="1" dirty="0" err="1">
-                <a:solidFill>
-                  <a:schemeClr val="bg1"/>
-                </a:solidFill>
-                <a:latin typeface="宋体" panose="02010600030101010101" pitchFamily="2" charset="-122"/>
-                <a:ea typeface="宋体" panose="02010600030101010101" pitchFamily="2" charset="-122"/>
-              </a:rPr>
-              <a:t>var</a:t>
-            </a:r>
-            <a:r>
-              <a:rPr lang="en-US" sz="1400" b="1" dirty="0">
-                <a:solidFill>
-                  <a:schemeClr val="bg1"/>
-                </a:solidFill>
-                <a:latin typeface="宋体" panose="02010600030101010101" pitchFamily="2" charset="-122"/>
-                <a:ea typeface="宋体" panose="02010600030101010101" pitchFamily="2" charset="-122"/>
-              </a:rPr>
-              <a:t> circle = require('./circle.js'); </a:t>
-            </a:r>
-          </a:p>
-          <a:p>
-            <a:pPr marL="342900" indent="-342900" fontAlgn="base">
-              <a:spcBef>
-                <a:spcPct val="20000"/>
-              </a:spcBef>
-              <a:spcAft>
-                <a:spcPct val="0"/>
-              </a:spcAft>
-              <a:buClr>
-                <a:schemeClr val="hlink"/>
-              </a:buClr>
-              <a:buFont typeface="Wingdings" pitchFamily="2" charset="2"/>
-              <a:buChar char="v"/>
-            </a:pPr>
-            <a:r>
-              <a:rPr lang="en-US" sz="1400" b="1" dirty="0">
-                <a:solidFill>
-                  <a:schemeClr val="bg1"/>
-                </a:solidFill>
-                <a:latin typeface="宋体" panose="02010600030101010101" pitchFamily="2" charset="-122"/>
-                <a:ea typeface="宋体" panose="02010600030101010101" pitchFamily="2" charset="-122"/>
-              </a:rPr>
-              <a:t>console.log( 'The area of a circle of radius 4 is ' +</a:t>
-            </a:r>
-          </a:p>
-          <a:p>
-            <a:pPr marL="342900" indent="-342900" fontAlgn="base">
-              <a:spcBef>
-                <a:spcPct val="20000"/>
-              </a:spcBef>
-              <a:spcAft>
-                <a:spcPct val="0"/>
-              </a:spcAft>
-              <a:buClr>
-                <a:schemeClr val="hlink"/>
-              </a:buClr>
-              <a:buFont typeface="Wingdings" pitchFamily="2" charset="2"/>
-              <a:buChar char="v"/>
-            </a:pPr>
-            <a:r>
-              <a:rPr lang="en-US" sz="1400" b="1" dirty="0" err="1">
-                <a:solidFill>
-                  <a:schemeClr val="bg1"/>
-                </a:solidFill>
-                <a:latin typeface="宋体" panose="02010600030101010101" pitchFamily="2" charset="-122"/>
-                <a:ea typeface="宋体" panose="02010600030101010101" pitchFamily="2" charset="-122"/>
-              </a:rPr>
-              <a:t>circle.area</a:t>
-            </a:r>
-            <a:r>
-              <a:rPr lang="en-US" sz="1400" b="1" dirty="0">
-                <a:solidFill>
-                  <a:schemeClr val="bg1"/>
-                </a:solidFill>
-                <a:latin typeface="宋体" panose="02010600030101010101" pitchFamily="2" charset="-122"/>
-                <a:ea typeface="宋体" panose="02010600030101010101" pitchFamily="2" charset="-122"/>
-              </a:rPr>
-              <a:t>(4));</a:t>
-            </a:r>
-          </a:p>
-        </p:txBody>
-      </p:sp>
-      <p:sp>
-        <p:nvSpPr>
-          <p:cNvPr id="18" name="TextBox 17"/>
-          <p:cNvSpPr txBox="1"/>
-          <p:nvPr/>
-        </p:nvSpPr>
-        <p:spPr>
-          <a:xfrm>
-            <a:off x="519953" y="1772816"/>
-            <a:ext cx="3888432" cy="369332"/>
-          </a:xfrm>
-          <a:prstGeom prst="rect">
-            <a:avLst/>
-          </a:prstGeom>
-          <a:noFill/>
-        </p:spPr>
-        <p:txBody>
-          <a:bodyPr wrap="square" rtlCol="0">
-            <a:spAutoFit/>
-          </a:bodyPr>
-          <a:lstStyle/>
-          <a:p>
-            <a:r>
-              <a:rPr lang="en-US" dirty="0" smtClean="0">
-                <a:cs typeface="Arial" panose="020B0604020202020204" pitchFamily="34" charset="0"/>
-              </a:rPr>
-              <a:t>Circle.js: define a module</a:t>
-            </a:r>
-            <a:endParaRPr lang="en-US" dirty="0">
-              <a:cs typeface="Arial" panose="020B0604020202020204" pitchFamily="34" charset="0"/>
-            </a:endParaRPr>
-          </a:p>
-        </p:txBody>
-      </p:sp>
-      <p:sp>
-        <p:nvSpPr>
-          <p:cNvPr id="19" name="Rectangle 18"/>
-          <p:cNvSpPr/>
-          <p:nvPr/>
-        </p:nvSpPr>
-        <p:spPr>
-          <a:xfrm>
-            <a:off x="476545" y="3347700"/>
-            <a:ext cx="4752528" cy="369332"/>
-          </a:xfrm>
-          <a:prstGeom prst="rect">
-            <a:avLst/>
-          </a:prstGeom>
-        </p:spPr>
-        <p:txBody>
-          <a:bodyPr wrap="square">
-            <a:spAutoFit/>
-          </a:bodyPr>
-          <a:lstStyle/>
-          <a:p>
-            <a:r>
-              <a:rPr lang="en-US" dirty="0"/>
-              <a:t> </a:t>
-            </a:r>
-            <a:r>
               <a:rPr lang="en-US" dirty="0" smtClean="0"/>
-              <a:t>   Index.js: call module using ‘require’</a:t>
-            </a:r>
-            <a:endParaRPr lang="en-US" dirty="0"/>
-          </a:p>
-        </p:txBody>
-      </p:sp>
-      <p:pic>
-        <p:nvPicPr>
-          <p:cNvPr id="20" name="Picture 19"/>
-          <p:cNvPicPr>
-            <a:picLocks noChangeAspect="1"/>
-          </p:cNvPicPr>
-          <p:nvPr/>
-        </p:nvPicPr>
-        <p:blipFill>
-          <a:blip r:embed="rId2">
-            <a:extLst>
-              <a:ext uri="{28A0092B-C50C-407E-A947-70E740481C1C}">
-                <a14:useLocalDpi xmlns:a14="http://schemas.microsoft.com/office/drawing/2010/main" val="0"/>
-              </a:ext>
-            </a:extLst>
-          </a:blip>
-          <a:stretch>
-            <a:fillRect/>
-          </a:stretch>
-        </p:blipFill>
-        <p:spPr>
-          <a:xfrm>
-            <a:off x="589237" y="5208240"/>
-            <a:ext cx="7655171" cy="446397"/>
-          </a:xfrm>
-          <a:prstGeom prst="rect">
-            <a:avLst/>
-          </a:prstGeom>
-        </p:spPr>
-      </p:pic>
-      <p:sp>
-        <p:nvSpPr>
-          <p:cNvPr id="21" name="TextBox 20"/>
-          <p:cNvSpPr txBox="1"/>
-          <p:nvPr/>
-        </p:nvSpPr>
-        <p:spPr>
-          <a:xfrm>
-            <a:off x="551130" y="4802504"/>
-            <a:ext cx="1985047" cy="369332"/>
-          </a:xfrm>
-          <a:prstGeom prst="rect">
-            <a:avLst/>
-          </a:prstGeom>
-          <a:noFill/>
-        </p:spPr>
-        <p:txBody>
-          <a:bodyPr wrap="square" rtlCol="0">
-            <a:spAutoFit/>
-          </a:bodyPr>
-          <a:lstStyle/>
+              <a:t>Don’t write too much time-waiting synchronous code</a:t>
+            </a:r>
+          </a:p>
           <a:p>
             <a:pPr marL="285750" indent="-285750">
               <a:buFont typeface="Arial" panose="020B0604020202020204" pitchFamily="34" charset="0"/>
@@ -23285,81 +25691,331 @@
             </a:pPr>
             <a:r>
               <a:rPr lang="en-US" dirty="0" smtClean="0"/>
-              <a:t>Have a </a:t>
+              <a:t>or it will </a:t>
             </a:r>
             <a:r>
               <a:rPr lang="en-US" dirty="0" smtClean="0">
                 <a:solidFill>
-                  <a:schemeClr val="tx2">
-                    <a:lumMod val="75000"/>
-                  </a:schemeClr>
-                </a:solidFill>
-              </a:rPr>
-              <a:t>Test</a:t>
-            </a:r>
-            <a:endParaRPr lang="en-US" dirty="0">
-              <a:solidFill>
-                <a:schemeClr val="tx2">
-                  <a:lumMod val="75000"/>
-                </a:schemeClr>
-              </a:solidFill>
-            </a:endParaRPr>
-          </a:p>
-        </p:txBody>
-      </p:sp>
-      <p:sp>
-        <p:nvSpPr>
-          <p:cNvPr id="22" name="TextBox 21"/>
-          <p:cNvSpPr txBox="1"/>
-          <p:nvPr/>
-        </p:nvSpPr>
-        <p:spPr>
-          <a:xfrm>
-            <a:off x="509716" y="3062208"/>
-            <a:ext cx="6666658" cy="369332"/>
-          </a:xfrm>
-          <a:prstGeom prst="rect">
-            <a:avLst/>
-          </a:prstGeom>
-          <a:noFill/>
-        </p:spPr>
-        <p:txBody>
-          <a:bodyPr wrap="square" rtlCol="0">
-            <a:spAutoFit/>
-          </a:bodyPr>
-          <a:lstStyle/>
+                  <a:srgbClr val="FF0000"/>
+                </a:solidFill>
+              </a:rPr>
+              <a:t>block </a:t>
+            </a:r>
+            <a:r>
+              <a:rPr lang="en-US" dirty="0" smtClean="0"/>
+              <a:t>your other codes including </a:t>
+            </a:r>
+            <a:r>
+              <a:rPr lang="en-US" dirty="0"/>
+              <a:t>asynchronous </a:t>
+            </a:r>
+            <a:r>
+              <a:rPr lang="en-US" dirty="0" smtClean="0"/>
+              <a:t>code</a:t>
+            </a:r>
+          </a:p>
           <a:p>
             <a:pPr marL="285750" indent="-285750">
               <a:buFont typeface="Arial" panose="020B0604020202020204" pitchFamily="34" charset="0"/>
               <a:buChar char="•"/>
             </a:pPr>
             <a:r>
-              <a:rPr lang="en-US" b="1" dirty="0" smtClean="0">
-                <a:solidFill>
-                  <a:schemeClr val="tx2">
-                    <a:lumMod val="75000"/>
-                  </a:schemeClr>
-                </a:solidFill>
-                <a:latin typeface="Arial" panose="020B0604020202020204" pitchFamily="34" charset="0"/>
-                <a:cs typeface="Arial" panose="020B0604020202020204" pitchFamily="34" charset="0"/>
-              </a:rPr>
-              <a:t>Call</a:t>
-            </a:r>
-            <a:r>
-              <a:rPr lang="en-US" b="1" dirty="0" smtClean="0">
-                <a:latin typeface="Arial" panose="020B0604020202020204" pitchFamily="34" charset="0"/>
-                <a:cs typeface="Arial" panose="020B0604020202020204" pitchFamily="34" charset="0"/>
-              </a:rPr>
-              <a:t> a module</a:t>
-            </a:r>
-            <a:endParaRPr lang="en-US" dirty="0"/>
+              <a:rPr lang="en-US" dirty="0" smtClean="0"/>
+              <a:t>Put them in asynchronous callbacks </a:t>
+            </a:r>
           </a:p>
         </p:txBody>
       </p:sp>
+      <p:grpSp>
+        <p:nvGrpSpPr>
+          <p:cNvPr id="9" name="Group 8"/>
+          <p:cNvGrpSpPr/>
+          <p:nvPr/>
+        </p:nvGrpSpPr>
+        <p:grpSpPr>
+          <a:xfrm>
+            <a:off x="1331640" y="3125920"/>
+            <a:ext cx="5472608" cy="2026628"/>
+            <a:chOff x="713396" y="2746592"/>
+            <a:chExt cx="3724414" cy="1870560"/>
+          </a:xfrm>
+        </p:grpSpPr>
+        <p:sp>
+          <p:nvSpPr>
+            <p:cNvPr id="10" name="TextBox 9"/>
+            <p:cNvSpPr txBox="1"/>
+            <p:nvPr/>
+          </p:nvSpPr>
+          <p:spPr>
+            <a:xfrm>
+              <a:off x="713396" y="3026332"/>
+              <a:ext cx="3724414" cy="1590820"/>
+            </a:xfrm>
+            <a:prstGeom prst="rect">
+              <a:avLst/>
+            </a:prstGeom>
+          </p:spPr>
+          <p:style>
+            <a:lnRef idx="2">
+              <a:schemeClr val="accent1"/>
+            </a:lnRef>
+            <a:fillRef idx="1">
+              <a:schemeClr val="lt1"/>
+            </a:fillRef>
+            <a:effectRef idx="0">
+              <a:schemeClr val="accent1"/>
+            </a:effectRef>
+            <a:fontRef idx="minor">
+              <a:schemeClr val="dk1"/>
+            </a:fontRef>
+          </p:style>
+          <p:txBody>
+            <a:bodyPr wrap="square" lIns="0" tIns="0" rIns="0" bIns="0" rtlCol="0">
+              <a:spAutoFit/>
+            </a:bodyPr>
+            <a:lstStyle/>
+            <a:p>
+              <a:pPr fontAlgn="base">
+                <a:spcAft>
+                  <a:spcPct val="0"/>
+                </a:spcAft>
+                <a:buClr>
+                  <a:srgbClr val="F0AB00"/>
+                </a:buClr>
+                <a:buSzPct val="80000"/>
+              </a:pPr>
+              <a:r>
+                <a:rPr lang="en-US" sz="1600" dirty="0" err="1" smtClean="0"/>
+                <a:t>var</a:t>
+              </a:r>
+              <a:r>
+                <a:rPr lang="en-US" sz="1600" dirty="0" smtClean="0"/>
+                <a:t> die </a:t>
+              </a:r>
+              <a:r>
+                <a:rPr lang="en-US" sz="1600" dirty="0"/>
+                <a:t>= false; </a:t>
+              </a:r>
+            </a:p>
+            <a:p>
+              <a:pPr fontAlgn="base">
+                <a:spcAft>
+                  <a:spcPct val="0"/>
+                </a:spcAft>
+                <a:buClr>
+                  <a:srgbClr val="F0AB00"/>
+                </a:buClr>
+                <a:buSzPct val="80000"/>
+              </a:pPr>
+              <a:r>
+                <a:rPr lang="en-US" sz="1600" dirty="0" err="1"/>
+                <a:t>setTimeout</a:t>
+              </a:r>
+              <a:r>
+                <a:rPr lang="en-US" sz="1600" dirty="0"/>
+                <a:t>(function() {　　</a:t>
+              </a:r>
+            </a:p>
+            <a:p>
+              <a:pPr fontAlgn="base">
+                <a:spcAft>
+                  <a:spcPct val="0"/>
+                </a:spcAft>
+                <a:buClr>
+                  <a:srgbClr val="F0AB00"/>
+                </a:buClr>
+                <a:buSzPct val="80000"/>
+              </a:pPr>
+              <a:r>
+                <a:rPr lang="en-US" sz="1600" dirty="0"/>
+                <a:t>   die=true</a:t>
+              </a:r>
+            </a:p>
+            <a:p>
+              <a:pPr fontAlgn="base">
+                <a:spcAft>
+                  <a:spcPct val="0"/>
+                </a:spcAft>
+                <a:buClr>
+                  <a:srgbClr val="F0AB00"/>
+                </a:buClr>
+                <a:buSzPct val="80000"/>
+              </a:pPr>
+              <a:r>
+                <a:rPr lang="en-US" sz="1600" dirty="0"/>
+                <a:t>}, 100); </a:t>
+              </a:r>
+            </a:p>
+            <a:p>
+              <a:pPr fontAlgn="base">
+                <a:spcAft>
+                  <a:spcPct val="0"/>
+                </a:spcAft>
+                <a:buClr>
+                  <a:srgbClr val="F0AB00"/>
+                </a:buClr>
+                <a:buSzPct val="80000"/>
+              </a:pPr>
+              <a:r>
+                <a:rPr lang="en-US" sz="1600" dirty="0">
+                  <a:solidFill>
+                    <a:srgbClr val="FF0000"/>
+                  </a:solidFill>
+                </a:rPr>
+                <a:t>while(!die) </a:t>
+              </a:r>
+              <a:r>
+                <a:rPr lang="en-US" sz="1600" dirty="0" smtClean="0"/>
+                <a:t>{ </a:t>
+              </a:r>
+              <a:r>
+                <a:rPr lang="en-US" sz="1600" dirty="0" smtClean="0">
+                  <a:solidFill>
+                    <a:srgbClr val="00B050"/>
+                  </a:solidFill>
+                </a:rPr>
+                <a:t>// this will block </a:t>
+              </a:r>
+              <a:r>
+                <a:rPr lang="en-US" sz="1600" dirty="0" err="1" smtClean="0">
+                  <a:solidFill>
+                    <a:srgbClr val="00B050"/>
+                  </a:solidFill>
+                </a:rPr>
+                <a:t>setTimeout</a:t>
+              </a:r>
+              <a:r>
+                <a:rPr lang="en-US" sz="1600" dirty="0" smtClean="0">
+                  <a:solidFill>
+                    <a:srgbClr val="00B050"/>
+                  </a:solidFill>
+                </a:rPr>
+                <a:t>() and below codes</a:t>
+              </a:r>
+              <a:endParaRPr lang="en-US" sz="1600" dirty="0">
+                <a:solidFill>
+                  <a:srgbClr val="00B050"/>
+                </a:solidFill>
+              </a:endParaRPr>
+            </a:p>
+            <a:p>
+              <a:pPr fontAlgn="base">
+                <a:spcAft>
+                  <a:spcPct val="0"/>
+                </a:spcAft>
+                <a:buClr>
+                  <a:srgbClr val="F0AB00"/>
+                </a:buClr>
+                <a:buSzPct val="80000"/>
+              </a:pPr>
+              <a:r>
+                <a:rPr lang="en-US" sz="1600" dirty="0"/>
+                <a:t>} </a:t>
+              </a:r>
+            </a:p>
+            <a:p>
+              <a:pPr fontAlgn="base">
+                <a:spcAft>
+                  <a:spcPct val="0"/>
+                </a:spcAft>
+                <a:buClr>
+                  <a:srgbClr val="F0AB00"/>
+                </a:buClr>
+                <a:buSzPct val="80000"/>
+              </a:pPr>
+              <a:r>
+                <a:rPr lang="en-US" sz="1600" dirty="0"/>
+                <a:t>console.log("done</a:t>
+              </a:r>
+              <a:r>
+                <a:rPr lang="en-US" sz="1600" dirty="0" smtClean="0"/>
+                <a:t>"); </a:t>
+              </a:r>
+              <a:r>
+                <a:rPr lang="en-US" sz="1600" dirty="0" smtClean="0">
+                  <a:solidFill>
+                    <a:srgbClr val="00B050"/>
+                  </a:solidFill>
+                </a:rPr>
+                <a:t>//this will never be executed</a:t>
+              </a:r>
+              <a:endParaRPr lang="en-US" sz="1600" dirty="0">
+                <a:solidFill>
+                  <a:srgbClr val="00B050"/>
+                </a:solidFill>
+              </a:endParaRPr>
+            </a:p>
+          </p:txBody>
+        </p:sp>
+        <p:sp>
+          <p:nvSpPr>
+            <p:cNvPr id="11" name="TextBox 10"/>
+            <p:cNvSpPr txBox="1"/>
+            <p:nvPr/>
+          </p:nvSpPr>
+          <p:spPr>
+            <a:xfrm>
+              <a:off x="1949431" y="2746592"/>
+              <a:ext cx="1012385" cy="289068"/>
+            </a:xfrm>
+            <a:prstGeom prst="rect">
+              <a:avLst/>
+            </a:prstGeom>
+          </p:spPr>
+          <p:style>
+            <a:lnRef idx="1">
+              <a:schemeClr val="accent1"/>
+            </a:lnRef>
+            <a:fillRef idx="3">
+              <a:schemeClr val="accent1"/>
+            </a:fillRef>
+            <a:effectRef idx="2">
+              <a:schemeClr val="accent1"/>
+            </a:effectRef>
+            <a:fontRef idx="minor">
+              <a:schemeClr val="lt1"/>
+            </a:fontRef>
+          </p:style>
+          <p:txBody>
+            <a:bodyPr wrap="none" lIns="0" tIns="0" rIns="0" bIns="0" rtlCol="0">
+              <a:spAutoFit/>
+            </a:bodyPr>
+            <a:lstStyle/>
+            <a:p>
+              <a:pPr fontAlgn="base">
+                <a:spcBef>
+                  <a:spcPct val="50000"/>
+                </a:spcBef>
+                <a:spcAft>
+                  <a:spcPct val="0"/>
+                </a:spcAft>
+                <a:buClr>
+                  <a:srgbClr val="F0AB00"/>
+                </a:buClr>
+                <a:buSzPct val="80000"/>
+              </a:pPr>
+              <a:r>
+                <a:rPr lang="en-US" kern="0" dirty="0" smtClean="0">
+                  <a:ea typeface="Arial Unicode MS" pitchFamily="34" charset="-128"/>
+                  <a:cs typeface="Arial Unicode MS" pitchFamily="34" charset="-128"/>
+                </a:rPr>
+                <a:t>attention</a:t>
+              </a:r>
+              <a:r>
+                <a:rPr lang="en-US" sz="1800" kern="0" dirty="0" smtClean="0">
+                  <a:ea typeface="Arial Unicode MS" pitchFamily="34" charset="-128"/>
+                  <a:cs typeface="Arial Unicode MS" pitchFamily="34" charset="-128"/>
+                </a:rPr>
+                <a:t>.js</a:t>
+              </a:r>
+            </a:p>
+          </p:txBody>
+        </p:sp>
+      </p:grpSp>
     </p:spTree>
     <p:extLst>
       <p:ext uri="{BB962C8B-B14F-4D97-AF65-F5344CB8AC3E}">
-        <p14:creationId xmlns:p14="http://schemas.microsoft.com/office/powerpoint/2010/main" val="1618336075"/>
+        <p14:creationId xmlns:p14="http://schemas.microsoft.com/office/powerpoint/2010/main" val="1924277335"/>
       </p:ext>
     </p:extLst>
   </p:cSld>

--- a/nodejs.pptx
+++ b/nodejs.pptx
@@ -39,17 +39,18 @@
     <p:sldId id="292" r:id="rId33"/>
     <p:sldId id="295" r:id="rId34"/>
     <p:sldId id="296" r:id="rId35"/>
-    <p:sldId id="264" r:id="rId36"/>
-    <p:sldId id="294" r:id="rId37"/>
-    <p:sldId id="263" r:id="rId38"/>
-    <p:sldId id="271" r:id="rId39"/>
-    <p:sldId id="284" r:id="rId40"/>
-    <p:sldId id="305" r:id="rId41"/>
-    <p:sldId id="265" r:id="rId42"/>
-    <p:sldId id="272" r:id="rId43"/>
-    <p:sldId id="273" r:id="rId44"/>
-    <p:sldId id="275" r:id="rId45"/>
-    <p:sldId id="274" r:id="rId46"/>
+    <p:sldId id="306" r:id="rId36"/>
+    <p:sldId id="264" r:id="rId37"/>
+    <p:sldId id="294" r:id="rId38"/>
+    <p:sldId id="263" r:id="rId39"/>
+    <p:sldId id="271" r:id="rId40"/>
+    <p:sldId id="284" r:id="rId41"/>
+    <p:sldId id="305" r:id="rId42"/>
+    <p:sldId id="265" r:id="rId43"/>
+    <p:sldId id="272" r:id="rId44"/>
+    <p:sldId id="273" r:id="rId45"/>
+    <p:sldId id="275" r:id="rId46"/>
+    <p:sldId id="274" r:id="rId47"/>
   </p:sldIdLst>
   <p:sldSz cx="9144000" cy="6858000" type="screen4x3"/>
   <p:notesSz cx="6858000" cy="9144000"/>
@@ -199,6 +200,7 @@
             <p14:sldId id="292"/>
             <p14:sldId id="295"/>
             <p14:sldId id="296"/>
+            <p14:sldId id="306"/>
           </p14:sldIdLst>
         </p14:section>
         <p14:section name="debug nodejs" id="{46B7B480-8834-49A3-B901-A6D41950F6AB}">
@@ -15841,8 +15843,8 @@
         </p:nvSpPr>
         <p:spPr>
           <a:xfrm>
-            <a:off x="457200" y="1772817"/>
-            <a:ext cx="8229600" cy="2520280"/>
+            <a:off x="457200" y="1772816"/>
+            <a:ext cx="8291264" cy="2952328"/>
           </a:xfrm>
         </p:spPr>
         <p:txBody>
@@ -15854,7 +15856,7 @@
               <a:buChar char="•"/>
             </a:pPr>
             <a:r>
-              <a:rPr lang="en-US" sz="2400" dirty="0" smtClean="0">
+              <a:rPr lang="en-US" sz="2000" dirty="0" smtClean="0">
                 <a:solidFill>
                   <a:schemeClr val="tx1">
                     <a:lumMod val="85000"/>
@@ -15863,7 +15865,19 @@
                 <a:latin typeface="Arial" panose="020B0604020202020204" pitchFamily="34" charset="0"/>
                 <a:cs typeface="Arial" panose="020B0604020202020204" pitchFamily="34" charset="0"/>
               </a:rPr>
-              <a:t>Download </a:t>
+              <a:t>Download</a:t>
+            </a:r>
+            <a:r>
+              <a:rPr lang="en-US" sz="2400" dirty="0" smtClean="0">
+                <a:solidFill>
+                  <a:schemeClr val="tx1">
+                    <a:lumMod val="85000"/>
+                  </a:schemeClr>
+                </a:solidFill>
+                <a:latin typeface="Arial" panose="020B0604020202020204" pitchFamily="34" charset="0"/>
+                <a:cs typeface="Arial" panose="020B0604020202020204" pitchFamily="34" charset="0"/>
+              </a:rPr>
+              <a:t> </a:t>
             </a:r>
             <a:r>
               <a:rPr lang="en-US" sz="1400" i="1" dirty="0" smtClean="0">
@@ -15887,7 +15901,7 @@
               <a:buChar char="•"/>
             </a:pPr>
             <a:r>
-              <a:rPr lang="en-US" sz="2400" dirty="0">
+              <a:rPr lang="en-US" sz="2000" dirty="0">
                 <a:solidFill>
                   <a:schemeClr val="tx1">
                     <a:lumMod val="85000"/>
@@ -15909,6 +15923,31 @@
                 <a:hlinkClick r:id="rId3"/>
               </a:rPr>
               <a:t> </a:t>
+            </a:r>
+            <a:endParaRPr lang="en-US" altLang="zh-CN" sz="1400" i="1" dirty="0" smtClean="0"/>
+          </a:p>
+          <a:p>
+            <a:pPr marL="342900" indent="-342900">
+              <a:buFont typeface="Arial" panose="020B0604020202020204" pitchFamily="34" charset="0"/>
+              <a:buChar char="•"/>
+            </a:pPr>
+            <a:r>
+              <a:rPr lang="en-US" altLang="zh-CN" sz="2000" dirty="0">
+                <a:solidFill>
+                  <a:schemeClr val="tx1">
+                    <a:lumMod val="85000"/>
+                  </a:schemeClr>
+                </a:solidFill>
+                <a:latin typeface="Arial" panose="020B0604020202020204" pitchFamily="34" charset="0"/>
+                <a:cs typeface="Arial" panose="020B0604020202020204" pitchFamily="34" charset="0"/>
+              </a:rPr>
+              <a:t>Guide Book </a:t>
+            </a:r>
+            <a:r>
+              <a:rPr lang="en-US" altLang="zh-CN" sz="1400" i="1" dirty="0">
+                <a:hlinkClick r:id="rId4"/>
+              </a:rPr>
+              <a:t>http://www.nodebeginner.org/</a:t>
             </a:r>
             <a:endParaRPr lang="en-US" altLang="zh-CN" sz="1400" i="1" dirty="0"/>
           </a:p>
@@ -16125,7 +16164,7 @@
               <a:t>A </a:t>
             </a:r>
             <a:r>
-              <a:rPr lang="en-US" sz="1400" dirty="0" err="1">
+              <a:rPr lang="en-US" sz="1400" dirty="0" smtClean="0">
                 <a:solidFill>
                   <a:schemeClr val="tx1">
                     <a:lumMod val="85000"/>
@@ -16134,7 +16173,7 @@
                 <a:latin typeface="Arial" panose="020B0604020202020204" pitchFamily="34" charset="0"/>
                 <a:cs typeface="Arial" panose="020B0604020202020204" pitchFamily="34" charset="0"/>
               </a:rPr>
-              <a:t>js</a:t>
+              <a:t>script </a:t>
             </a:r>
             <a:r>
               <a:rPr lang="en-US" sz="1400" dirty="0">
@@ -16146,7 +16185,7 @@
                 <a:latin typeface="Arial" panose="020B0604020202020204" pitchFamily="34" charset="0"/>
                 <a:cs typeface="Arial" panose="020B0604020202020204" pitchFamily="34" charset="0"/>
               </a:rPr>
-              <a:t> which can run on </a:t>
+              <a:t>which can run on </a:t>
             </a:r>
             <a:r>
               <a:rPr lang="en-US" sz="1400" dirty="0" smtClean="0">
@@ -16158,10 +16197,10 @@
                 <a:latin typeface="Arial" panose="020B0604020202020204" pitchFamily="34" charset="0"/>
                 <a:cs typeface="Arial" panose="020B0604020202020204" pitchFamily="34" charset="0"/>
               </a:rPr>
-              <a:t>web-Server side (only if node-</a:t>
-            </a:r>
-            <a:r>
-              <a:rPr lang="en-US" sz="1400" dirty="0" err="1" smtClean="0">
+              <a:t>web-Server side (only if </a:t>
+            </a:r>
+            <a:r>
+              <a:rPr lang="en-US" sz="1400" dirty="0" smtClean="0">
                 <a:solidFill>
                   <a:schemeClr val="tx1">
                     <a:lumMod val="85000"/>
@@ -16170,7 +16209,7 @@
                 <a:latin typeface="Arial" panose="020B0604020202020204" pitchFamily="34" charset="0"/>
                 <a:cs typeface="Arial" panose="020B0604020202020204" pitchFamily="34" charset="0"/>
               </a:rPr>
-              <a:t>js</a:t>
+              <a:t>node </a:t>
             </a:r>
             <a:r>
               <a:rPr lang="en-US" sz="1400" dirty="0" smtClean="0">
@@ -16182,7 +16221,7 @@
                 <a:latin typeface="Arial" panose="020B0604020202020204" pitchFamily="34" charset="0"/>
                 <a:cs typeface="Arial" panose="020B0604020202020204" pitchFamily="34" charset="0"/>
               </a:rPr>
-              <a:t> is installed)</a:t>
+              <a:t>is installed)</a:t>
             </a:r>
             <a:endParaRPr lang="en-US" sz="2000" dirty="0">
               <a:solidFill>
@@ -16240,7 +16279,7 @@
           <p:nvPr/>
         </p:nvPicPr>
         <p:blipFill>
-          <a:blip r:embed="rId4">
+          <a:blip r:embed="rId5">
             <a:extLst>
               <a:ext uri="{28A0092B-C50C-407E-A947-70E740481C1C}">
                 <a14:useLocalDpi xmlns:a14="http://schemas.microsoft.com/office/drawing/2010/main" val="0"/>
@@ -16253,7 +16292,7 @@
         </p:blipFill>
         <p:spPr>
           <a:xfrm>
-            <a:off x="755576" y="4365103"/>
+            <a:off x="755576" y="4725144"/>
             <a:ext cx="6184127" cy="1561904"/>
           </a:xfrm>
           <a:prstGeom prst="rect">
@@ -19084,8 +19123,24 @@
               <a:buChar char="•"/>
             </a:pPr>
             <a:r>
+              <a:rPr lang="en-US" dirty="0" err="1" smtClean="0"/>
+              <a:t>Nodejs</a:t>
+            </a:r>
+            <a:r>
               <a:rPr lang="en-US" dirty="0" smtClean="0"/>
-              <a:t>Socket.io realize web-socket API</a:t>
+              <a:t> support </a:t>
+            </a:r>
+            <a:r>
+              <a:rPr lang="en-US" dirty="0" err="1" smtClean="0"/>
+              <a:t>Tcp</a:t>
+            </a:r>
+            <a:r>
+              <a:rPr lang="en-US" dirty="0" smtClean="0"/>
+              <a:t> socket, and Socket.io module realizes </a:t>
+            </a:r>
+            <a:r>
+              <a:rPr lang="en-US" dirty="0" smtClean="0"/>
+              <a:t>web-socket API</a:t>
             </a:r>
           </a:p>
           <a:p>
@@ -20047,6 +20102,1970 @@
           <a:lstStyle/>
           <a:p>
             <a:r>
+              <a:rPr lang="en-US" dirty="0" smtClean="0"/>
+              <a:t>Node connections flow chart</a:t>
+            </a:r>
+            <a:endParaRPr lang="en-US" dirty="0"/>
+          </a:p>
+        </p:txBody>
+      </p:sp>
+      <p:grpSp>
+        <p:nvGrpSpPr>
+          <p:cNvPr id="4" name="Group 3"/>
+          <p:cNvGrpSpPr/>
+          <p:nvPr/>
+        </p:nvGrpSpPr>
+        <p:grpSpPr>
+          <a:xfrm>
+            <a:off x="1187624" y="1484784"/>
+            <a:ext cx="6480720" cy="4608512"/>
+            <a:chOff x="1115616" y="980728"/>
+            <a:chExt cx="6480720" cy="4608512"/>
+          </a:xfrm>
+        </p:grpSpPr>
+        <p:sp>
+          <p:nvSpPr>
+            <p:cNvPr id="5" name="圆角矩形 3"/>
+            <p:cNvSpPr/>
+            <p:nvPr/>
+          </p:nvSpPr>
+          <p:spPr>
+            <a:xfrm>
+              <a:off x="5436096" y="1052736"/>
+              <a:ext cx="2160240" cy="4536504"/>
+            </a:xfrm>
+            <a:prstGeom prst="roundRect">
+              <a:avLst/>
+            </a:prstGeom>
+            <a:gradFill rotWithShape="1">
+              <a:gsLst>
+                <a:gs pos="0">
+                  <a:srgbClr val="4BACC6">
+                    <a:tint val="50000"/>
+                    <a:satMod val="300000"/>
+                  </a:srgbClr>
+                </a:gs>
+                <a:gs pos="35000">
+                  <a:srgbClr val="4BACC6">
+                    <a:tint val="37000"/>
+                    <a:satMod val="300000"/>
+                  </a:srgbClr>
+                </a:gs>
+                <a:gs pos="100000">
+                  <a:srgbClr val="4BACC6">
+                    <a:tint val="15000"/>
+                    <a:satMod val="350000"/>
+                  </a:srgbClr>
+                </a:gs>
+              </a:gsLst>
+              <a:lin ang="16200000" scaled="1"/>
+            </a:gradFill>
+            <a:ln w="9525" cap="flat" cmpd="sng" algn="ctr">
+              <a:solidFill>
+                <a:srgbClr val="4BACC6">
+                  <a:shade val="95000"/>
+                  <a:satMod val="105000"/>
+                </a:srgbClr>
+              </a:solidFill>
+              <a:prstDash val="solid"/>
+            </a:ln>
+            <a:effectLst>
+              <a:outerShdw blurRad="40000" dist="20000" dir="5400000" rotWithShape="0">
+                <a:srgbClr val="000000">
+                  <a:alpha val="38000"/>
+                </a:srgbClr>
+              </a:outerShdw>
+            </a:effectLst>
+          </p:spPr>
+          <p:txBody>
+            <a:bodyPr rtlCol="0" anchor="ctr"/>
+            <a:lstStyle/>
+            <a:p>
+              <a:pPr marL="0" marR="0" lvl="0" indent="0" algn="ctr" defTabSz="914400" eaLnBrk="1" fontAlgn="auto" latinLnBrk="0" hangingPunct="1">
+                <a:lnSpc>
+                  <a:spcPct val="100000"/>
+                </a:lnSpc>
+                <a:spcBef>
+                  <a:spcPts val="0"/>
+                </a:spcBef>
+                <a:spcAft>
+                  <a:spcPts val="0"/>
+                </a:spcAft>
+                <a:buClrTx/>
+                <a:buSzTx/>
+                <a:buFontTx/>
+                <a:buNone/>
+                <a:tabLst/>
+                <a:defRPr/>
+              </a:pPr>
+              <a:endParaRPr kumimoji="0" lang="zh-CN" altLang="en-US" sz="1800" b="0" i="0" u="none" strike="noStrike" kern="0" cap="none" spc="0" normalizeH="0" baseline="0" noProof="0">
+                <a:ln>
+                  <a:noFill/>
+                </a:ln>
+                <a:solidFill>
+                  <a:sysClr val="windowText" lastClr="000000"/>
+                </a:solidFill>
+                <a:effectLst/>
+                <a:uLnTx/>
+                <a:uFillTx/>
+                <a:latin typeface="Calibri"/>
+                <a:ea typeface="宋体"/>
+              </a:endParaRPr>
+            </a:p>
+          </p:txBody>
+        </p:sp>
+        <p:sp>
+          <p:nvSpPr>
+            <p:cNvPr id="6" name="圆角矩形 2"/>
+            <p:cNvSpPr/>
+            <p:nvPr/>
+          </p:nvSpPr>
+          <p:spPr>
+            <a:xfrm>
+              <a:off x="1115616" y="980728"/>
+              <a:ext cx="2160240" cy="4536504"/>
+            </a:xfrm>
+            <a:prstGeom prst="roundRect">
+              <a:avLst/>
+            </a:prstGeom>
+            <a:gradFill rotWithShape="1">
+              <a:gsLst>
+                <a:gs pos="0">
+                  <a:srgbClr val="4BACC6">
+                    <a:tint val="50000"/>
+                    <a:satMod val="300000"/>
+                  </a:srgbClr>
+                </a:gs>
+                <a:gs pos="35000">
+                  <a:srgbClr val="4BACC6">
+                    <a:tint val="37000"/>
+                    <a:satMod val="300000"/>
+                  </a:srgbClr>
+                </a:gs>
+                <a:gs pos="100000">
+                  <a:srgbClr val="4BACC6">
+                    <a:tint val="15000"/>
+                    <a:satMod val="350000"/>
+                  </a:srgbClr>
+                </a:gs>
+              </a:gsLst>
+              <a:lin ang="16200000" scaled="1"/>
+            </a:gradFill>
+            <a:ln w="9525" cap="flat" cmpd="sng" algn="ctr">
+              <a:solidFill>
+                <a:srgbClr val="4BACC6">
+                  <a:shade val="95000"/>
+                  <a:satMod val="105000"/>
+                </a:srgbClr>
+              </a:solidFill>
+              <a:prstDash val="solid"/>
+            </a:ln>
+            <a:effectLst>
+              <a:outerShdw blurRad="40000" dist="20000" dir="5400000" rotWithShape="0">
+                <a:srgbClr val="000000">
+                  <a:alpha val="38000"/>
+                </a:srgbClr>
+              </a:outerShdw>
+            </a:effectLst>
+          </p:spPr>
+          <p:txBody>
+            <a:bodyPr rtlCol="0" anchor="ctr"/>
+            <a:lstStyle/>
+            <a:p>
+              <a:pPr marL="0" marR="0" lvl="0" indent="0" algn="ctr" defTabSz="914400" eaLnBrk="1" fontAlgn="auto" latinLnBrk="0" hangingPunct="1">
+                <a:lnSpc>
+                  <a:spcPct val="100000"/>
+                </a:lnSpc>
+                <a:spcBef>
+                  <a:spcPts val="0"/>
+                </a:spcBef>
+                <a:spcAft>
+                  <a:spcPts val="0"/>
+                </a:spcAft>
+                <a:buClrTx/>
+                <a:buSzTx/>
+                <a:buFontTx/>
+                <a:buNone/>
+                <a:tabLst/>
+                <a:defRPr/>
+              </a:pPr>
+              <a:endParaRPr kumimoji="0" lang="zh-CN" altLang="en-US" sz="1800" b="0" i="0" u="none" strike="noStrike" kern="0" cap="none" spc="0" normalizeH="0" baseline="0" noProof="0" dirty="0">
+                <a:ln>
+                  <a:noFill/>
+                </a:ln>
+                <a:solidFill>
+                  <a:sysClr val="windowText" lastClr="000000"/>
+                </a:solidFill>
+                <a:effectLst/>
+                <a:uLnTx/>
+                <a:uFillTx/>
+                <a:latin typeface="Calibri"/>
+                <a:ea typeface="宋体"/>
+              </a:endParaRPr>
+            </a:p>
+          </p:txBody>
+        </p:sp>
+        <p:sp>
+          <p:nvSpPr>
+            <p:cNvPr id="7" name="TextBox 6"/>
+            <p:cNvSpPr txBox="1"/>
+            <p:nvPr/>
+          </p:nvSpPr>
+          <p:spPr>
+            <a:xfrm>
+              <a:off x="1403648" y="1268760"/>
+              <a:ext cx="1440160" cy="369332"/>
+            </a:xfrm>
+            <a:prstGeom prst="rect">
+              <a:avLst/>
+            </a:prstGeom>
+            <a:noFill/>
+          </p:spPr>
+          <p:txBody>
+            <a:bodyPr wrap="square" rtlCol="0">
+              <a:spAutoFit/>
+            </a:bodyPr>
+            <a:lstStyle/>
+            <a:p>
+              <a:pPr marL="0" marR="0" lvl="0" indent="0" defTabSz="914400" eaLnBrk="1" fontAlgn="auto" latinLnBrk="0" hangingPunct="1">
+                <a:lnSpc>
+                  <a:spcPct val="100000"/>
+                </a:lnSpc>
+                <a:spcBef>
+                  <a:spcPts val="0"/>
+                </a:spcBef>
+                <a:spcAft>
+                  <a:spcPts val="0"/>
+                </a:spcAft>
+                <a:buClrTx/>
+                <a:buSzTx/>
+                <a:buFontTx/>
+                <a:buNone/>
+                <a:tabLst/>
+                <a:defRPr/>
+              </a:pPr>
+              <a:r>
+                <a:rPr kumimoji="0" lang="en-US" altLang="zh-CN" sz="1800" b="0" i="0" u="none" strike="noStrike" kern="0" cap="none" spc="0" normalizeH="0" baseline="0" noProof="0" dirty="0" smtClean="0">
+                  <a:ln>
+                    <a:noFill/>
+                  </a:ln>
+                  <a:solidFill>
+                    <a:sysClr val="windowText" lastClr="000000"/>
+                  </a:solidFill>
+                  <a:effectLst/>
+                  <a:uLnTx/>
+                  <a:uFillTx/>
+                </a:rPr>
+                <a:t>Client</a:t>
+              </a:r>
+              <a:endParaRPr kumimoji="0" lang="zh-CN" altLang="en-US" sz="1800" b="0" i="0" u="none" strike="noStrike" kern="0" cap="none" spc="0" normalizeH="0" baseline="0" noProof="0" dirty="0">
+                <a:ln>
+                  <a:noFill/>
+                </a:ln>
+                <a:solidFill>
+                  <a:sysClr val="windowText" lastClr="000000"/>
+                </a:solidFill>
+                <a:effectLst/>
+                <a:uLnTx/>
+                <a:uFillTx/>
+              </a:endParaRPr>
+            </a:p>
+          </p:txBody>
+        </p:sp>
+        <p:sp>
+          <p:nvSpPr>
+            <p:cNvPr id="8" name="TextBox 7"/>
+            <p:cNvSpPr txBox="1"/>
+            <p:nvPr/>
+          </p:nvSpPr>
+          <p:spPr>
+            <a:xfrm>
+              <a:off x="5796136" y="1412776"/>
+              <a:ext cx="1440160" cy="369332"/>
+            </a:xfrm>
+            <a:prstGeom prst="rect">
+              <a:avLst/>
+            </a:prstGeom>
+            <a:noFill/>
+          </p:spPr>
+          <p:txBody>
+            <a:bodyPr wrap="square" rtlCol="0">
+              <a:spAutoFit/>
+            </a:bodyPr>
+            <a:lstStyle/>
+            <a:p>
+              <a:pPr marL="0" marR="0" lvl="0" indent="0" defTabSz="914400" eaLnBrk="1" fontAlgn="auto" latinLnBrk="0" hangingPunct="1">
+                <a:lnSpc>
+                  <a:spcPct val="100000"/>
+                </a:lnSpc>
+                <a:spcBef>
+                  <a:spcPts val="0"/>
+                </a:spcBef>
+                <a:spcAft>
+                  <a:spcPts val="0"/>
+                </a:spcAft>
+                <a:buClrTx/>
+                <a:buSzTx/>
+                <a:buFontTx/>
+                <a:buNone/>
+                <a:tabLst/>
+                <a:defRPr/>
+              </a:pPr>
+              <a:r>
+                <a:rPr kumimoji="0" lang="en-US" altLang="zh-CN" sz="1800" b="0" i="0" u="none" strike="noStrike" kern="0" cap="none" spc="0" normalizeH="0" baseline="0" noProof="0" dirty="0" smtClean="0">
+                  <a:ln>
+                    <a:noFill/>
+                  </a:ln>
+                  <a:solidFill>
+                    <a:sysClr val="windowText" lastClr="000000"/>
+                  </a:solidFill>
+                  <a:effectLst/>
+                  <a:uLnTx/>
+                  <a:uFillTx/>
+                </a:rPr>
+                <a:t>Server</a:t>
+              </a:r>
+              <a:endParaRPr kumimoji="0" lang="zh-CN" altLang="en-US" sz="1800" b="0" i="0" u="none" strike="noStrike" kern="0" cap="none" spc="0" normalizeH="0" baseline="0" noProof="0" dirty="0">
+                <a:ln>
+                  <a:noFill/>
+                </a:ln>
+                <a:solidFill>
+                  <a:sysClr val="windowText" lastClr="000000"/>
+                </a:solidFill>
+                <a:effectLst/>
+                <a:uLnTx/>
+                <a:uFillTx/>
+              </a:endParaRPr>
+            </a:p>
+          </p:txBody>
+        </p:sp>
+        <p:sp>
+          <p:nvSpPr>
+            <p:cNvPr id="9" name="流程图: 过程 6"/>
+            <p:cNvSpPr/>
+            <p:nvPr/>
+          </p:nvSpPr>
+          <p:spPr>
+            <a:xfrm>
+              <a:off x="1547664" y="1844824"/>
+              <a:ext cx="1080120" cy="1368152"/>
+            </a:xfrm>
+            <a:prstGeom prst="flowChartProcess">
+              <a:avLst/>
+            </a:prstGeom>
+            <a:gradFill rotWithShape="1">
+              <a:gsLst>
+                <a:gs pos="0">
+                  <a:srgbClr val="4F81BD">
+                    <a:tint val="50000"/>
+                    <a:satMod val="300000"/>
+                  </a:srgbClr>
+                </a:gs>
+                <a:gs pos="35000">
+                  <a:srgbClr val="4F81BD">
+                    <a:tint val="37000"/>
+                    <a:satMod val="300000"/>
+                  </a:srgbClr>
+                </a:gs>
+                <a:gs pos="100000">
+                  <a:srgbClr val="4F81BD">
+                    <a:tint val="15000"/>
+                    <a:satMod val="350000"/>
+                  </a:srgbClr>
+                </a:gs>
+              </a:gsLst>
+              <a:lin ang="16200000" scaled="1"/>
+            </a:gradFill>
+            <a:ln w="9525" cap="flat" cmpd="sng" algn="ctr">
+              <a:solidFill>
+                <a:srgbClr val="4F81BD">
+                  <a:shade val="95000"/>
+                  <a:satMod val="105000"/>
+                </a:srgbClr>
+              </a:solidFill>
+              <a:prstDash val="solid"/>
+            </a:ln>
+            <a:effectLst>
+              <a:outerShdw blurRad="40000" dist="20000" dir="5400000" rotWithShape="0">
+                <a:srgbClr val="000000">
+                  <a:alpha val="38000"/>
+                </a:srgbClr>
+              </a:outerShdw>
+            </a:effectLst>
+          </p:spPr>
+          <p:txBody>
+            <a:bodyPr rtlCol="0" anchor="ctr"/>
+            <a:lstStyle/>
+            <a:p>
+              <a:pPr marL="0" marR="0" lvl="0" indent="0" algn="ctr" defTabSz="914400" eaLnBrk="1" fontAlgn="auto" latinLnBrk="0" hangingPunct="1">
+                <a:lnSpc>
+                  <a:spcPct val="100000"/>
+                </a:lnSpc>
+                <a:spcBef>
+                  <a:spcPts val="0"/>
+                </a:spcBef>
+                <a:spcAft>
+                  <a:spcPts val="0"/>
+                </a:spcAft>
+                <a:buClrTx/>
+                <a:buSzTx/>
+                <a:buFontTx/>
+                <a:buNone/>
+                <a:tabLst/>
+                <a:defRPr/>
+              </a:pPr>
+              <a:endParaRPr kumimoji="0" lang="zh-CN" altLang="en-US" sz="1800" b="0" i="0" u="none" strike="noStrike" kern="0" cap="none" spc="0" normalizeH="0" baseline="0" noProof="0" dirty="0">
+                <a:ln>
+                  <a:noFill/>
+                </a:ln>
+                <a:solidFill>
+                  <a:sysClr val="windowText" lastClr="000000"/>
+                </a:solidFill>
+                <a:effectLst/>
+                <a:uLnTx/>
+                <a:uFillTx/>
+                <a:latin typeface="Calibri"/>
+                <a:ea typeface="宋体"/>
+              </a:endParaRPr>
+            </a:p>
+          </p:txBody>
+        </p:sp>
+        <p:sp>
+          <p:nvSpPr>
+            <p:cNvPr id="10" name="TextBox 9"/>
+            <p:cNvSpPr txBox="1"/>
+            <p:nvPr/>
+          </p:nvSpPr>
+          <p:spPr>
+            <a:xfrm>
+              <a:off x="1475656" y="2204864"/>
+              <a:ext cx="1296144" cy="246221"/>
+            </a:xfrm>
+            <a:prstGeom prst="rect">
+              <a:avLst/>
+            </a:prstGeom>
+            <a:noFill/>
+          </p:spPr>
+          <p:txBody>
+            <a:bodyPr wrap="square" rtlCol="0">
+              <a:spAutoFit/>
+            </a:bodyPr>
+            <a:lstStyle/>
+            <a:p>
+              <a:pPr marL="0" marR="0" lvl="0" indent="0" defTabSz="914400" eaLnBrk="1" fontAlgn="auto" latinLnBrk="0" hangingPunct="1">
+                <a:lnSpc>
+                  <a:spcPct val="100000"/>
+                </a:lnSpc>
+                <a:spcBef>
+                  <a:spcPts val="0"/>
+                </a:spcBef>
+                <a:spcAft>
+                  <a:spcPts val="0"/>
+                </a:spcAft>
+                <a:buClrTx/>
+                <a:buSzTx/>
+                <a:buFontTx/>
+                <a:buNone/>
+                <a:tabLst/>
+                <a:defRPr/>
+              </a:pPr>
+              <a:r>
+                <a:rPr kumimoji="0" lang="en-US" altLang="zh-CN" sz="1000" b="0" i="0" u="none" strike="noStrike" kern="0" cap="none" spc="0" normalizeH="0" baseline="0" noProof="0" dirty="0" smtClean="0">
+                  <a:ln>
+                    <a:noFill/>
+                  </a:ln>
+                  <a:solidFill>
+                    <a:sysClr val="windowText" lastClr="000000"/>
+                  </a:solidFill>
+                  <a:effectLst/>
+                  <a:uLnTx/>
+                  <a:uFillTx/>
+                </a:rPr>
+                <a:t>Support </a:t>
+              </a:r>
+              <a:r>
+                <a:rPr kumimoji="0" lang="en-US" altLang="zh-CN" sz="1000" b="0" i="0" u="none" strike="noStrike" kern="0" cap="none" spc="0" normalizeH="0" baseline="0" noProof="0" dirty="0" err="1" smtClean="0">
+                  <a:ln>
+                    <a:noFill/>
+                  </a:ln>
+                  <a:solidFill>
+                    <a:sysClr val="windowText" lastClr="000000"/>
+                  </a:solidFill>
+                  <a:effectLst/>
+                  <a:uLnTx/>
+                  <a:uFillTx/>
+                </a:rPr>
+                <a:t>websocket</a:t>
+              </a:r>
+              <a:endParaRPr kumimoji="0" lang="zh-CN" altLang="en-US" sz="1000" b="0" i="0" u="none" strike="noStrike" kern="0" cap="none" spc="0" normalizeH="0" baseline="0" noProof="0" dirty="0">
+                <a:ln>
+                  <a:noFill/>
+                </a:ln>
+                <a:solidFill>
+                  <a:sysClr val="windowText" lastClr="000000"/>
+                </a:solidFill>
+                <a:effectLst/>
+                <a:uLnTx/>
+                <a:uFillTx/>
+              </a:endParaRPr>
+            </a:p>
+          </p:txBody>
+        </p:sp>
+        <p:sp>
+          <p:nvSpPr>
+            <p:cNvPr id="11" name="TextBox 10"/>
+            <p:cNvSpPr txBox="1"/>
+            <p:nvPr/>
+          </p:nvSpPr>
+          <p:spPr>
+            <a:xfrm>
+              <a:off x="1475656" y="2452826"/>
+              <a:ext cx="1296144" cy="246221"/>
+            </a:xfrm>
+            <a:prstGeom prst="rect">
+              <a:avLst/>
+            </a:prstGeom>
+            <a:noFill/>
+          </p:spPr>
+          <p:txBody>
+            <a:bodyPr wrap="square" rtlCol="0">
+              <a:spAutoFit/>
+            </a:bodyPr>
+            <a:lstStyle/>
+            <a:p>
+              <a:pPr marL="0" marR="0" lvl="0" indent="0" defTabSz="914400" eaLnBrk="1" fontAlgn="auto" latinLnBrk="0" hangingPunct="1">
+                <a:lnSpc>
+                  <a:spcPct val="100000"/>
+                </a:lnSpc>
+                <a:spcBef>
+                  <a:spcPts val="0"/>
+                </a:spcBef>
+                <a:spcAft>
+                  <a:spcPts val="0"/>
+                </a:spcAft>
+                <a:buClrTx/>
+                <a:buSzTx/>
+                <a:buFontTx/>
+                <a:buNone/>
+                <a:tabLst/>
+                <a:defRPr/>
+              </a:pPr>
+              <a:r>
+                <a:rPr kumimoji="0" lang="en-US" altLang="zh-CN" sz="1000" b="0" i="0" u="none" strike="noStrike" kern="0" cap="none" spc="0" normalizeH="0" baseline="0" noProof="0" dirty="0" smtClean="0">
+                  <a:ln>
+                    <a:noFill/>
+                  </a:ln>
+                  <a:solidFill>
+                    <a:sysClr val="windowText" lastClr="000000"/>
+                  </a:solidFill>
+                  <a:effectLst/>
+                  <a:uLnTx/>
+                  <a:uFillTx/>
+                </a:rPr>
+                <a:t>Support</a:t>
+              </a:r>
+              <a:r>
+                <a:rPr kumimoji="0" lang="en-US" altLang="zh-CN" sz="1000" b="0" i="0" u="none" strike="noStrike" kern="0" cap="none" spc="0" normalizeH="0" noProof="0" dirty="0" smtClean="0">
+                  <a:ln>
+                    <a:noFill/>
+                  </a:ln>
+                  <a:solidFill>
+                    <a:sysClr val="windowText" lastClr="000000"/>
+                  </a:solidFill>
+                  <a:effectLst/>
+                  <a:uLnTx/>
+                  <a:uFillTx/>
+                </a:rPr>
+                <a:t> </a:t>
+              </a:r>
+              <a:r>
+                <a:rPr kumimoji="0" lang="en-US" altLang="zh-CN" sz="1000" b="0" i="0" u="none" strike="noStrike" kern="0" cap="none" spc="0" normalizeH="0" baseline="0" noProof="0" dirty="0" smtClean="0">
+                  <a:ln>
+                    <a:noFill/>
+                  </a:ln>
+                  <a:solidFill>
+                    <a:sysClr val="windowText" lastClr="000000"/>
+                  </a:solidFill>
+                  <a:effectLst/>
+                  <a:uLnTx/>
+                  <a:uFillTx/>
+                </a:rPr>
+                <a:t>flash</a:t>
+              </a:r>
+              <a:endParaRPr kumimoji="0" lang="zh-CN" altLang="en-US" sz="1000" b="0" i="0" u="none" strike="noStrike" kern="0" cap="none" spc="0" normalizeH="0" baseline="0" noProof="0" dirty="0">
+                <a:ln>
+                  <a:noFill/>
+                </a:ln>
+                <a:solidFill>
+                  <a:sysClr val="windowText" lastClr="000000"/>
+                </a:solidFill>
+                <a:effectLst/>
+                <a:uLnTx/>
+                <a:uFillTx/>
+              </a:endParaRPr>
+            </a:p>
+          </p:txBody>
+        </p:sp>
+        <p:sp>
+          <p:nvSpPr>
+            <p:cNvPr id="12" name="TextBox 11"/>
+            <p:cNvSpPr txBox="1"/>
+            <p:nvPr/>
+          </p:nvSpPr>
+          <p:spPr>
+            <a:xfrm>
+              <a:off x="1475656" y="2740858"/>
+              <a:ext cx="1296144" cy="246221"/>
+            </a:xfrm>
+            <a:prstGeom prst="rect">
+              <a:avLst/>
+            </a:prstGeom>
+            <a:noFill/>
+          </p:spPr>
+          <p:txBody>
+            <a:bodyPr wrap="square" rtlCol="0">
+              <a:spAutoFit/>
+            </a:bodyPr>
+            <a:lstStyle/>
+            <a:p>
+              <a:pPr marL="0" marR="0" lvl="0" indent="0" defTabSz="914400" eaLnBrk="1" fontAlgn="auto" latinLnBrk="0" hangingPunct="1">
+                <a:lnSpc>
+                  <a:spcPct val="100000"/>
+                </a:lnSpc>
+                <a:spcBef>
+                  <a:spcPts val="0"/>
+                </a:spcBef>
+                <a:spcAft>
+                  <a:spcPts val="0"/>
+                </a:spcAft>
+                <a:buClrTx/>
+                <a:buSzTx/>
+                <a:buFontTx/>
+                <a:buNone/>
+                <a:tabLst/>
+                <a:defRPr/>
+              </a:pPr>
+              <a:r>
+                <a:rPr kumimoji="0" lang="en-US" altLang="zh-CN" sz="1000" b="0" i="0" u="none" strike="noStrike" kern="0" cap="none" spc="0" normalizeH="0" baseline="0" noProof="0" dirty="0" smtClean="0">
+                  <a:ln>
+                    <a:noFill/>
+                  </a:ln>
+                  <a:solidFill>
+                    <a:sysClr val="windowText" lastClr="000000"/>
+                  </a:solidFill>
+                  <a:effectLst/>
+                  <a:uLnTx/>
+                  <a:uFillTx/>
+                </a:rPr>
+                <a:t>Support </a:t>
+              </a:r>
+              <a:r>
+                <a:rPr kumimoji="0" lang="en-US" altLang="zh-CN" sz="1000" b="0" i="0" u="none" strike="noStrike" kern="0" cap="none" spc="0" normalizeH="0" baseline="0" noProof="0" dirty="0" err="1" smtClean="0">
+                  <a:ln>
+                    <a:noFill/>
+                  </a:ln>
+                  <a:solidFill>
+                    <a:sysClr val="windowText" lastClr="000000"/>
+                  </a:solidFill>
+                  <a:effectLst/>
+                  <a:uLnTx/>
+                  <a:uFillTx/>
+                </a:rPr>
+                <a:t>xhr</a:t>
+              </a:r>
+              <a:r>
+                <a:rPr kumimoji="0" lang="zh-CN" altLang="en-US" sz="1000" b="0" i="0" u="none" strike="noStrike" kern="0" cap="none" spc="0" normalizeH="0" baseline="0" noProof="0" dirty="0" smtClean="0">
+                  <a:ln>
+                    <a:noFill/>
+                  </a:ln>
+                  <a:solidFill>
+                    <a:sysClr val="windowText" lastClr="000000"/>
+                  </a:solidFill>
+                  <a:effectLst/>
+                  <a:uLnTx/>
+                  <a:uFillTx/>
+                </a:rPr>
+                <a:t> </a:t>
+              </a:r>
+              <a:endParaRPr kumimoji="0" lang="zh-CN" altLang="en-US" sz="1000" b="0" i="0" u="none" strike="noStrike" kern="0" cap="none" spc="0" normalizeH="0" baseline="0" noProof="0" dirty="0">
+                <a:ln>
+                  <a:noFill/>
+                </a:ln>
+                <a:solidFill>
+                  <a:sysClr val="windowText" lastClr="000000"/>
+                </a:solidFill>
+                <a:effectLst/>
+                <a:uLnTx/>
+                <a:uFillTx/>
+              </a:endParaRPr>
+            </a:p>
+          </p:txBody>
+        </p:sp>
+        <p:sp>
+          <p:nvSpPr>
+            <p:cNvPr id="13" name="流程图: 过程 10"/>
+            <p:cNvSpPr/>
+            <p:nvPr/>
+          </p:nvSpPr>
+          <p:spPr>
+            <a:xfrm>
+              <a:off x="5652120" y="1844824"/>
+              <a:ext cx="1728192" cy="504056"/>
+            </a:xfrm>
+            <a:prstGeom prst="flowChartProcess">
+              <a:avLst/>
+            </a:prstGeom>
+            <a:gradFill rotWithShape="1">
+              <a:gsLst>
+                <a:gs pos="0">
+                  <a:srgbClr val="4F81BD">
+                    <a:tint val="50000"/>
+                    <a:satMod val="300000"/>
+                  </a:srgbClr>
+                </a:gs>
+                <a:gs pos="35000">
+                  <a:srgbClr val="4F81BD">
+                    <a:tint val="37000"/>
+                    <a:satMod val="300000"/>
+                  </a:srgbClr>
+                </a:gs>
+                <a:gs pos="100000">
+                  <a:srgbClr val="4F81BD">
+                    <a:tint val="15000"/>
+                    <a:satMod val="350000"/>
+                  </a:srgbClr>
+                </a:gs>
+              </a:gsLst>
+              <a:lin ang="16200000" scaled="1"/>
+            </a:gradFill>
+            <a:ln w="9525" cap="flat" cmpd="sng" algn="ctr">
+              <a:solidFill>
+                <a:srgbClr val="4F81BD">
+                  <a:shade val="95000"/>
+                  <a:satMod val="105000"/>
+                </a:srgbClr>
+              </a:solidFill>
+              <a:prstDash val="solid"/>
+            </a:ln>
+            <a:effectLst>
+              <a:outerShdw blurRad="40000" dist="20000" dir="5400000" rotWithShape="0">
+                <a:srgbClr val="000000">
+                  <a:alpha val="38000"/>
+                </a:srgbClr>
+              </a:outerShdw>
+            </a:effectLst>
+          </p:spPr>
+          <p:txBody>
+            <a:bodyPr rtlCol="0" anchor="ctr"/>
+            <a:lstStyle/>
+            <a:p>
+              <a:pPr marL="0" marR="0" lvl="0" indent="0" algn="ctr" defTabSz="914400" eaLnBrk="1" fontAlgn="auto" latinLnBrk="0" hangingPunct="1">
+                <a:lnSpc>
+                  <a:spcPct val="100000"/>
+                </a:lnSpc>
+                <a:spcBef>
+                  <a:spcPts val="0"/>
+                </a:spcBef>
+                <a:spcAft>
+                  <a:spcPts val="0"/>
+                </a:spcAft>
+                <a:buClrTx/>
+                <a:buSzTx/>
+                <a:buFontTx/>
+                <a:buNone/>
+                <a:tabLst/>
+                <a:defRPr/>
+              </a:pPr>
+              <a:endParaRPr kumimoji="0" lang="zh-CN" altLang="en-US" sz="1800" b="0" i="0" u="none" strike="noStrike" kern="0" cap="none" spc="0" normalizeH="0" baseline="0" noProof="0" dirty="0">
+                <a:ln>
+                  <a:noFill/>
+                </a:ln>
+                <a:solidFill>
+                  <a:sysClr val="windowText" lastClr="000000"/>
+                </a:solidFill>
+                <a:effectLst/>
+                <a:uLnTx/>
+                <a:uFillTx/>
+                <a:latin typeface="Calibri"/>
+                <a:ea typeface="宋体"/>
+              </a:endParaRPr>
+            </a:p>
+          </p:txBody>
+        </p:sp>
+        <p:cxnSp>
+          <p:nvCxnSpPr>
+            <p:cNvPr id="14" name="直接箭头连接符 13"/>
+            <p:cNvCxnSpPr/>
+            <p:nvPr/>
+          </p:nvCxnSpPr>
+          <p:spPr>
+            <a:xfrm>
+              <a:off x="3275856" y="2420888"/>
+              <a:ext cx="2160240" cy="1588"/>
+            </a:xfrm>
+            <a:prstGeom prst="straightConnector1">
+              <a:avLst/>
+            </a:prstGeom>
+            <a:noFill/>
+            <a:ln w="9525" cap="flat" cmpd="sng" algn="ctr">
+              <a:solidFill>
+                <a:srgbClr val="4F81BD">
+                  <a:shade val="95000"/>
+                  <a:satMod val="105000"/>
+                </a:srgbClr>
+              </a:solidFill>
+              <a:prstDash val="solid"/>
+              <a:tailEnd type="arrow"/>
+            </a:ln>
+            <a:effectLst/>
+          </p:spPr>
+        </p:cxnSp>
+        <p:sp>
+          <p:nvSpPr>
+            <p:cNvPr id="15" name="TextBox 14"/>
+            <p:cNvSpPr txBox="1"/>
+            <p:nvPr/>
+          </p:nvSpPr>
+          <p:spPr>
+            <a:xfrm>
+              <a:off x="3347864" y="2132856"/>
+              <a:ext cx="576064" cy="253916"/>
+            </a:xfrm>
+            <a:prstGeom prst="rect">
+              <a:avLst/>
+            </a:prstGeom>
+            <a:noFill/>
+          </p:spPr>
+          <p:txBody>
+            <a:bodyPr wrap="square" rtlCol="0">
+              <a:spAutoFit/>
+            </a:bodyPr>
+            <a:lstStyle/>
+            <a:p>
+              <a:pPr marL="0" marR="0" lvl="0" indent="0" defTabSz="914400" eaLnBrk="1" fontAlgn="auto" latinLnBrk="0" hangingPunct="1">
+                <a:lnSpc>
+                  <a:spcPct val="100000"/>
+                </a:lnSpc>
+                <a:spcBef>
+                  <a:spcPts val="0"/>
+                </a:spcBef>
+                <a:spcAft>
+                  <a:spcPts val="0"/>
+                </a:spcAft>
+                <a:buClrTx/>
+                <a:buSzTx/>
+                <a:buFontTx/>
+                <a:buNone/>
+                <a:tabLst/>
+                <a:defRPr/>
+              </a:pPr>
+              <a:r>
+                <a:rPr kumimoji="0" lang="en-US" altLang="zh-CN" sz="1050" b="0" i="0" u="none" strike="noStrike" kern="0" cap="none" spc="0" normalizeH="0" baseline="0" noProof="0" dirty="0" smtClean="0">
+                  <a:ln>
+                    <a:noFill/>
+                  </a:ln>
+                  <a:solidFill>
+                    <a:sysClr val="windowText" lastClr="000000"/>
+                  </a:solidFill>
+                  <a:effectLst/>
+                  <a:uLnTx/>
+                  <a:uFillTx/>
+                </a:rPr>
+                <a:t>http</a:t>
+              </a:r>
+              <a:endParaRPr kumimoji="0" lang="zh-CN" altLang="en-US" sz="1050" b="0" i="0" u="none" strike="noStrike" kern="0" cap="none" spc="0" normalizeH="0" baseline="0" noProof="0" dirty="0">
+                <a:ln>
+                  <a:noFill/>
+                </a:ln>
+                <a:solidFill>
+                  <a:sysClr val="windowText" lastClr="000000"/>
+                </a:solidFill>
+                <a:effectLst/>
+                <a:uLnTx/>
+                <a:uFillTx/>
+              </a:endParaRPr>
+            </a:p>
+          </p:txBody>
+        </p:sp>
+        <p:sp>
+          <p:nvSpPr>
+            <p:cNvPr id="16" name="TextBox 15"/>
+            <p:cNvSpPr txBox="1"/>
+            <p:nvPr/>
+          </p:nvSpPr>
+          <p:spPr>
+            <a:xfrm>
+              <a:off x="3707904" y="2132856"/>
+              <a:ext cx="864096" cy="253916"/>
+            </a:xfrm>
+            <a:prstGeom prst="rect">
+              <a:avLst/>
+            </a:prstGeom>
+            <a:noFill/>
+          </p:spPr>
+          <p:txBody>
+            <a:bodyPr wrap="square" rtlCol="0">
+              <a:spAutoFit/>
+            </a:bodyPr>
+            <a:lstStyle/>
+            <a:p>
+              <a:pPr marL="0" marR="0" lvl="0" indent="0" defTabSz="914400" eaLnBrk="1" fontAlgn="auto" latinLnBrk="0" hangingPunct="1">
+                <a:lnSpc>
+                  <a:spcPct val="100000"/>
+                </a:lnSpc>
+                <a:spcBef>
+                  <a:spcPts val="0"/>
+                </a:spcBef>
+                <a:spcAft>
+                  <a:spcPts val="0"/>
+                </a:spcAft>
+                <a:buClrTx/>
+                <a:buSzTx/>
+                <a:buFontTx/>
+                <a:buNone/>
+                <a:tabLst/>
+                <a:defRPr/>
+              </a:pPr>
+              <a:r>
+                <a:rPr kumimoji="0" lang="en-US" altLang="zh-CN" sz="1050" b="0" i="0" u="none" strike="noStrike" kern="0" cap="none" spc="0" normalizeH="0" baseline="0" noProof="0" dirty="0" err="1" smtClean="0">
+                  <a:ln>
+                    <a:noFill/>
+                  </a:ln>
+                  <a:solidFill>
+                    <a:sysClr val="windowText" lastClr="000000"/>
+                  </a:solidFill>
+                  <a:effectLst/>
+                  <a:uLnTx/>
+                  <a:uFillTx/>
+                </a:rPr>
+                <a:t>websocket</a:t>
+              </a:r>
+              <a:endParaRPr kumimoji="0" lang="zh-CN" altLang="en-US" sz="1050" b="0" i="0" u="none" strike="noStrike" kern="0" cap="none" spc="0" normalizeH="0" baseline="0" noProof="0" dirty="0">
+                <a:ln>
+                  <a:noFill/>
+                </a:ln>
+                <a:solidFill>
+                  <a:sysClr val="windowText" lastClr="000000"/>
+                </a:solidFill>
+                <a:effectLst/>
+                <a:uLnTx/>
+                <a:uFillTx/>
+              </a:endParaRPr>
+            </a:p>
+          </p:txBody>
+        </p:sp>
+        <p:sp>
+          <p:nvSpPr>
+            <p:cNvPr id="17" name="TextBox 16"/>
+            <p:cNvSpPr txBox="1"/>
+            <p:nvPr/>
+          </p:nvSpPr>
+          <p:spPr>
+            <a:xfrm>
+              <a:off x="4427984" y="2132856"/>
+              <a:ext cx="936104" cy="253916"/>
+            </a:xfrm>
+            <a:prstGeom prst="rect">
+              <a:avLst/>
+            </a:prstGeom>
+            <a:noFill/>
+          </p:spPr>
+          <p:txBody>
+            <a:bodyPr wrap="square" rtlCol="0">
+              <a:spAutoFit/>
+            </a:bodyPr>
+            <a:lstStyle/>
+            <a:p>
+              <a:pPr marL="0" marR="0" lvl="0" indent="0" defTabSz="914400" eaLnBrk="1" fontAlgn="auto" latinLnBrk="0" hangingPunct="1">
+                <a:lnSpc>
+                  <a:spcPct val="100000"/>
+                </a:lnSpc>
+                <a:spcBef>
+                  <a:spcPts val="0"/>
+                </a:spcBef>
+                <a:spcAft>
+                  <a:spcPts val="0"/>
+                </a:spcAft>
+                <a:buClrTx/>
+                <a:buSzTx/>
+                <a:buFontTx/>
+                <a:buNone/>
+                <a:tabLst/>
+                <a:defRPr/>
+              </a:pPr>
+              <a:r>
+                <a:rPr kumimoji="0" lang="en-US" altLang="zh-CN" sz="1050" b="0" i="0" u="none" strike="noStrike" kern="0" cap="none" spc="0" normalizeH="0" baseline="0" noProof="0" dirty="0" err="1" smtClean="0">
+                  <a:ln>
+                    <a:noFill/>
+                  </a:ln>
+                  <a:solidFill>
+                    <a:sysClr val="windowText" lastClr="000000"/>
+                  </a:solidFill>
+                  <a:effectLst/>
+                  <a:uLnTx/>
+                  <a:uFillTx/>
+                </a:rPr>
+                <a:t>flashsocket</a:t>
+              </a:r>
+              <a:endParaRPr kumimoji="0" lang="zh-CN" altLang="en-US" sz="1050" b="0" i="0" u="none" strike="noStrike" kern="0" cap="none" spc="0" normalizeH="0" baseline="0" noProof="0" dirty="0">
+                <a:ln>
+                  <a:noFill/>
+                </a:ln>
+                <a:solidFill>
+                  <a:sysClr val="windowText" lastClr="000000"/>
+                </a:solidFill>
+                <a:effectLst/>
+                <a:uLnTx/>
+                <a:uFillTx/>
+              </a:endParaRPr>
+            </a:p>
+          </p:txBody>
+        </p:sp>
+        <p:sp>
+          <p:nvSpPr>
+            <p:cNvPr id="18" name="矩形 19"/>
+            <p:cNvSpPr/>
+            <p:nvPr/>
+          </p:nvSpPr>
+          <p:spPr>
+            <a:xfrm rot="5400000">
+              <a:off x="738719" y="2293728"/>
+              <a:ext cx="1297919" cy="400110"/>
+            </a:xfrm>
+            <a:prstGeom prst="rect">
+              <a:avLst/>
+            </a:prstGeom>
+            <a:noFill/>
+          </p:spPr>
+          <p:txBody>
+            <a:bodyPr wrap="square" lIns="91440" tIns="45720" rIns="91440" bIns="45720">
+              <a:spAutoFit/>
+            </a:bodyPr>
+            <a:lstStyle/>
+            <a:p>
+              <a:pPr marL="0" marR="0" lvl="0" indent="0" algn="ctr" defTabSz="914400" eaLnBrk="1" fontAlgn="auto" latinLnBrk="0" hangingPunct="1">
+                <a:lnSpc>
+                  <a:spcPct val="100000"/>
+                </a:lnSpc>
+                <a:spcBef>
+                  <a:spcPts val="0"/>
+                </a:spcBef>
+                <a:spcAft>
+                  <a:spcPts val="0"/>
+                </a:spcAft>
+                <a:buClrTx/>
+                <a:buSzTx/>
+                <a:buFontTx/>
+                <a:buNone/>
+                <a:tabLst/>
+                <a:defRPr/>
+              </a:pPr>
+              <a:r>
+                <a:rPr kumimoji="0" lang="en-US" altLang="zh-CN" sz="2000" b="0" i="0" u="none" strike="noStrike" kern="0" cap="none" spc="0" normalizeH="0" baseline="0" noProof="0" dirty="0" smtClean="0">
+                  <a:ln w="18415" cmpd="sng">
+                    <a:solidFill>
+                      <a:srgbClr val="FFFFFF"/>
+                    </a:solidFill>
+                    <a:prstDash val="solid"/>
+                  </a:ln>
+                  <a:solidFill>
+                    <a:srgbClr val="FFFFFF"/>
+                  </a:solidFill>
+                  <a:effectLst>
+                    <a:outerShdw blurRad="63500" dir="3600000" algn="tl" rotWithShape="0">
+                      <a:srgbClr val="000000">
+                        <a:alpha val="70000"/>
+                      </a:srgbClr>
+                    </a:outerShdw>
+                  </a:effectLst>
+                  <a:uLnTx/>
+                  <a:uFillTx/>
+                </a:rPr>
+                <a:t>check</a:t>
+              </a:r>
+              <a:endParaRPr kumimoji="0" lang="zh-CN" altLang="en-US" sz="2000" b="0" i="0" u="none" strike="noStrike" kern="0" cap="none" spc="0" normalizeH="0" baseline="0" noProof="0" dirty="0">
+                <a:ln w="18415" cmpd="sng">
+                  <a:solidFill>
+                    <a:srgbClr val="FFFFFF"/>
+                  </a:solidFill>
+                  <a:prstDash val="solid"/>
+                </a:ln>
+                <a:solidFill>
+                  <a:srgbClr val="FFFFFF"/>
+                </a:solidFill>
+                <a:effectLst>
+                  <a:outerShdw blurRad="63500" dir="3600000" algn="tl" rotWithShape="0">
+                    <a:srgbClr val="000000">
+                      <a:alpha val="70000"/>
+                    </a:srgbClr>
+                  </a:outerShdw>
+                </a:effectLst>
+                <a:uLnTx/>
+                <a:uFillTx/>
+              </a:endParaRPr>
+            </a:p>
+          </p:txBody>
+        </p:sp>
+        <p:sp>
+          <p:nvSpPr>
+            <p:cNvPr id="19" name="矩形 20"/>
+            <p:cNvSpPr/>
+            <p:nvPr/>
+          </p:nvSpPr>
+          <p:spPr>
+            <a:xfrm rot="5400000">
+              <a:off x="2210817" y="2293729"/>
+              <a:ext cx="1297919" cy="400110"/>
+            </a:xfrm>
+            <a:prstGeom prst="rect">
+              <a:avLst/>
+            </a:prstGeom>
+            <a:noFill/>
+          </p:spPr>
+          <p:txBody>
+            <a:bodyPr wrap="square" lIns="91440" tIns="45720" rIns="91440" bIns="45720">
+              <a:spAutoFit/>
+            </a:bodyPr>
+            <a:lstStyle/>
+            <a:p>
+              <a:pPr marL="0" marR="0" lvl="0" indent="0" algn="ctr" defTabSz="914400" eaLnBrk="1" fontAlgn="auto" latinLnBrk="0" hangingPunct="1">
+                <a:lnSpc>
+                  <a:spcPct val="100000"/>
+                </a:lnSpc>
+                <a:spcBef>
+                  <a:spcPts val="0"/>
+                </a:spcBef>
+                <a:spcAft>
+                  <a:spcPts val="0"/>
+                </a:spcAft>
+                <a:buClrTx/>
+                <a:buSzTx/>
+                <a:buFontTx/>
+                <a:buNone/>
+                <a:tabLst/>
+                <a:defRPr/>
+              </a:pPr>
+              <a:r>
+                <a:rPr kumimoji="0" lang="en-US" altLang="zh-CN" sz="2000" b="0" i="0" u="none" strike="noStrike" kern="0" cap="none" spc="0" normalizeH="0" baseline="0" noProof="0" dirty="0" smtClean="0">
+                  <a:ln w="18415" cmpd="sng">
+                    <a:solidFill>
+                      <a:srgbClr val="FFFFFF"/>
+                    </a:solidFill>
+                    <a:prstDash val="solid"/>
+                  </a:ln>
+                  <a:solidFill>
+                    <a:srgbClr val="FFFFFF"/>
+                  </a:solidFill>
+                  <a:effectLst>
+                    <a:outerShdw blurRad="63500" dir="3600000" algn="tl" rotWithShape="0">
+                      <a:srgbClr val="000000">
+                        <a:alpha val="70000"/>
+                      </a:srgbClr>
+                    </a:outerShdw>
+                  </a:effectLst>
+                  <a:uLnTx/>
+                  <a:uFillTx/>
+                </a:rPr>
+                <a:t>cookie</a:t>
+              </a:r>
+              <a:endParaRPr kumimoji="0" lang="zh-CN" altLang="en-US" sz="2000" b="0" i="0" u="none" strike="noStrike" kern="0" cap="none" spc="0" normalizeH="0" baseline="0" noProof="0" dirty="0">
+                <a:ln w="18415" cmpd="sng">
+                  <a:solidFill>
+                    <a:srgbClr val="FFFFFF"/>
+                  </a:solidFill>
+                  <a:prstDash val="solid"/>
+                </a:ln>
+                <a:solidFill>
+                  <a:srgbClr val="FFFFFF"/>
+                </a:solidFill>
+                <a:effectLst>
+                  <a:outerShdw blurRad="63500" dir="3600000" algn="tl" rotWithShape="0">
+                    <a:srgbClr val="000000">
+                      <a:alpha val="70000"/>
+                    </a:srgbClr>
+                  </a:outerShdw>
+                </a:effectLst>
+                <a:uLnTx/>
+                <a:uFillTx/>
+              </a:endParaRPr>
+            </a:p>
+          </p:txBody>
+        </p:sp>
+        <p:cxnSp>
+          <p:nvCxnSpPr>
+            <p:cNvPr id="20" name="直接箭头连接符 21"/>
+            <p:cNvCxnSpPr/>
+            <p:nvPr/>
+          </p:nvCxnSpPr>
+          <p:spPr>
+            <a:xfrm rot="10800000" flipV="1">
+              <a:off x="3275856" y="4221088"/>
+              <a:ext cx="2160240" cy="1588"/>
+            </a:xfrm>
+            <a:prstGeom prst="straightConnector1">
+              <a:avLst/>
+            </a:prstGeom>
+            <a:noFill/>
+            <a:ln w="9525" cap="flat" cmpd="sng" algn="ctr">
+              <a:solidFill>
+                <a:srgbClr val="4F81BD">
+                  <a:shade val="95000"/>
+                  <a:satMod val="105000"/>
+                </a:srgbClr>
+              </a:solidFill>
+              <a:prstDash val="solid"/>
+              <a:tailEnd type="arrow"/>
+            </a:ln>
+            <a:effectLst/>
+          </p:spPr>
+        </p:cxnSp>
+        <p:sp>
+          <p:nvSpPr>
+            <p:cNvPr id="21" name="流程图: 过程 25"/>
+            <p:cNvSpPr/>
+            <p:nvPr/>
+          </p:nvSpPr>
+          <p:spPr>
+            <a:xfrm>
+              <a:off x="1547664" y="3645024"/>
+              <a:ext cx="1080120" cy="1368152"/>
+            </a:xfrm>
+            <a:prstGeom prst="flowChartProcess">
+              <a:avLst/>
+            </a:prstGeom>
+            <a:gradFill rotWithShape="1">
+              <a:gsLst>
+                <a:gs pos="0">
+                  <a:srgbClr val="4F81BD">
+                    <a:tint val="50000"/>
+                    <a:satMod val="300000"/>
+                  </a:srgbClr>
+                </a:gs>
+                <a:gs pos="35000">
+                  <a:srgbClr val="4F81BD">
+                    <a:tint val="37000"/>
+                    <a:satMod val="300000"/>
+                  </a:srgbClr>
+                </a:gs>
+                <a:gs pos="100000">
+                  <a:srgbClr val="4F81BD">
+                    <a:tint val="15000"/>
+                    <a:satMod val="350000"/>
+                  </a:srgbClr>
+                </a:gs>
+              </a:gsLst>
+              <a:lin ang="16200000" scaled="1"/>
+            </a:gradFill>
+            <a:ln w="9525" cap="flat" cmpd="sng" algn="ctr">
+              <a:solidFill>
+                <a:srgbClr val="4F81BD">
+                  <a:shade val="95000"/>
+                  <a:satMod val="105000"/>
+                </a:srgbClr>
+              </a:solidFill>
+              <a:prstDash val="solid"/>
+            </a:ln>
+            <a:effectLst>
+              <a:outerShdw blurRad="40000" dist="20000" dir="5400000" rotWithShape="0">
+                <a:srgbClr val="000000">
+                  <a:alpha val="38000"/>
+                </a:srgbClr>
+              </a:outerShdw>
+            </a:effectLst>
+          </p:spPr>
+          <p:txBody>
+            <a:bodyPr rtlCol="0" anchor="ctr"/>
+            <a:lstStyle/>
+            <a:p>
+              <a:pPr marL="0" marR="0" lvl="0" indent="0" algn="ctr" defTabSz="914400" eaLnBrk="1" fontAlgn="auto" latinLnBrk="0" hangingPunct="1">
+                <a:lnSpc>
+                  <a:spcPct val="100000"/>
+                </a:lnSpc>
+                <a:spcBef>
+                  <a:spcPts val="0"/>
+                </a:spcBef>
+                <a:spcAft>
+                  <a:spcPts val="0"/>
+                </a:spcAft>
+                <a:buClrTx/>
+                <a:buSzTx/>
+                <a:buFontTx/>
+                <a:buNone/>
+                <a:tabLst/>
+                <a:defRPr/>
+              </a:pPr>
+              <a:endParaRPr kumimoji="0" lang="zh-CN" altLang="en-US" sz="1800" b="0" i="0" u="none" strike="noStrike" kern="0" cap="none" spc="0" normalizeH="0" baseline="0" noProof="0" dirty="0">
+                <a:ln>
+                  <a:noFill/>
+                </a:ln>
+                <a:solidFill>
+                  <a:sysClr val="windowText" lastClr="000000"/>
+                </a:solidFill>
+                <a:effectLst/>
+                <a:uLnTx/>
+                <a:uFillTx/>
+                <a:latin typeface="Calibri"/>
+                <a:ea typeface="宋体"/>
+              </a:endParaRPr>
+            </a:p>
+          </p:txBody>
+        </p:sp>
+        <p:sp>
+          <p:nvSpPr>
+            <p:cNvPr id="22" name="TextBox 21"/>
+            <p:cNvSpPr txBox="1"/>
+            <p:nvPr/>
+          </p:nvSpPr>
+          <p:spPr>
+            <a:xfrm>
+              <a:off x="5724128" y="1988840"/>
+              <a:ext cx="1584176" cy="246221"/>
+            </a:xfrm>
+            <a:prstGeom prst="rect">
+              <a:avLst/>
+            </a:prstGeom>
+            <a:noFill/>
+          </p:spPr>
+          <p:txBody>
+            <a:bodyPr wrap="square" rtlCol="0">
+              <a:spAutoFit/>
+            </a:bodyPr>
+            <a:lstStyle/>
+            <a:p>
+              <a:pPr marL="0" marR="0" lvl="0" indent="0" defTabSz="914400" eaLnBrk="1" fontAlgn="auto" latinLnBrk="0" hangingPunct="1">
+                <a:lnSpc>
+                  <a:spcPct val="100000"/>
+                </a:lnSpc>
+                <a:spcBef>
+                  <a:spcPts val="0"/>
+                </a:spcBef>
+                <a:spcAft>
+                  <a:spcPts val="0"/>
+                </a:spcAft>
+                <a:buClrTx/>
+                <a:buSzTx/>
+                <a:buFontTx/>
+                <a:buNone/>
+                <a:tabLst/>
+                <a:defRPr/>
+              </a:pPr>
+              <a:r>
+                <a:rPr kumimoji="0" lang="en-US" altLang="zh-CN" sz="1000" b="0" i="0" u="none" strike="noStrike" kern="0" cap="none" spc="0" normalizeH="0" baseline="0" noProof="0" dirty="0" err="1" smtClean="0">
+                  <a:ln>
+                    <a:noFill/>
+                  </a:ln>
+                  <a:solidFill>
+                    <a:sysClr val="windowText" lastClr="000000"/>
+                  </a:solidFill>
+                  <a:effectLst/>
+                  <a:uLnTx/>
+                  <a:uFillTx/>
+                </a:rPr>
+                <a:t>Websocket</a:t>
+              </a:r>
+              <a:r>
+                <a:rPr kumimoji="0" lang="zh-CN" altLang="en-US" sz="1000" b="0" i="0" u="none" strike="noStrike" kern="0" cap="none" spc="0" normalizeH="0" baseline="0" noProof="0" dirty="0" smtClean="0">
+                  <a:ln>
+                    <a:noFill/>
+                  </a:ln>
+                  <a:solidFill>
+                    <a:sysClr val="windowText" lastClr="000000"/>
+                  </a:solidFill>
+                  <a:effectLst/>
+                  <a:uLnTx/>
+                  <a:uFillTx/>
+                </a:rPr>
+                <a:t>、</a:t>
+              </a:r>
+              <a:r>
+                <a:rPr kumimoji="0" lang="en-US" altLang="zh-CN" sz="1000" b="0" i="0" u="none" strike="noStrike" kern="0" cap="none" spc="0" normalizeH="0" baseline="0" noProof="0" dirty="0" err="1" smtClean="0">
+                  <a:ln>
+                    <a:noFill/>
+                  </a:ln>
+                  <a:solidFill>
+                    <a:sysClr val="windowText" lastClr="000000"/>
+                  </a:solidFill>
+                  <a:effectLst/>
+                  <a:uLnTx/>
+                  <a:uFillTx/>
+                </a:rPr>
+                <a:t>flashsocket</a:t>
+              </a:r>
+              <a:endParaRPr kumimoji="0" lang="zh-CN" altLang="en-US" sz="1000" b="0" i="0" u="none" strike="noStrike" kern="0" cap="none" spc="0" normalizeH="0" baseline="0" noProof="0" dirty="0">
+                <a:ln>
+                  <a:noFill/>
+                </a:ln>
+                <a:solidFill>
+                  <a:sysClr val="windowText" lastClr="000000"/>
+                </a:solidFill>
+                <a:effectLst/>
+                <a:uLnTx/>
+                <a:uFillTx/>
+              </a:endParaRPr>
+            </a:p>
+          </p:txBody>
+        </p:sp>
+        <p:sp>
+          <p:nvSpPr>
+            <p:cNvPr id="23" name="流程图: 过程 29"/>
+            <p:cNvSpPr/>
+            <p:nvPr/>
+          </p:nvSpPr>
+          <p:spPr>
+            <a:xfrm>
+              <a:off x="5652120" y="2492896"/>
+              <a:ext cx="1728192" cy="1152128"/>
+            </a:xfrm>
+            <a:prstGeom prst="flowChartProcess">
+              <a:avLst/>
+            </a:prstGeom>
+            <a:gradFill rotWithShape="1">
+              <a:gsLst>
+                <a:gs pos="0">
+                  <a:srgbClr val="4F81BD">
+                    <a:tint val="50000"/>
+                    <a:satMod val="300000"/>
+                  </a:srgbClr>
+                </a:gs>
+                <a:gs pos="35000">
+                  <a:srgbClr val="4F81BD">
+                    <a:tint val="37000"/>
+                    <a:satMod val="300000"/>
+                  </a:srgbClr>
+                </a:gs>
+                <a:gs pos="100000">
+                  <a:srgbClr val="4F81BD">
+                    <a:tint val="15000"/>
+                    <a:satMod val="350000"/>
+                  </a:srgbClr>
+                </a:gs>
+              </a:gsLst>
+              <a:lin ang="16200000" scaled="1"/>
+            </a:gradFill>
+            <a:ln w="9525" cap="flat" cmpd="sng" algn="ctr">
+              <a:solidFill>
+                <a:srgbClr val="4F81BD">
+                  <a:shade val="95000"/>
+                  <a:satMod val="105000"/>
+                </a:srgbClr>
+              </a:solidFill>
+              <a:prstDash val="solid"/>
+            </a:ln>
+            <a:effectLst>
+              <a:outerShdw blurRad="40000" dist="20000" dir="5400000" rotWithShape="0">
+                <a:srgbClr val="000000">
+                  <a:alpha val="38000"/>
+                </a:srgbClr>
+              </a:outerShdw>
+            </a:effectLst>
+          </p:spPr>
+          <p:txBody>
+            <a:bodyPr rtlCol="0" anchor="ctr"/>
+            <a:lstStyle/>
+            <a:p>
+              <a:pPr marL="0" marR="0" lvl="0" indent="0" algn="ctr" defTabSz="914400" eaLnBrk="1" fontAlgn="auto" latinLnBrk="0" hangingPunct="1">
+                <a:lnSpc>
+                  <a:spcPct val="100000"/>
+                </a:lnSpc>
+                <a:spcBef>
+                  <a:spcPts val="0"/>
+                </a:spcBef>
+                <a:spcAft>
+                  <a:spcPts val="0"/>
+                </a:spcAft>
+                <a:buClrTx/>
+                <a:buSzTx/>
+                <a:buFontTx/>
+                <a:buNone/>
+                <a:tabLst/>
+                <a:defRPr/>
+              </a:pPr>
+              <a:endParaRPr kumimoji="0" lang="zh-CN" altLang="en-US" sz="1800" b="0" i="0" u="none" strike="noStrike" kern="0" cap="none" spc="0" normalizeH="0" baseline="0" noProof="0" dirty="0">
+                <a:ln>
+                  <a:noFill/>
+                </a:ln>
+                <a:solidFill>
+                  <a:sysClr val="windowText" lastClr="000000"/>
+                </a:solidFill>
+                <a:effectLst/>
+                <a:uLnTx/>
+                <a:uFillTx/>
+                <a:latin typeface="Calibri"/>
+                <a:ea typeface="宋体"/>
+              </a:endParaRPr>
+            </a:p>
+          </p:txBody>
+        </p:sp>
+        <p:sp>
+          <p:nvSpPr>
+            <p:cNvPr id="24" name="TextBox 23"/>
+            <p:cNvSpPr txBox="1"/>
+            <p:nvPr/>
+          </p:nvSpPr>
+          <p:spPr>
+            <a:xfrm>
+              <a:off x="5796136" y="2564904"/>
+              <a:ext cx="1512168" cy="900246"/>
+            </a:xfrm>
+            <a:prstGeom prst="rect">
+              <a:avLst/>
+            </a:prstGeom>
+            <a:noFill/>
+          </p:spPr>
+          <p:txBody>
+            <a:bodyPr wrap="square" rtlCol="0">
+              <a:spAutoFit/>
+            </a:bodyPr>
+            <a:lstStyle/>
+            <a:p>
+              <a:pPr marL="0" marR="0" lvl="0" indent="0" defTabSz="914400" eaLnBrk="1" fontAlgn="auto" latinLnBrk="0" hangingPunct="1">
+                <a:lnSpc>
+                  <a:spcPct val="100000"/>
+                </a:lnSpc>
+                <a:spcBef>
+                  <a:spcPts val="0"/>
+                </a:spcBef>
+                <a:spcAft>
+                  <a:spcPts val="0"/>
+                </a:spcAft>
+                <a:buClrTx/>
+                <a:buSzTx/>
+                <a:buFontTx/>
+                <a:buNone/>
+                <a:tabLst/>
+                <a:defRPr/>
+              </a:pPr>
+              <a:r>
+                <a:rPr kumimoji="0" lang="en-US" altLang="zh-CN" sz="1050" b="0" i="0" u="none" strike="noStrike" kern="0" cap="none" spc="0" normalizeH="0" baseline="0" noProof="0" dirty="0" smtClean="0">
+                  <a:ln>
+                    <a:noFill/>
+                  </a:ln>
+                  <a:solidFill>
+                    <a:sysClr val="windowText" lastClr="000000"/>
+                  </a:solidFill>
+                  <a:effectLst/>
+                  <a:uLnTx/>
+                  <a:uFillTx/>
+                </a:rPr>
+                <a:t>Listen to client’s different connection requests</a:t>
+              </a:r>
+              <a:r>
+                <a:rPr kumimoji="0" lang="en-US" altLang="zh-CN" sz="1050" b="0" i="0" u="none" strike="noStrike" kern="0" cap="none" spc="0" normalizeH="0" noProof="0" dirty="0" smtClean="0">
+                  <a:ln>
+                    <a:noFill/>
+                  </a:ln>
+                  <a:solidFill>
+                    <a:sysClr val="windowText" lastClr="000000"/>
+                  </a:solidFill>
+                  <a:effectLst/>
+                  <a:uLnTx/>
+                  <a:uFillTx/>
+                </a:rPr>
+                <a:t> and then </a:t>
+              </a:r>
+              <a:r>
+                <a:rPr kumimoji="0" lang="en-US" altLang="zh-CN" sz="1050" b="0" i="0" u="none" strike="noStrike" kern="0" cap="none" spc="0" normalizeH="0" baseline="0" noProof="0" dirty="0" err="1" smtClean="0">
+                  <a:ln>
+                    <a:noFill/>
+                  </a:ln>
+                  <a:solidFill>
+                    <a:sysClr val="windowText" lastClr="000000"/>
+                  </a:solidFill>
+                  <a:effectLst/>
+                  <a:uLnTx/>
+                  <a:uFillTx/>
+                </a:rPr>
+                <a:t>init</a:t>
+              </a:r>
+              <a:r>
+                <a:rPr kumimoji="0" lang="en-US" altLang="zh-CN" sz="1050" b="0" i="0" u="none" strike="noStrike" kern="0" cap="none" spc="0" normalizeH="0" baseline="0" noProof="0" dirty="0" smtClean="0">
+                  <a:ln>
+                    <a:noFill/>
+                  </a:ln>
+                  <a:solidFill>
+                    <a:sysClr val="windowText" lastClr="000000"/>
+                  </a:solidFill>
+                  <a:effectLst/>
+                  <a:uLnTx/>
+                  <a:uFillTx/>
+                </a:rPr>
+                <a:t> the relevant</a:t>
+              </a:r>
+              <a:r>
+                <a:rPr kumimoji="0" lang="en-US" altLang="zh-CN" sz="1050" b="0" i="0" u="none" strike="noStrike" kern="0" cap="none" spc="0" normalizeH="0" noProof="0" dirty="0" smtClean="0">
+                  <a:ln>
+                    <a:noFill/>
+                  </a:ln>
+                  <a:solidFill>
+                    <a:sysClr val="windowText" lastClr="000000"/>
+                  </a:solidFill>
+                  <a:effectLst/>
+                  <a:uLnTx/>
+                  <a:uFillTx/>
+                </a:rPr>
+                <a:t> </a:t>
+              </a:r>
+              <a:r>
+                <a:rPr kumimoji="0" lang="en-US" altLang="zh-CN" sz="1050" b="0" i="0" u="none" strike="noStrike" kern="0" cap="none" spc="0" normalizeH="0" baseline="0" noProof="0" dirty="0" smtClean="0">
+                  <a:ln>
+                    <a:noFill/>
+                  </a:ln>
+                  <a:solidFill>
+                    <a:sysClr val="windowText" lastClr="000000"/>
+                  </a:solidFill>
+                  <a:effectLst/>
+                  <a:uLnTx/>
+                  <a:uFillTx/>
+                </a:rPr>
+                <a:t>server side socket</a:t>
+              </a:r>
+              <a:endParaRPr kumimoji="0" lang="zh-CN" altLang="en-US" sz="1050" b="0" i="0" u="none" strike="noStrike" kern="0" cap="none" spc="0" normalizeH="0" baseline="0" noProof="0" dirty="0">
+                <a:ln>
+                  <a:noFill/>
+                </a:ln>
+                <a:solidFill>
+                  <a:sysClr val="windowText" lastClr="000000"/>
+                </a:solidFill>
+                <a:effectLst/>
+                <a:uLnTx/>
+                <a:uFillTx/>
+              </a:endParaRPr>
+            </a:p>
+          </p:txBody>
+        </p:sp>
+        <p:sp>
+          <p:nvSpPr>
+            <p:cNvPr id="25" name="流程图: 过程 31"/>
+            <p:cNvSpPr/>
+            <p:nvPr/>
+          </p:nvSpPr>
+          <p:spPr>
+            <a:xfrm>
+              <a:off x="5652120" y="3861048"/>
+              <a:ext cx="1728192" cy="1152128"/>
+            </a:xfrm>
+            <a:prstGeom prst="flowChartProcess">
+              <a:avLst/>
+            </a:prstGeom>
+            <a:gradFill rotWithShape="1">
+              <a:gsLst>
+                <a:gs pos="0">
+                  <a:srgbClr val="4F81BD">
+                    <a:tint val="50000"/>
+                    <a:satMod val="300000"/>
+                  </a:srgbClr>
+                </a:gs>
+                <a:gs pos="35000">
+                  <a:srgbClr val="4F81BD">
+                    <a:tint val="37000"/>
+                    <a:satMod val="300000"/>
+                  </a:srgbClr>
+                </a:gs>
+                <a:gs pos="100000">
+                  <a:srgbClr val="4F81BD">
+                    <a:tint val="15000"/>
+                    <a:satMod val="350000"/>
+                  </a:srgbClr>
+                </a:gs>
+              </a:gsLst>
+              <a:lin ang="16200000" scaled="1"/>
+            </a:gradFill>
+            <a:ln w="9525" cap="flat" cmpd="sng" algn="ctr">
+              <a:solidFill>
+                <a:srgbClr val="4F81BD">
+                  <a:shade val="95000"/>
+                  <a:satMod val="105000"/>
+                </a:srgbClr>
+              </a:solidFill>
+              <a:prstDash val="solid"/>
+            </a:ln>
+            <a:effectLst>
+              <a:outerShdw blurRad="40000" dist="20000" dir="5400000" rotWithShape="0">
+                <a:srgbClr val="000000">
+                  <a:alpha val="38000"/>
+                </a:srgbClr>
+              </a:outerShdw>
+            </a:effectLst>
+          </p:spPr>
+          <p:txBody>
+            <a:bodyPr rtlCol="0" anchor="ctr"/>
+            <a:lstStyle/>
+            <a:p>
+              <a:pPr marL="0" marR="0" lvl="0" indent="0" algn="ctr" defTabSz="914400" eaLnBrk="1" fontAlgn="auto" latinLnBrk="0" hangingPunct="1">
+                <a:lnSpc>
+                  <a:spcPct val="100000"/>
+                </a:lnSpc>
+                <a:spcBef>
+                  <a:spcPts val="0"/>
+                </a:spcBef>
+                <a:spcAft>
+                  <a:spcPts val="0"/>
+                </a:spcAft>
+                <a:buClrTx/>
+                <a:buSzTx/>
+                <a:buFontTx/>
+                <a:buNone/>
+                <a:tabLst/>
+                <a:defRPr/>
+              </a:pPr>
+              <a:endParaRPr kumimoji="0" lang="zh-CN" altLang="en-US" sz="1800" b="0" i="0" u="none" strike="noStrike" kern="0" cap="none" spc="0" normalizeH="0" baseline="0" noProof="0" dirty="0">
+                <a:ln>
+                  <a:noFill/>
+                </a:ln>
+                <a:solidFill>
+                  <a:sysClr val="windowText" lastClr="000000"/>
+                </a:solidFill>
+                <a:effectLst/>
+                <a:uLnTx/>
+                <a:uFillTx/>
+                <a:latin typeface="Calibri"/>
+                <a:ea typeface="宋体"/>
+              </a:endParaRPr>
+            </a:p>
+          </p:txBody>
+        </p:sp>
+        <p:sp>
+          <p:nvSpPr>
+            <p:cNvPr id="26" name="TextBox 25"/>
+            <p:cNvSpPr txBox="1"/>
+            <p:nvPr/>
+          </p:nvSpPr>
+          <p:spPr>
+            <a:xfrm>
+              <a:off x="5796136" y="4005064"/>
+              <a:ext cx="1440160" cy="400110"/>
+            </a:xfrm>
+            <a:prstGeom prst="rect">
+              <a:avLst/>
+            </a:prstGeom>
+            <a:noFill/>
+          </p:spPr>
+          <p:txBody>
+            <a:bodyPr wrap="square" rtlCol="0">
+              <a:spAutoFit/>
+            </a:bodyPr>
+            <a:lstStyle/>
+            <a:p>
+              <a:pPr marL="0" marR="0" lvl="0" indent="0" defTabSz="914400" eaLnBrk="1" fontAlgn="auto" latinLnBrk="0" hangingPunct="1">
+                <a:lnSpc>
+                  <a:spcPct val="100000"/>
+                </a:lnSpc>
+                <a:spcBef>
+                  <a:spcPts val="0"/>
+                </a:spcBef>
+                <a:spcAft>
+                  <a:spcPts val="0"/>
+                </a:spcAft>
+                <a:buClrTx/>
+                <a:buSzTx/>
+                <a:buFontTx/>
+                <a:buNone/>
+                <a:tabLst/>
+                <a:defRPr/>
+              </a:pPr>
+              <a:r>
+                <a:rPr kumimoji="0" lang="en-US" altLang="zh-CN" sz="1000" b="0" i="0" u="none" strike="noStrike" kern="0" cap="none" spc="0" normalizeH="0" baseline="0" noProof="0" dirty="0" err="1" smtClean="0">
+                  <a:ln>
+                    <a:noFill/>
+                  </a:ln>
+                  <a:solidFill>
+                    <a:sysClr val="windowText" lastClr="000000"/>
+                  </a:solidFill>
+                  <a:effectLst/>
+                  <a:uLnTx/>
+                  <a:uFillTx/>
+                </a:rPr>
+                <a:t>Request.end</a:t>
+              </a:r>
+              <a:r>
+                <a:rPr kumimoji="0" lang="en-US" altLang="zh-CN" sz="1000" b="0" i="0" u="none" strike="noStrike" kern="0" cap="none" spc="0" normalizeH="0" baseline="0" noProof="0" dirty="0" smtClean="0">
+                  <a:ln>
+                    <a:noFill/>
+                  </a:ln>
+                  <a:solidFill>
+                    <a:sysClr val="windowText" lastClr="000000"/>
+                  </a:solidFill>
+                  <a:effectLst/>
+                  <a:uLnTx/>
+                  <a:uFillTx/>
+                </a:rPr>
+                <a:t>();</a:t>
+              </a:r>
+            </a:p>
+            <a:p>
+              <a:pPr marL="0" marR="0" lvl="0" indent="0" defTabSz="914400" eaLnBrk="1" fontAlgn="auto" latinLnBrk="0" hangingPunct="1">
+                <a:lnSpc>
+                  <a:spcPct val="100000"/>
+                </a:lnSpc>
+                <a:spcBef>
+                  <a:spcPts val="0"/>
+                </a:spcBef>
+                <a:spcAft>
+                  <a:spcPts val="0"/>
+                </a:spcAft>
+                <a:buClrTx/>
+                <a:buSzTx/>
+                <a:buFontTx/>
+                <a:buNone/>
+                <a:tabLst/>
+                <a:defRPr/>
+              </a:pPr>
+              <a:r>
+                <a:rPr kumimoji="0" lang="en-US" altLang="zh-CN" sz="1000" b="0" i="0" u="none" strike="noStrike" kern="0" cap="none" spc="0" normalizeH="0" baseline="0" noProof="0" dirty="0" err="1" smtClean="0">
+                  <a:ln>
+                    <a:noFill/>
+                  </a:ln>
+                  <a:solidFill>
+                    <a:sysClr val="windowText" lastClr="000000"/>
+                  </a:solidFill>
+                  <a:effectLst/>
+                  <a:uLnTx/>
+                  <a:uFillTx/>
+                </a:rPr>
+                <a:t>Response.write</a:t>
+              </a:r>
+              <a:r>
+                <a:rPr kumimoji="0" lang="en-US" altLang="zh-CN" sz="1000" b="0" i="0" u="none" strike="noStrike" kern="0" cap="none" spc="0" normalizeH="0" baseline="0" noProof="0" dirty="0" smtClean="0">
+                  <a:ln>
+                    <a:noFill/>
+                  </a:ln>
+                  <a:solidFill>
+                    <a:sysClr val="windowText" lastClr="000000"/>
+                  </a:solidFill>
+                  <a:effectLst/>
+                  <a:uLnTx/>
+                  <a:uFillTx/>
+                </a:rPr>
+                <a:t>(data);</a:t>
+              </a:r>
+              <a:endParaRPr kumimoji="0" lang="zh-CN" altLang="en-US" sz="1000" b="0" i="0" u="none" strike="noStrike" kern="0" cap="none" spc="0" normalizeH="0" baseline="0" noProof="0" dirty="0">
+                <a:ln>
+                  <a:noFill/>
+                </a:ln>
+                <a:solidFill>
+                  <a:sysClr val="windowText" lastClr="000000"/>
+                </a:solidFill>
+                <a:effectLst/>
+                <a:uLnTx/>
+                <a:uFillTx/>
+              </a:endParaRPr>
+            </a:p>
+          </p:txBody>
+        </p:sp>
+        <p:sp>
+          <p:nvSpPr>
+            <p:cNvPr id="27" name="TextBox 26"/>
+            <p:cNvSpPr txBox="1"/>
+            <p:nvPr/>
+          </p:nvSpPr>
+          <p:spPr>
+            <a:xfrm>
+              <a:off x="1691680" y="3933056"/>
+              <a:ext cx="720080" cy="707886"/>
+            </a:xfrm>
+            <a:prstGeom prst="rect">
+              <a:avLst/>
+            </a:prstGeom>
+            <a:noFill/>
+          </p:spPr>
+          <p:txBody>
+            <a:bodyPr wrap="square" rtlCol="0">
+              <a:spAutoFit/>
+            </a:bodyPr>
+            <a:lstStyle/>
+            <a:p>
+              <a:pPr marL="0" marR="0" lvl="0" indent="0" defTabSz="914400" eaLnBrk="1" fontAlgn="auto" latinLnBrk="0" hangingPunct="1">
+                <a:lnSpc>
+                  <a:spcPct val="100000"/>
+                </a:lnSpc>
+                <a:spcBef>
+                  <a:spcPts val="0"/>
+                </a:spcBef>
+                <a:spcAft>
+                  <a:spcPts val="0"/>
+                </a:spcAft>
+                <a:buClrTx/>
+                <a:buSzTx/>
+                <a:buFontTx/>
+                <a:buNone/>
+                <a:tabLst/>
+                <a:defRPr/>
+              </a:pPr>
+              <a:r>
+                <a:rPr kumimoji="0" lang="en-US" altLang="zh-CN" sz="1000" b="0" i="0" u="none" strike="noStrike" kern="0" cap="none" spc="0" normalizeH="0" baseline="0" noProof="0" dirty="0" smtClean="0">
+                  <a:ln>
+                    <a:noFill/>
+                  </a:ln>
+                  <a:solidFill>
+                    <a:sysClr val="windowText" lastClr="000000"/>
+                  </a:solidFill>
+                  <a:effectLst/>
+                  <a:uLnTx/>
+                  <a:uFillTx/>
+                </a:rPr>
+                <a:t>Receive data and handle them</a:t>
+              </a:r>
+              <a:endParaRPr kumimoji="0" lang="zh-CN" altLang="en-US" sz="1000" b="0" i="0" u="none" strike="noStrike" kern="0" cap="none" spc="0" normalizeH="0" baseline="0" noProof="0" dirty="0">
+                <a:ln>
+                  <a:noFill/>
+                </a:ln>
+                <a:solidFill>
+                  <a:sysClr val="windowText" lastClr="000000"/>
+                </a:solidFill>
+                <a:effectLst/>
+                <a:uLnTx/>
+                <a:uFillTx/>
+              </a:endParaRPr>
+            </a:p>
+          </p:txBody>
+        </p:sp>
+      </p:grpSp>
+    </p:spTree>
+    <p:extLst>
+      <p:ext uri="{BB962C8B-B14F-4D97-AF65-F5344CB8AC3E}">
+        <p14:creationId xmlns:p14="http://schemas.microsoft.com/office/powerpoint/2010/main" val="3044507528"/>
+      </p:ext>
+    </p:extLst>
+  </p:cSld>
+  <p:clrMapOvr>
+    <a:masterClrMapping/>
+  </p:clrMapOvr>
+</p:sld>
+</file>
+
+<file path=ppt/slides/slide36.xml><?xml version="1.0" encoding="utf-8"?>
+<p:sld xmlns:a="http://schemas.openxmlformats.org/drawingml/2006/main" xmlns:r="http://schemas.openxmlformats.org/officeDocument/2006/relationships" xmlns:p="http://schemas.openxmlformats.org/presentationml/2006/main">
+  <p:cSld>
+    <p:spTree>
+      <p:nvGrpSpPr>
+        <p:cNvPr id="1" name=""/>
+        <p:cNvGrpSpPr/>
+        <p:nvPr/>
+      </p:nvGrpSpPr>
+      <p:grpSpPr>
+        <a:xfrm>
+          <a:off x="0" y="0"/>
+          <a:ext cx="0" cy="0"/>
+          <a:chOff x="0" y="0"/>
+          <a:chExt cx="0" cy="0"/>
+        </a:xfrm>
+      </p:grpSpPr>
+      <p:sp>
+        <p:nvSpPr>
+          <p:cNvPr id="3" name="Title 2"/>
+          <p:cNvSpPr>
+            <a:spLocks noGrp="1"/>
+          </p:cNvSpPr>
+          <p:nvPr>
+            <p:ph type="title"/>
+          </p:nvPr>
+        </p:nvSpPr>
+        <p:spPr/>
+        <p:txBody>
+          <a:bodyPr/>
+          <a:lstStyle/>
+          <a:p>
+            <a:r>
               <a:rPr lang="en-US" dirty="0" smtClean="0">
                 <a:hlinkClick r:id="rId2"/>
               </a:rPr>
@@ -20686,7 +22705,7 @@
 </p:sld>
 </file>
 
-<file path=ppt/slides/slide36.xml><?xml version="1.0" encoding="utf-8"?>
+<file path=ppt/slides/slide37.xml><?xml version="1.0" encoding="utf-8"?>
 <p:sld xmlns:a="http://schemas.openxmlformats.org/drawingml/2006/main" xmlns:r="http://schemas.openxmlformats.org/officeDocument/2006/relationships" xmlns:p="http://schemas.openxmlformats.org/presentationml/2006/main">
   <p:cSld>
     <p:spTree>
@@ -21070,7 +23089,7 @@
 </p:sld>
 </file>
 
-<file path=ppt/slides/slide37.xml><?xml version="1.0" encoding="utf-8"?>
+<file path=ppt/slides/slide38.xml><?xml version="1.0" encoding="utf-8"?>
 <p:sld xmlns:a="http://schemas.openxmlformats.org/drawingml/2006/main" xmlns:r="http://schemas.openxmlformats.org/officeDocument/2006/relationships" xmlns:p="http://schemas.openxmlformats.org/presentationml/2006/main">
   <p:cSld>
     <p:spTree>
@@ -21322,7 +23341,7 @@
 </p:sld>
 </file>
 
-<file path=ppt/slides/slide38.xml><?xml version="1.0" encoding="utf-8"?>
+<file path=ppt/slides/slide39.xml><?xml version="1.0" encoding="utf-8"?>
 <p:sld xmlns:a="http://schemas.openxmlformats.org/drawingml/2006/main" xmlns:r="http://schemas.openxmlformats.org/officeDocument/2006/relationships" xmlns:p="http://schemas.openxmlformats.org/presentationml/2006/main">
   <p:cSld>
     <p:spTree>
@@ -21413,155 +23432,6 @@
     <p:extLst>
       <p:ext uri="{BB962C8B-B14F-4D97-AF65-F5344CB8AC3E}">
         <p14:creationId xmlns:p14="http://schemas.microsoft.com/office/powerpoint/2010/main" val="3587972048"/>
-      </p:ext>
-    </p:extLst>
-  </p:cSld>
-  <p:clrMapOvr>
-    <a:masterClrMapping/>
-  </p:clrMapOvr>
-  <p:timing>
-    <p:tnLst>
-      <p:par>
-        <p:cTn id="1" dur="indefinite" restart="never" nodeType="tmRoot"/>
-      </p:par>
-    </p:tnLst>
-  </p:timing>
-</p:sld>
-</file>
-
-<file path=ppt/slides/slide39.xml><?xml version="1.0" encoding="utf-8"?>
-<p:sld xmlns:a="http://schemas.openxmlformats.org/drawingml/2006/main" xmlns:r="http://schemas.openxmlformats.org/officeDocument/2006/relationships" xmlns:p="http://schemas.openxmlformats.org/presentationml/2006/main">
-  <p:cSld>
-    <p:spTree>
-      <p:nvGrpSpPr>
-        <p:cNvPr id="1" name=""/>
-        <p:cNvGrpSpPr/>
-        <p:nvPr/>
-      </p:nvGrpSpPr>
-      <p:grpSpPr>
-        <a:xfrm>
-          <a:off x="0" y="0"/>
-          <a:ext cx="0" cy="0"/>
-          <a:chOff x="0" y="0"/>
-          <a:chExt cx="0" cy="0"/>
-        </a:xfrm>
-      </p:grpSpPr>
-      <p:sp>
-        <p:nvSpPr>
-          <p:cNvPr id="3" name="Content Placeholder 2"/>
-          <p:cNvSpPr>
-            <a:spLocks noGrp="1"/>
-          </p:cNvSpPr>
-          <p:nvPr>
-            <p:ph sz="quarter" idx="10"/>
-          </p:nvPr>
-        </p:nvSpPr>
-        <p:spPr>
-          <a:xfrm>
-            <a:off x="3347864" y="5301208"/>
-            <a:ext cx="1872208" cy="360040"/>
-          </a:xfrm>
-        </p:spPr>
-        <p:txBody>
-          <a:bodyPr>
-            <a:normAutofit/>
-          </a:bodyPr>
-          <a:lstStyle/>
-          <a:p>
-            <a:r>
-              <a:rPr lang="en-US" sz="1600" dirty="0" smtClean="0"/>
-              <a:t>A calendar </a:t>
-            </a:r>
-            <a:r>
-              <a:rPr lang="en-US" dirty="0">
-                <a:hlinkClick r:id="rId2"/>
-              </a:rPr>
-              <a:t>REF</a:t>
-            </a:r>
-            <a:r>
-              <a:rPr lang="en-US" dirty="0"/>
-              <a:t> </a:t>
-            </a:r>
-          </a:p>
-          <a:p>
-            <a:endParaRPr lang="en-US" sz="1800" dirty="0"/>
-          </a:p>
-        </p:txBody>
-      </p:sp>
-      <p:sp>
-        <p:nvSpPr>
-          <p:cNvPr id="2" name="Title 1"/>
-          <p:cNvSpPr>
-            <a:spLocks noGrp="1"/>
-          </p:cNvSpPr>
-          <p:nvPr>
-            <p:ph type="title"/>
-          </p:nvPr>
-        </p:nvSpPr>
-        <p:spPr/>
-        <p:txBody>
-          <a:bodyPr/>
-          <a:lstStyle/>
-          <a:p>
-            <a:r>
-              <a:rPr lang="en-US" dirty="0" err="1"/>
-              <a:t>NodeJS</a:t>
-            </a:r>
-            <a:r>
-              <a:rPr lang="en-US" dirty="0"/>
-              <a:t> project examples</a:t>
-            </a:r>
-          </a:p>
-        </p:txBody>
-      </p:sp>
-      <p:pic>
-        <p:nvPicPr>
-          <p:cNvPr id="4" name="Picture 3"/>
-          <p:cNvPicPr>
-            <a:picLocks noChangeAspect="1"/>
-          </p:cNvPicPr>
-          <p:nvPr/>
-        </p:nvPicPr>
-        <p:blipFill>
-          <a:blip r:embed="rId3">
-            <a:extLst>
-              <a:ext uri="{28A0092B-C50C-407E-A947-70E740481C1C}">
-                <a14:useLocalDpi xmlns:a14="http://schemas.microsoft.com/office/drawing/2010/main" val="0"/>
-              </a:ext>
-            </a:extLst>
-          </a:blip>
-          <a:stretch>
-            <a:fillRect/>
-          </a:stretch>
-        </p:blipFill>
-        <p:spPr>
-          <a:xfrm>
-            <a:off x="899592" y="1764763"/>
-            <a:ext cx="6768752" cy="3401194"/>
-          </a:xfrm>
-          <a:prstGeom prst="rect">
-            <a:avLst/>
-          </a:prstGeom>
-        </p:spPr>
-        <p:style>
-          <a:lnRef idx="1">
-            <a:schemeClr val="accent3"/>
-          </a:lnRef>
-          <a:fillRef idx="3">
-            <a:schemeClr val="accent3"/>
-          </a:fillRef>
-          <a:effectRef idx="2">
-            <a:schemeClr val="accent3"/>
-          </a:effectRef>
-          <a:fontRef idx="minor">
-            <a:schemeClr val="lt1"/>
-          </a:fontRef>
-        </p:style>
-      </p:pic>
-    </p:spTree>
-    <p:extLst>
-      <p:ext uri="{BB962C8B-B14F-4D97-AF65-F5344CB8AC3E}">
-        <p14:creationId xmlns:p14="http://schemas.microsoft.com/office/powerpoint/2010/main" val="2569918892"/>
       </p:ext>
     </p:extLst>
   </p:cSld>
@@ -21910,6 +23780,155 @@
       </p:grpSpPr>
       <p:sp>
         <p:nvSpPr>
+          <p:cNvPr id="3" name="Content Placeholder 2"/>
+          <p:cNvSpPr>
+            <a:spLocks noGrp="1"/>
+          </p:cNvSpPr>
+          <p:nvPr>
+            <p:ph sz="quarter" idx="10"/>
+          </p:nvPr>
+        </p:nvSpPr>
+        <p:spPr>
+          <a:xfrm>
+            <a:off x="3347864" y="5301208"/>
+            <a:ext cx="1872208" cy="360040"/>
+          </a:xfrm>
+        </p:spPr>
+        <p:txBody>
+          <a:bodyPr>
+            <a:normAutofit/>
+          </a:bodyPr>
+          <a:lstStyle/>
+          <a:p>
+            <a:r>
+              <a:rPr lang="en-US" sz="1600" dirty="0" smtClean="0"/>
+              <a:t>A calendar </a:t>
+            </a:r>
+            <a:r>
+              <a:rPr lang="en-US" dirty="0">
+                <a:hlinkClick r:id="rId2"/>
+              </a:rPr>
+              <a:t>REF</a:t>
+            </a:r>
+            <a:r>
+              <a:rPr lang="en-US" dirty="0"/>
+              <a:t> </a:t>
+            </a:r>
+          </a:p>
+          <a:p>
+            <a:endParaRPr lang="en-US" sz="1800" dirty="0"/>
+          </a:p>
+        </p:txBody>
+      </p:sp>
+      <p:sp>
+        <p:nvSpPr>
+          <p:cNvPr id="2" name="Title 1"/>
+          <p:cNvSpPr>
+            <a:spLocks noGrp="1"/>
+          </p:cNvSpPr>
+          <p:nvPr>
+            <p:ph type="title"/>
+          </p:nvPr>
+        </p:nvSpPr>
+        <p:spPr/>
+        <p:txBody>
+          <a:bodyPr/>
+          <a:lstStyle/>
+          <a:p>
+            <a:r>
+              <a:rPr lang="en-US" dirty="0" err="1"/>
+              <a:t>NodeJS</a:t>
+            </a:r>
+            <a:r>
+              <a:rPr lang="en-US" dirty="0"/>
+              <a:t> project examples</a:t>
+            </a:r>
+          </a:p>
+        </p:txBody>
+      </p:sp>
+      <p:pic>
+        <p:nvPicPr>
+          <p:cNvPr id="4" name="Picture 3"/>
+          <p:cNvPicPr>
+            <a:picLocks noChangeAspect="1"/>
+          </p:cNvPicPr>
+          <p:nvPr/>
+        </p:nvPicPr>
+        <p:blipFill>
+          <a:blip r:embed="rId3">
+            <a:extLst>
+              <a:ext uri="{28A0092B-C50C-407E-A947-70E740481C1C}">
+                <a14:useLocalDpi xmlns:a14="http://schemas.microsoft.com/office/drawing/2010/main" val="0"/>
+              </a:ext>
+            </a:extLst>
+          </a:blip>
+          <a:stretch>
+            <a:fillRect/>
+          </a:stretch>
+        </p:blipFill>
+        <p:spPr>
+          <a:xfrm>
+            <a:off x="899592" y="1764763"/>
+            <a:ext cx="6768752" cy="3401194"/>
+          </a:xfrm>
+          <a:prstGeom prst="rect">
+            <a:avLst/>
+          </a:prstGeom>
+        </p:spPr>
+        <p:style>
+          <a:lnRef idx="1">
+            <a:schemeClr val="accent3"/>
+          </a:lnRef>
+          <a:fillRef idx="3">
+            <a:schemeClr val="accent3"/>
+          </a:fillRef>
+          <a:effectRef idx="2">
+            <a:schemeClr val="accent3"/>
+          </a:effectRef>
+          <a:fontRef idx="minor">
+            <a:schemeClr val="lt1"/>
+          </a:fontRef>
+        </p:style>
+      </p:pic>
+    </p:spTree>
+    <p:extLst>
+      <p:ext uri="{BB962C8B-B14F-4D97-AF65-F5344CB8AC3E}">
+        <p14:creationId xmlns:p14="http://schemas.microsoft.com/office/powerpoint/2010/main" val="2569918892"/>
+      </p:ext>
+    </p:extLst>
+  </p:cSld>
+  <p:clrMapOvr>
+    <a:masterClrMapping/>
+  </p:clrMapOvr>
+  <p:timing>
+    <p:tnLst>
+      <p:par>
+        <p:cTn id="1" dur="indefinite" restart="never" nodeType="tmRoot"/>
+      </p:par>
+    </p:tnLst>
+  </p:timing>
+</p:sld>
+</file>
+
+<file path=ppt/slides/slide41.xml><?xml version="1.0" encoding="utf-8"?>
+<p:sld xmlns:a="http://schemas.openxmlformats.org/drawingml/2006/main" xmlns:r="http://schemas.openxmlformats.org/officeDocument/2006/relationships" xmlns:p="http://schemas.openxmlformats.org/presentationml/2006/main">
+  <p:cSld>
+    <p:spTree>
+      <p:nvGrpSpPr>
+        <p:cNvPr id="1" name=""/>
+        <p:cNvGrpSpPr/>
+        <p:nvPr/>
+      </p:nvGrpSpPr>
+      <p:grpSpPr>
+        <a:xfrm>
+          <a:off x="0" y="0"/>
+          <a:ext cx="0" cy="0"/>
+          <a:chOff x="0" y="0"/>
+          <a:chExt cx="0" cy="0"/>
+        </a:xfrm>
+      </p:grpSpPr>
+      <p:sp>
+        <p:nvSpPr>
           <p:cNvPr id="2" name="Content Placeholder 1"/>
           <p:cNvSpPr>
             <a:spLocks noGrp="1"/>
@@ -22104,7 +24123,7 @@
 </p:sld>
 </file>
 
-<file path=ppt/slides/slide41.xml><?xml version="1.0" encoding="utf-8"?>
+<file path=ppt/slides/slide42.xml><?xml version="1.0" encoding="utf-8"?>
 <p:sld xmlns:a="http://schemas.openxmlformats.org/drawingml/2006/main" xmlns:r="http://schemas.openxmlformats.org/officeDocument/2006/relationships" xmlns:p="http://schemas.openxmlformats.org/presentationml/2006/main">
   <p:cSld>
     <p:spTree>
@@ -22542,7 +24561,7 @@
 </p:sld>
 </file>
 
-<file path=ppt/slides/slide42.xml><?xml version="1.0" encoding="utf-8"?>
+<file path=ppt/slides/slide43.xml><?xml version="1.0" encoding="utf-8"?>
 <p:sld xmlns:a="http://schemas.openxmlformats.org/drawingml/2006/main" xmlns:r="http://schemas.openxmlformats.org/officeDocument/2006/relationships" xmlns:p="http://schemas.openxmlformats.org/presentationml/2006/main">
   <p:cSld>
     <p:spTree>
@@ -22759,7 +24778,7 @@
 </p:sld>
 </file>
 
-<file path=ppt/slides/slide43.xml><?xml version="1.0" encoding="utf-8"?>
+<file path=ppt/slides/slide44.xml><?xml version="1.0" encoding="utf-8"?>
 <p:sld xmlns:a="http://schemas.openxmlformats.org/drawingml/2006/main" xmlns:r="http://schemas.openxmlformats.org/officeDocument/2006/relationships" xmlns:p="http://schemas.openxmlformats.org/presentationml/2006/main">
   <p:cSld>
     <p:spTree>
@@ -22941,7 +24960,7 @@
 </p:sld>
 </file>
 
-<file path=ppt/slides/slide44.xml><?xml version="1.0" encoding="utf-8"?>
+<file path=ppt/slides/slide45.xml><?xml version="1.0" encoding="utf-8"?>
 <p:sld xmlns:a="http://schemas.openxmlformats.org/drawingml/2006/main" xmlns:r="http://schemas.openxmlformats.org/officeDocument/2006/relationships" xmlns:p="http://schemas.openxmlformats.org/presentationml/2006/main">
   <p:cSld>
     <p:spTree>
@@ -23165,7 +25184,7 @@
 </p:sld>
 </file>
 
-<file path=ppt/slides/slide45.xml><?xml version="1.0" encoding="utf-8"?>
+<file path=ppt/slides/slide46.xml><?xml version="1.0" encoding="utf-8"?>
 <p:sld xmlns:a="http://schemas.openxmlformats.org/drawingml/2006/main" xmlns:r="http://schemas.openxmlformats.org/officeDocument/2006/relationships" xmlns:p="http://schemas.openxmlformats.org/presentationml/2006/main">
   <p:cSld>
     <p:spTree>

--- a/nodejs.pptx
+++ b/nodejs.pptx
@@ -333,7 +333,7 @@
           <a:p>
             <a:fld id="{770F8BF7-72F6-4212-99B8-B3E729A9D098}" type="datetimeFigureOut">
               <a:rPr lang="en-US" smtClean="0"/>
-              <a:t>12/4/2013</a:t>
+              <a:t>12/5/2013</a:t>
             </a:fld>
             <a:endParaRPr lang="en-US"/>
           </a:p>
@@ -6211,13 +6211,8 @@
             </a:pPr>
             <a:r>
               <a:rPr lang="en-US" dirty="0" smtClean="0"/>
-              <a:t>Little time waiting in request </a:t>
-            </a:r>
-            <a:r>
-              <a:rPr lang="en-US" dirty="0" smtClean="0"/>
-              <a:t>handling</a:t>
-            </a:r>
-            <a:endParaRPr lang="en-US" dirty="0" smtClean="0"/>
+              <a:t>Little time waiting in request handling</a:t>
+            </a:r>
           </a:p>
           <a:p>
             <a:pPr marL="465750" lvl="2" indent="-285750">
@@ -6415,6 +6410,13 @@
   <p:clrMapOvr>
     <a:masterClrMapping/>
   </p:clrMapOvr>
+  <p:timing>
+    <p:tnLst>
+      <p:par>
+        <p:cTn id="1" dur="indefinite" restart="never" nodeType="tmRoot"/>
+      </p:par>
+    </p:tnLst>
+  </p:timing>
 </p:sld>
 </file>
 
@@ -18064,7 +18066,7 @@
         <p:spPr>
           <a:xfrm>
             <a:off x="467544" y="1340768"/>
-            <a:ext cx="5795176" cy="4031873"/>
+            <a:ext cx="5949064" cy="4031873"/>
           </a:xfrm>
           <a:prstGeom prst="rect">
             <a:avLst/>
@@ -18087,7 +18089,7 @@
             </a:r>
             <a:r>
               <a:rPr lang="en-US" altLang="zh-CN" dirty="0" smtClean="0"/>
-              <a:t>luster module is used to realize multi-thread model</a:t>
+              <a:t>luster module is used to realize multi-process model</a:t>
             </a:r>
           </a:p>
           <a:p>
@@ -20227,7 +20229,11 @@
               </a:r>
               <a:r>
                 <a:rPr lang="en-US" sz="800" dirty="0"/>
-                <a:t> am a new worker thread:"+</a:t>
+                <a:t> am a new worker </a:t>
+              </a:r>
+              <a:r>
+                <a:rPr lang="en-US" sz="800" dirty="0" smtClean="0"/>
+                <a:t>:"+</a:t>
               </a:r>
               <a:r>
                 <a:rPr lang="en-US" sz="800" dirty="0" err="1"/>
@@ -24653,6 +24659,13 @@
   <p:clrMapOvr>
     <a:masterClrMapping/>
   </p:clrMapOvr>
+  <p:timing>
+    <p:tnLst>
+      <p:par>
+        <p:cTn id="1" dur="indefinite" restart="never" nodeType="tmRoot"/>
+      </p:par>
+    </p:tnLst>
+  </p:timing>
 </p:sld>
 </file>
 
@@ -25986,6 +25999,13 @@
   <p:clrMapOvr>
     <a:masterClrMapping/>
   </p:clrMapOvr>
+  <p:timing>
+    <p:tnLst>
+      <p:par>
+        <p:cTn id="1" dur="indefinite" restart="never" nodeType="tmRoot"/>
+      </p:par>
+    </p:tnLst>
+  </p:timing>
 </p:sld>
 </file>
 
@@ -26194,6 +26214,13 @@
   <p:clrMapOvr>
     <a:masterClrMapping/>
   </p:clrMapOvr>
+  <p:timing>
+    <p:tnLst>
+      <p:par>
+        <p:cTn id="1" dur="indefinite" restart="never" nodeType="tmRoot"/>
+      </p:par>
+    </p:tnLst>
+  </p:timing>
 </p:sld>
 </file>
 
@@ -28046,6 +28073,13 @@
   <p:clrMapOvr>
     <a:masterClrMapping/>
   </p:clrMapOvr>
+  <p:timing>
+    <p:tnLst>
+      <p:par>
+        <p:cTn id="1" dur="indefinite" restart="never" nodeType="tmRoot"/>
+      </p:par>
+    </p:tnLst>
+  </p:timing>
 </p:sld>
 </file>
 
@@ -28232,6 +28266,13 @@
   <p:clrMapOvr>
     <a:masterClrMapping/>
   </p:clrMapOvr>
+  <p:timing>
+    <p:tnLst>
+      <p:par>
+        <p:cTn id="1" dur="indefinite" restart="never" nodeType="tmRoot"/>
+      </p:par>
+    </p:tnLst>
+  </p:timing>
 </p:sld>
 </file>
 
@@ -30888,14 +30929,7 @@
                 <a:latin typeface="Arial" panose="020B0604020202020204" pitchFamily="34" charset="0"/>
                 <a:cs typeface="Arial" panose="020B0604020202020204" pitchFamily="34" charset="0"/>
               </a:rPr>
-              <a:t>Non-blocking</a:t>
-            </a:r>
-            <a:r>
-              <a:rPr lang="en-US" b="1" dirty="0" smtClean="0">
-                <a:latin typeface="Arial" panose="020B0604020202020204" pitchFamily="34" charset="0"/>
-                <a:cs typeface="Arial" panose="020B0604020202020204" pitchFamily="34" charset="0"/>
-              </a:rPr>
-              <a:t>:</a:t>
+              <a:t>Non-blocking:</a:t>
             </a:r>
           </a:p>
           <a:p>
@@ -30908,14 +30942,7 @@
                 <a:latin typeface="Arial" panose="020B0604020202020204" pitchFamily="34" charset="0"/>
                 <a:cs typeface="Arial" panose="020B0604020202020204" pitchFamily="34" charset="0"/>
               </a:rPr>
-              <a:t>Asynchronous </a:t>
-            </a:r>
-            <a:r>
-              <a:rPr lang="en-US" b="1" dirty="0" smtClean="0">
-                <a:latin typeface="Arial" panose="020B0604020202020204" pitchFamily="34" charset="0"/>
-                <a:cs typeface="Arial" panose="020B0604020202020204" pitchFamily="34" charset="0"/>
-              </a:rPr>
-              <a:t>callback </a:t>
+              <a:t>Asynchronous callback </a:t>
             </a:r>
             <a:r>
               <a:rPr lang="en-US" altLang="zh-CN" b="1" dirty="0" smtClean="0">
@@ -30939,19 +30966,8 @@
                 <a:latin typeface="Arial" panose="020B0604020202020204" pitchFamily="34" charset="0"/>
                 <a:cs typeface="Arial" panose="020B0604020202020204" pitchFamily="34" charset="0"/>
               </a:rPr>
-              <a:t>No locks </a:t>
-            </a:r>
-            <a:r>
-              <a:rPr lang="en-US" b="1" dirty="0" smtClean="0">
-                <a:latin typeface="Arial" panose="020B0604020202020204" pitchFamily="34" charset="0"/>
-                <a:cs typeface="Arial" panose="020B0604020202020204" pitchFamily="34" charset="0"/>
-              </a:rPr>
-              <a:t>(no multi-thread)</a:t>
-            </a:r>
-            <a:endParaRPr lang="en-US" b="1" dirty="0" smtClean="0">
-              <a:latin typeface="Arial" panose="020B0604020202020204" pitchFamily="34" charset="0"/>
-              <a:cs typeface="Arial" panose="020B0604020202020204" pitchFamily="34" charset="0"/>
-            </a:endParaRPr>
+              <a:t>No locks (no multi-thread)</a:t>
+            </a:r>
           </a:p>
           <a:p>
             <a:pPr marL="342900" lvl="1" indent="-342900">
@@ -30963,19 +30979,8 @@
                 <a:latin typeface="Arial" panose="020B0604020202020204" pitchFamily="34" charset="0"/>
                 <a:cs typeface="Arial" panose="020B0604020202020204" pitchFamily="34" charset="0"/>
               </a:rPr>
-              <a:t>Low system resource </a:t>
-            </a:r>
-            <a:r>
-              <a:rPr lang="en-US" b="1" dirty="0" smtClean="0">
-                <a:latin typeface="Arial" panose="020B0604020202020204" pitchFamily="34" charset="0"/>
-                <a:cs typeface="Arial" panose="020B0604020202020204" pitchFamily="34" charset="0"/>
-              </a:rPr>
-              <a:t>occupation</a:t>
-            </a:r>
-            <a:endParaRPr lang="en-US" b="1" dirty="0" smtClean="0">
-              <a:latin typeface="Arial" panose="020B0604020202020204" pitchFamily="34" charset="0"/>
-              <a:cs typeface="Arial" panose="020B0604020202020204" pitchFamily="34" charset="0"/>
-            </a:endParaRPr>
+              <a:t>Low system resource occupation</a:t>
+            </a:r>
           </a:p>
         </p:txBody>
       </p:sp>
@@ -31459,13 +31464,6 @@
               </a:rPr>
               <a:t>: block operation</a:t>
             </a:r>
-            <a:endParaRPr lang="en-US" sz="1800" kern="0" dirty="0" smtClean="0">
-              <a:solidFill>
-                <a:srgbClr val="FF0000"/>
-              </a:solidFill>
-              <a:ea typeface="Arial Unicode MS" pitchFamily="34" charset="-128"/>
-              <a:cs typeface="Arial Unicode MS" pitchFamily="34" charset="-128"/>
-            </a:endParaRPr>
           </a:p>
         </p:txBody>
       </p:sp>
@@ -31894,7 +31892,23 @@
                   <a:srgbClr val="FF0000"/>
                 </a:solidFill>
               </a:rPr>
-              <a:t>main loop thread </a:t>
+              <a:t>main loop </a:t>
+            </a:r>
+            <a:r>
+              <a:rPr lang="en-US" altLang="zh-CN" dirty="0" smtClean="0">
+                <a:solidFill>
+                  <a:srgbClr val="FF0000"/>
+                </a:solidFill>
+              </a:rPr>
+              <a:t>process</a:t>
+            </a:r>
+            <a:r>
+              <a:rPr lang="en-US" dirty="0" smtClean="0">
+                <a:solidFill>
+                  <a:srgbClr val="FF0000"/>
+                </a:solidFill>
+              </a:rPr>
+              <a:t> </a:t>
             </a:r>
             <a:r>
               <a:rPr lang="en-US" dirty="0" smtClean="0"/>
@@ -31910,11 +31924,7 @@
             </a:r>
             <a:r>
               <a:rPr lang="en-US" dirty="0" smtClean="0"/>
-              <a:t>to </a:t>
-            </a:r>
-            <a:r>
-              <a:rPr lang="en-US" dirty="0" smtClean="0"/>
-              <a:t>handle it, the handle result will be sent back to main thread via </a:t>
+              <a:t>to handle it, the handle result will be sent back to main process via </a:t>
             </a:r>
             <a:r>
               <a:rPr lang="en-US" dirty="0" smtClean="0">
@@ -31938,19 +31948,7 @@
                   </a:outerShdw>
                 </a:effectLst>
               </a:rPr>
-              <a:t>asynchronously</a:t>
-            </a:r>
-            <a:r>
-              <a:rPr lang="en-US" dirty="0" smtClean="0">
-                <a:effectLst>
-                  <a:outerShdw blurRad="38100" dist="38100" dir="2700000" algn="tl">
-                    <a:srgbClr val="000000">
-                      <a:alpha val="43137"/>
-                    </a:srgbClr>
-                  </a:outerShdw>
-                </a:effectLst>
-              </a:rPr>
-              <a:t>. There ‘s no real multi-thread, so no locks.</a:t>
+              <a:t>asynchronously. There ‘s no real multi-thread, so no locks.</a:t>
             </a:r>
             <a:endParaRPr lang="en-US" dirty="0">
               <a:effectLst>
@@ -32003,14 +32001,7 @@
                 <a:ea typeface="Arial Unicode MS" pitchFamily="34" charset="-128"/>
                 <a:cs typeface="Arial Unicode MS" pitchFamily="34" charset="-128"/>
               </a:rPr>
-              <a:t>With event-loop and callbacks, ther</a:t>
-            </a:r>
-            <a:r>
-              <a:rPr lang="en-US" sz="1400" kern="0" dirty="0" smtClean="0">
-                <a:ea typeface="Arial Unicode MS" pitchFamily="34" charset="-128"/>
-                <a:cs typeface="Arial Unicode MS" pitchFamily="34" charset="-128"/>
-              </a:rPr>
-              <a:t>e is no “wait </a:t>
+              <a:t>With event-loop and callbacks, there is no “wait </a:t>
             </a:r>
             <a:r>
               <a:rPr lang="en-US" altLang="zh-CN" sz="1400" kern="0" dirty="0" smtClean="0">
